--- a/google-drive/week02/4Thurs/1_Week2_MultipleRegression.pptx
+++ b/google-drive/week02/4Thurs/1_Week2_MultipleRegression.pptx
@@ -301,7 +301,7 @@
           <a:p>
             <a:fld id="{F3C7AE39-24BF-9046-BF66-BB2858E2304D}" type="datetimeFigureOut">
               <a:rPr lang="en-US" smtClean="0"/>
-              <a:t>6/19/2021</a:t>
+              <a:t>6/25/23</a:t>
             </a:fld>
             <a:endParaRPr lang="en-US"/>
           </a:p>
@@ -623,66 +623,6 @@
           </a:prstGeom>
         </p:spPr>
       </p:pic>
-      <p:pic>
-        <p:nvPicPr>
-          <p:cNvPr id="8" name="Picture 2">
-            <a:extLst>
-              <a:ext uri="{FF2B5EF4-FFF2-40B4-BE49-F238E27FC236}">
-                <a16:creationId xmlns:a16="http://schemas.microsoft.com/office/drawing/2014/main" id="{67D9E3D2-99B2-9D4F-879E-D1D4B4D76D08}"/>
-              </a:ext>
-            </a:extLst>
-          </p:cNvPr>
-          <p:cNvPicPr>
-            <a:picLocks noChangeAspect="1" noChangeArrowheads="1"/>
-          </p:cNvPicPr>
-          <p:nvPr userDrawn="1"/>
-        </p:nvPicPr>
-        <p:blipFill>
-          <a:blip r:embed="rId3">
-            <a:extLst>
-              <a:ext uri="{28A0092B-C50C-407E-A947-70E740481C1C}">
-                <a14:useLocalDpi xmlns:a14="http://schemas.microsoft.com/office/drawing/2010/main" val="0"/>
-              </a:ext>
-            </a:extLst>
-          </a:blip>
-          <a:srcRect/>
-          <a:stretch>
-            <a:fillRect/>
-          </a:stretch>
-        </p:blipFill>
-        <p:spPr bwMode="auto">
-          <a:xfrm>
-            <a:off x="85726" y="6060103"/>
-            <a:ext cx="764091" cy="731957"/>
-          </a:xfrm>
-          <a:prstGeom prst="rect">
-            <a:avLst/>
-          </a:prstGeom>
-          <a:noFill/>
-          <a:ln>
-            <a:noFill/>
-          </a:ln>
-          <a:extLst>
-            <a:ext uri="{909E8E84-426E-40DD-AFC4-6F175D3DCCD1}">
-              <a14:hiddenFill xmlns:a14="http://schemas.microsoft.com/office/drawing/2010/main">
-                <a:solidFill>
-                  <a:schemeClr val="accent1"/>
-                </a:solidFill>
-              </a14:hiddenFill>
-            </a:ext>
-            <a:ext uri="{91240B29-F687-4F45-9708-019B960494DF}">
-              <a14:hiddenLine xmlns:a14="http://schemas.microsoft.com/office/drawing/2010/main" w="9525">
-                <a:solidFill>
-                  <a:schemeClr val="tx1"/>
-                </a:solidFill>
-                <a:miter lim="800000"/>
-                <a:headEnd/>
-                <a:tailEnd/>
-              </a14:hiddenLine>
-            </a:ext>
-          </a:extLst>
-        </p:spPr>
-      </p:pic>
     </p:spTree>
     <p:extLst>
       <p:ext uri="{BB962C8B-B14F-4D97-AF65-F5344CB8AC3E}">
@@ -852,66 +792,6 @@
           </a:p>
         </p:txBody>
       </p:sp>
-      <p:pic>
-        <p:nvPicPr>
-          <p:cNvPr id="7" name="Picture 2">
-            <a:extLst>
-              <a:ext uri="{FF2B5EF4-FFF2-40B4-BE49-F238E27FC236}">
-                <a16:creationId xmlns:a16="http://schemas.microsoft.com/office/drawing/2014/main" id="{A29E8EC7-21FC-E74A-A95A-36823B5C2496}"/>
-              </a:ext>
-            </a:extLst>
-          </p:cNvPr>
-          <p:cNvPicPr>
-            <a:picLocks noChangeAspect="1" noChangeArrowheads="1"/>
-          </p:cNvPicPr>
-          <p:nvPr userDrawn="1"/>
-        </p:nvPicPr>
-        <p:blipFill>
-          <a:blip r:embed="rId2">
-            <a:extLst>
-              <a:ext uri="{28A0092B-C50C-407E-A947-70E740481C1C}">
-                <a14:useLocalDpi xmlns:a14="http://schemas.microsoft.com/office/drawing/2010/main" val="0"/>
-              </a:ext>
-            </a:extLst>
-          </a:blip>
-          <a:srcRect/>
-          <a:stretch>
-            <a:fillRect/>
-          </a:stretch>
-        </p:blipFill>
-        <p:spPr bwMode="auto">
-          <a:xfrm>
-            <a:off x="85726" y="6060103"/>
-            <a:ext cx="764091" cy="731957"/>
-          </a:xfrm>
-          <a:prstGeom prst="rect">
-            <a:avLst/>
-          </a:prstGeom>
-          <a:noFill/>
-          <a:ln>
-            <a:noFill/>
-          </a:ln>
-          <a:extLst>
-            <a:ext uri="{909E8E84-426E-40DD-AFC4-6F175D3DCCD1}">
-              <a14:hiddenFill xmlns:a14="http://schemas.microsoft.com/office/drawing/2010/main">
-                <a:solidFill>
-                  <a:schemeClr val="accent1"/>
-                </a:solidFill>
-              </a14:hiddenFill>
-            </a:ext>
-            <a:ext uri="{91240B29-F687-4F45-9708-019B960494DF}">
-              <a14:hiddenLine xmlns:a14="http://schemas.microsoft.com/office/drawing/2010/main" w="9525">
-                <a:solidFill>
-                  <a:schemeClr val="tx1"/>
-                </a:solidFill>
-                <a:miter lim="800000"/>
-                <a:headEnd/>
-                <a:tailEnd/>
-              </a14:hiddenLine>
-            </a:ext>
-          </a:extLst>
-        </p:spPr>
-      </p:pic>
     </p:spTree>
     <p:extLst>
       <p:ext uri="{BB962C8B-B14F-4D97-AF65-F5344CB8AC3E}">
@@ -1148,66 +1028,6 @@
           </a:p>
         </p:txBody>
       </p:sp>
-      <p:pic>
-        <p:nvPicPr>
-          <p:cNvPr id="8" name="Picture 2">
-            <a:extLst>
-              <a:ext uri="{FF2B5EF4-FFF2-40B4-BE49-F238E27FC236}">
-                <a16:creationId xmlns:a16="http://schemas.microsoft.com/office/drawing/2014/main" id="{184E9D19-E0B8-0947-BB64-E1C282226663}"/>
-              </a:ext>
-            </a:extLst>
-          </p:cNvPr>
-          <p:cNvPicPr>
-            <a:picLocks noChangeAspect="1" noChangeArrowheads="1"/>
-          </p:cNvPicPr>
-          <p:nvPr userDrawn="1"/>
-        </p:nvPicPr>
-        <p:blipFill>
-          <a:blip r:embed="rId2">
-            <a:extLst>
-              <a:ext uri="{28A0092B-C50C-407E-A947-70E740481C1C}">
-                <a14:useLocalDpi xmlns:a14="http://schemas.microsoft.com/office/drawing/2010/main" val="0"/>
-              </a:ext>
-            </a:extLst>
-          </a:blip>
-          <a:srcRect/>
-          <a:stretch>
-            <a:fillRect/>
-          </a:stretch>
-        </p:blipFill>
-        <p:spPr bwMode="auto">
-          <a:xfrm>
-            <a:off x="85726" y="6060103"/>
-            <a:ext cx="764091" cy="731957"/>
-          </a:xfrm>
-          <a:prstGeom prst="rect">
-            <a:avLst/>
-          </a:prstGeom>
-          <a:noFill/>
-          <a:ln>
-            <a:noFill/>
-          </a:ln>
-          <a:extLst>
-            <a:ext uri="{909E8E84-426E-40DD-AFC4-6F175D3DCCD1}">
-              <a14:hiddenFill xmlns:a14="http://schemas.microsoft.com/office/drawing/2010/main">
-                <a:solidFill>
-                  <a:schemeClr val="accent1"/>
-                </a:solidFill>
-              </a14:hiddenFill>
-            </a:ext>
-            <a:ext uri="{91240B29-F687-4F45-9708-019B960494DF}">
-              <a14:hiddenLine xmlns:a14="http://schemas.microsoft.com/office/drawing/2010/main" w="9525">
-                <a:solidFill>
-                  <a:schemeClr val="tx1"/>
-                </a:solidFill>
-                <a:miter lim="800000"/>
-                <a:headEnd/>
-                <a:tailEnd/>
-              </a14:hiddenLine>
-            </a:ext>
-          </a:extLst>
-        </p:spPr>
-      </p:pic>
     </p:spTree>
     <p:extLst>
       <p:ext uri="{BB962C8B-B14F-4D97-AF65-F5344CB8AC3E}">
@@ -1320,66 +1140,6 @@
           </a:p>
         </p:txBody>
       </p:sp>
-      <p:pic>
-        <p:nvPicPr>
-          <p:cNvPr id="6" name="Picture 2">
-            <a:extLst>
-              <a:ext uri="{FF2B5EF4-FFF2-40B4-BE49-F238E27FC236}">
-                <a16:creationId xmlns:a16="http://schemas.microsoft.com/office/drawing/2014/main" id="{4B2F1C79-AAE1-8546-A8CF-AF386EBA459C}"/>
-              </a:ext>
-            </a:extLst>
-          </p:cNvPr>
-          <p:cNvPicPr>
-            <a:picLocks noChangeAspect="1" noChangeArrowheads="1"/>
-          </p:cNvPicPr>
-          <p:nvPr userDrawn="1"/>
-        </p:nvPicPr>
-        <p:blipFill>
-          <a:blip r:embed="rId2">
-            <a:extLst>
-              <a:ext uri="{28A0092B-C50C-407E-A947-70E740481C1C}">
-                <a14:useLocalDpi xmlns:a14="http://schemas.microsoft.com/office/drawing/2010/main" val="0"/>
-              </a:ext>
-            </a:extLst>
-          </a:blip>
-          <a:srcRect/>
-          <a:stretch>
-            <a:fillRect/>
-          </a:stretch>
-        </p:blipFill>
-        <p:spPr bwMode="auto">
-          <a:xfrm>
-            <a:off x="85726" y="6060103"/>
-            <a:ext cx="764091" cy="731957"/>
-          </a:xfrm>
-          <a:prstGeom prst="rect">
-            <a:avLst/>
-          </a:prstGeom>
-          <a:noFill/>
-          <a:ln>
-            <a:noFill/>
-          </a:ln>
-          <a:extLst>
-            <a:ext uri="{909E8E84-426E-40DD-AFC4-6F175D3DCCD1}">
-              <a14:hiddenFill xmlns:a14="http://schemas.microsoft.com/office/drawing/2010/main">
-                <a:solidFill>
-                  <a:schemeClr val="accent1"/>
-                </a:solidFill>
-              </a14:hiddenFill>
-            </a:ext>
-            <a:ext uri="{91240B29-F687-4F45-9708-019B960494DF}">
-              <a14:hiddenLine xmlns:a14="http://schemas.microsoft.com/office/drawing/2010/main" w="9525">
-                <a:solidFill>
-                  <a:schemeClr val="tx1"/>
-                </a:solidFill>
-                <a:miter lim="800000"/>
-                <a:headEnd/>
-                <a:tailEnd/>
-              </a14:hiddenLine>
-            </a:ext>
-          </a:extLst>
-        </p:spPr>
-      </p:pic>
     </p:spTree>
     <p:extLst>
       <p:ext uri="{BB962C8B-B14F-4D97-AF65-F5344CB8AC3E}">
@@ -1464,66 +1224,6 @@
           </a:p>
         </p:txBody>
       </p:sp>
-      <p:pic>
-        <p:nvPicPr>
-          <p:cNvPr id="5" name="Picture 2">
-            <a:extLst>
-              <a:ext uri="{FF2B5EF4-FFF2-40B4-BE49-F238E27FC236}">
-                <a16:creationId xmlns:a16="http://schemas.microsoft.com/office/drawing/2014/main" id="{79D4C0F1-72B1-D84D-97A7-B095096D03A6}"/>
-              </a:ext>
-            </a:extLst>
-          </p:cNvPr>
-          <p:cNvPicPr>
-            <a:picLocks noChangeAspect="1" noChangeArrowheads="1"/>
-          </p:cNvPicPr>
-          <p:nvPr userDrawn="1"/>
-        </p:nvPicPr>
-        <p:blipFill>
-          <a:blip r:embed="rId2">
-            <a:extLst>
-              <a:ext uri="{28A0092B-C50C-407E-A947-70E740481C1C}">
-                <a14:useLocalDpi xmlns:a14="http://schemas.microsoft.com/office/drawing/2010/main" val="0"/>
-              </a:ext>
-            </a:extLst>
-          </a:blip>
-          <a:srcRect/>
-          <a:stretch>
-            <a:fillRect/>
-          </a:stretch>
-        </p:blipFill>
-        <p:spPr bwMode="auto">
-          <a:xfrm>
-            <a:off x="85726" y="6060103"/>
-            <a:ext cx="764091" cy="731957"/>
-          </a:xfrm>
-          <a:prstGeom prst="rect">
-            <a:avLst/>
-          </a:prstGeom>
-          <a:noFill/>
-          <a:ln>
-            <a:noFill/>
-          </a:ln>
-          <a:extLst>
-            <a:ext uri="{909E8E84-426E-40DD-AFC4-6F175D3DCCD1}">
-              <a14:hiddenFill xmlns:a14="http://schemas.microsoft.com/office/drawing/2010/main">
-                <a:solidFill>
-                  <a:schemeClr val="accent1"/>
-                </a:solidFill>
-              </a14:hiddenFill>
-            </a:ext>
-            <a:ext uri="{91240B29-F687-4F45-9708-019B960494DF}">
-              <a14:hiddenLine xmlns:a14="http://schemas.microsoft.com/office/drawing/2010/main" w="9525">
-                <a:solidFill>
-                  <a:schemeClr val="tx1"/>
-                </a:solidFill>
-                <a:miter lim="800000"/>
-                <a:headEnd/>
-                <a:tailEnd/>
-              </a14:hiddenLine>
-            </a:ext>
-          </a:extLst>
-        </p:spPr>
-      </p:pic>
     </p:spTree>
     <p:extLst>
       <p:ext uri="{BB962C8B-B14F-4D97-AF65-F5344CB8AC3E}">
@@ -1756,62 +1456,32 @@
       </p:sp>
       <p:pic>
         <p:nvPicPr>
-          <p:cNvPr id="7" name="Picture 2">
+          <p:cNvPr id="8" name="Picture 7" descr="A black and red text&#10;&#10;Description automatically generated with low confidence">
             <a:extLst>
               <a:ext uri="{FF2B5EF4-FFF2-40B4-BE49-F238E27FC236}">
-                <a16:creationId xmlns:a16="http://schemas.microsoft.com/office/drawing/2014/main" id="{34297335-7B6F-2845-BD41-C9FA63BC0CB0}"/>
+                <a16:creationId xmlns:a16="http://schemas.microsoft.com/office/drawing/2014/main" id="{802468F1-29EE-314A-7149-F9384EA89840}"/>
               </a:ext>
             </a:extLst>
           </p:cNvPr>
           <p:cNvPicPr>
-            <a:picLocks noChangeAspect="1" noChangeArrowheads="1"/>
+            <a:picLocks noChangeAspect="1"/>
           </p:cNvPicPr>
           <p:nvPr userDrawn="1"/>
         </p:nvPicPr>
         <p:blipFill>
-          <a:blip r:embed="rId7">
-            <a:extLst>
-              <a:ext uri="{28A0092B-C50C-407E-A947-70E740481C1C}">
-                <a14:useLocalDpi xmlns:a14="http://schemas.microsoft.com/office/drawing/2010/main" val="0"/>
-              </a:ext>
-            </a:extLst>
-          </a:blip>
-          <a:srcRect/>
+          <a:blip r:embed="rId7"/>
           <a:stretch>
             <a:fillRect/>
           </a:stretch>
         </p:blipFill>
-        <p:spPr bwMode="auto">
+        <p:spPr>
           <a:xfrm>
-            <a:off x="85726" y="6060103"/>
-            <a:ext cx="764091" cy="731957"/>
+            <a:off x="78499" y="6092102"/>
+            <a:ext cx="833186" cy="731958"/>
           </a:xfrm>
           <a:prstGeom prst="rect">
             <a:avLst/>
           </a:prstGeom>
-          <a:noFill/>
-          <a:ln>
-            <a:noFill/>
-          </a:ln>
-          <a:extLst>
-            <a:ext uri="{909E8E84-426E-40DD-AFC4-6F175D3DCCD1}">
-              <a14:hiddenFill xmlns:a14="http://schemas.microsoft.com/office/drawing/2010/main">
-                <a:solidFill>
-                  <a:schemeClr val="accent1"/>
-                </a:solidFill>
-              </a14:hiddenFill>
-            </a:ext>
-            <a:ext uri="{91240B29-F687-4F45-9708-019B960494DF}">
-              <a14:hiddenLine xmlns:a14="http://schemas.microsoft.com/office/drawing/2010/main" w="9525">
-                <a:solidFill>
-                  <a:schemeClr val="tx1"/>
-                </a:solidFill>
-                <a:miter lim="800000"/>
-                <a:headEnd/>
-                <a:tailEnd/>
-              </a14:hiddenLine>
-            </a:ext>
-          </a:extLst>
         </p:spPr>
       </p:pic>
     </p:spTree>
@@ -2243,8 +1913,8 @@
           </a:p>
         </p:txBody>
       </p:sp>
-      <mc:AlternateContent xmlns:mc="http://schemas.openxmlformats.org/markup-compatibility/2006">
-        <mc:Choice xmlns:a14="http://schemas.microsoft.com/office/drawing/2010/main" Requires="a14">
+      <mc:AlternateContent xmlns:mc="http://schemas.openxmlformats.org/markup-compatibility/2006" xmlns:a14="http://schemas.microsoft.com/office/drawing/2010/main">
+        <mc:Choice Requires="a14">
           <p:sp>
             <p:nvSpPr>
               <p:cNvPr id="3" name="Content Placeholder 2">
@@ -2570,7 +2240,7 @@
             </p:txBody>
           </p:sp>
         </mc:Choice>
-        <mc:Fallback>
+        <mc:Fallback xmlns="">
           <p:sp>
             <p:nvSpPr>
               <p:cNvPr id="3" name="Content Placeholder 2">
@@ -4334,8 +4004,8 @@
           </a:p>
         </p:txBody>
       </p:sp>
-      <mc:AlternateContent xmlns:mc="http://schemas.openxmlformats.org/markup-compatibility/2006">
-        <mc:Choice xmlns:a14="http://schemas.microsoft.com/office/drawing/2010/main" Requires="a14">
+      <mc:AlternateContent xmlns:mc="http://schemas.openxmlformats.org/markup-compatibility/2006" xmlns:a14="http://schemas.microsoft.com/office/drawing/2010/main">
+        <mc:Choice Requires="a14">
           <p:sp>
             <p:nvSpPr>
               <p:cNvPr id="3" name="Content Placeholder 2">
@@ -4454,7 +4124,7 @@
             </p:txBody>
           </p:sp>
         </mc:Choice>
-        <mc:Fallback>
+        <mc:Fallback xmlns="">
           <p:sp>
             <p:nvSpPr>
               <p:cNvPr id="3" name="Content Placeholder 2">
@@ -5017,8 +4687,8 @@
           </a:p>
         </p:txBody>
       </p:sp>
-      <mc:AlternateContent xmlns:mc="http://schemas.openxmlformats.org/markup-compatibility/2006">
-        <mc:Choice xmlns:a14="http://schemas.microsoft.com/office/drawing/2010/main" Requires="a14">
+      <mc:AlternateContent xmlns:mc="http://schemas.openxmlformats.org/markup-compatibility/2006" xmlns:a14="http://schemas.microsoft.com/office/drawing/2010/main">
+        <mc:Choice Requires="a14">
           <p:sp>
             <p:nvSpPr>
               <p:cNvPr id="3" name="Content Placeholder 2">
@@ -5598,7 +5268,7 @@
             </p:txBody>
           </p:sp>
         </mc:Choice>
-        <mc:Fallback>
+        <mc:Fallback xmlns="">
           <p:sp>
             <p:nvSpPr>
               <p:cNvPr id="3" name="Content Placeholder 2">
@@ -5879,8 +5549,8 @@
           </a:p>
         </p:txBody>
       </p:sp>
-      <mc:AlternateContent xmlns:mc="http://schemas.openxmlformats.org/markup-compatibility/2006">
-        <mc:Choice xmlns:a14="http://schemas.microsoft.com/office/drawing/2010/main" Requires="a14">
+      <mc:AlternateContent xmlns:mc="http://schemas.openxmlformats.org/markup-compatibility/2006" xmlns:a14="http://schemas.microsoft.com/office/drawing/2010/main">
+        <mc:Choice Requires="a14">
           <p:sp>
             <p:nvSpPr>
               <p:cNvPr id="3" name="Content Placeholder 2">
@@ -6244,7 +5914,7 @@
             </p:txBody>
           </p:sp>
         </mc:Choice>
-        <mc:Fallback>
+        <mc:Fallback xmlns="">
           <p:sp>
             <p:nvSpPr>
               <p:cNvPr id="3" name="Content Placeholder 2">
@@ -6346,8 +6016,8 @@
           </a:p>
         </p:txBody>
       </p:sp>
-      <mc:AlternateContent xmlns:mc="http://schemas.openxmlformats.org/markup-compatibility/2006">
-        <mc:Choice xmlns:a14="http://schemas.microsoft.com/office/drawing/2010/main" Requires="a14">
+      <mc:AlternateContent xmlns:mc="http://schemas.openxmlformats.org/markup-compatibility/2006" xmlns:a14="http://schemas.microsoft.com/office/drawing/2010/main">
+        <mc:Choice Requires="a14">
           <p:sp>
             <p:nvSpPr>
               <p:cNvPr id="3" name="Content Placeholder 2">
@@ -6549,7 +6219,7 @@
             </p:txBody>
           </p:sp>
         </mc:Choice>
-        <mc:Fallback>
+        <mc:Fallback xmlns="">
           <p:sp>
             <p:nvSpPr>
               <p:cNvPr id="3" name="Content Placeholder 2">
@@ -7762,8 +7432,8 @@
           </a:p>
         </p:txBody>
       </p:sp>
-      <mc:AlternateContent xmlns:mc="http://schemas.openxmlformats.org/markup-compatibility/2006">
-        <mc:Choice xmlns:a14="http://schemas.microsoft.com/office/drawing/2010/main" Requires="a14">
+      <mc:AlternateContent xmlns:mc="http://schemas.openxmlformats.org/markup-compatibility/2006" xmlns:a14="http://schemas.microsoft.com/office/drawing/2010/main">
+        <mc:Choice Requires="a14">
           <p:sp>
             <p:nvSpPr>
               <p:cNvPr id="3" name="Content Placeholder 2">
@@ -7921,7 +7591,7 @@
             </p:txBody>
           </p:sp>
         </mc:Choice>
-        <mc:Fallback>
+        <mc:Fallback xmlns="">
           <p:sp>
             <p:nvSpPr>
               <p:cNvPr id="3" name="Content Placeholder 2">
@@ -8450,8 +8120,8 @@
           </a:p>
         </p:txBody>
       </p:sp>
-      <mc:AlternateContent xmlns:mc="http://schemas.openxmlformats.org/markup-compatibility/2006">
-        <mc:Choice xmlns:a14="http://schemas.microsoft.com/office/drawing/2010/main" Requires="a14">
+      <mc:AlternateContent xmlns:mc="http://schemas.openxmlformats.org/markup-compatibility/2006" xmlns:a14="http://schemas.microsoft.com/office/drawing/2010/main">
+        <mc:Choice Requires="a14">
           <p:sp>
             <p:nvSpPr>
               <p:cNvPr id="3" name="Content Placeholder 2">
@@ -8612,7 +8282,7 @@
             </p:txBody>
           </p:sp>
         </mc:Choice>
-        <mc:Fallback>
+        <mc:Fallback xmlns="">
           <p:sp>
             <p:nvSpPr>
               <p:cNvPr id="3" name="Content Placeholder 2">
@@ -9505,8 +9175,8 @@
           </a:fontRef>
         </p:style>
       </p:cxnSp>
-      <mc:AlternateContent xmlns:mc="http://schemas.openxmlformats.org/markup-compatibility/2006">
-        <mc:Choice xmlns:a14="http://schemas.microsoft.com/office/drawing/2010/main" Requires="a14">
+      <mc:AlternateContent xmlns:mc="http://schemas.openxmlformats.org/markup-compatibility/2006" xmlns:a14="http://schemas.microsoft.com/office/drawing/2010/main">
+        <mc:Choice Requires="a14">
           <p:sp>
             <p:nvSpPr>
               <p:cNvPr id="9" name="TextBox 8">
@@ -9535,6 +9205,7 @@
               </a:bodyPr>
               <a:lstStyle/>
               <a:p>
+                <a:pPr/>
                 <a14:m>
                   <m:oMathPara xmlns:m="http://schemas.openxmlformats.org/officeDocument/2006/math">
                     <m:oMathParaPr>
@@ -9573,7 +9244,7 @@
             </p:txBody>
           </p:sp>
         </mc:Choice>
-        <mc:Fallback>
+        <mc:Fallback xmlns="">
           <p:sp>
             <p:nvSpPr>
               <p:cNvPr id="9" name="TextBox 8">
@@ -10028,8 +9699,8 @@
           </a:fontRef>
         </p:style>
       </p:cxnSp>
-      <mc:AlternateContent xmlns:mc="http://schemas.openxmlformats.org/markup-compatibility/2006">
-        <mc:Choice xmlns:a14="http://schemas.microsoft.com/office/drawing/2010/main" Requires="a14">
+      <mc:AlternateContent xmlns:mc="http://schemas.openxmlformats.org/markup-compatibility/2006" xmlns:a14="http://schemas.microsoft.com/office/drawing/2010/main">
+        <mc:Choice Requires="a14">
           <p:sp>
             <p:nvSpPr>
               <p:cNvPr id="4" name="TextBox 3">
@@ -10058,6 +9729,7 @@
               </a:bodyPr>
               <a:lstStyle/>
               <a:p>
+                <a:pPr/>
                 <a14:m>
                   <m:oMathPara xmlns:m="http://schemas.openxmlformats.org/officeDocument/2006/math">
                     <m:oMathParaPr>
@@ -10096,7 +9768,7 @@
             </p:txBody>
           </p:sp>
         </mc:Choice>
-        <mc:Fallback>
+        <mc:Fallback xmlns="">
           <p:sp>
             <p:nvSpPr>
               <p:cNvPr id="4" name="TextBox 3">
@@ -11804,8 +11476,8 @@
           </a:p>
         </p:txBody>
       </p:sp>
-      <mc:AlternateContent xmlns:mc="http://schemas.openxmlformats.org/markup-compatibility/2006">
-        <mc:Choice xmlns:a14="http://schemas.microsoft.com/office/drawing/2010/main" Requires="a14">
+      <mc:AlternateContent xmlns:mc="http://schemas.openxmlformats.org/markup-compatibility/2006" xmlns:a14="http://schemas.microsoft.com/office/drawing/2010/main">
+        <mc:Choice Requires="a14">
           <p:sp>
             <p:nvSpPr>
               <p:cNvPr id="3" name="Content Placeholder 2">
@@ -12638,7 +12310,7 @@
             </p:txBody>
           </p:sp>
         </mc:Choice>
-        <mc:Fallback>
+        <mc:Fallback xmlns="">
           <p:sp>
             <p:nvSpPr>
               <p:cNvPr id="3" name="Content Placeholder 2">
@@ -12770,8 +12442,8 @@
           </a:fontRef>
         </p:style>
       </p:cxnSp>
-      <mc:AlternateContent xmlns:mc="http://schemas.openxmlformats.org/markup-compatibility/2006">
-        <mc:Choice xmlns:a14="http://schemas.microsoft.com/office/drawing/2010/main" Requires="a14">
+      <mc:AlternateContent xmlns:mc="http://schemas.openxmlformats.org/markup-compatibility/2006" xmlns:a14="http://schemas.microsoft.com/office/drawing/2010/main">
+        <mc:Choice Requires="a14">
           <p:sp>
             <p:nvSpPr>
               <p:cNvPr id="4" name="Rectangle: Rounded Corners 3">
@@ -12929,7 +12601,7 @@
             </p:txBody>
           </p:sp>
         </mc:Choice>
-        <mc:Fallback>
+        <mc:Fallback xmlns="">
           <p:sp>
             <p:nvSpPr>
               <p:cNvPr id="4" name="Rectangle: Rounded Corners 3">
@@ -13037,8 +12709,8 @@
           </a:p>
         </p:txBody>
       </p:sp>
-      <mc:AlternateContent xmlns:mc="http://schemas.openxmlformats.org/markup-compatibility/2006">
-        <mc:Choice xmlns:a14="http://schemas.microsoft.com/office/drawing/2010/main" Requires="a14">
+      <mc:AlternateContent xmlns:mc="http://schemas.openxmlformats.org/markup-compatibility/2006" xmlns:a14="http://schemas.microsoft.com/office/drawing/2010/main">
+        <mc:Choice Requires="a14">
           <p:sp>
             <p:nvSpPr>
               <p:cNvPr id="3" name="Content Placeholder 2">
@@ -13103,13 +12775,7 @@
                       <a:rPr lang="en-US" sz="3800" b="0" i="1" smtClean="0">
                         <a:latin typeface="Cambria Math" panose="02040503050406030204" pitchFamily="18" charset="0"/>
                       </a:rPr>
-                      <m:t>=</m:t>
-                    </m:r>
-                    <m:r>
-                      <a:rPr lang="en-US" sz="3800" b="0" i="1" smtClean="0">
-                        <a:latin typeface="Cambria Math" panose="02040503050406030204" pitchFamily="18" charset="0"/>
-                      </a:rPr>
-                      <m:t>59.42−9.96</m:t>
+                      <m:t>=59.42−9.96</m:t>
                     </m:r>
                     <m:sSub>
                       <m:sSubPr>
@@ -13171,19 +12837,7 @@
                       <a:rPr lang="en-US" sz="3800" b="0" i="1" smtClean="0">
                         <a:latin typeface="Cambria Math" panose="02040503050406030204" pitchFamily="18" charset="0"/>
                       </a:rPr>
-                      <m:t>+</m:t>
-                    </m:r>
-                    <m:r>
-                      <a:rPr lang="en-US" sz="3800" b="0" i="1" smtClean="0">
-                        <a:latin typeface="Cambria Math" panose="02040503050406030204" pitchFamily="18" charset="0"/>
-                      </a:rPr>
-                      <m:t>0.67</m:t>
-                    </m:r>
-                    <m:r>
-                      <a:rPr lang="en-US" sz="3800" b="0" i="1" smtClean="0">
-                        <a:latin typeface="Cambria Math" panose="02040503050406030204" pitchFamily="18" charset="0"/>
-                      </a:rPr>
-                      <m:t>(</m:t>
+                      <m:t>+0.67(</m:t>
                     </m:r>
                     <m:sSub>
                       <m:sSubPr>
@@ -13657,13 +13311,7 @@
                           <a:rPr lang="en-US" sz="3800" b="0" i="1" smtClean="0">
                             <a:latin typeface="Cambria Math" panose="02040503050406030204" pitchFamily="18" charset="0"/>
                           </a:rPr>
-                          <m:t>59.42−</m:t>
-                        </m:r>
-                        <m:r>
-                          <a:rPr lang="en-US" sz="3800" b="0" i="1" smtClean="0">
-                            <a:latin typeface="Cambria Math" panose="02040503050406030204" pitchFamily="18" charset="0"/>
-                          </a:rPr>
-                          <m:t>9.96</m:t>
+                          <m:t>59.42−9.96</m:t>
                         </m:r>
                       </m:e>
                     </m:d>
@@ -13686,13 +13334,7 @@
                           <a:rPr lang="en-US" sz="3800" b="0" i="1" smtClean="0">
                             <a:latin typeface="Cambria Math" panose="02040503050406030204" pitchFamily="18" charset="0"/>
                           </a:rPr>
-                          <m:t>−</m:t>
-                        </m:r>
-                        <m:r>
-                          <a:rPr lang="en-US" sz="3800" b="0" i="1" smtClean="0">
-                            <a:latin typeface="Cambria Math" panose="02040503050406030204" pitchFamily="18" charset="0"/>
-                          </a:rPr>
-                          <m:t>0.58</m:t>
+                          <m:t>−0.58</m:t>
                         </m:r>
                         <m:sSub>
                           <m:sSubPr>
@@ -13851,7 +13493,7 @@
             </p:txBody>
           </p:sp>
         </mc:Choice>
-        <mc:Fallback>
+        <mc:Fallback xmlns="">
           <p:sp>
             <p:nvSpPr>
               <p:cNvPr id="3" name="Content Placeholder 2">
@@ -15742,8 +15384,8 @@
           </a:p>
         </p:txBody>
       </p:sp>
-      <mc:AlternateContent xmlns:mc="http://schemas.openxmlformats.org/markup-compatibility/2006">
-        <mc:Choice xmlns:a14="http://schemas.microsoft.com/office/drawing/2010/main" Requires="a14">
+      <mc:AlternateContent xmlns:mc="http://schemas.openxmlformats.org/markup-compatibility/2006" xmlns:a14="http://schemas.microsoft.com/office/drawing/2010/main">
+        <mc:Choice Requires="a14">
           <p:sp>
             <p:nvSpPr>
               <p:cNvPr id="3" name="Content Placeholder 2">
@@ -16302,7 +15944,7 @@
             </p:txBody>
           </p:sp>
         </mc:Choice>
-        <mc:Fallback>
+        <mc:Fallback xmlns="">
           <p:sp>
             <p:nvSpPr>
               <p:cNvPr id="3" name="Content Placeholder 2">
@@ -17451,8 +17093,8 @@
           </a:p>
         </p:txBody>
       </p:sp>
-      <mc:AlternateContent xmlns:mc="http://schemas.openxmlformats.org/markup-compatibility/2006">
-        <mc:Choice xmlns:a14="http://schemas.microsoft.com/office/drawing/2010/main" Requires="a14">
+      <mc:AlternateContent xmlns:mc="http://schemas.openxmlformats.org/markup-compatibility/2006" xmlns:a14="http://schemas.microsoft.com/office/drawing/2010/main">
+        <mc:Choice Requires="a14">
           <p:sp>
             <p:nvSpPr>
               <p:cNvPr id="3" name="Content Placeholder 2">
@@ -18001,7 +17643,7 @@
             </p:txBody>
           </p:sp>
         </mc:Choice>
-        <mc:Fallback>
+        <mc:Fallback xmlns="">
           <p:sp>
             <p:nvSpPr>
               <p:cNvPr id="3" name="Content Placeholder 2">

--- a/google-drive/week02/4Thurs/1_Week2_MultipleRegression.pptx
+++ b/google-drive/week02/4Thurs/1_Week2_MultipleRegression.pptx
@@ -5,7 +5,7 @@
     <p:sldMasterId id="2147483648" r:id="rId1"/>
   </p:sldMasterIdLst>
   <p:handoutMasterIdLst>
-    <p:handoutMasterId r:id="rId35"/>
+    <p:handoutMasterId r:id="rId36"/>
   </p:handoutMasterIdLst>
   <p:sldIdLst>
     <p:sldId id="256" r:id="rId2"/>
@@ -20,27 +20,28 @@
     <p:sldId id="265" r:id="rId11"/>
     <p:sldId id="266" r:id="rId12"/>
     <p:sldId id="264" r:id="rId13"/>
-    <p:sldId id="267" r:id="rId14"/>
-    <p:sldId id="268" r:id="rId15"/>
-    <p:sldId id="308" r:id="rId16"/>
-    <p:sldId id="309" r:id="rId17"/>
-    <p:sldId id="311" r:id="rId18"/>
-    <p:sldId id="312" r:id="rId19"/>
-    <p:sldId id="313" r:id="rId20"/>
-    <p:sldId id="310" r:id="rId21"/>
-    <p:sldId id="314" r:id="rId22"/>
-    <p:sldId id="317" r:id="rId23"/>
-    <p:sldId id="269" r:id="rId24"/>
-    <p:sldId id="270" r:id="rId25"/>
-    <p:sldId id="315" r:id="rId26"/>
-    <p:sldId id="316" r:id="rId27"/>
-    <p:sldId id="318" r:id="rId28"/>
-    <p:sldId id="319" r:id="rId29"/>
-    <p:sldId id="320" r:id="rId30"/>
-    <p:sldId id="321" r:id="rId31"/>
-    <p:sldId id="322" r:id="rId32"/>
-    <p:sldId id="323" r:id="rId33"/>
-    <p:sldId id="324" r:id="rId34"/>
+    <p:sldId id="325" r:id="rId14"/>
+    <p:sldId id="267" r:id="rId15"/>
+    <p:sldId id="268" r:id="rId16"/>
+    <p:sldId id="308" r:id="rId17"/>
+    <p:sldId id="309" r:id="rId18"/>
+    <p:sldId id="311" r:id="rId19"/>
+    <p:sldId id="312" r:id="rId20"/>
+    <p:sldId id="313" r:id="rId21"/>
+    <p:sldId id="310" r:id="rId22"/>
+    <p:sldId id="314" r:id="rId23"/>
+    <p:sldId id="317" r:id="rId24"/>
+    <p:sldId id="269" r:id="rId25"/>
+    <p:sldId id="270" r:id="rId26"/>
+    <p:sldId id="315" r:id="rId27"/>
+    <p:sldId id="316" r:id="rId28"/>
+    <p:sldId id="318" r:id="rId29"/>
+    <p:sldId id="319" r:id="rId30"/>
+    <p:sldId id="320" r:id="rId31"/>
+    <p:sldId id="321" r:id="rId32"/>
+    <p:sldId id="322" r:id="rId33"/>
+    <p:sldId id="323" r:id="rId34"/>
+    <p:sldId id="324" r:id="rId35"/>
   </p:sldIdLst>
   <p:sldSz cx="12192000" cy="6858000"/>
   <p:notesSz cx="6858000" cy="9144000"/>
@@ -164,6 +165,7 @@
         </p14:section>
         <p14:section name="Shared Covariance" id="{DFDA9CC6-9B73-4B7F-A640-3B801280D71D}">
           <p14:sldIdLst>
+            <p14:sldId id="325"/>
             <p14:sldId id="267"/>
             <p14:sldId id="268"/>
             <p14:sldId id="308"/>
@@ -301,7 +303,7 @@
           <a:p>
             <a:fld id="{F3C7AE39-24BF-9046-BF66-BB2858E2304D}" type="datetimeFigureOut">
               <a:rPr lang="en-US" smtClean="0"/>
-              <a:t>6/25/23</a:t>
+              <a:t>6/28/23</a:t>
             </a:fld>
             <a:endParaRPr lang="en-US"/>
           </a:p>
@@ -1822,7 +1824,15 @@
           <a:p>
             <a:r>
               <a:rPr lang="en-US" dirty="0"/>
-              <a:t>LA’s BEST @ USC</a:t>
+              <a:t>LA’s </a:t>
+            </a:r>
+            <a:r>
+              <a:rPr lang="en-US" dirty="0" err="1"/>
+              <a:t>BeST</a:t>
+            </a:r>
+            <a:r>
+              <a:rPr lang="en-US" dirty="0"/>
+              <a:t> @ USC</a:t>
             </a:r>
           </a:p>
         </p:txBody>
@@ -1887,6 +1897,62 @@
       </p:grpSpPr>
       <p:sp>
         <p:nvSpPr>
+          <p:cNvPr id="4" name="Oval 3">
+            <a:extLst>
+              <a:ext uri="{FF2B5EF4-FFF2-40B4-BE49-F238E27FC236}">
+                <a16:creationId xmlns:a16="http://schemas.microsoft.com/office/drawing/2014/main" id="{B9E91933-683D-ECE3-B34F-34E2F6050B5A}"/>
+              </a:ext>
+            </a:extLst>
+          </p:cNvPr>
+          <p:cNvSpPr/>
+          <p:nvPr/>
+        </p:nvSpPr>
+        <p:spPr>
+          <a:xfrm>
+            <a:off x="735724" y="5623034"/>
+            <a:ext cx="7304690" cy="388882"/>
+          </a:xfrm>
+          <a:prstGeom prst="ellipse">
+            <a:avLst/>
+          </a:prstGeom>
+          <a:solidFill>
+            <a:srgbClr val="FFFF00">
+              <a:alpha val="48235"/>
+            </a:srgbClr>
+          </a:solidFill>
+          <a:ln>
+            <a:solidFill>
+              <a:srgbClr val="FFFF00"/>
+            </a:solidFill>
+          </a:ln>
+        </p:spPr>
+        <p:style>
+          <a:lnRef idx="2">
+            <a:schemeClr val="accent1">
+              <a:shade val="15000"/>
+            </a:schemeClr>
+          </a:lnRef>
+          <a:fillRef idx="1">
+            <a:schemeClr val="accent1"/>
+          </a:fillRef>
+          <a:effectRef idx="0">
+            <a:schemeClr val="accent1"/>
+          </a:effectRef>
+          <a:fontRef idx="minor">
+            <a:schemeClr val="lt1"/>
+          </a:fontRef>
+        </p:style>
+        <p:txBody>
+          <a:bodyPr rtlCol="0" anchor="ctr"/>
+          <a:lstStyle/>
+          <a:p>
+            <a:pPr algn="ctr"/>
+            <a:endParaRPr lang="en-US"/>
+          </a:p>
+        </p:txBody>
+      </p:sp>
+      <p:sp>
+        <p:nvSpPr>
           <p:cNvPr id="2" name="Title 1">
             <a:extLst>
               <a:ext uri="{FF2B5EF4-FFF2-40B4-BE49-F238E27FC236}">
@@ -1913,8 +1979,8 @@
           </a:p>
         </p:txBody>
       </p:sp>
-      <mc:AlternateContent xmlns:mc="http://schemas.openxmlformats.org/markup-compatibility/2006" xmlns:a14="http://schemas.microsoft.com/office/drawing/2010/main">
-        <mc:Choice Requires="a14">
+      <mc:AlternateContent xmlns:mc="http://schemas.openxmlformats.org/markup-compatibility/2006">
+        <mc:Choice xmlns:a14="http://schemas.microsoft.com/office/drawing/2010/main" Requires="a14">
           <p:sp>
             <p:nvSpPr>
               <p:cNvPr id="3" name="Content Placeholder 2">
@@ -2160,7 +2226,7 @@
                 </a:pPr>
                 <a:r>
                   <a:rPr lang="en-US" dirty="0"/>
-                  <a:t>The overall F test will determine if the entire model, collectively, is significant</a:t>
+                  <a:t>The overall F test will determine if the entire model, collectively, is statistically significant</a:t>
                 </a:r>
               </a:p>
               <a:p>
@@ -2240,7 +2306,7 @@
             </p:txBody>
           </p:sp>
         </mc:Choice>
-        <mc:Fallback xmlns="">
+        <mc:Fallback>
           <p:sp>
             <p:nvSpPr>
               <p:cNvPr id="3" name="Content Placeholder 2">
@@ -2265,7 +2331,7 @@
               <a:blipFill>
                 <a:blip r:embed="rId2"/>
                 <a:stretch>
-                  <a:fillRect l="-996" t="-233"/>
+                  <a:fillRect l="-1036" t="-242"/>
                 </a:stretch>
               </a:blipFill>
             </p:spPr>
@@ -2294,6 +2360,84 @@
   <p:clrMapOvr>
     <a:masterClrMapping/>
   </p:clrMapOvr>
+  <p:timing>
+    <p:tnLst>
+      <p:par>
+        <p:cTn id="1" dur="indefinite" restart="never" nodeType="tmRoot">
+          <p:childTnLst>
+            <p:seq concurrent="1" nextAc="seek">
+              <p:cTn id="2" dur="indefinite" nodeType="mainSeq">
+                <p:childTnLst>
+                  <p:par>
+                    <p:cTn id="3" fill="hold">
+                      <p:stCondLst>
+                        <p:cond delay="indefinite"/>
+                      </p:stCondLst>
+                      <p:childTnLst>
+                        <p:par>
+                          <p:cTn id="4" fill="hold">
+                            <p:stCondLst>
+                              <p:cond delay="0"/>
+                            </p:stCondLst>
+                            <p:childTnLst>
+                              <p:par>
+                                <p:cTn id="5" presetID="1" presetClass="entr" presetSubtype="0" fill="hold" grpId="0" nodeType="clickEffect">
+                                  <p:stCondLst>
+                                    <p:cond delay="0"/>
+                                  </p:stCondLst>
+                                  <p:childTnLst>
+                                    <p:set>
+                                      <p:cBhvr>
+                                        <p:cTn id="6" dur="1" fill="hold">
+                                          <p:stCondLst>
+                                            <p:cond delay="0"/>
+                                          </p:stCondLst>
+                                        </p:cTn>
+                                        <p:tgtEl>
+                                          <p:spTgt spid="4"/>
+                                        </p:tgtEl>
+                                        <p:attrNameLst>
+                                          <p:attrName>style.visibility</p:attrName>
+                                        </p:attrNameLst>
+                                      </p:cBhvr>
+                                      <p:to>
+                                        <p:strVal val="visible"/>
+                                      </p:to>
+                                    </p:set>
+                                  </p:childTnLst>
+                                </p:cTn>
+                              </p:par>
+                            </p:childTnLst>
+                          </p:cTn>
+                        </p:par>
+                      </p:childTnLst>
+                    </p:cTn>
+                  </p:par>
+                </p:childTnLst>
+              </p:cTn>
+              <p:prevCondLst>
+                <p:cond evt="onPrev" delay="0">
+                  <p:tgtEl>
+                    <p:sldTgt/>
+                  </p:tgtEl>
+                </p:cond>
+              </p:prevCondLst>
+              <p:nextCondLst>
+                <p:cond evt="onNext" delay="0">
+                  <p:tgtEl>
+                    <p:sldTgt/>
+                  </p:tgtEl>
+                </p:cond>
+              </p:nextCondLst>
+            </p:seq>
+          </p:childTnLst>
+        </p:cTn>
+      </p:par>
+    </p:tnLst>
+    <p:bldLst>
+      <p:bldP spid="4" grpId="0" animBg="1"/>
+    </p:bldLst>
+  </p:timing>
 </p:sld>
 </file>
 
@@ -3024,6 +3168,99 @@
           <a:bodyPr/>
           <a:lstStyle/>
           <a:p>
+            <a:pPr>
+              <a:lnSpc>
+                <a:spcPct val="120000"/>
+              </a:lnSpc>
+            </a:pPr>
+            <a:r>
+              <a:rPr lang="en-US" dirty="0"/>
+              <a:t>How do SBP and DBP affect total cholesterol?</a:t>
+            </a:r>
+          </a:p>
+        </p:txBody>
+      </p:sp>
+      <p:pic>
+        <p:nvPicPr>
+          <p:cNvPr id="4" name="Picture 3">
+            <a:extLst>
+              <a:ext uri="{FF2B5EF4-FFF2-40B4-BE49-F238E27FC236}">
+                <a16:creationId xmlns:a16="http://schemas.microsoft.com/office/drawing/2014/main" id="{3607C29E-4B3C-64AF-54AA-F9ADD92B6B0F}"/>
+              </a:ext>
+            </a:extLst>
+          </p:cNvPr>
+          <p:cNvPicPr>
+            <a:picLocks noChangeAspect="1"/>
+          </p:cNvPicPr>
+          <p:nvPr/>
+        </p:nvPicPr>
+        <p:blipFill>
+          <a:blip r:embed="rId2"/>
+          <a:stretch>
+            <a:fillRect/>
+          </a:stretch>
+        </p:blipFill>
+        <p:spPr>
+          <a:xfrm>
+            <a:off x="2680139" y="2002002"/>
+            <a:ext cx="5237874" cy="4231470"/>
+          </a:xfrm>
+          <a:prstGeom prst="rect">
+            <a:avLst/>
+          </a:prstGeom>
+        </p:spPr>
+      </p:pic>
+    </p:spTree>
+    <p:extLst>
+      <p:ext uri="{BB962C8B-B14F-4D97-AF65-F5344CB8AC3E}">
+        <p14:creationId xmlns:p14="http://schemas.microsoft.com/office/powerpoint/2010/main" val="492521732"/>
+      </p:ext>
+    </p:extLst>
+  </p:cSld>
+  <p:clrMapOvr>
+    <a:masterClrMapping/>
+  </p:clrMapOvr>
+</p:sld>
+</file>
+
+<file path=ppt/slides/slide14.xml><?xml version="1.0" encoding="utf-8"?>
+<p:sld xmlns:a="http://schemas.openxmlformats.org/drawingml/2006/main" xmlns:r="http://schemas.openxmlformats.org/officeDocument/2006/relationships" xmlns:p="http://schemas.openxmlformats.org/presentationml/2006/main">
+  <p:cSld>
+    <p:spTree>
+      <p:nvGrpSpPr>
+        <p:cNvPr id="1" name=""/>
+        <p:cNvGrpSpPr/>
+        <p:nvPr/>
+      </p:nvGrpSpPr>
+      <p:grpSpPr>
+        <a:xfrm>
+          <a:off x="0" y="0"/>
+          <a:ext cx="0" cy="0"/>
+          <a:chOff x="0" y="0"/>
+          <a:chExt cx="0" cy="0"/>
+        </a:xfrm>
+      </p:grpSpPr>
+      <p:sp>
+        <p:nvSpPr>
+          <p:cNvPr id="2" name="Title 1">
+            <a:extLst>
+              <a:ext uri="{FF2B5EF4-FFF2-40B4-BE49-F238E27FC236}">
+                <a16:creationId xmlns:a16="http://schemas.microsoft.com/office/drawing/2014/main" id="{0B8C635E-B1AD-4A3B-A512-BE5F2592DC87}"/>
+              </a:ext>
+            </a:extLst>
+          </p:cNvPr>
+          <p:cNvSpPr>
+            <a:spLocks noGrp="1"/>
+          </p:cNvSpPr>
+          <p:nvPr>
+            <p:ph type="title"/>
+          </p:nvPr>
+        </p:nvSpPr>
+        <p:spPr/>
+        <p:txBody>
+          <a:bodyPr/>
+          <a:lstStyle/>
+          <a:p>
             <a:r>
               <a:rPr lang="en-US" dirty="0"/>
               <a:t>Multiple Single Regression Equations</a:t>
@@ -3959,7 +4196,7 @@
 </p:sld>
 </file>
 
-<file path=ppt/slides/slide14.xml><?xml version="1.0" encoding="utf-8"?>
+<file path=ppt/slides/slide15.xml><?xml version="1.0" encoding="utf-8"?>
 <p:sld xmlns:a="http://schemas.openxmlformats.org/drawingml/2006/main" xmlns:r="http://schemas.openxmlformats.org/officeDocument/2006/relationships" xmlns:p="http://schemas.openxmlformats.org/presentationml/2006/main">
   <p:cSld>
     <p:spTree>
@@ -4439,7 +4676,7 @@
 </p:sld>
 </file>
 
-<file path=ppt/slides/slide15.xml><?xml version="1.0" encoding="utf-8"?>
+<file path=ppt/slides/slide16.xml><?xml version="1.0" encoding="utf-8"?>
 <p:sld xmlns:a="http://schemas.openxmlformats.org/drawingml/2006/main" xmlns:r="http://schemas.openxmlformats.org/officeDocument/2006/relationships" xmlns:p="http://schemas.openxmlformats.org/presentationml/2006/main">
   <p:cSld>
     <p:spTree>
@@ -4642,7 +4879,7 @@
 </p:sld>
 </file>
 
-<file path=ppt/slides/slide16.xml><?xml version="1.0" encoding="utf-8"?>
+<file path=ppt/slides/slide17.xml><?xml version="1.0" encoding="utf-8"?>
 <p:sld xmlns:a="http://schemas.openxmlformats.org/drawingml/2006/main" xmlns:r="http://schemas.openxmlformats.org/officeDocument/2006/relationships" xmlns:p="http://schemas.openxmlformats.org/presentationml/2006/main">
   <p:cSld>
     <p:spTree>
@@ -5325,7 +5562,7 @@
 </p:sld>
 </file>
 
-<file path=ppt/slides/slide17.xml><?xml version="1.0" encoding="utf-8"?>
+<file path=ppt/slides/slide18.xml><?xml version="1.0" encoding="utf-8"?>
 <p:sld xmlns:a="http://schemas.openxmlformats.org/drawingml/2006/main" xmlns:r="http://schemas.openxmlformats.org/officeDocument/2006/relationships" xmlns:p="http://schemas.openxmlformats.org/presentationml/2006/main">
   <p:cSld>
     <p:spTree>
@@ -5504,7 +5741,7 @@
 </p:sld>
 </file>
 
-<file path=ppt/slides/slide18.xml><?xml version="1.0" encoding="utf-8"?>
+<file path=ppt/slides/slide19.xml><?xml version="1.0" encoding="utf-8"?>
 <p:sld xmlns:a="http://schemas.openxmlformats.org/drawingml/2006/main" xmlns:r="http://schemas.openxmlformats.org/officeDocument/2006/relationships" xmlns:p="http://schemas.openxmlformats.org/presentationml/2006/main">
   <p:cSld>
     <p:spTree>
@@ -5971,7 +6208,110 @@
 </p:sld>
 </file>
 
-<file path=ppt/slides/slide19.xml><?xml version="1.0" encoding="utf-8"?>
+<file path=ppt/slides/slide2.xml><?xml version="1.0" encoding="utf-8"?>
+<p:sld xmlns:a="http://schemas.openxmlformats.org/drawingml/2006/main" xmlns:r="http://schemas.openxmlformats.org/officeDocument/2006/relationships" xmlns:p="http://schemas.openxmlformats.org/presentationml/2006/main">
+  <p:cSld>
+    <p:spTree>
+      <p:nvGrpSpPr>
+        <p:cNvPr id="1" name=""/>
+        <p:cNvGrpSpPr/>
+        <p:nvPr/>
+      </p:nvGrpSpPr>
+      <p:grpSpPr>
+        <a:xfrm>
+          <a:off x="0" y="0"/>
+          <a:ext cx="0" cy="0"/>
+          <a:chOff x="0" y="0"/>
+          <a:chExt cx="0" cy="0"/>
+        </a:xfrm>
+      </p:grpSpPr>
+      <p:sp>
+        <p:nvSpPr>
+          <p:cNvPr id="2" name="Title 1">
+            <a:extLst>
+              <a:ext uri="{FF2B5EF4-FFF2-40B4-BE49-F238E27FC236}">
+                <a16:creationId xmlns:a16="http://schemas.microsoft.com/office/drawing/2014/main" id="{0B8C635E-B1AD-4A3B-A512-BE5F2592DC87}"/>
+              </a:ext>
+            </a:extLst>
+          </p:cNvPr>
+          <p:cNvSpPr>
+            <a:spLocks noGrp="1"/>
+          </p:cNvSpPr>
+          <p:nvPr>
+            <p:ph type="title"/>
+          </p:nvPr>
+        </p:nvSpPr>
+        <p:spPr/>
+        <p:txBody>
+          <a:bodyPr/>
+          <a:lstStyle/>
+          <a:p>
+            <a:r>
+              <a:rPr lang="en-US" dirty="0"/>
+              <a:t>Categorical Predictors</a:t>
+            </a:r>
+          </a:p>
+        </p:txBody>
+      </p:sp>
+      <p:sp>
+        <p:nvSpPr>
+          <p:cNvPr id="3" name="Content Placeholder 2">
+            <a:extLst>
+              <a:ext uri="{FF2B5EF4-FFF2-40B4-BE49-F238E27FC236}">
+                <a16:creationId xmlns:a16="http://schemas.microsoft.com/office/drawing/2014/main" id="{769E0954-E43E-4C21-99A6-EC2ADD213995}"/>
+              </a:ext>
+            </a:extLst>
+          </p:cNvPr>
+          <p:cNvSpPr>
+            <a:spLocks noGrp="1"/>
+          </p:cNvSpPr>
+          <p:nvPr>
+            <p:ph idx="1"/>
+          </p:nvPr>
+        </p:nvSpPr>
+        <p:spPr>
+          <a:xfrm>
+            <a:off x="838200" y="1825625"/>
+            <a:ext cx="10623550" cy="4351338"/>
+          </a:xfrm>
+        </p:spPr>
+        <p:txBody>
+          <a:bodyPr/>
+          <a:lstStyle/>
+          <a:p>
+            <a:r>
+              <a:rPr lang="en-US" dirty="0"/>
+              <a:t>Last session we discussed how to use a dichotomous/binary predictor</a:t>
+            </a:r>
+          </a:p>
+          <a:p>
+            <a:r>
+              <a:rPr lang="en-US" dirty="0"/>
+              <a:t>How could we use a regression approach with a multi-category predictor?</a:t>
+            </a:r>
+          </a:p>
+          <a:p>
+            <a:r>
+              <a:rPr lang="en-US" dirty="0"/>
+              <a:t>Example: is manufacturer associated with MPG? (We’ll only focus on 4 manufacturers for simplicity)</a:t>
+            </a:r>
+          </a:p>
+        </p:txBody>
+      </p:sp>
+    </p:spTree>
+    <p:extLst>
+      <p:ext uri="{BB962C8B-B14F-4D97-AF65-F5344CB8AC3E}">
+        <p14:creationId xmlns:p14="http://schemas.microsoft.com/office/powerpoint/2010/main" val="639295009"/>
+      </p:ext>
+    </p:extLst>
+  </p:cSld>
+  <p:clrMapOvr>
+    <a:masterClrMapping/>
+  </p:clrMapOvr>
+</p:sld>
+</file>
+
+<file path=ppt/slides/slide20.xml><?xml version="1.0" encoding="utf-8"?>
 <p:sld xmlns:a="http://schemas.openxmlformats.org/drawingml/2006/main" xmlns:r="http://schemas.openxmlformats.org/officeDocument/2006/relationships" xmlns:p="http://schemas.openxmlformats.org/presentationml/2006/main">
   <p:cSld>
     <p:spTree>
@@ -6263,6 +6603,340 @@
           </p:sp>
         </mc:Fallback>
       </mc:AlternateContent>
+      <mc:AlternateContent xmlns:mc="http://schemas.openxmlformats.org/markup-compatibility/2006">
+        <mc:Choice xmlns:a14="http://schemas.microsoft.com/office/drawing/2010/main" Requires="a14">
+          <p:sp>
+            <p:nvSpPr>
+              <p:cNvPr id="5" name="TextBox 4">
+                <a:extLst>
+                  <a:ext uri="{FF2B5EF4-FFF2-40B4-BE49-F238E27FC236}">
+                    <a16:creationId xmlns:a16="http://schemas.microsoft.com/office/drawing/2014/main" id="{168D5C44-2EFC-6757-2187-8DF5E6693CDE}"/>
+                  </a:ext>
+                </a:extLst>
+              </p:cNvPr>
+              <p:cNvSpPr txBox="1"/>
+              <p:nvPr/>
+            </p:nvSpPr>
+            <p:spPr>
+              <a:xfrm>
+                <a:off x="7966841" y="259693"/>
+                <a:ext cx="3857295" cy="376770"/>
+              </a:xfrm>
+              <a:prstGeom prst="rect">
+                <a:avLst/>
+              </a:prstGeom>
+              <a:noFill/>
+            </p:spPr>
+            <p:txBody>
+              <a:bodyPr wrap="square">
+                <a:spAutoFit/>
+              </a:bodyPr>
+              <a:lstStyle/>
+              <a:p>
+                <a:pPr/>
+                <a14:m>
+                  <m:oMathPara xmlns:m="http://schemas.openxmlformats.org/officeDocument/2006/math">
+                    <m:oMathParaPr>
+                      <m:jc m:val="centerGroup"/>
+                    </m:oMathParaPr>
+                    <m:oMath xmlns:m="http://schemas.openxmlformats.org/officeDocument/2006/math">
+                      <m:acc>
+                        <m:accPr>
+                          <m:chr m:val="̂"/>
+                          <m:ctrlPr>
+                            <a:rPr lang="en-US" sz="1800" i="1" smtClean="0">
+                              <a:latin typeface="Cambria Math" panose="02040503050406030204" pitchFamily="18" charset="0"/>
+                              <a:cs typeface="Segoe UI" panose="020B0502040204020203" pitchFamily="34" charset="0"/>
+                            </a:rPr>
+                          </m:ctrlPr>
+                        </m:accPr>
+                        <m:e>
+                          <m:r>
+                            <a:rPr lang="en-US" sz="1800" i="1">
+                              <a:latin typeface="Cambria Math" panose="02040503050406030204" pitchFamily="18" charset="0"/>
+                              <a:cs typeface="Segoe UI" panose="020B0502040204020203" pitchFamily="34" charset="0"/>
+                            </a:rPr>
+                            <m:t>𝑌</m:t>
+                          </m:r>
+                        </m:e>
+                      </m:acc>
+                      <m:r>
+                        <a:rPr lang="en-US" sz="1800" i="1" dirty="0">
+                          <a:latin typeface="Cambria Math" panose="02040503050406030204" pitchFamily="18" charset="0"/>
+                          <a:cs typeface="Segoe UI" panose="020B0502040204020203" pitchFamily="34" charset="0"/>
+                        </a:rPr>
+                        <m:t>=</m:t>
+                      </m:r>
+                      <m:sSub>
+                        <m:sSubPr>
+                          <m:ctrlPr>
+                            <a:rPr lang="en-US" sz="1800" i="1">
+                              <a:latin typeface="Cambria Math" panose="02040503050406030204" pitchFamily="18" charset="0"/>
+                              <a:cs typeface="Segoe UI" panose="020B0502040204020203" pitchFamily="34" charset="0"/>
+                            </a:rPr>
+                          </m:ctrlPr>
+                        </m:sSubPr>
+                        <m:e>
+                          <m:r>
+                            <a:rPr lang="en-US" sz="1800" i="1">
+                              <a:latin typeface="Cambria Math" panose="02040503050406030204" pitchFamily="18" charset="0"/>
+                              <a:cs typeface="Segoe UI" panose="020B0502040204020203" pitchFamily="34" charset="0"/>
+                            </a:rPr>
+                            <m:t>𝛽</m:t>
+                          </m:r>
+                        </m:e>
+                        <m:sub>
+                          <m:r>
+                            <a:rPr lang="en-US" sz="1800" i="1">
+                              <a:latin typeface="Cambria Math" panose="02040503050406030204" pitchFamily="18" charset="0"/>
+                              <a:cs typeface="Segoe UI" panose="020B0502040204020203" pitchFamily="34" charset="0"/>
+                            </a:rPr>
+                            <m:t>0</m:t>
+                          </m:r>
+                        </m:sub>
+                      </m:sSub>
+                      <m:r>
+                        <a:rPr lang="en-US" sz="1800" i="1">
+                          <a:latin typeface="Cambria Math" panose="02040503050406030204" pitchFamily="18" charset="0"/>
+                          <a:cs typeface="Segoe UI" panose="020B0502040204020203" pitchFamily="34" charset="0"/>
+                        </a:rPr>
+                        <m:t>+</m:t>
+                      </m:r>
+                      <m:sSub>
+                        <m:sSubPr>
+                          <m:ctrlPr>
+                            <a:rPr lang="en-US" sz="1800" i="1">
+                              <a:latin typeface="Cambria Math" panose="02040503050406030204" pitchFamily="18" charset="0"/>
+                              <a:cs typeface="Segoe UI" panose="020B0502040204020203" pitchFamily="34" charset="0"/>
+                            </a:rPr>
+                          </m:ctrlPr>
+                        </m:sSubPr>
+                        <m:e>
+                          <m:r>
+                            <a:rPr lang="en-US" sz="1800" i="1">
+                              <a:latin typeface="Cambria Math" panose="02040503050406030204" pitchFamily="18" charset="0"/>
+                              <a:cs typeface="Segoe UI" panose="020B0502040204020203" pitchFamily="34" charset="0"/>
+                            </a:rPr>
+                            <m:t>𝛽</m:t>
+                          </m:r>
+                        </m:e>
+                        <m:sub>
+                          <m:r>
+                            <a:rPr lang="en-US" sz="1800" i="1">
+                              <a:latin typeface="Cambria Math" panose="02040503050406030204" pitchFamily="18" charset="0"/>
+                              <a:cs typeface="Segoe UI" panose="020B0502040204020203" pitchFamily="34" charset="0"/>
+                            </a:rPr>
+                            <m:t>1</m:t>
+                          </m:r>
+                        </m:sub>
+                      </m:sSub>
+                      <m:sSub>
+                        <m:sSubPr>
+                          <m:ctrlPr>
+                            <a:rPr lang="en-US" sz="1800" i="1">
+                              <a:latin typeface="Cambria Math" panose="02040503050406030204" pitchFamily="18" charset="0"/>
+                              <a:cs typeface="Segoe UI" panose="020B0502040204020203" pitchFamily="34" charset="0"/>
+                            </a:rPr>
+                          </m:ctrlPr>
+                        </m:sSubPr>
+                        <m:e>
+                          <m:r>
+                            <a:rPr lang="en-US" sz="1800" i="1">
+                              <a:latin typeface="Cambria Math" panose="02040503050406030204" pitchFamily="18" charset="0"/>
+                              <a:cs typeface="Segoe UI" panose="020B0502040204020203" pitchFamily="34" charset="0"/>
+                            </a:rPr>
+                            <m:t>𝑋</m:t>
+                          </m:r>
+                        </m:e>
+                        <m:sub>
+                          <m:r>
+                            <a:rPr lang="en-US" sz="1800" i="1">
+                              <a:latin typeface="Cambria Math" panose="02040503050406030204" pitchFamily="18" charset="0"/>
+                              <a:cs typeface="Segoe UI" panose="020B0502040204020203" pitchFamily="34" charset="0"/>
+                            </a:rPr>
+                            <m:t>1</m:t>
+                          </m:r>
+                        </m:sub>
+                      </m:sSub>
+                      <m:r>
+                        <a:rPr lang="en-US" sz="1800" i="1">
+                          <a:latin typeface="Cambria Math" panose="02040503050406030204" pitchFamily="18" charset="0"/>
+                          <a:cs typeface="Segoe UI" panose="020B0502040204020203" pitchFamily="34" charset="0"/>
+                        </a:rPr>
+                        <m:t>+</m:t>
+                      </m:r>
+                      <m:sSub>
+                        <m:sSubPr>
+                          <m:ctrlPr>
+                            <a:rPr lang="en-US" sz="1800" i="1">
+                              <a:latin typeface="Cambria Math" panose="02040503050406030204" pitchFamily="18" charset="0"/>
+                              <a:cs typeface="Segoe UI" panose="020B0502040204020203" pitchFamily="34" charset="0"/>
+                            </a:rPr>
+                          </m:ctrlPr>
+                        </m:sSubPr>
+                        <m:e>
+                          <m:r>
+                            <a:rPr lang="en-US" sz="1800" i="1">
+                              <a:latin typeface="Cambria Math" panose="02040503050406030204" pitchFamily="18" charset="0"/>
+                              <a:cs typeface="Segoe UI" panose="020B0502040204020203" pitchFamily="34" charset="0"/>
+                            </a:rPr>
+                            <m:t>𝛽</m:t>
+                          </m:r>
+                        </m:e>
+                        <m:sub>
+                          <m:r>
+                            <a:rPr lang="en-US" sz="1800" i="1">
+                              <a:latin typeface="Cambria Math" panose="02040503050406030204" pitchFamily="18" charset="0"/>
+                              <a:cs typeface="Segoe UI" panose="020B0502040204020203" pitchFamily="34" charset="0"/>
+                            </a:rPr>
+                            <m:t>2</m:t>
+                          </m:r>
+                        </m:sub>
+                      </m:sSub>
+                      <m:sSub>
+                        <m:sSubPr>
+                          <m:ctrlPr>
+                            <a:rPr lang="en-US" sz="1800" i="1">
+                              <a:latin typeface="Cambria Math" panose="02040503050406030204" pitchFamily="18" charset="0"/>
+                              <a:cs typeface="Segoe UI" panose="020B0502040204020203" pitchFamily="34" charset="0"/>
+                            </a:rPr>
+                          </m:ctrlPr>
+                        </m:sSubPr>
+                        <m:e>
+                          <m:r>
+                            <a:rPr lang="en-US" sz="1800" i="1">
+                              <a:latin typeface="Cambria Math" panose="02040503050406030204" pitchFamily="18" charset="0"/>
+                              <a:cs typeface="Segoe UI" panose="020B0502040204020203" pitchFamily="34" charset="0"/>
+                            </a:rPr>
+                            <m:t>𝑋</m:t>
+                          </m:r>
+                        </m:e>
+                        <m:sub>
+                          <m:r>
+                            <a:rPr lang="en-US" sz="1800" i="1">
+                              <a:latin typeface="Cambria Math" panose="02040503050406030204" pitchFamily="18" charset="0"/>
+                              <a:cs typeface="Segoe UI" panose="020B0502040204020203" pitchFamily="34" charset="0"/>
+                            </a:rPr>
+                            <m:t>2</m:t>
+                          </m:r>
+                        </m:sub>
+                      </m:sSub>
+                      <m:r>
+                        <a:rPr lang="en-US" sz="1800" i="1">
+                          <a:latin typeface="Cambria Math" panose="02040503050406030204" pitchFamily="18" charset="0"/>
+                          <a:cs typeface="Segoe UI" panose="020B0502040204020203" pitchFamily="34" charset="0"/>
+                        </a:rPr>
+                        <m:t>+…+</m:t>
+                      </m:r>
+                      <m:sSub>
+                        <m:sSubPr>
+                          <m:ctrlPr>
+                            <a:rPr lang="en-US" sz="1800" i="1">
+                              <a:latin typeface="Cambria Math" panose="02040503050406030204" pitchFamily="18" charset="0"/>
+                              <a:cs typeface="Segoe UI" panose="020B0502040204020203" pitchFamily="34" charset="0"/>
+                            </a:rPr>
+                          </m:ctrlPr>
+                        </m:sSubPr>
+                        <m:e>
+                          <m:r>
+                            <a:rPr lang="en-US" sz="1800" i="1">
+                              <a:latin typeface="Cambria Math" panose="02040503050406030204" pitchFamily="18" charset="0"/>
+                              <a:cs typeface="Segoe UI" panose="020B0502040204020203" pitchFamily="34" charset="0"/>
+                            </a:rPr>
+                            <m:t>𝛽</m:t>
+                          </m:r>
+                        </m:e>
+                        <m:sub>
+                          <m:r>
+                            <a:rPr lang="en-US" sz="1800" i="1">
+                              <a:latin typeface="Cambria Math" panose="02040503050406030204" pitchFamily="18" charset="0"/>
+                              <a:cs typeface="Segoe UI" panose="020B0502040204020203" pitchFamily="34" charset="0"/>
+                            </a:rPr>
+                            <m:t>𝐾</m:t>
+                          </m:r>
+                        </m:sub>
+                      </m:sSub>
+                      <m:sSub>
+                        <m:sSubPr>
+                          <m:ctrlPr>
+                            <a:rPr lang="en-US" sz="1800" i="1">
+                              <a:latin typeface="Cambria Math" panose="02040503050406030204" pitchFamily="18" charset="0"/>
+                              <a:cs typeface="Segoe UI" panose="020B0502040204020203" pitchFamily="34" charset="0"/>
+                            </a:rPr>
+                          </m:ctrlPr>
+                        </m:sSubPr>
+                        <m:e>
+                          <m:r>
+                            <a:rPr lang="en-US" sz="1800" i="1">
+                              <a:latin typeface="Cambria Math" panose="02040503050406030204" pitchFamily="18" charset="0"/>
+                              <a:cs typeface="Segoe UI" panose="020B0502040204020203" pitchFamily="34" charset="0"/>
+                            </a:rPr>
+                            <m:t>𝑋</m:t>
+                          </m:r>
+                        </m:e>
+                        <m:sub>
+                          <m:r>
+                            <a:rPr lang="en-US" sz="1800" i="1">
+                              <a:latin typeface="Cambria Math" panose="02040503050406030204" pitchFamily="18" charset="0"/>
+                              <a:cs typeface="Segoe UI" panose="020B0502040204020203" pitchFamily="34" charset="0"/>
+                            </a:rPr>
+                            <m:t>𝐾</m:t>
+                          </m:r>
+                        </m:sub>
+                      </m:sSub>
+                    </m:oMath>
+                  </m:oMathPara>
+                </a14:m>
+                <a:endParaRPr lang="en-US" dirty="0"/>
+              </a:p>
+            </p:txBody>
+          </p:sp>
+        </mc:Choice>
+        <mc:Fallback>
+          <p:sp>
+            <p:nvSpPr>
+              <p:cNvPr id="5" name="TextBox 4">
+                <a:extLst>
+                  <a:ext uri="{FF2B5EF4-FFF2-40B4-BE49-F238E27FC236}">
+                    <a16:creationId xmlns:a16="http://schemas.microsoft.com/office/drawing/2014/main" id="{168D5C44-2EFC-6757-2187-8DF5E6693CDE}"/>
+                  </a:ext>
+                </a:extLst>
+              </p:cNvPr>
+              <p:cNvSpPr txBox="1">
+                <a:spLocks noRot="1" noChangeAspect="1" noMove="1" noResize="1" noEditPoints="1" noAdjustHandles="1" noChangeArrowheads="1" noChangeShapeType="1" noTextEdit="1"/>
+              </p:cNvSpPr>
+              <p:nvPr/>
+            </p:nvSpPr>
+            <p:spPr>
+              <a:xfrm>
+                <a:off x="7966841" y="259693"/>
+                <a:ext cx="3857295" cy="376770"/>
+              </a:xfrm>
+              <a:prstGeom prst="rect">
+                <a:avLst/>
+              </a:prstGeom>
+              <a:blipFill>
+                <a:blip r:embed="rId3"/>
+                <a:stretch>
+                  <a:fillRect t="-3333" b="-16667"/>
+                </a:stretch>
+              </a:blipFill>
+            </p:spPr>
+            <p:txBody>
+              <a:bodyPr/>
+              <a:lstStyle/>
+              <a:p>
+                <a:r>
+                  <a:rPr lang="en-US">
+                    <a:noFill/>
+                  </a:rPr>
+                  <a:t> </a:t>
+                </a:r>
+              </a:p>
+            </p:txBody>
+          </p:sp>
+        </mc:Fallback>
+      </mc:AlternateContent>
     </p:spTree>
     <p:extLst>
       <p:ext uri="{BB962C8B-B14F-4D97-AF65-F5344CB8AC3E}">
@@ -6276,7 +6950,7 @@
 </p:sld>
 </file>
 
-<file path=ppt/slides/slide2.xml><?xml version="1.0" encoding="utf-8"?>
+<file path=ppt/slides/slide21.xml><?xml version="1.0" encoding="utf-8"?>
 <p:sld xmlns:a="http://schemas.openxmlformats.org/drawingml/2006/main" xmlns:r="http://schemas.openxmlformats.org/officeDocument/2006/relationships" xmlns:p="http://schemas.openxmlformats.org/presentationml/2006/main">
   <p:cSld>
     <p:spTree>
@@ -6316,109 +6990,6 @@
           <a:p>
             <a:r>
               <a:rPr lang="en-US" dirty="0"/>
-              <a:t>Categorical Predictors</a:t>
-            </a:r>
-          </a:p>
-        </p:txBody>
-      </p:sp>
-      <p:sp>
-        <p:nvSpPr>
-          <p:cNvPr id="3" name="Content Placeholder 2">
-            <a:extLst>
-              <a:ext uri="{FF2B5EF4-FFF2-40B4-BE49-F238E27FC236}">
-                <a16:creationId xmlns:a16="http://schemas.microsoft.com/office/drawing/2014/main" id="{769E0954-E43E-4C21-99A6-EC2ADD213995}"/>
-              </a:ext>
-            </a:extLst>
-          </p:cNvPr>
-          <p:cNvSpPr>
-            <a:spLocks noGrp="1"/>
-          </p:cNvSpPr>
-          <p:nvPr>
-            <p:ph idx="1"/>
-          </p:nvPr>
-        </p:nvSpPr>
-        <p:spPr>
-          <a:xfrm>
-            <a:off x="838200" y="1825625"/>
-            <a:ext cx="10623550" cy="4351338"/>
-          </a:xfrm>
-        </p:spPr>
-        <p:txBody>
-          <a:bodyPr/>
-          <a:lstStyle/>
-          <a:p>
-            <a:r>
-              <a:rPr lang="en-US" dirty="0"/>
-              <a:t>Last session we discussed how to use a dichotomous/binary predictor</a:t>
-            </a:r>
-          </a:p>
-          <a:p>
-            <a:r>
-              <a:rPr lang="en-US" dirty="0"/>
-              <a:t>How could we use a regression approach with a multi-category predictor?</a:t>
-            </a:r>
-          </a:p>
-          <a:p>
-            <a:r>
-              <a:rPr lang="en-US" dirty="0"/>
-              <a:t>Example: is manufacturer associated with MPG? (We’ll only focus on 4 manufacturers for simplicity)</a:t>
-            </a:r>
-          </a:p>
-        </p:txBody>
-      </p:sp>
-    </p:spTree>
-    <p:extLst>
-      <p:ext uri="{BB962C8B-B14F-4D97-AF65-F5344CB8AC3E}">
-        <p14:creationId xmlns:p14="http://schemas.microsoft.com/office/powerpoint/2010/main" val="639295009"/>
-      </p:ext>
-    </p:extLst>
-  </p:cSld>
-  <p:clrMapOvr>
-    <a:masterClrMapping/>
-  </p:clrMapOvr>
-</p:sld>
-</file>
-
-<file path=ppt/slides/slide20.xml><?xml version="1.0" encoding="utf-8"?>
-<p:sld xmlns:a="http://schemas.openxmlformats.org/drawingml/2006/main" xmlns:r="http://schemas.openxmlformats.org/officeDocument/2006/relationships" xmlns:p="http://schemas.openxmlformats.org/presentationml/2006/main">
-  <p:cSld>
-    <p:spTree>
-      <p:nvGrpSpPr>
-        <p:cNvPr id="1" name=""/>
-        <p:cNvGrpSpPr/>
-        <p:nvPr/>
-      </p:nvGrpSpPr>
-      <p:grpSpPr>
-        <a:xfrm>
-          <a:off x="0" y="0"/>
-          <a:ext cx="0" cy="0"/>
-          <a:chOff x="0" y="0"/>
-          <a:chExt cx="0" cy="0"/>
-        </a:xfrm>
-      </p:grpSpPr>
-      <p:sp>
-        <p:nvSpPr>
-          <p:cNvPr id="2" name="Title 1">
-            <a:extLst>
-              <a:ext uri="{FF2B5EF4-FFF2-40B4-BE49-F238E27FC236}">
-                <a16:creationId xmlns:a16="http://schemas.microsoft.com/office/drawing/2014/main" id="{0B8C635E-B1AD-4A3B-A512-BE5F2592DC87}"/>
-              </a:ext>
-            </a:extLst>
-          </p:cNvPr>
-          <p:cNvSpPr>
-            <a:spLocks noGrp="1"/>
-          </p:cNvSpPr>
-          <p:nvPr>
-            <p:ph type="title"/>
-          </p:nvPr>
-        </p:nvSpPr>
-        <p:spPr/>
-        <p:txBody>
-          <a:bodyPr/>
-          <a:lstStyle/>
-          <a:p>
-            <a:r>
-              <a:rPr lang="en-US" dirty="0"/>
               <a:t>Another Example</a:t>
             </a:r>
           </a:p>
@@ -6459,7 +7030,7 @@
             </a:pPr>
             <a:r>
               <a:rPr lang="en-US" sz="4000" dirty="0"/>
-              <a:t>What is the effect of triglycerides and gender on cholesterol levels?</a:t>
+              <a:t>What is the effect of triglycerides and age on cholesterol levels?</a:t>
             </a:r>
             <a:endParaRPr lang="en-US" sz="4500" dirty="0"/>
           </a:p>
@@ -7387,7 +7958,7 @@
 </p:sld>
 </file>
 
-<file path=ppt/slides/slide21.xml><?xml version="1.0" encoding="utf-8"?>
+<file path=ppt/slides/slide22.xml><?xml version="1.0" encoding="utf-8"?>
 <p:sld xmlns:a="http://schemas.openxmlformats.org/drawingml/2006/main" xmlns:r="http://schemas.openxmlformats.org/officeDocument/2006/relationships" xmlns:p="http://schemas.openxmlformats.org/presentationml/2006/main">
   <p:cSld>
     <p:spTree>
@@ -8075,7 +8646,7 @@
 </p:sld>
 </file>
 
-<file path=ppt/slides/slide22.xml><?xml version="1.0" encoding="utf-8"?>
+<file path=ppt/slides/slide23.xml><?xml version="1.0" encoding="utf-8"?>
 <p:sld xmlns:a="http://schemas.openxmlformats.org/drawingml/2006/main" xmlns:r="http://schemas.openxmlformats.org/officeDocument/2006/relationships" xmlns:p="http://schemas.openxmlformats.org/presentationml/2006/main">
   <p:cSld>
     <p:spTree>
@@ -8766,7 +9337,7 @@
 </p:sld>
 </file>
 
-<file path=ppt/slides/slide23.xml><?xml version="1.0" encoding="utf-8"?>
+<file path=ppt/slides/slide24.xml><?xml version="1.0" encoding="utf-8"?>
 <p:sld xmlns:a="http://schemas.openxmlformats.org/drawingml/2006/main" xmlns:r="http://schemas.openxmlformats.org/officeDocument/2006/relationships" xmlns:p="http://schemas.openxmlformats.org/presentationml/2006/main">
   <p:cSld>
     <p:spTree>
@@ -8917,7 +9488,7 @@
 </p:sld>
 </file>
 
-<file path=ppt/slides/slide24.xml><?xml version="1.0" encoding="utf-8"?>
+<file path=ppt/slides/slide25.xml><?xml version="1.0" encoding="utf-8"?>
 <p:sld xmlns:a="http://schemas.openxmlformats.org/drawingml/2006/main" xmlns:r="http://schemas.openxmlformats.org/officeDocument/2006/relationships" xmlns:p="http://schemas.openxmlformats.org/presentationml/2006/main">
   <p:cSld>
     <p:spTree>
@@ -9302,7 +9873,7 @@
 </p:sld>
 </file>
 
-<file path=ppt/slides/slide25.xml><?xml version="1.0" encoding="utf-8"?>
+<file path=ppt/slides/slide26.xml><?xml version="1.0" encoding="utf-8"?>
 <p:sld xmlns:a="http://schemas.openxmlformats.org/drawingml/2006/main" xmlns:r="http://schemas.openxmlformats.org/officeDocument/2006/relationships" xmlns:p="http://schemas.openxmlformats.org/presentationml/2006/main">
   <p:cSld>
     <p:spTree>
@@ -9826,146 +10397,6 @@
 </p:sld>
 </file>
 
-<file path=ppt/slides/slide26.xml><?xml version="1.0" encoding="utf-8"?>
-<p:sld xmlns:a="http://schemas.openxmlformats.org/drawingml/2006/main" xmlns:r="http://schemas.openxmlformats.org/officeDocument/2006/relationships" xmlns:p="http://schemas.openxmlformats.org/presentationml/2006/main">
-  <p:cSld>
-    <p:spTree>
-      <p:nvGrpSpPr>
-        <p:cNvPr id="1" name=""/>
-        <p:cNvGrpSpPr/>
-        <p:nvPr/>
-      </p:nvGrpSpPr>
-      <p:grpSpPr>
-        <a:xfrm>
-          <a:off x="0" y="0"/>
-          <a:ext cx="0" cy="0"/>
-          <a:chOff x="0" y="0"/>
-          <a:chExt cx="0" cy="0"/>
-        </a:xfrm>
-      </p:grpSpPr>
-      <p:sp>
-        <p:nvSpPr>
-          <p:cNvPr id="2" name="Title 1">
-            <a:extLst>
-              <a:ext uri="{FF2B5EF4-FFF2-40B4-BE49-F238E27FC236}">
-                <a16:creationId xmlns:a16="http://schemas.microsoft.com/office/drawing/2014/main" id="{0B8C635E-B1AD-4A3B-A512-BE5F2592DC87}"/>
-              </a:ext>
-            </a:extLst>
-          </p:cNvPr>
-          <p:cNvSpPr>
-            <a:spLocks noGrp="1"/>
-          </p:cNvSpPr>
-          <p:nvPr>
-            <p:ph type="title"/>
-          </p:nvPr>
-        </p:nvSpPr>
-        <p:spPr/>
-        <p:txBody>
-          <a:bodyPr/>
-          <a:lstStyle/>
-          <a:p>
-            <a:r>
-              <a:rPr lang="en-US" dirty="0"/>
-              <a:t>Confounding</a:t>
-            </a:r>
-          </a:p>
-        </p:txBody>
-      </p:sp>
-      <p:sp>
-        <p:nvSpPr>
-          <p:cNvPr id="3" name="Content Placeholder 2">
-            <a:extLst>
-              <a:ext uri="{FF2B5EF4-FFF2-40B4-BE49-F238E27FC236}">
-                <a16:creationId xmlns:a16="http://schemas.microsoft.com/office/drawing/2014/main" id="{769E0954-E43E-4C21-99A6-EC2ADD213995}"/>
-              </a:ext>
-            </a:extLst>
-          </p:cNvPr>
-          <p:cNvSpPr>
-            <a:spLocks noGrp="1"/>
-          </p:cNvSpPr>
-          <p:nvPr>
-            <p:ph idx="1"/>
-          </p:nvPr>
-        </p:nvSpPr>
-        <p:spPr>
-          <a:xfrm>
-            <a:off x="838200" y="1466850"/>
-            <a:ext cx="11093450" cy="5226050"/>
-          </a:xfrm>
-        </p:spPr>
-        <p:txBody>
-          <a:bodyPr>
-            <a:normAutofit/>
-          </a:bodyPr>
-          <a:lstStyle/>
-          <a:p>
-            <a:pPr>
-              <a:lnSpc>
-                <a:spcPct val="120000"/>
-              </a:lnSpc>
-            </a:pPr>
-            <a:r>
-              <a:rPr lang="en-US" dirty="0"/>
-              <a:t>The slope coefficient for triglycerides went from 0.38 in the unadjusted model to 0.31 in the adjusted model</a:t>
-            </a:r>
-          </a:p>
-          <a:p>
-            <a:pPr>
-              <a:lnSpc>
-                <a:spcPct val="120000"/>
-              </a:lnSpc>
-            </a:pPr>
-            <a:r>
-              <a:rPr lang="en-US" dirty="0"/>
-              <a:t>This is a percent change of (0.38-0.31)/0.38 = 0.18 = 18%</a:t>
-            </a:r>
-          </a:p>
-          <a:p>
-            <a:pPr>
-              <a:lnSpc>
-                <a:spcPct val="120000"/>
-              </a:lnSpc>
-            </a:pPr>
-            <a:r>
-              <a:rPr lang="en-US" dirty="0"/>
-              <a:t>We can conclude age is a confounder of this relationship and, to get a better sense of the relationship between triglycerides and cholesterol, we should include age in the model</a:t>
-            </a:r>
-          </a:p>
-          <a:p>
-            <a:pPr>
-              <a:lnSpc>
-                <a:spcPct val="120000"/>
-              </a:lnSpc>
-            </a:pPr>
-            <a:r>
-              <a:rPr lang="en-US" dirty="0"/>
-              <a:t>Note: we include age as a confounder regardless of its significance</a:t>
-            </a:r>
-          </a:p>
-          <a:p>
-            <a:pPr marL="0" indent="0">
-              <a:lnSpc>
-                <a:spcPct val="120000"/>
-              </a:lnSpc>
-              <a:buNone/>
-            </a:pPr>
-            <a:endParaRPr lang="en-US" dirty="0"/>
-          </a:p>
-        </p:txBody>
-      </p:sp>
-    </p:spTree>
-    <p:extLst>
-      <p:ext uri="{BB962C8B-B14F-4D97-AF65-F5344CB8AC3E}">
-        <p14:creationId xmlns:p14="http://schemas.microsoft.com/office/powerpoint/2010/main" val="4241569082"/>
-      </p:ext>
-    </p:extLst>
-  </p:cSld>
-  <p:clrMapOvr>
-    <a:masterClrMapping/>
-  </p:clrMapOvr>
-</p:sld>
-</file>
-
 <file path=ppt/slides/slide27.xml><?xml version="1.0" encoding="utf-8"?>
 <p:sld xmlns:a="http://schemas.openxmlformats.org/drawingml/2006/main" xmlns:r="http://schemas.openxmlformats.org/officeDocument/2006/relationships" xmlns:p="http://schemas.openxmlformats.org/presentationml/2006/main">
   <p:cSld>
@@ -10006,7 +10437,7 @@
           <a:p>
             <a:r>
               <a:rPr lang="en-US" dirty="0"/>
-              <a:t>Interactions / Effect Modification</a:t>
+              <a:t>Confounding</a:t>
             </a:r>
           </a:p>
         </p:txBody>
@@ -10030,7 +10461,7 @@
         <p:spPr>
           <a:xfrm>
             <a:off x="838200" y="1466850"/>
-            <a:ext cx="10661650" cy="5226050"/>
+            <a:ext cx="11093450" cy="5226050"/>
           </a:xfrm>
         </p:spPr>
         <p:txBody>
@@ -10046,7 +10477,7 @@
             </a:pPr>
             <a:r>
               <a:rPr lang="en-US" dirty="0"/>
-              <a:t>We have so far assumed that the effect of our variables is constant for everybody in the data set</a:t>
+              <a:t>The slope coefficient for triglycerides went from 0.38 in the unadjusted model to 0.31 in the adjusted model</a:t>
             </a:r>
           </a:p>
           <a:p>
@@ -10057,7 +10488,7 @@
             </a:pPr>
             <a:r>
               <a:rPr lang="en-US" dirty="0"/>
-              <a:t>What if we wanted to allow these relationships to be different for certain subgroups (e.g., males vs. females)?</a:t>
+              <a:t>This is a percent change of (0.38-0.31)/0.38 = 0.18 = 18%</a:t>
             </a:r>
           </a:p>
           <a:p>
@@ -10068,7 +10499,7 @@
             </a:pPr>
             <a:r>
               <a:rPr lang="en-US" dirty="0"/>
-              <a:t>Interactions occur when the association between an outcome (Y) and an independent variable of interest (X) depends on a third variable</a:t>
+              <a:t>We can conclude age is a confounder of this relationship and, to get a better sense of the relationship between triglycerides and cholesterol, we should include age in the model</a:t>
             </a:r>
           </a:p>
           <a:p>
@@ -10079,7 +10510,7 @@
             </a:pPr>
             <a:r>
               <a:rPr lang="en-US" dirty="0"/>
-              <a:t>Example: is HDL cholesterol associated with BMI?</a:t>
+              <a:t>Note: we include age as a confounder regardless of its significance</a:t>
             </a:r>
           </a:p>
           <a:p>
@@ -10096,7 +10527,7 @@
     </p:spTree>
     <p:extLst>
       <p:ext uri="{BB962C8B-B14F-4D97-AF65-F5344CB8AC3E}">
-        <p14:creationId xmlns:p14="http://schemas.microsoft.com/office/powerpoint/2010/main" val="1419493647"/>
+        <p14:creationId xmlns:p14="http://schemas.microsoft.com/office/powerpoint/2010/main" val="4241569082"/>
       </p:ext>
     </p:extLst>
   </p:cSld>
@@ -10146,7 +10577,7 @@
           <a:p>
             <a:r>
               <a:rPr lang="en-US" dirty="0"/>
-              <a:t>Approach 1: Separate Regressions</a:t>
+              <a:t>Interactions / Effect Modification</a:t>
             </a:r>
           </a:p>
         </p:txBody>
@@ -10175,7 +10606,7 @@
         </p:spPr>
         <p:txBody>
           <a:bodyPr>
-            <a:normAutofit fontScale="70000" lnSpcReduction="20000"/>
+            <a:normAutofit/>
           </a:bodyPr>
           <a:lstStyle/>
           <a:p>
@@ -10185,8 +10616,8 @@
               </a:lnSpc>
             </a:pPr>
             <a:r>
-              <a:rPr lang="en-US" sz="4000" dirty="0"/>
-              <a:t>We could run separate regressions for this association</a:t>
+              <a:rPr lang="en-US" dirty="0"/>
+              <a:t>We have so far assumed that the effect of our variables is constant for everybody in the data set</a:t>
             </a:r>
           </a:p>
           <a:p>
@@ -10196,87 +10627,30 @@
               </a:lnSpc>
             </a:pPr>
             <a:r>
-              <a:rPr lang="en-US" sz="4000" dirty="0"/>
-              <a:t>Here we see that BMI is associated with HDL for men but not women (take note of these equations!)</a:t>
-            </a:r>
-          </a:p>
-          <a:p>
-            <a:pPr marL="0" indent="0">
+              <a:rPr lang="en-US" dirty="0"/>
+              <a:t>What if we wanted to allow these relationships to be different for certain subgroups (e.g., males vs. females)?</a:t>
+            </a:r>
+          </a:p>
+          <a:p>
+            <a:pPr>
               <a:lnSpc>
                 <a:spcPct val="120000"/>
               </a:lnSpc>
-              <a:spcBef>
-                <a:spcPts val="0"/>
-              </a:spcBef>
-              <a:buNone/>
-            </a:pPr>
-            <a:endParaRPr lang="en-US" sz="2200" dirty="0">
-              <a:latin typeface="Consolas" panose="020B0609020204030204" pitchFamily="49" charset="0"/>
-            </a:endParaRPr>
-          </a:p>
-          <a:p>
-            <a:pPr marL="0" indent="0">
+            </a:pPr>
+            <a:r>
+              <a:rPr lang="en-US" dirty="0"/>
+              <a:t>Interactions occur when the association between an outcome (Y) and an independent variable of interest (X) depends on a third variable</a:t>
+            </a:r>
+          </a:p>
+          <a:p>
+            <a:pPr>
               <a:lnSpc>
                 <a:spcPct val="120000"/>
               </a:lnSpc>
-              <a:spcBef>
-                <a:spcPts val="0"/>
-              </a:spcBef>
-              <a:buNone/>
-            </a:pPr>
-            <a:r>
-              <a:rPr lang="en-US" sz="1600" dirty="0">
-                <a:latin typeface="Consolas" panose="020B0609020204030204" pitchFamily="49" charset="0"/>
-              </a:rPr>
-              <a:t>&gt; </a:t>
-            </a:r>
-            <a:r>
-              <a:rPr lang="en-US" sz="1600" dirty="0" err="1">
-                <a:latin typeface="Consolas" panose="020B0609020204030204" pitchFamily="49" charset="0"/>
-              </a:rPr>
-              <a:t>lm</a:t>
-            </a:r>
-            <a:r>
-              <a:rPr lang="en-US" sz="1600" dirty="0">
-                <a:latin typeface="Consolas" panose="020B0609020204030204" pitchFamily="49" charset="0"/>
-              </a:rPr>
-              <a:t>(</a:t>
-            </a:r>
-            <a:r>
-              <a:rPr lang="en-US" sz="1600" dirty="0" err="1">
-                <a:latin typeface="Consolas" panose="020B0609020204030204" pitchFamily="49" charset="0"/>
-              </a:rPr>
-              <a:t>hdl</a:t>
-            </a:r>
-            <a:r>
-              <a:rPr lang="en-US" sz="1600" dirty="0">
-                <a:latin typeface="Consolas" panose="020B0609020204030204" pitchFamily="49" charset="0"/>
-              </a:rPr>
-              <a:t> ~ </a:t>
-            </a:r>
-            <a:r>
-              <a:rPr lang="en-US" sz="1600" dirty="0" err="1">
-                <a:latin typeface="Consolas" panose="020B0609020204030204" pitchFamily="49" charset="0"/>
-              </a:rPr>
-              <a:t>bmi_new</a:t>
-            </a:r>
-            <a:r>
-              <a:rPr lang="en-US" sz="1600" dirty="0">
-                <a:latin typeface="Consolas" panose="020B0609020204030204" pitchFamily="49" charset="0"/>
-              </a:rPr>
-              <a:t>, data=</a:t>
-            </a:r>
-            <a:r>
-              <a:rPr lang="en-US" sz="1600" dirty="0" err="1">
-                <a:latin typeface="Consolas" panose="020B0609020204030204" pitchFamily="49" charset="0"/>
-              </a:rPr>
-              <a:t>chol</a:t>
-            </a:r>
-            <a:r>
-              <a:rPr lang="en-US" sz="1600" dirty="0">
-                <a:latin typeface="Consolas" panose="020B0609020204030204" pitchFamily="49" charset="0"/>
-              </a:rPr>
-              <a:t> %&gt;% filter(gender=="Male")) %&gt;% summary()</a:t>
+            </a:pPr>
+            <a:r>
+              <a:rPr lang="en-US" dirty="0"/>
+              <a:t>Example: is HDL cholesterol associated with BMI?</a:t>
             </a:r>
           </a:p>
           <a:p>
@@ -10284,703 +10658,16 @@
               <a:lnSpc>
                 <a:spcPct val="120000"/>
               </a:lnSpc>
-              <a:spcBef>
-                <a:spcPts val="0"/>
-              </a:spcBef>
-              <a:buNone/>
-            </a:pPr>
-            <a:endParaRPr lang="en-US" sz="1600" dirty="0">
-              <a:latin typeface="Consolas" panose="020B0609020204030204" pitchFamily="49" charset="0"/>
-            </a:endParaRPr>
-          </a:p>
-          <a:p>
-            <a:pPr marL="0" indent="0">
-              <a:lnSpc>
-                <a:spcPct val="120000"/>
-              </a:lnSpc>
-              <a:spcBef>
-                <a:spcPts val="0"/>
-              </a:spcBef>
-              <a:buNone/>
-            </a:pPr>
-            <a:r>
-              <a:rPr lang="en-US" sz="1600" dirty="0">
-                <a:latin typeface="Consolas" panose="020B0609020204030204" pitchFamily="49" charset="0"/>
-              </a:rPr>
-              <a:t>Call:</a:t>
-            </a:r>
-          </a:p>
-          <a:p>
-            <a:pPr marL="0" indent="0">
-              <a:lnSpc>
-                <a:spcPct val="120000"/>
-              </a:lnSpc>
-              <a:spcBef>
-                <a:spcPts val="0"/>
-              </a:spcBef>
-              <a:buNone/>
-            </a:pPr>
-            <a:r>
-              <a:rPr lang="en-US" sz="1600" dirty="0" err="1">
-                <a:latin typeface="Consolas" panose="020B0609020204030204" pitchFamily="49" charset="0"/>
-              </a:rPr>
-              <a:t>lm</a:t>
-            </a:r>
-            <a:r>
-              <a:rPr lang="en-US" sz="1600" dirty="0">
-                <a:latin typeface="Consolas" panose="020B0609020204030204" pitchFamily="49" charset="0"/>
-              </a:rPr>
-              <a:t>(formula = </a:t>
-            </a:r>
-            <a:r>
-              <a:rPr lang="en-US" sz="1600" dirty="0" err="1">
-                <a:latin typeface="Consolas" panose="020B0609020204030204" pitchFamily="49" charset="0"/>
-              </a:rPr>
-              <a:t>hdl</a:t>
-            </a:r>
-            <a:r>
-              <a:rPr lang="en-US" sz="1600" dirty="0">
-                <a:latin typeface="Consolas" panose="020B0609020204030204" pitchFamily="49" charset="0"/>
-              </a:rPr>
-              <a:t> ~ </a:t>
-            </a:r>
-            <a:r>
-              <a:rPr lang="en-US" sz="1600" dirty="0" err="1">
-                <a:latin typeface="Consolas" panose="020B0609020204030204" pitchFamily="49" charset="0"/>
-              </a:rPr>
-              <a:t>bmi_new</a:t>
-            </a:r>
-            <a:r>
-              <a:rPr lang="en-US" sz="1600" dirty="0">
-                <a:latin typeface="Consolas" panose="020B0609020204030204" pitchFamily="49" charset="0"/>
-              </a:rPr>
-              <a:t>, data = </a:t>
-            </a:r>
-            <a:r>
-              <a:rPr lang="en-US" sz="1600" dirty="0" err="1">
-                <a:latin typeface="Consolas" panose="020B0609020204030204" pitchFamily="49" charset="0"/>
-              </a:rPr>
-              <a:t>chol</a:t>
-            </a:r>
-            <a:r>
-              <a:rPr lang="en-US" sz="1600" dirty="0">
-                <a:latin typeface="Consolas" panose="020B0609020204030204" pitchFamily="49" charset="0"/>
-              </a:rPr>
-              <a:t> %&gt;% filter(gender == </a:t>
-            </a:r>
-          </a:p>
-          <a:p>
-            <a:pPr marL="0" indent="0">
-              <a:lnSpc>
-                <a:spcPct val="120000"/>
-              </a:lnSpc>
-              <a:spcBef>
-                <a:spcPts val="0"/>
-              </a:spcBef>
-              <a:buNone/>
-            </a:pPr>
-            <a:r>
-              <a:rPr lang="en-US" sz="1600" dirty="0">
-                <a:latin typeface="Consolas" panose="020B0609020204030204" pitchFamily="49" charset="0"/>
-              </a:rPr>
-              <a:t>    "Male"))</a:t>
-            </a:r>
-          </a:p>
-          <a:p>
-            <a:pPr marL="0" indent="0">
-              <a:lnSpc>
-                <a:spcPct val="120000"/>
-              </a:lnSpc>
-              <a:spcBef>
-                <a:spcPts val="0"/>
-              </a:spcBef>
-              <a:buNone/>
-            </a:pPr>
-            <a:endParaRPr lang="en-US" sz="1600" dirty="0">
-              <a:latin typeface="Consolas" panose="020B0609020204030204" pitchFamily="49" charset="0"/>
-            </a:endParaRPr>
-          </a:p>
-          <a:p>
-            <a:pPr marL="0" indent="0">
-              <a:lnSpc>
-                <a:spcPct val="120000"/>
-              </a:lnSpc>
-              <a:spcBef>
-                <a:spcPts val="0"/>
-              </a:spcBef>
-              <a:buNone/>
-            </a:pPr>
-            <a:r>
-              <a:rPr lang="en-US" sz="1600" dirty="0">
-                <a:latin typeface="Consolas" panose="020B0609020204030204" pitchFamily="49" charset="0"/>
-              </a:rPr>
-              <a:t>Residuals:</a:t>
-            </a:r>
-          </a:p>
-          <a:p>
-            <a:pPr marL="0" indent="0">
-              <a:lnSpc>
-                <a:spcPct val="120000"/>
-              </a:lnSpc>
-              <a:spcBef>
-                <a:spcPts val="0"/>
-              </a:spcBef>
-              <a:buNone/>
-            </a:pPr>
-            <a:r>
-              <a:rPr lang="en-US" sz="1600" dirty="0">
-                <a:latin typeface="Consolas" panose="020B0609020204030204" pitchFamily="49" charset="0"/>
-              </a:rPr>
-              <a:t>     Min       1Q   Median       3Q      Max </a:t>
-            </a:r>
-          </a:p>
-          <a:p>
-            <a:pPr marL="0" indent="0">
-              <a:lnSpc>
-                <a:spcPct val="120000"/>
-              </a:lnSpc>
-              <a:spcBef>
-                <a:spcPts val="0"/>
-              </a:spcBef>
-              <a:buNone/>
-            </a:pPr>
-            <a:r>
-              <a:rPr lang="en-US" sz="1600" dirty="0">
-                <a:latin typeface="Consolas" panose="020B0609020204030204" pitchFamily="49" charset="0"/>
-              </a:rPr>
-              <a:t>-19.0015  -8.9759  -0.6354   7.7349  22.4085 </a:t>
-            </a:r>
-          </a:p>
-          <a:p>
-            <a:pPr marL="0" indent="0">
-              <a:lnSpc>
-                <a:spcPct val="120000"/>
-              </a:lnSpc>
-              <a:spcBef>
-                <a:spcPts val="0"/>
-              </a:spcBef>
-              <a:buNone/>
-            </a:pPr>
-            <a:endParaRPr lang="en-US" sz="1600" dirty="0">
-              <a:latin typeface="Consolas" panose="020B0609020204030204" pitchFamily="49" charset="0"/>
-            </a:endParaRPr>
-          </a:p>
-          <a:p>
-            <a:pPr marL="0" indent="0">
-              <a:lnSpc>
-                <a:spcPct val="120000"/>
-              </a:lnSpc>
-              <a:spcBef>
-                <a:spcPts val="0"/>
-              </a:spcBef>
-              <a:buNone/>
-            </a:pPr>
-            <a:r>
-              <a:rPr lang="en-US" sz="1600" dirty="0">
-                <a:latin typeface="Consolas" panose="020B0609020204030204" pitchFamily="49" charset="0"/>
-              </a:rPr>
-              <a:t>Coefficients:</a:t>
-            </a:r>
-          </a:p>
-          <a:p>
-            <a:pPr marL="0" indent="0">
-              <a:lnSpc>
-                <a:spcPct val="120000"/>
-              </a:lnSpc>
-              <a:spcBef>
-                <a:spcPts val="0"/>
-              </a:spcBef>
-              <a:buNone/>
-            </a:pPr>
-            <a:r>
-              <a:rPr lang="en-US" sz="1600" dirty="0">
-                <a:latin typeface="Consolas" panose="020B0609020204030204" pitchFamily="49" charset="0"/>
-              </a:rPr>
-              <a:t>            Estimate Std. Error t value </a:t>
-            </a:r>
-            <a:r>
-              <a:rPr lang="en-US" sz="1600" dirty="0" err="1">
-                <a:latin typeface="Consolas" panose="020B0609020204030204" pitchFamily="49" charset="0"/>
-              </a:rPr>
-              <a:t>Pr</a:t>
-            </a:r>
-            <a:r>
-              <a:rPr lang="en-US" sz="1600" dirty="0">
-                <a:latin typeface="Consolas" panose="020B0609020204030204" pitchFamily="49" charset="0"/>
-              </a:rPr>
-              <a:t>(&gt;|t|)    </a:t>
-            </a:r>
-          </a:p>
-          <a:p>
-            <a:pPr marL="0" indent="0">
-              <a:lnSpc>
-                <a:spcPct val="120000"/>
-              </a:lnSpc>
-              <a:spcBef>
-                <a:spcPts val="0"/>
-              </a:spcBef>
-              <a:buNone/>
-            </a:pPr>
-            <a:r>
-              <a:rPr lang="en-US" sz="1600" dirty="0">
-                <a:latin typeface="Consolas" panose="020B0609020204030204" pitchFamily="49" charset="0"/>
-              </a:rPr>
-              <a:t>(Intercept)  59.4159     5.1341   11.57   &lt;2e-16 ***</a:t>
-            </a:r>
-          </a:p>
-          <a:p>
-            <a:pPr marL="0" indent="0">
-              <a:lnSpc>
-                <a:spcPct val="120000"/>
-              </a:lnSpc>
-              <a:spcBef>
-                <a:spcPts val="0"/>
-              </a:spcBef>
-              <a:buNone/>
-            </a:pPr>
-            <a:r>
-              <a:rPr lang="en-US" sz="1600" dirty="0" err="1">
-                <a:latin typeface="Consolas" panose="020B0609020204030204" pitchFamily="49" charset="0"/>
-              </a:rPr>
-              <a:t>bmi_new</a:t>
-            </a:r>
-            <a:r>
-              <a:rPr lang="en-US" sz="1600" dirty="0">
-                <a:latin typeface="Consolas" panose="020B0609020204030204" pitchFamily="49" charset="0"/>
-              </a:rPr>
-              <a:t>      -0.5815     0.2211   -2.63     0.01 *  </a:t>
-            </a:r>
-          </a:p>
-          <a:p>
-            <a:pPr marL="0" indent="0">
-              <a:lnSpc>
-                <a:spcPct val="120000"/>
-              </a:lnSpc>
-              <a:spcBef>
-                <a:spcPts val="0"/>
-              </a:spcBef>
-              <a:buNone/>
-            </a:pPr>
-            <a:r>
-              <a:rPr lang="en-US" sz="1600" dirty="0">
-                <a:latin typeface="Consolas" panose="020B0609020204030204" pitchFamily="49" charset="0"/>
-              </a:rPr>
-              <a:t>---</a:t>
-            </a:r>
-          </a:p>
-          <a:p>
-            <a:pPr marL="0" indent="0">
-              <a:lnSpc>
-                <a:spcPct val="120000"/>
-              </a:lnSpc>
-              <a:spcBef>
-                <a:spcPts val="0"/>
-              </a:spcBef>
-              <a:buNone/>
-            </a:pPr>
-            <a:r>
-              <a:rPr lang="en-US" sz="1600" dirty="0" err="1">
-                <a:latin typeface="Consolas" panose="020B0609020204030204" pitchFamily="49" charset="0"/>
-              </a:rPr>
-              <a:t>Signif</a:t>
-            </a:r>
-            <a:r>
-              <a:rPr lang="en-US" sz="1600" dirty="0">
-                <a:latin typeface="Consolas" panose="020B0609020204030204" pitchFamily="49" charset="0"/>
-              </a:rPr>
-              <a:t>. codes:  0 ‘***’ 0.001 ‘**’ 0.01 ‘*’ 0.05 ‘.’ 0.1 ‘ ’ 1</a:t>
-            </a:r>
-          </a:p>
-          <a:p>
-            <a:pPr marL="0" indent="0">
-              <a:lnSpc>
-                <a:spcPct val="120000"/>
-              </a:lnSpc>
-              <a:spcBef>
-                <a:spcPts val="0"/>
-              </a:spcBef>
-              <a:buNone/>
-            </a:pPr>
-            <a:endParaRPr lang="en-US" sz="1600" dirty="0">
-              <a:latin typeface="Consolas" panose="020B0609020204030204" pitchFamily="49" charset="0"/>
-            </a:endParaRPr>
-          </a:p>
-          <a:p>
-            <a:pPr marL="0" indent="0">
-              <a:lnSpc>
-                <a:spcPct val="120000"/>
-              </a:lnSpc>
-              <a:spcBef>
-                <a:spcPts val="0"/>
-              </a:spcBef>
-              <a:buNone/>
-            </a:pPr>
-            <a:r>
-              <a:rPr lang="en-US" sz="1600" dirty="0">
-                <a:latin typeface="Consolas" panose="020B0609020204030204" pitchFamily="49" charset="0"/>
-              </a:rPr>
-              <a:t>Residual standard error: 10.44 on 92 degrees of freedom</a:t>
-            </a:r>
-          </a:p>
-          <a:p>
-            <a:pPr marL="0" indent="0">
-              <a:lnSpc>
-                <a:spcPct val="120000"/>
-              </a:lnSpc>
-              <a:spcBef>
-                <a:spcPts val="0"/>
-              </a:spcBef>
-              <a:buNone/>
-            </a:pPr>
-            <a:r>
-              <a:rPr lang="en-US" sz="1600" dirty="0">
-                <a:latin typeface="Consolas" panose="020B0609020204030204" pitchFamily="49" charset="0"/>
-              </a:rPr>
-              <a:t>Multiple R-squared:  0.06993,	Adjusted R-squared:  0.05983 </a:t>
-            </a:r>
-          </a:p>
-          <a:p>
-            <a:pPr marL="0" indent="0">
-              <a:lnSpc>
-                <a:spcPct val="120000"/>
-              </a:lnSpc>
-              <a:spcBef>
-                <a:spcPts val="0"/>
-              </a:spcBef>
-              <a:buNone/>
-            </a:pPr>
-            <a:r>
-              <a:rPr lang="en-US" sz="1600" dirty="0">
-                <a:latin typeface="Consolas" panose="020B0609020204030204" pitchFamily="49" charset="0"/>
-              </a:rPr>
-              <a:t>F-statistic: 6.918 on 1 and 92 DF,  p-value: 0.01</a:t>
-            </a:r>
-          </a:p>
-          <a:p>
-            <a:pPr marL="0" indent="0">
-              <a:lnSpc>
-                <a:spcPct val="120000"/>
-              </a:lnSpc>
-              <a:spcBef>
-                <a:spcPts val="0"/>
-              </a:spcBef>
-              <a:buNone/>
-            </a:pPr>
-            <a:endParaRPr lang="en-US" sz="3400" dirty="0">
-              <a:latin typeface="Consolas" panose="020B0609020204030204" pitchFamily="49" charset="0"/>
-            </a:endParaRPr>
-          </a:p>
-          <a:p>
-            <a:pPr marL="0" indent="0">
-              <a:lnSpc>
-                <a:spcPct val="120000"/>
-              </a:lnSpc>
-              <a:spcBef>
-                <a:spcPts val="0"/>
-              </a:spcBef>
-              <a:buNone/>
-            </a:pPr>
-            <a:endParaRPr lang="en-US" sz="4400" dirty="0">
-              <a:latin typeface="Consolas" panose="020B0609020204030204" pitchFamily="49" charset="0"/>
-            </a:endParaRPr>
-          </a:p>
-        </p:txBody>
-      </p:sp>
-      <p:sp>
-        <p:nvSpPr>
-          <p:cNvPr id="5" name="TextBox 4">
-            <a:extLst>
-              <a:ext uri="{FF2B5EF4-FFF2-40B4-BE49-F238E27FC236}">
-                <a16:creationId xmlns:a16="http://schemas.microsoft.com/office/drawing/2014/main" id="{58C05642-C4B4-4997-8307-6981C8ECF2B4}"/>
-              </a:ext>
-            </a:extLst>
-          </p:cNvPr>
-          <p:cNvSpPr txBox="1"/>
-          <p:nvPr/>
-        </p:nvSpPr>
-        <p:spPr>
-          <a:xfrm>
-            <a:off x="6388100" y="3095591"/>
-            <a:ext cx="6096000" cy="3477875"/>
-          </a:xfrm>
-          <a:prstGeom prst="rect">
-            <a:avLst/>
-          </a:prstGeom>
-          <a:noFill/>
-        </p:spPr>
-        <p:txBody>
-          <a:bodyPr wrap="square">
-            <a:spAutoFit/>
-          </a:bodyPr>
-          <a:lstStyle/>
-          <a:p>
-            <a:r>
-              <a:rPr lang="en-US" sz="1100" dirty="0">
-                <a:latin typeface="Consolas" panose="020B0609020204030204" pitchFamily="49" charset="0"/>
-              </a:rPr>
-              <a:t>&gt; </a:t>
-            </a:r>
-            <a:r>
-              <a:rPr lang="en-US" sz="1100" dirty="0" err="1">
-                <a:latin typeface="Consolas" panose="020B0609020204030204" pitchFamily="49" charset="0"/>
-              </a:rPr>
-              <a:t>lm</a:t>
-            </a:r>
-            <a:r>
-              <a:rPr lang="en-US" sz="1100" dirty="0">
-                <a:latin typeface="Consolas" panose="020B0609020204030204" pitchFamily="49" charset="0"/>
-              </a:rPr>
-              <a:t>(</a:t>
-            </a:r>
-            <a:r>
-              <a:rPr lang="en-US" sz="1100" dirty="0" err="1">
-                <a:latin typeface="Consolas" panose="020B0609020204030204" pitchFamily="49" charset="0"/>
-              </a:rPr>
-              <a:t>hdl</a:t>
-            </a:r>
-            <a:r>
-              <a:rPr lang="en-US" sz="1100" dirty="0">
-                <a:latin typeface="Consolas" panose="020B0609020204030204" pitchFamily="49" charset="0"/>
-              </a:rPr>
-              <a:t> ~ </a:t>
-            </a:r>
-            <a:r>
-              <a:rPr lang="en-US" sz="1100" dirty="0" err="1">
-                <a:latin typeface="Consolas" panose="020B0609020204030204" pitchFamily="49" charset="0"/>
-              </a:rPr>
-              <a:t>bmi_new</a:t>
-            </a:r>
-            <a:r>
-              <a:rPr lang="en-US" sz="1100" dirty="0">
-                <a:latin typeface="Consolas" panose="020B0609020204030204" pitchFamily="49" charset="0"/>
-              </a:rPr>
-              <a:t>, data=</a:t>
-            </a:r>
-            <a:r>
-              <a:rPr lang="en-US" sz="1100" dirty="0" err="1">
-                <a:latin typeface="Consolas" panose="020B0609020204030204" pitchFamily="49" charset="0"/>
-              </a:rPr>
-              <a:t>chol</a:t>
-            </a:r>
-            <a:r>
-              <a:rPr lang="en-US" sz="1100" dirty="0">
-                <a:latin typeface="Consolas" panose="020B0609020204030204" pitchFamily="49" charset="0"/>
-              </a:rPr>
-              <a:t> %&gt;% filter(gender=="Female")) %&gt;% summary()</a:t>
-            </a:r>
-          </a:p>
-          <a:p>
-            <a:endParaRPr lang="en-US" sz="1100" dirty="0">
-              <a:latin typeface="Consolas" panose="020B0609020204030204" pitchFamily="49" charset="0"/>
-            </a:endParaRPr>
-          </a:p>
-          <a:p>
-            <a:r>
-              <a:rPr lang="en-US" sz="1100" dirty="0">
-                <a:latin typeface="Consolas" panose="020B0609020204030204" pitchFamily="49" charset="0"/>
-              </a:rPr>
-              <a:t>Call:</a:t>
-            </a:r>
-          </a:p>
-          <a:p>
-            <a:r>
-              <a:rPr lang="en-US" sz="1100" dirty="0" err="1">
-                <a:latin typeface="Consolas" panose="020B0609020204030204" pitchFamily="49" charset="0"/>
-              </a:rPr>
-              <a:t>lm</a:t>
-            </a:r>
-            <a:r>
-              <a:rPr lang="en-US" sz="1100" dirty="0">
-                <a:latin typeface="Consolas" panose="020B0609020204030204" pitchFamily="49" charset="0"/>
-              </a:rPr>
-              <a:t>(formula = </a:t>
-            </a:r>
-            <a:r>
-              <a:rPr lang="en-US" sz="1100" dirty="0" err="1">
-                <a:latin typeface="Consolas" panose="020B0609020204030204" pitchFamily="49" charset="0"/>
-              </a:rPr>
-              <a:t>hdl</a:t>
-            </a:r>
-            <a:r>
-              <a:rPr lang="en-US" sz="1100" dirty="0">
-                <a:latin typeface="Consolas" panose="020B0609020204030204" pitchFamily="49" charset="0"/>
-              </a:rPr>
-              <a:t> ~ </a:t>
-            </a:r>
-            <a:r>
-              <a:rPr lang="en-US" sz="1100" dirty="0" err="1">
-                <a:latin typeface="Consolas" panose="020B0609020204030204" pitchFamily="49" charset="0"/>
-              </a:rPr>
-              <a:t>bmi_new</a:t>
-            </a:r>
-            <a:r>
-              <a:rPr lang="en-US" sz="1100" dirty="0">
-                <a:latin typeface="Consolas" panose="020B0609020204030204" pitchFamily="49" charset="0"/>
-              </a:rPr>
-              <a:t>, data = </a:t>
-            </a:r>
-            <a:r>
-              <a:rPr lang="en-US" sz="1100" dirty="0" err="1">
-                <a:latin typeface="Consolas" panose="020B0609020204030204" pitchFamily="49" charset="0"/>
-              </a:rPr>
-              <a:t>chol</a:t>
-            </a:r>
-            <a:r>
-              <a:rPr lang="en-US" sz="1100" dirty="0">
-                <a:latin typeface="Consolas" panose="020B0609020204030204" pitchFamily="49" charset="0"/>
-              </a:rPr>
-              <a:t> %&gt;% filter(gender == </a:t>
-            </a:r>
-          </a:p>
-          <a:p>
-            <a:r>
-              <a:rPr lang="en-US" sz="1100" dirty="0">
-                <a:latin typeface="Consolas" panose="020B0609020204030204" pitchFamily="49" charset="0"/>
-              </a:rPr>
-              <a:t>    "Female"))</a:t>
-            </a:r>
-          </a:p>
-          <a:p>
-            <a:endParaRPr lang="en-US" sz="1100" dirty="0">
-              <a:latin typeface="Consolas" panose="020B0609020204030204" pitchFamily="49" charset="0"/>
-            </a:endParaRPr>
-          </a:p>
-          <a:p>
-            <a:r>
-              <a:rPr lang="en-US" sz="1100" dirty="0">
-                <a:latin typeface="Consolas" panose="020B0609020204030204" pitchFamily="49" charset="0"/>
-              </a:rPr>
-              <a:t>Residuals:</a:t>
-            </a:r>
-          </a:p>
-          <a:p>
-            <a:r>
-              <a:rPr lang="en-US" sz="1100" dirty="0">
-                <a:latin typeface="Consolas" panose="020B0609020204030204" pitchFamily="49" charset="0"/>
-              </a:rPr>
-              <a:t>    Min      1Q  Median      3Q     Max </a:t>
-            </a:r>
-          </a:p>
-          <a:p>
-            <a:r>
-              <a:rPr lang="en-US" sz="1100" dirty="0">
-                <a:latin typeface="Consolas" panose="020B0609020204030204" pitchFamily="49" charset="0"/>
-              </a:rPr>
-              <a:t>-18.727  -7.958  -1.205   5.522  26.684 </a:t>
-            </a:r>
-          </a:p>
-          <a:p>
-            <a:endParaRPr lang="en-US" sz="1100" dirty="0">
-              <a:latin typeface="Consolas" panose="020B0609020204030204" pitchFamily="49" charset="0"/>
-            </a:endParaRPr>
-          </a:p>
-          <a:p>
-            <a:r>
-              <a:rPr lang="en-US" sz="1100" dirty="0">
-                <a:latin typeface="Consolas" panose="020B0609020204030204" pitchFamily="49" charset="0"/>
-              </a:rPr>
-              <a:t>Coefficients:</a:t>
-            </a:r>
-          </a:p>
-          <a:p>
-            <a:r>
-              <a:rPr lang="en-US" sz="1100" dirty="0">
-                <a:latin typeface="Consolas" panose="020B0609020204030204" pitchFamily="49" charset="0"/>
-              </a:rPr>
-              <a:t>            Estimate Std. Error t value </a:t>
-            </a:r>
-            <a:r>
-              <a:rPr lang="en-US" sz="1100" dirty="0" err="1">
-                <a:latin typeface="Consolas" panose="020B0609020204030204" pitchFamily="49" charset="0"/>
-              </a:rPr>
-              <a:t>Pr</a:t>
-            </a:r>
-            <a:r>
-              <a:rPr lang="en-US" sz="1100" dirty="0">
-                <a:latin typeface="Consolas" panose="020B0609020204030204" pitchFamily="49" charset="0"/>
-              </a:rPr>
-              <a:t>(&gt;|t|)    </a:t>
-            </a:r>
-          </a:p>
-          <a:p>
-            <a:r>
-              <a:rPr lang="en-US" sz="1100" dirty="0">
-                <a:latin typeface="Consolas" panose="020B0609020204030204" pitchFamily="49" charset="0"/>
-              </a:rPr>
-              <a:t>(Intercept) 49.45668    4.87364  10.148   &lt;2e-16 ***</a:t>
-            </a:r>
-          </a:p>
-          <a:p>
-            <a:r>
-              <a:rPr lang="en-US" sz="1100" dirty="0" err="1">
-                <a:latin typeface="Consolas" panose="020B0609020204030204" pitchFamily="49" charset="0"/>
-              </a:rPr>
-              <a:t>bmi_new</a:t>
-            </a:r>
-            <a:r>
-              <a:rPr lang="en-US" sz="1100" dirty="0">
-                <a:latin typeface="Consolas" panose="020B0609020204030204" pitchFamily="49" charset="0"/>
-              </a:rPr>
-              <a:t>      0.08473    0.22706   0.373     0.71    </a:t>
-            </a:r>
-          </a:p>
-          <a:p>
-            <a:r>
-              <a:rPr lang="en-US" sz="1100" dirty="0">
-                <a:latin typeface="Consolas" panose="020B0609020204030204" pitchFamily="49" charset="0"/>
-              </a:rPr>
-              <a:t>---</a:t>
-            </a:r>
-          </a:p>
-          <a:p>
-            <a:r>
-              <a:rPr lang="en-US" sz="1100" dirty="0" err="1">
-                <a:latin typeface="Consolas" panose="020B0609020204030204" pitchFamily="49" charset="0"/>
-              </a:rPr>
-              <a:t>Signif</a:t>
-            </a:r>
-            <a:r>
-              <a:rPr lang="en-US" sz="1100" dirty="0">
-                <a:latin typeface="Consolas" panose="020B0609020204030204" pitchFamily="49" charset="0"/>
-              </a:rPr>
-              <a:t>. codes:  0 ‘***’ 0.001 ‘**’ 0.01 ‘*’ 0.05 ‘.’ 0.1 ‘ ’ 1</a:t>
-            </a:r>
-          </a:p>
-          <a:p>
-            <a:endParaRPr lang="en-US" sz="1100" dirty="0">
-              <a:latin typeface="Consolas" panose="020B0609020204030204" pitchFamily="49" charset="0"/>
-            </a:endParaRPr>
-          </a:p>
-          <a:p>
-            <a:r>
-              <a:rPr lang="en-US" sz="1100" dirty="0">
-                <a:latin typeface="Consolas" panose="020B0609020204030204" pitchFamily="49" charset="0"/>
-              </a:rPr>
-              <a:t>Residual standard error: 11.21 on 92 degrees of freedom</a:t>
-            </a:r>
-          </a:p>
-          <a:p>
-            <a:r>
-              <a:rPr lang="en-US" sz="1100" dirty="0">
-                <a:latin typeface="Consolas" panose="020B0609020204030204" pitchFamily="49" charset="0"/>
-              </a:rPr>
-              <a:t>Multiple R-squared:  0.001511,	Adjusted R-squared:  -0.009342 </a:t>
-            </a:r>
-          </a:p>
-          <a:p>
-            <a:r>
-              <a:rPr lang="en-US" sz="1100" dirty="0">
-                <a:latin typeface="Consolas" panose="020B0609020204030204" pitchFamily="49" charset="0"/>
-              </a:rPr>
-              <a:t>F-statistic: 0.1392 on 1 and 92 DF,  p-value: 0.7099</a:t>
-            </a:r>
+              <a:buNone/>
+            </a:pPr>
+            <a:endParaRPr lang="en-US" dirty="0"/>
           </a:p>
         </p:txBody>
       </p:sp>
     </p:spTree>
     <p:extLst>
       <p:ext uri="{BB962C8B-B14F-4D97-AF65-F5344CB8AC3E}">
-        <p14:creationId xmlns:p14="http://schemas.microsoft.com/office/powerpoint/2010/main" val="1927774907"/>
+        <p14:creationId xmlns:p14="http://schemas.microsoft.com/office/powerpoint/2010/main" val="1419493647"/>
       </p:ext>
     </p:extLst>
   </p:cSld>
@@ -11030,7 +10717,7 @@
           <a:p>
             <a:r>
               <a:rPr lang="en-US" dirty="0"/>
-              <a:t>Approach 2: Interaction Term</a:t>
+              <a:t>Approach 1: Separate Regressions</a:t>
             </a:r>
           </a:p>
         </p:txBody>
@@ -11059,7 +10746,7 @@
         </p:spPr>
         <p:txBody>
           <a:bodyPr>
-            <a:normAutofit/>
+            <a:normAutofit fontScale="70000" lnSpcReduction="20000"/>
           </a:bodyPr>
           <a:lstStyle/>
           <a:p>
@@ -11069,8 +10756,8 @@
               </a:lnSpc>
             </a:pPr>
             <a:r>
-              <a:rPr lang="en-US" sz="3000" dirty="0"/>
-              <a:t>Another approach is to add an interaction term – a multiplicative term between the two variables of interest</a:t>
+              <a:rPr lang="en-US" sz="4000" dirty="0"/>
+              <a:t>We could run separate regressions for this association</a:t>
             </a:r>
           </a:p>
           <a:p>
@@ -11080,50 +10767,119 @@
               </a:lnSpc>
             </a:pPr>
             <a:r>
-              <a:rPr lang="en-US" sz="3000" dirty="0"/>
-              <a:t>This allows the relationship between X and Y to vary based on the levels of Z</a:t>
-            </a:r>
-          </a:p>
-          <a:p>
-            <a:pPr>
+              <a:rPr lang="en-US" sz="4000" dirty="0"/>
+              <a:t>Here we see that BMI is associated with HDL for men but not women (take note of these equations!)</a:t>
+            </a:r>
+          </a:p>
+          <a:p>
+            <a:pPr marL="0" indent="0">
               <a:lnSpc>
                 <a:spcPct val="120000"/>
               </a:lnSpc>
-            </a:pPr>
-            <a:r>
-              <a:rPr lang="en-US" sz="3000" dirty="0"/>
-              <a:t>Why take this approach?</a:t>
-            </a:r>
-          </a:p>
-          <a:p>
-            <a:pPr lvl="1">
+              <a:spcBef>
+                <a:spcPts val="0"/>
+              </a:spcBef>
+              <a:buNone/>
+            </a:pPr>
+            <a:endParaRPr lang="en-US" sz="2200" dirty="0">
+              <a:latin typeface="Consolas" panose="020B0609020204030204" pitchFamily="49" charset="0"/>
+            </a:endParaRPr>
+          </a:p>
+          <a:p>
+            <a:pPr marL="0" indent="0">
               <a:lnSpc>
                 <a:spcPct val="120000"/>
               </a:lnSpc>
-            </a:pPr>
-            <a:r>
-              <a:rPr lang="en-US" sz="2600" dirty="0"/>
-              <a:t>It is more elegant than stratifying the data</a:t>
-            </a:r>
-          </a:p>
-          <a:p>
-            <a:pPr lvl="1">
+              <a:spcBef>
+                <a:spcPts val="0"/>
+              </a:spcBef>
+              <a:buNone/>
+            </a:pPr>
+            <a:r>
+              <a:rPr lang="en-US" sz="1600" dirty="0">
+                <a:latin typeface="Consolas" panose="020B0609020204030204" pitchFamily="49" charset="0"/>
+              </a:rPr>
+              <a:t>&gt; </a:t>
+            </a:r>
+            <a:r>
+              <a:rPr lang="en-US" sz="1600" dirty="0" err="1">
+                <a:latin typeface="Consolas" panose="020B0609020204030204" pitchFamily="49" charset="0"/>
+              </a:rPr>
+              <a:t>lm</a:t>
+            </a:r>
+            <a:r>
+              <a:rPr lang="en-US" sz="1600" dirty="0">
+                <a:latin typeface="Consolas" panose="020B0609020204030204" pitchFamily="49" charset="0"/>
+              </a:rPr>
+              <a:t>(</a:t>
+            </a:r>
+            <a:r>
+              <a:rPr lang="en-US" sz="1600" dirty="0" err="1">
+                <a:latin typeface="Consolas" panose="020B0609020204030204" pitchFamily="49" charset="0"/>
+              </a:rPr>
+              <a:t>hdl</a:t>
+            </a:r>
+            <a:r>
+              <a:rPr lang="en-US" sz="1600" dirty="0">
+                <a:latin typeface="Consolas" panose="020B0609020204030204" pitchFamily="49" charset="0"/>
+              </a:rPr>
+              <a:t> ~ </a:t>
+            </a:r>
+            <a:r>
+              <a:rPr lang="en-US" sz="1600" dirty="0" err="1">
+                <a:latin typeface="Consolas" panose="020B0609020204030204" pitchFamily="49" charset="0"/>
+              </a:rPr>
+              <a:t>bmi_new</a:t>
+            </a:r>
+            <a:r>
+              <a:rPr lang="en-US" sz="1600" dirty="0">
+                <a:latin typeface="Consolas" panose="020B0609020204030204" pitchFamily="49" charset="0"/>
+              </a:rPr>
+              <a:t>, data=</a:t>
+            </a:r>
+            <a:r>
+              <a:rPr lang="en-US" sz="1600" dirty="0" err="1">
+                <a:latin typeface="Consolas" panose="020B0609020204030204" pitchFamily="49" charset="0"/>
+              </a:rPr>
+              <a:t>chol</a:t>
+            </a:r>
+            <a:r>
+              <a:rPr lang="en-US" sz="1600" dirty="0">
+                <a:latin typeface="Consolas" panose="020B0609020204030204" pitchFamily="49" charset="0"/>
+              </a:rPr>
+              <a:t> %&gt;% filter(gender=="Male")) %&gt;% summary()</a:t>
+            </a:r>
+          </a:p>
+          <a:p>
+            <a:pPr marL="0" indent="0">
               <a:lnSpc>
                 <a:spcPct val="120000"/>
               </a:lnSpc>
-            </a:pPr>
-            <a:r>
-              <a:rPr lang="en-US" sz="2600" dirty="0"/>
-              <a:t>It allows us to test specific hypotheses (e.g., the p-value for the multiplicative term tells us if an interaction exists)</a:t>
-            </a:r>
-          </a:p>
-          <a:p>
-            <a:pPr>
+              <a:spcBef>
+                <a:spcPts val="0"/>
+              </a:spcBef>
+              <a:buNone/>
+            </a:pPr>
+            <a:endParaRPr lang="en-US" sz="1600" dirty="0">
+              <a:latin typeface="Consolas" panose="020B0609020204030204" pitchFamily="49" charset="0"/>
+            </a:endParaRPr>
+          </a:p>
+          <a:p>
+            <a:pPr marL="0" indent="0">
               <a:lnSpc>
                 <a:spcPct val="120000"/>
               </a:lnSpc>
-            </a:pPr>
-            <a:endParaRPr lang="en-US" sz="4000" dirty="0"/>
+              <a:spcBef>
+                <a:spcPts val="0"/>
+              </a:spcBef>
+              <a:buNone/>
+            </a:pPr>
+            <a:r>
+              <a:rPr lang="en-US" sz="1600" dirty="0">
+                <a:latin typeface="Consolas" panose="020B0609020204030204" pitchFamily="49" charset="0"/>
+              </a:rPr>
+              <a:t>Call:</a:t>
+            </a:r>
           </a:p>
           <a:p>
             <a:pPr marL="0" indent="0">
@@ -11135,9 +10891,54 @@
               </a:spcBef>
               <a:buNone/>
             </a:pPr>
-            <a:endParaRPr lang="en-US" sz="2200" dirty="0">
-              <a:latin typeface="Consolas" panose="020B0609020204030204" pitchFamily="49" charset="0"/>
-            </a:endParaRPr>
+            <a:r>
+              <a:rPr lang="en-US" sz="1600" dirty="0" err="1">
+                <a:latin typeface="Consolas" panose="020B0609020204030204" pitchFamily="49" charset="0"/>
+              </a:rPr>
+              <a:t>lm</a:t>
+            </a:r>
+            <a:r>
+              <a:rPr lang="en-US" sz="1600" dirty="0">
+                <a:latin typeface="Consolas" panose="020B0609020204030204" pitchFamily="49" charset="0"/>
+              </a:rPr>
+              <a:t>(formula = </a:t>
+            </a:r>
+            <a:r>
+              <a:rPr lang="en-US" sz="1600" dirty="0" err="1">
+                <a:latin typeface="Consolas" panose="020B0609020204030204" pitchFamily="49" charset="0"/>
+              </a:rPr>
+              <a:t>hdl</a:t>
+            </a:r>
+            <a:r>
+              <a:rPr lang="en-US" sz="1600" dirty="0">
+                <a:latin typeface="Consolas" panose="020B0609020204030204" pitchFamily="49" charset="0"/>
+              </a:rPr>
+              <a:t> ~ </a:t>
+            </a:r>
+            <a:r>
+              <a:rPr lang="en-US" sz="1600" dirty="0" err="1">
+                <a:latin typeface="Consolas" panose="020B0609020204030204" pitchFamily="49" charset="0"/>
+              </a:rPr>
+              <a:t>bmi_new</a:t>
+            </a:r>
+            <a:r>
+              <a:rPr lang="en-US" sz="1600" dirty="0">
+                <a:latin typeface="Consolas" panose="020B0609020204030204" pitchFamily="49" charset="0"/>
+              </a:rPr>
+              <a:t>, data = </a:t>
+            </a:r>
+            <a:r>
+              <a:rPr lang="en-US" sz="1600" dirty="0" err="1">
+                <a:latin typeface="Consolas" panose="020B0609020204030204" pitchFamily="49" charset="0"/>
+              </a:rPr>
+              <a:t>chol</a:t>
+            </a:r>
+            <a:r>
+              <a:rPr lang="en-US" sz="1600" dirty="0">
+                <a:latin typeface="Consolas" panose="020B0609020204030204" pitchFamily="49" charset="0"/>
+              </a:rPr>
+              <a:t> %&gt;% filter(gender == </a:t>
+            </a:r>
           </a:p>
           <a:p>
             <a:pPr marL="0" indent="0">
@@ -11149,9 +10950,12 @@
               </a:spcBef>
               <a:buNone/>
             </a:pPr>
-            <a:endParaRPr lang="en-US" sz="2200" dirty="0">
-              <a:latin typeface="Consolas" panose="020B0609020204030204" pitchFamily="49" charset="0"/>
-            </a:endParaRPr>
+            <a:r>
+              <a:rPr lang="en-US" sz="1600" dirty="0">
+                <a:latin typeface="Consolas" panose="020B0609020204030204" pitchFamily="49" charset="0"/>
+              </a:rPr>
+              <a:t>    "Male"))</a:t>
+            </a:r>
           </a:p>
           <a:p>
             <a:pPr marL="0" indent="0">
@@ -11163,16 +10967,591 @@
               </a:spcBef>
               <a:buNone/>
             </a:pPr>
+            <a:endParaRPr lang="en-US" sz="1600" dirty="0">
+              <a:latin typeface="Consolas" panose="020B0609020204030204" pitchFamily="49" charset="0"/>
+            </a:endParaRPr>
+          </a:p>
+          <a:p>
+            <a:pPr marL="0" indent="0">
+              <a:lnSpc>
+                <a:spcPct val="120000"/>
+              </a:lnSpc>
+              <a:spcBef>
+                <a:spcPts val="0"/>
+              </a:spcBef>
+              <a:buNone/>
+            </a:pPr>
+            <a:r>
+              <a:rPr lang="en-US" sz="1600" dirty="0">
+                <a:latin typeface="Consolas" panose="020B0609020204030204" pitchFamily="49" charset="0"/>
+              </a:rPr>
+              <a:t>Residuals:</a:t>
+            </a:r>
+          </a:p>
+          <a:p>
+            <a:pPr marL="0" indent="0">
+              <a:lnSpc>
+                <a:spcPct val="120000"/>
+              </a:lnSpc>
+              <a:spcBef>
+                <a:spcPts val="0"/>
+              </a:spcBef>
+              <a:buNone/>
+            </a:pPr>
+            <a:r>
+              <a:rPr lang="en-US" sz="1600" dirty="0">
+                <a:latin typeface="Consolas" panose="020B0609020204030204" pitchFamily="49" charset="0"/>
+              </a:rPr>
+              <a:t>     Min       1Q   Median       3Q      Max </a:t>
+            </a:r>
+          </a:p>
+          <a:p>
+            <a:pPr marL="0" indent="0">
+              <a:lnSpc>
+                <a:spcPct val="120000"/>
+              </a:lnSpc>
+              <a:spcBef>
+                <a:spcPts val="0"/>
+              </a:spcBef>
+              <a:buNone/>
+            </a:pPr>
+            <a:r>
+              <a:rPr lang="en-US" sz="1600" dirty="0">
+                <a:latin typeface="Consolas" panose="020B0609020204030204" pitchFamily="49" charset="0"/>
+              </a:rPr>
+              <a:t>-19.0015  -8.9759  -0.6354   7.7349  22.4085 </a:t>
+            </a:r>
+          </a:p>
+          <a:p>
+            <a:pPr marL="0" indent="0">
+              <a:lnSpc>
+                <a:spcPct val="120000"/>
+              </a:lnSpc>
+              <a:spcBef>
+                <a:spcPts val="0"/>
+              </a:spcBef>
+              <a:buNone/>
+            </a:pPr>
+            <a:endParaRPr lang="en-US" sz="1600" dirty="0">
+              <a:latin typeface="Consolas" panose="020B0609020204030204" pitchFamily="49" charset="0"/>
+            </a:endParaRPr>
+          </a:p>
+          <a:p>
+            <a:pPr marL="0" indent="0">
+              <a:lnSpc>
+                <a:spcPct val="120000"/>
+              </a:lnSpc>
+              <a:spcBef>
+                <a:spcPts val="0"/>
+              </a:spcBef>
+              <a:buNone/>
+            </a:pPr>
+            <a:r>
+              <a:rPr lang="en-US" sz="1600" dirty="0">
+                <a:latin typeface="Consolas" panose="020B0609020204030204" pitchFamily="49" charset="0"/>
+              </a:rPr>
+              <a:t>Coefficients:</a:t>
+            </a:r>
+          </a:p>
+          <a:p>
+            <a:pPr marL="0" indent="0">
+              <a:lnSpc>
+                <a:spcPct val="120000"/>
+              </a:lnSpc>
+              <a:spcBef>
+                <a:spcPts val="0"/>
+              </a:spcBef>
+              <a:buNone/>
+            </a:pPr>
+            <a:r>
+              <a:rPr lang="en-US" sz="1600" dirty="0">
+                <a:latin typeface="Consolas" panose="020B0609020204030204" pitchFamily="49" charset="0"/>
+              </a:rPr>
+              <a:t>            Estimate Std. Error t value </a:t>
+            </a:r>
+            <a:r>
+              <a:rPr lang="en-US" sz="1600" dirty="0" err="1">
+                <a:latin typeface="Consolas" panose="020B0609020204030204" pitchFamily="49" charset="0"/>
+              </a:rPr>
+              <a:t>Pr</a:t>
+            </a:r>
+            <a:r>
+              <a:rPr lang="en-US" sz="1600" dirty="0">
+                <a:latin typeface="Consolas" panose="020B0609020204030204" pitchFamily="49" charset="0"/>
+              </a:rPr>
+              <a:t>(&gt;|t|)    </a:t>
+            </a:r>
+          </a:p>
+          <a:p>
+            <a:pPr marL="0" indent="0">
+              <a:lnSpc>
+                <a:spcPct val="120000"/>
+              </a:lnSpc>
+              <a:spcBef>
+                <a:spcPts val="0"/>
+              </a:spcBef>
+              <a:buNone/>
+            </a:pPr>
+            <a:r>
+              <a:rPr lang="en-US" sz="1600" dirty="0">
+                <a:latin typeface="Consolas" panose="020B0609020204030204" pitchFamily="49" charset="0"/>
+              </a:rPr>
+              <a:t>(Intercept)  59.4159     5.1341   11.57   &lt;2e-16 ***</a:t>
+            </a:r>
+          </a:p>
+          <a:p>
+            <a:pPr marL="0" indent="0">
+              <a:lnSpc>
+                <a:spcPct val="120000"/>
+              </a:lnSpc>
+              <a:spcBef>
+                <a:spcPts val="0"/>
+              </a:spcBef>
+              <a:buNone/>
+            </a:pPr>
+            <a:r>
+              <a:rPr lang="en-US" sz="1600" dirty="0" err="1">
+                <a:latin typeface="Consolas" panose="020B0609020204030204" pitchFamily="49" charset="0"/>
+              </a:rPr>
+              <a:t>bmi_new</a:t>
+            </a:r>
+            <a:r>
+              <a:rPr lang="en-US" sz="1600" dirty="0">
+                <a:latin typeface="Consolas" panose="020B0609020204030204" pitchFamily="49" charset="0"/>
+              </a:rPr>
+              <a:t>      -0.5815     0.2211   -2.63     0.01 *  </a:t>
+            </a:r>
+          </a:p>
+          <a:p>
+            <a:pPr marL="0" indent="0">
+              <a:lnSpc>
+                <a:spcPct val="120000"/>
+              </a:lnSpc>
+              <a:spcBef>
+                <a:spcPts val="0"/>
+              </a:spcBef>
+              <a:buNone/>
+            </a:pPr>
+            <a:r>
+              <a:rPr lang="en-US" sz="1600" dirty="0">
+                <a:latin typeface="Consolas" panose="020B0609020204030204" pitchFamily="49" charset="0"/>
+              </a:rPr>
+              <a:t>---</a:t>
+            </a:r>
+          </a:p>
+          <a:p>
+            <a:pPr marL="0" indent="0">
+              <a:lnSpc>
+                <a:spcPct val="120000"/>
+              </a:lnSpc>
+              <a:spcBef>
+                <a:spcPts val="0"/>
+              </a:spcBef>
+              <a:buNone/>
+            </a:pPr>
+            <a:r>
+              <a:rPr lang="en-US" sz="1600" dirty="0" err="1">
+                <a:latin typeface="Consolas" panose="020B0609020204030204" pitchFamily="49" charset="0"/>
+              </a:rPr>
+              <a:t>Signif</a:t>
+            </a:r>
+            <a:r>
+              <a:rPr lang="en-US" sz="1600" dirty="0">
+                <a:latin typeface="Consolas" panose="020B0609020204030204" pitchFamily="49" charset="0"/>
+              </a:rPr>
+              <a:t>. codes:  0 ‘***’ 0.001 ‘**’ 0.01 ‘*’ 0.05 ‘.’ 0.1 ‘ ’ 1</a:t>
+            </a:r>
+          </a:p>
+          <a:p>
+            <a:pPr marL="0" indent="0">
+              <a:lnSpc>
+                <a:spcPct val="120000"/>
+              </a:lnSpc>
+              <a:spcBef>
+                <a:spcPts val="0"/>
+              </a:spcBef>
+              <a:buNone/>
+            </a:pPr>
+            <a:endParaRPr lang="en-US" sz="1600" dirty="0">
+              <a:latin typeface="Consolas" panose="020B0609020204030204" pitchFamily="49" charset="0"/>
+            </a:endParaRPr>
+          </a:p>
+          <a:p>
+            <a:pPr marL="0" indent="0">
+              <a:lnSpc>
+                <a:spcPct val="120000"/>
+              </a:lnSpc>
+              <a:spcBef>
+                <a:spcPts val="0"/>
+              </a:spcBef>
+              <a:buNone/>
+            </a:pPr>
+            <a:r>
+              <a:rPr lang="en-US" sz="1600" dirty="0">
+                <a:latin typeface="Consolas" panose="020B0609020204030204" pitchFamily="49" charset="0"/>
+              </a:rPr>
+              <a:t>Residual standard error: 10.44 on 92 degrees of freedom</a:t>
+            </a:r>
+          </a:p>
+          <a:p>
+            <a:pPr marL="0" indent="0">
+              <a:lnSpc>
+                <a:spcPct val="120000"/>
+              </a:lnSpc>
+              <a:spcBef>
+                <a:spcPts val="0"/>
+              </a:spcBef>
+              <a:buNone/>
+            </a:pPr>
+            <a:r>
+              <a:rPr lang="en-US" sz="1600" dirty="0">
+                <a:latin typeface="Consolas" panose="020B0609020204030204" pitchFamily="49" charset="0"/>
+              </a:rPr>
+              <a:t>Multiple R-squared:  0.06993,	Adjusted R-squared:  0.05983 </a:t>
+            </a:r>
+          </a:p>
+          <a:p>
+            <a:pPr marL="0" indent="0">
+              <a:lnSpc>
+                <a:spcPct val="120000"/>
+              </a:lnSpc>
+              <a:spcBef>
+                <a:spcPts val="0"/>
+              </a:spcBef>
+              <a:buNone/>
+            </a:pPr>
+            <a:r>
+              <a:rPr lang="en-US" sz="1600" dirty="0">
+                <a:latin typeface="Consolas" panose="020B0609020204030204" pitchFamily="49" charset="0"/>
+              </a:rPr>
+              <a:t>F-statistic: 6.918 on 1 and 92 DF,  p-value: 0.01</a:t>
+            </a:r>
+          </a:p>
+          <a:p>
+            <a:pPr marL="0" indent="0">
+              <a:lnSpc>
+                <a:spcPct val="120000"/>
+              </a:lnSpc>
+              <a:spcBef>
+                <a:spcPts val="0"/>
+              </a:spcBef>
+              <a:buNone/>
+            </a:pPr>
+            <a:endParaRPr lang="en-US" sz="3400" dirty="0">
+              <a:latin typeface="Consolas" panose="020B0609020204030204" pitchFamily="49" charset="0"/>
+            </a:endParaRPr>
+          </a:p>
+          <a:p>
+            <a:pPr marL="0" indent="0">
+              <a:lnSpc>
+                <a:spcPct val="120000"/>
+              </a:lnSpc>
+              <a:spcBef>
+                <a:spcPts val="0"/>
+              </a:spcBef>
+              <a:buNone/>
+            </a:pPr>
             <a:endParaRPr lang="en-US" sz="4400" dirty="0">
               <a:latin typeface="Consolas" panose="020B0609020204030204" pitchFamily="49" charset="0"/>
             </a:endParaRPr>
+          </a:p>
+        </p:txBody>
+      </p:sp>
+      <p:sp>
+        <p:nvSpPr>
+          <p:cNvPr id="5" name="TextBox 4">
+            <a:extLst>
+              <a:ext uri="{FF2B5EF4-FFF2-40B4-BE49-F238E27FC236}">
+                <a16:creationId xmlns:a16="http://schemas.microsoft.com/office/drawing/2014/main" id="{58C05642-C4B4-4997-8307-6981C8ECF2B4}"/>
+              </a:ext>
+            </a:extLst>
+          </p:cNvPr>
+          <p:cNvSpPr txBox="1"/>
+          <p:nvPr/>
+        </p:nvSpPr>
+        <p:spPr>
+          <a:xfrm>
+            <a:off x="6388100" y="3095591"/>
+            <a:ext cx="6096000" cy="3477875"/>
+          </a:xfrm>
+          <a:prstGeom prst="rect">
+            <a:avLst/>
+          </a:prstGeom>
+          <a:noFill/>
+        </p:spPr>
+        <p:txBody>
+          <a:bodyPr wrap="square">
+            <a:spAutoFit/>
+          </a:bodyPr>
+          <a:lstStyle/>
+          <a:p>
+            <a:r>
+              <a:rPr lang="en-US" sz="1100" dirty="0">
+                <a:latin typeface="Consolas" panose="020B0609020204030204" pitchFamily="49" charset="0"/>
+              </a:rPr>
+              <a:t>&gt; </a:t>
+            </a:r>
+            <a:r>
+              <a:rPr lang="en-US" sz="1100" dirty="0" err="1">
+                <a:latin typeface="Consolas" panose="020B0609020204030204" pitchFamily="49" charset="0"/>
+              </a:rPr>
+              <a:t>lm</a:t>
+            </a:r>
+            <a:r>
+              <a:rPr lang="en-US" sz="1100" dirty="0">
+                <a:latin typeface="Consolas" panose="020B0609020204030204" pitchFamily="49" charset="0"/>
+              </a:rPr>
+              <a:t>(</a:t>
+            </a:r>
+            <a:r>
+              <a:rPr lang="en-US" sz="1100" dirty="0" err="1">
+                <a:latin typeface="Consolas" panose="020B0609020204030204" pitchFamily="49" charset="0"/>
+              </a:rPr>
+              <a:t>hdl</a:t>
+            </a:r>
+            <a:r>
+              <a:rPr lang="en-US" sz="1100" dirty="0">
+                <a:latin typeface="Consolas" panose="020B0609020204030204" pitchFamily="49" charset="0"/>
+              </a:rPr>
+              <a:t> ~ </a:t>
+            </a:r>
+            <a:r>
+              <a:rPr lang="en-US" sz="1100" dirty="0" err="1">
+                <a:latin typeface="Consolas" panose="020B0609020204030204" pitchFamily="49" charset="0"/>
+              </a:rPr>
+              <a:t>bmi_new</a:t>
+            </a:r>
+            <a:r>
+              <a:rPr lang="en-US" sz="1100" dirty="0">
+                <a:latin typeface="Consolas" panose="020B0609020204030204" pitchFamily="49" charset="0"/>
+              </a:rPr>
+              <a:t>, data=</a:t>
+            </a:r>
+            <a:r>
+              <a:rPr lang="en-US" sz="1100" dirty="0" err="1">
+                <a:latin typeface="Consolas" panose="020B0609020204030204" pitchFamily="49" charset="0"/>
+              </a:rPr>
+              <a:t>chol</a:t>
+            </a:r>
+            <a:r>
+              <a:rPr lang="en-US" sz="1100" dirty="0">
+                <a:latin typeface="Consolas" panose="020B0609020204030204" pitchFamily="49" charset="0"/>
+              </a:rPr>
+              <a:t> %&gt;% filter(gender=="Female")) %&gt;% summary()</a:t>
+            </a:r>
+          </a:p>
+          <a:p>
+            <a:endParaRPr lang="en-US" sz="1100" dirty="0">
+              <a:latin typeface="Consolas" panose="020B0609020204030204" pitchFamily="49" charset="0"/>
+            </a:endParaRPr>
+          </a:p>
+          <a:p>
+            <a:r>
+              <a:rPr lang="en-US" sz="1100" dirty="0">
+                <a:latin typeface="Consolas" panose="020B0609020204030204" pitchFamily="49" charset="0"/>
+              </a:rPr>
+              <a:t>Call:</a:t>
+            </a:r>
+          </a:p>
+          <a:p>
+            <a:r>
+              <a:rPr lang="en-US" sz="1100" dirty="0" err="1">
+                <a:latin typeface="Consolas" panose="020B0609020204030204" pitchFamily="49" charset="0"/>
+              </a:rPr>
+              <a:t>lm</a:t>
+            </a:r>
+            <a:r>
+              <a:rPr lang="en-US" sz="1100" dirty="0">
+                <a:latin typeface="Consolas" panose="020B0609020204030204" pitchFamily="49" charset="0"/>
+              </a:rPr>
+              <a:t>(formula = </a:t>
+            </a:r>
+            <a:r>
+              <a:rPr lang="en-US" sz="1100" dirty="0" err="1">
+                <a:latin typeface="Consolas" panose="020B0609020204030204" pitchFamily="49" charset="0"/>
+              </a:rPr>
+              <a:t>hdl</a:t>
+            </a:r>
+            <a:r>
+              <a:rPr lang="en-US" sz="1100" dirty="0">
+                <a:latin typeface="Consolas" panose="020B0609020204030204" pitchFamily="49" charset="0"/>
+              </a:rPr>
+              <a:t> ~ </a:t>
+            </a:r>
+            <a:r>
+              <a:rPr lang="en-US" sz="1100" dirty="0" err="1">
+                <a:latin typeface="Consolas" panose="020B0609020204030204" pitchFamily="49" charset="0"/>
+              </a:rPr>
+              <a:t>bmi_new</a:t>
+            </a:r>
+            <a:r>
+              <a:rPr lang="en-US" sz="1100" dirty="0">
+                <a:latin typeface="Consolas" panose="020B0609020204030204" pitchFamily="49" charset="0"/>
+              </a:rPr>
+              <a:t>, data = </a:t>
+            </a:r>
+            <a:r>
+              <a:rPr lang="en-US" sz="1100" dirty="0" err="1">
+                <a:latin typeface="Consolas" panose="020B0609020204030204" pitchFamily="49" charset="0"/>
+              </a:rPr>
+              <a:t>chol</a:t>
+            </a:r>
+            <a:r>
+              <a:rPr lang="en-US" sz="1100" dirty="0">
+                <a:latin typeface="Consolas" panose="020B0609020204030204" pitchFamily="49" charset="0"/>
+              </a:rPr>
+              <a:t> %&gt;% filter(gender == </a:t>
+            </a:r>
+          </a:p>
+          <a:p>
+            <a:r>
+              <a:rPr lang="en-US" sz="1100" dirty="0">
+                <a:latin typeface="Consolas" panose="020B0609020204030204" pitchFamily="49" charset="0"/>
+              </a:rPr>
+              <a:t>    "Female"))</a:t>
+            </a:r>
+          </a:p>
+          <a:p>
+            <a:endParaRPr lang="en-US" sz="1100" dirty="0">
+              <a:latin typeface="Consolas" panose="020B0609020204030204" pitchFamily="49" charset="0"/>
+            </a:endParaRPr>
+          </a:p>
+          <a:p>
+            <a:r>
+              <a:rPr lang="en-US" sz="1100" dirty="0">
+                <a:latin typeface="Consolas" panose="020B0609020204030204" pitchFamily="49" charset="0"/>
+              </a:rPr>
+              <a:t>Residuals:</a:t>
+            </a:r>
+          </a:p>
+          <a:p>
+            <a:r>
+              <a:rPr lang="en-US" sz="1100" dirty="0">
+                <a:latin typeface="Consolas" panose="020B0609020204030204" pitchFamily="49" charset="0"/>
+              </a:rPr>
+              <a:t>    Min      1Q  Median      3Q     Max </a:t>
+            </a:r>
+          </a:p>
+          <a:p>
+            <a:r>
+              <a:rPr lang="en-US" sz="1100" dirty="0">
+                <a:latin typeface="Consolas" panose="020B0609020204030204" pitchFamily="49" charset="0"/>
+              </a:rPr>
+              <a:t>-18.727  -7.958  -1.205   5.522  26.684 </a:t>
+            </a:r>
+          </a:p>
+          <a:p>
+            <a:endParaRPr lang="en-US" sz="1100" dirty="0">
+              <a:latin typeface="Consolas" panose="020B0609020204030204" pitchFamily="49" charset="0"/>
+            </a:endParaRPr>
+          </a:p>
+          <a:p>
+            <a:r>
+              <a:rPr lang="en-US" sz="1100" dirty="0">
+                <a:latin typeface="Consolas" panose="020B0609020204030204" pitchFamily="49" charset="0"/>
+              </a:rPr>
+              <a:t>Coefficients:</a:t>
+            </a:r>
+          </a:p>
+          <a:p>
+            <a:r>
+              <a:rPr lang="en-US" sz="1100" dirty="0">
+                <a:latin typeface="Consolas" panose="020B0609020204030204" pitchFamily="49" charset="0"/>
+              </a:rPr>
+              <a:t>            Estimate Std. Error t value </a:t>
+            </a:r>
+            <a:r>
+              <a:rPr lang="en-US" sz="1100" dirty="0" err="1">
+                <a:latin typeface="Consolas" panose="020B0609020204030204" pitchFamily="49" charset="0"/>
+              </a:rPr>
+              <a:t>Pr</a:t>
+            </a:r>
+            <a:r>
+              <a:rPr lang="en-US" sz="1100" dirty="0">
+                <a:latin typeface="Consolas" panose="020B0609020204030204" pitchFamily="49" charset="0"/>
+              </a:rPr>
+              <a:t>(&gt;|t|)    </a:t>
+            </a:r>
+          </a:p>
+          <a:p>
+            <a:r>
+              <a:rPr lang="en-US" sz="1100" dirty="0">
+                <a:latin typeface="Consolas" panose="020B0609020204030204" pitchFamily="49" charset="0"/>
+              </a:rPr>
+              <a:t>(Intercept) 49.45668    4.87364  10.148   &lt;2e-16 ***</a:t>
+            </a:r>
+          </a:p>
+          <a:p>
+            <a:r>
+              <a:rPr lang="en-US" sz="1100" dirty="0" err="1">
+                <a:latin typeface="Consolas" panose="020B0609020204030204" pitchFamily="49" charset="0"/>
+              </a:rPr>
+              <a:t>bmi_new</a:t>
+            </a:r>
+            <a:r>
+              <a:rPr lang="en-US" sz="1100" dirty="0">
+                <a:latin typeface="Consolas" panose="020B0609020204030204" pitchFamily="49" charset="0"/>
+              </a:rPr>
+              <a:t>      0.08473    0.22706   0.373     0.71    </a:t>
+            </a:r>
+          </a:p>
+          <a:p>
+            <a:r>
+              <a:rPr lang="en-US" sz="1100" dirty="0">
+                <a:latin typeface="Consolas" panose="020B0609020204030204" pitchFamily="49" charset="0"/>
+              </a:rPr>
+              <a:t>---</a:t>
+            </a:r>
+          </a:p>
+          <a:p>
+            <a:r>
+              <a:rPr lang="en-US" sz="1100" dirty="0" err="1">
+                <a:latin typeface="Consolas" panose="020B0609020204030204" pitchFamily="49" charset="0"/>
+              </a:rPr>
+              <a:t>Signif</a:t>
+            </a:r>
+            <a:r>
+              <a:rPr lang="en-US" sz="1100" dirty="0">
+                <a:latin typeface="Consolas" panose="020B0609020204030204" pitchFamily="49" charset="0"/>
+              </a:rPr>
+              <a:t>. codes:  0 ‘***’ 0.001 ‘**’ 0.01 ‘*’ 0.05 ‘.’ 0.1 ‘ ’ 1</a:t>
+            </a:r>
+          </a:p>
+          <a:p>
+            <a:endParaRPr lang="en-US" sz="1100" dirty="0">
+              <a:latin typeface="Consolas" panose="020B0609020204030204" pitchFamily="49" charset="0"/>
+            </a:endParaRPr>
+          </a:p>
+          <a:p>
+            <a:r>
+              <a:rPr lang="en-US" sz="1100" dirty="0">
+                <a:latin typeface="Consolas" panose="020B0609020204030204" pitchFamily="49" charset="0"/>
+              </a:rPr>
+              <a:t>Residual standard error: 11.21 on 92 degrees of freedom</a:t>
+            </a:r>
+          </a:p>
+          <a:p>
+            <a:r>
+              <a:rPr lang="en-US" sz="1100" dirty="0">
+                <a:latin typeface="Consolas" panose="020B0609020204030204" pitchFamily="49" charset="0"/>
+              </a:rPr>
+              <a:t>Multiple R-squared:  0.001511,	Adjusted R-squared:  -0.009342 </a:t>
+            </a:r>
+          </a:p>
+          <a:p>
+            <a:r>
+              <a:rPr lang="en-US" sz="1100" dirty="0">
+                <a:latin typeface="Consolas" panose="020B0609020204030204" pitchFamily="49" charset="0"/>
+              </a:rPr>
+              <a:t>F-statistic: 0.1392 on 1 and 92 DF,  p-value: 0.7099</a:t>
+            </a:r>
           </a:p>
         </p:txBody>
       </p:sp>
     </p:spTree>
     <p:extLst>
       <p:ext uri="{BB962C8B-B14F-4D97-AF65-F5344CB8AC3E}">
-        <p14:creationId xmlns:p14="http://schemas.microsoft.com/office/powerpoint/2010/main" val="3416930065"/>
+        <p14:creationId xmlns:p14="http://schemas.microsoft.com/office/powerpoint/2010/main" val="1927774907"/>
       </p:ext>
     </p:extLst>
   </p:cSld>
@@ -11432,6 +11811,198 @@
 </file>
 
 <file path=ppt/slides/slide30.xml><?xml version="1.0" encoding="utf-8"?>
+<p:sld xmlns:a="http://schemas.openxmlformats.org/drawingml/2006/main" xmlns:r="http://schemas.openxmlformats.org/officeDocument/2006/relationships" xmlns:p="http://schemas.openxmlformats.org/presentationml/2006/main">
+  <p:cSld>
+    <p:spTree>
+      <p:nvGrpSpPr>
+        <p:cNvPr id="1" name=""/>
+        <p:cNvGrpSpPr/>
+        <p:nvPr/>
+      </p:nvGrpSpPr>
+      <p:grpSpPr>
+        <a:xfrm>
+          <a:off x="0" y="0"/>
+          <a:ext cx="0" cy="0"/>
+          <a:chOff x="0" y="0"/>
+          <a:chExt cx="0" cy="0"/>
+        </a:xfrm>
+      </p:grpSpPr>
+      <p:sp>
+        <p:nvSpPr>
+          <p:cNvPr id="2" name="Title 1">
+            <a:extLst>
+              <a:ext uri="{FF2B5EF4-FFF2-40B4-BE49-F238E27FC236}">
+                <a16:creationId xmlns:a16="http://schemas.microsoft.com/office/drawing/2014/main" id="{0B8C635E-B1AD-4A3B-A512-BE5F2592DC87}"/>
+              </a:ext>
+            </a:extLst>
+          </p:cNvPr>
+          <p:cNvSpPr>
+            <a:spLocks noGrp="1"/>
+          </p:cNvSpPr>
+          <p:nvPr>
+            <p:ph type="title"/>
+          </p:nvPr>
+        </p:nvSpPr>
+        <p:spPr/>
+        <p:txBody>
+          <a:bodyPr/>
+          <a:lstStyle/>
+          <a:p>
+            <a:r>
+              <a:rPr lang="en-US" dirty="0"/>
+              <a:t>Approach 2: Interaction Term</a:t>
+            </a:r>
+          </a:p>
+        </p:txBody>
+      </p:sp>
+      <p:sp>
+        <p:nvSpPr>
+          <p:cNvPr id="3" name="Content Placeholder 2">
+            <a:extLst>
+              <a:ext uri="{FF2B5EF4-FFF2-40B4-BE49-F238E27FC236}">
+                <a16:creationId xmlns:a16="http://schemas.microsoft.com/office/drawing/2014/main" id="{769E0954-E43E-4C21-99A6-EC2ADD213995}"/>
+              </a:ext>
+            </a:extLst>
+          </p:cNvPr>
+          <p:cNvSpPr>
+            <a:spLocks noGrp="1"/>
+          </p:cNvSpPr>
+          <p:nvPr>
+            <p:ph idx="1"/>
+          </p:nvPr>
+        </p:nvSpPr>
+        <p:spPr>
+          <a:xfrm>
+            <a:off x="838200" y="1466850"/>
+            <a:ext cx="10661650" cy="5226050"/>
+          </a:xfrm>
+        </p:spPr>
+        <p:txBody>
+          <a:bodyPr>
+            <a:normAutofit/>
+          </a:bodyPr>
+          <a:lstStyle/>
+          <a:p>
+            <a:pPr>
+              <a:lnSpc>
+                <a:spcPct val="120000"/>
+              </a:lnSpc>
+            </a:pPr>
+            <a:r>
+              <a:rPr lang="en-US" sz="3000" dirty="0"/>
+              <a:t>Another approach is to add an interaction term – a multiplicative term between the two variables of interest</a:t>
+            </a:r>
+          </a:p>
+          <a:p>
+            <a:pPr>
+              <a:lnSpc>
+                <a:spcPct val="120000"/>
+              </a:lnSpc>
+            </a:pPr>
+            <a:r>
+              <a:rPr lang="en-US" sz="3000" dirty="0"/>
+              <a:t>This allows the relationship between X and Y to vary based on the levels of Z</a:t>
+            </a:r>
+          </a:p>
+          <a:p>
+            <a:pPr>
+              <a:lnSpc>
+                <a:spcPct val="120000"/>
+              </a:lnSpc>
+            </a:pPr>
+            <a:r>
+              <a:rPr lang="en-US" sz="3000" dirty="0"/>
+              <a:t>Why take this approach?</a:t>
+            </a:r>
+          </a:p>
+          <a:p>
+            <a:pPr lvl="1">
+              <a:lnSpc>
+                <a:spcPct val="120000"/>
+              </a:lnSpc>
+            </a:pPr>
+            <a:r>
+              <a:rPr lang="en-US" sz="2600" dirty="0"/>
+              <a:t>It is more elegant than stratifying the data</a:t>
+            </a:r>
+          </a:p>
+          <a:p>
+            <a:pPr lvl="1">
+              <a:lnSpc>
+                <a:spcPct val="120000"/>
+              </a:lnSpc>
+            </a:pPr>
+            <a:r>
+              <a:rPr lang="en-US" sz="2600" dirty="0"/>
+              <a:t>It allows us to test specific hypotheses (e.g., the p-value for the multiplicative term tells us if an interaction exists)</a:t>
+            </a:r>
+          </a:p>
+          <a:p>
+            <a:pPr>
+              <a:lnSpc>
+                <a:spcPct val="120000"/>
+              </a:lnSpc>
+            </a:pPr>
+            <a:endParaRPr lang="en-US" sz="4000" dirty="0"/>
+          </a:p>
+          <a:p>
+            <a:pPr marL="0" indent="0">
+              <a:lnSpc>
+                <a:spcPct val="120000"/>
+              </a:lnSpc>
+              <a:spcBef>
+                <a:spcPts val="0"/>
+              </a:spcBef>
+              <a:buNone/>
+            </a:pPr>
+            <a:endParaRPr lang="en-US" sz="2200" dirty="0">
+              <a:latin typeface="Consolas" panose="020B0609020204030204" pitchFamily="49" charset="0"/>
+            </a:endParaRPr>
+          </a:p>
+          <a:p>
+            <a:pPr marL="0" indent="0">
+              <a:lnSpc>
+                <a:spcPct val="120000"/>
+              </a:lnSpc>
+              <a:spcBef>
+                <a:spcPts val="0"/>
+              </a:spcBef>
+              <a:buNone/>
+            </a:pPr>
+            <a:endParaRPr lang="en-US" sz="2200" dirty="0">
+              <a:latin typeface="Consolas" panose="020B0609020204030204" pitchFamily="49" charset="0"/>
+            </a:endParaRPr>
+          </a:p>
+          <a:p>
+            <a:pPr marL="0" indent="0">
+              <a:lnSpc>
+                <a:spcPct val="120000"/>
+              </a:lnSpc>
+              <a:spcBef>
+                <a:spcPts val="0"/>
+              </a:spcBef>
+              <a:buNone/>
+            </a:pPr>
+            <a:endParaRPr lang="en-US" sz="4400" dirty="0">
+              <a:latin typeface="Consolas" panose="020B0609020204030204" pitchFamily="49" charset="0"/>
+            </a:endParaRPr>
+          </a:p>
+        </p:txBody>
+      </p:sp>
+    </p:spTree>
+    <p:extLst>
+      <p:ext uri="{BB962C8B-B14F-4D97-AF65-F5344CB8AC3E}">
+        <p14:creationId xmlns:p14="http://schemas.microsoft.com/office/powerpoint/2010/main" val="3416930065"/>
+      </p:ext>
+    </p:extLst>
+  </p:cSld>
+  <p:clrMapOvr>
+    <a:masterClrMapping/>
+  </p:clrMapOvr>
+</p:sld>
+</file>
+
+<file path=ppt/slides/slide31.xml><?xml version="1.0" encoding="utf-8"?>
 <p:sld xmlns:a="http://schemas.openxmlformats.org/drawingml/2006/main" xmlns:r="http://schemas.openxmlformats.org/officeDocument/2006/relationships" xmlns:p="http://schemas.openxmlformats.org/presentationml/2006/main">
   <p:cSld>
     <p:spTree>
@@ -12664,7 +13235,7 @@
 </p:sld>
 </file>
 
-<file path=ppt/slides/slide31.xml><?xml version="1.0" encoding="utf-8"?>
+<file path=ppt/slides/slide32.xml><?xml version="1.0" encoding="utf-8"?>
 <p:sld xmlns:a="http://schemas.openxmlformats.org/drawingml/2006/main" xmlns:r="http://schemas.openxmlformats.org/officeDocument/2006/relationships" xmlns:p="http://schemas.openxmlformats.org/presentationml/2006/main">
   <p:cSld>
     <p:spTree>
@@ -13550,7 +14121,7 @@
 </p:sld>
 </file>
 
-<file path=ppt/slides/slide32.xml><?xml version="1.0" encoding="utf-8"?>
+<file path=ppt/slides/slide33.xml><?xml version="1.0" encoding="utf-8"?>
 <p:sld xmlns:a="http://schemas.openxmlformats.org/drawingml/2006/main" xmlns:r="http://schemas.openxmlformats.org/officeDocument/2006/relationships" xmlns:p="http://schemas.openxmlformats.org/presentationml/2006/main">
   <p:cSld>
     <p:spTree>
@@ -13895,7 +14466,7 @@
 </p:sld>
 </file>
 
-<file path=ppt/slides/slide33.xml><?xml version="1.0" encoding="utf-8"?>
+<file path=ppt/slides/slide34.xml><?xml version="1.0" encoding="utf-8"?>
 <p:sld xmlns:a="http://schemas.openxmlformats.org/drawingml/2006/main" xmlns:r="http://schemas.openxmlformats.org/officeDocument/2006/relationships" xmlns:p="http://schemas.openxmlformats.org/presentationml/2006/main">
   <p:cSld>
     <p:spTree>

--- a/google-drive/week02/4Thurs/1_Week2_MultipleRegression.pptx
+++ b/google-drive/week02/4Thurs/1_Week2_MultipleRegression.pptx
@@ -5,7 +5,7 @@
     <p:sldMasterId id="2147483648" r:id="rId1"/>
   </p:sldMasterIdLst>
   <p:handoutMasterIdLst>
-    <p:handoutMasterId r:id="rId36"/>
+    <p:handoutMasterId r:id="rId37"/>
   </p:handoutMasterIdLst>
   <p:sldIdLst>
     <p:sldId id="256" r:id="rId2"/>
@@ -29,19 +29,20 @@
     <p:sldId id="312" r:id="rId20"/>
     <p:sldId id="313" r:id="rId21"/>
     <p:sldId id="310" r:id="rId22"/>
-    <p:sldId id="314" r:id="rId23"/>
-    <p:sldId id="317" r:id="rId24"/>
-    <p:sldId id="269" r:id="rId25"/>
-    <p:sldId id="270" r:id="rId26"/>
-    <p:sldId id="315" r:id="rId27"/>
-    <p:sldId id="316" r:id="rId28"/>
-    <p:sldId id="318" r:id="rId29"/>
-    <p:sldId id="319" r:id="rId30"/>
-    <p:sldId id="320" r:id="rId31"/>
-    <p:sldId id="321" r:id="rId32"/>
-    <p:sldId id="322" r:id="rId33"/>
-    <p:sldId id="323" r:id="rId34"/>
-    <p:sldId id="324" r:id="rId35"/>
+    <p:sldId id="326" r:id="rId23"/>
+    <p:sldId id="314" r:id="rId24"/>
+    <p:sldId id="317" r:id="rId25"/>
+    <p:sldId id="269" r:id="rId26"/>
+    <p:sldId id="270" r:id="rId27"/>
+    <p:sldId id="315" r:id="rId28"/>
+    <p:sldId id="316" r:id="rId29"/>
+    <p:sldId id="318" r:id="rId30"/>
+    <p:sldId id="319" r:id="rId31"/>
+    <p:sldId id="320" r:id="rId32"/>
+    <p:sldId id="321" r:id="rId33"/>
+    <p:sldId id="322" r:id="rId34"/>
+    <p:sldId id="323" r:id="rId35"/>
+    <p:sldId id="324" r:id="rId36"/>
   </p:sldIdLst>
   <p:sldSz cx="12192000" cy="6858000"/>
   <p:notesSz cx="6858000" cy="9144000"/>
@@ -174,6 +175,7 @@
             <p14:sldId id="312"/>
             <p14:sldId id="313"/>
             <p14:sldId id="310"/>
+            <p14:sldId id="326"/>
             <p14:sldId id="314"/>
             <p14:sldId id="317"/>
           </p14:sldIdLst>
@@ -303,7 +305,7 @@
           <a:p>
             <a:fld id="{F3C7AE39-24BF-9046-BF66-BB2858E2304D}" type="datetimeFigureOut">
               <a:rPr lang="en-US" smtClean="0"/>
-              <a:t>6/28/23</a:t>
+              <a:t>6/29/23</a:t>
             </a:fld>
             <a:endParaRPr lang="en-US"/>
           </a:p>
@@ -2184,7 +2186,7 @@
                           <a:rPr lang="en-US" b="0" i="1" smtClean="0">
                             <a:latin typeface="Cambria Math" panose="02040503050406030204" pitchFamily="18" charset="0"/>
                           </a:rPr>
-                          <m:t>1</m:t>
+                          <m:t>𝐴</m:t>
                         </m:r>
                       </m:sub>
                     </m:sSub>
@@ -3220,6 +3222,81 @@
   <p:clrMapOvr>
     <a:masterClrMapping/>
   </p:clrMapOvr>
+  <p:timing>
+    <p:tnLst>
+      <p:par>
+        <p:cTn id="1" dur="indefinite" restart="never" nodeType="tmRoot">
+          <p:childTnLst>
+            <p:seq concurrent="1" nextAc="seek">
+              <p:cTn id="2" dur="indefinite" nodeType="mainSeq">
+                <p:childTnLst>
+                  <p:par>
+                    <p:cTn id="3" fill="hold">
+                      <p:stCondLst>
+                        <p:cond delay="indefinite"/>
+                      </p:stCondLst>
+                      <p:childTnLst>
+                        <p:par>
+                          <p:cTn id="4" fill="hold">
+                            <p:stCondLst>
+                              <p:cond delay="0"/>
+                            </p:stCondLst>
+                            <p:childTnLst>
+                              <p:par>
+                                <p:cTn id="5" presetID="1" presetClass="entr" presetSubtype="0" fill="hold" nodeType="clickEffect">
+                                  <p:stCondLst>
+                                    <p:cond delay="0"/>
+                                  </p:stCondLst>
+                                  <p:childTnLst>
+                                    <p:set>
+                                      <p:cBhvr>
+                                        <p:cTn id="6" dur="1" fill="hold">
+                                          <p:stCondLst>
+                                            <p:cond delay="0"/>
+                                          </p:stCondLst>
+                                        </p:cTn>
+                                        <p:tgtEl>
+                                          <p:spTgt spid="4"/>
+                                        </p:tgtEl>
+                                        <p:attrNameLst>
+                                          <p:attrName>style.visibility</p:attrName>
+                                        </p:attrNameLst>
+                                      </p:cBhvr>
+                                      <p:to>
+                                        <p:strVal val="visible"/>
+                                      </p:to>
+                                    </p:set>
+                                  </p:childTnLst>
+                                </p:cTn>
+                              </p:par>
+                            </p:childTnLst>
+                          </p:cTn>
+                        </p:par>
+                      </p:childTnLst>
+                    </p:cTn>
+                  </p:par>
+                </p:childTnLst>
+              </p:cTn>
+              <p:prevCondLst>
+                <p:cond evt="onPrev" delay="0">
+                  <p:tgtEl>
+                    <p:sldTgt/>
+                  </p:tgtEl>
+                </p:cond>
+              </p:prevCondLst>
+              <p:nextCondLst>
+                <p:cond evt="onNext" delay="0">
+                  <p:tgtEl>
+                    <p:sldTgt/>
+                  </p:tgtEl>
+                </p:cond>
+              </p:nextCondLst>
+            </p:seq>
+          </p:childTnLst>
+        </p:cTn>
+      </p:par>
+    </p:tnLst>
+  </p:timing>
 </p:sld>
 </file>
 
@@ -6603,8 +6680,8 @@
           </p:sp>
         </mc:Fallback>
       </mc:AlternateContent>
-      <mc:AlternateContent xmlns:mc="http://schemas.openxmlformats.org/markup-compatibility/2006">
-        <mc:Choice xmlns:a14="http://schemas.microsoft.com/office/drawing/2010/main" Requires="a14">
+      <mc:AlternateContent xmlns:mc="http://schemas.openxmlformats.org/markup-compatibility/2006" xmlns:a14="http://schemas.microsoft.com/office/drawing/2010/main">
+        <mc:Choice Requires="a14">
           <p:sp>
             <p:nvSpPr>
               <p:cNvPr id="5" name="TextBox 4">
@@ -6892,7 +6969,7 @@
             </p:txBody>
           </p:sp>
         </mc:Choice>
-        <mc:Fallback>
+        <mc:Fallback xmlns="">
           <p:sp>
             <p:nvSpPr>
               <p:cNvPr id="5" name="TextBox 4">
@@ -7019,6 +7096,177 @@
         </p:spPr>
         <p:txBody>
           <a:bodyPr>
+            <a:normAutofit/>
+          </a:bodyPr>
+          <a:lstStyle/>
+          <a:p>
+            <a:pPr>
+              <a:lnSpc>
+                <a:spcPct val="120000"/>
+              </a:lnSpc>
+            </a:pPr>
+            <a:r>
+              <a:rPr lang="en-US" sz="3200" dirty="0"/>
+              <a:t>What is the effect of triglycerides and age on cholesterol levels?</a:t>
+            </a:r>
+            <a:endParaRPr lang="en-US" sz="4000" dirty="0"/>
+          </a:p>
+          <a:p>
+            <a:pPr marL="0" indent="0">
+              <a:lnSpc>
+                <a:spcPct val="120000"/>
+              </a:lnSpc>
+              <a:spcBef>
+                <a:spcPts val="0"/>
+              </a:spcBef>
+              <a:buNone/>
+            </a:pPr>
+            <a:endParaRPr lang="en-US" sz="1800" dirty="0">
+              <a:latin typeface="Consolas" panose="020B0609020204030204" pitchFamily="49" charset="0"/>
+            </a:endParaRPr>
+          </a:p>
+          <a:p>
+            <a:pPr marL="0" indent="0">
+              <a:lnSpc>
+                <a:spcPct val="120000"/>
+              </a:lnSpc>
+              <a:spcBef>
+                <a:spcPts val="0"/>
+              </a:spcBef>
+              <a:buNone/>
+            </a:pPr>
+            <a:endParaRPr lang="en-US" sz="1800" dirty="0">
+              <a:latin typeface="Consolas" panose="020B0609020204030204" pitchFamily="49" charset="0"/>
+            </a:endParaRPr>
+          </a:p>
+          <a:p>
+            <a:pPr marL="0" indent="0">
+              <a:lnSpc>
+                <a:spcPct val="120000"/>
+              </a:lnSpc>
+              <a:spcBef>
+                <a:spcPts val="0"/>
+              </a:spcBef>
+              <a:buNone/>
+            </a:pPr>
+            <a:endParaRPr lang="en-US" sz="1800" dirty="0">
+              <a:latin typeface="Consolas" panose="020B0609020204030204" pitchFamily="49" charset="0"/>
+            </a:endParaRPr>
+          </a:p>
+        </p:txBody>
+      </p:sp>
+      <p:pic>
+        <p:nvPicPr>
+          <p:cNvPr id="4" name="Picture 3">
+            <a:extLst>
+              <a:ext uri="{FF2B5EF4-FFF2-40B4-BE49-F238E27FC236}">
+                <a16:creationId xmlns:a16="http://schemas.microsoft.com/office/drawing/2014/main" id="{FF232706-1A74-9952-7E06-C9F2625C5EBA}"/>
+              </a:ext>
+            </a:extLst>
+          </p:cNvPr>
+          <p:cNvPicPr>
+            <a:picLocks noChangeAspect="1"/>
+          </p:cNvPicPr>
+          <p:nvPr/>
+        </p:nvPicPr>
+        <p:blipFill>
+          <a:blip r:embed="rId2"/>
+          <a:stretch>
+            <a:fillRect/>
+          </a:stretch>
+        </p:blipFill>
+        <p:spPr>
+          <a:xfrm>
+            <a:off x="3174124" y="2396360"/>
+            <a:ext cx="4905339" cy="3962828"/>
+          </a:xfrm>
+          <a:prstGeom prst="rect">
+            <a:avLst/>
+          </a:prstGeom>
+        </p:spPr>
+      </p:pic>
+    </p:spTree>
+    <p:extLst>
+      <p:ext uri="{BB962C8B-B14F-4D97-AF65-F5344CB8AC3E}">
+        <p14:creationId xmlns:p14="http://schemas.microsoft.com/office/powerpoint/2010/main" val="1283930350"/>
+      </p:ext>
+    </p:extLst>
+  </p:cSld>
+  <p:clrMapOvr>
+    <a:masterClrMapping/>
+  </p:clrMapOvr>
+</p:sld>
+</file>
+
+<file path=ppt/slides/slide22.xml><?xml version="1.0" encoding="utf-8"?>
+<p:sld xmlns:a="http://schemas.openxmlformats.org/drawingml/2006/main" xmlns:r="http://schemas.openxmlformats.org/officeDocument/2006/relationships" xmlns:p="http://schemas.openxmlformats.org/presentationml/2006/main">
+  <p:cSld>
+    <p:spTree>
+      <p:nvGrpSpPr>
+        <p:cNvPr id="1" name=""/>
+        <p:cNvGrpSpPr/>
+        <p:nvPr/>
+      </p:nvGrpSpPr>
+      <p:grpSpPr>
+        <a:xfrm>
+          <a:off x="0" y="0"/>
+          <a:ext cx="0" cy="0"/>
+          <a:chOff x="0" y="0"/>
+          <a:chExt cx="0" cy="0"/>
+        </a:xfrm>
+      </p:grpSpPr>
+      <p:sp>
+        <p:nvSpPr>
+          <p:cNvPr id="2" name="Title 1">
+            <a:extLst>
+              <a:ext uri="{FF2B5EF4-FFF2-40B4-BE49-F238E27FC236}">
+                <a16:creationId xmlns:a16="http://schemas.microsoft.com/office/drawing/2014/main" id="{0B8C635E-B1AD-4A3B-A512-BE5F2592DC87}"/>
+              </a:ext>
+            </a:extLst>
+          </p:cNvPr>
+          <p:cNvSpPr>
+            <a:spLocks noGrp="1"/>
+          </p:cNvSpPr>
+          <p:nvPr>
+            <p:ph type="title"/>
+          </p:nvPr>
+        </p:nvSpPr>
+        <p:spPr/>
+        <p:txBody>
+          <a:bodyPr/>
+          <a:lstStyle/>
+          <a:p>
+            <a:r>
+              <a:rPr lang="en-US" dirty="0"/>
+              <a:t>Another Example</a:t>
+            </a:r>
+          </a:p>
+        </p:txBody>
+      </p:sp>
+      <p:sp>
+        <p:nvSpPr>
+          <p:cNvPr id="3" name="Content Placeholder 2">
+            <a:extLst>
+              <a:ext uri="{FF2B5EF4-FFF2-40B4-BE49-F238E27FC236}">
+                <a16:creationId xmlns:a16="http://schemas.microsoft.com/office/drawing/2014/main" id="{769E0954-E43E-4C21-99A6-EC2ADD213995}"/>
+              </a:ext>
+            </a:extLst>
+          </p:cNvPr>
+          <p:cNvSpPr>
+            <a:spLocks noGrp="1"/>
+          </p:cNvSpPr>
+          <p:nvPr>
+            <p:ph idx="1"/>
+          </p:nvPr>
+        </p:nvSpPr>
+        <p:spPr>
+          <a:xfrm>
+            <a:off x="838200" y="1466850"/>
+            <a:ext cx="11023600" cy="5226050"/>
+          </a:xfrm>
+        </p:spPr>
+        <p:txBody>
+          <a:bodyPr>
             <a:normAutofit fontScale="85000" lnSpcReduction="20000"/>
           </a:bodyPr>
           <a:lstStyle/>
@@ -7948,7 +8196,7 @@
     </p:spTree>
     <p:extLst>
       <p:ext uri="{BB962C8B-B14F-4D97-AF65-F5344CB8AC3E}">
-        <p14:creationId xmlns:p14="http://schemas.microsoft.com/office/powerpoint/2010/main" val="1283930350"/>
+        <p14:creationId xmlns:p14="http://schemas.microsoft.com/office/powerpoint/2010/main" val="4153783747"/>
       </p:ext>
     </p:extLst>
   </p:cSld>
@@ -7958,7 +8206,7 @@
 </p:sld>
 </file>
 
-<file path=ppt/slides/slide22.xml><?xml version="1.0" encoding="utf-8"?>
+<file path=ppt/slides/slide23.xml><?xml version="1.0" encoding="utf-8"?>
 <p:sld xmlns:a="http://schemas.openxmlformats.org/drawingml/2006/main" xmlns:r="http://schemas.openxmlformats.org/officeDocument/2006/relationships" xmlns:p="http://schemas.openxmlformats.org/presentationml/2006/main">
   <p:cSld>
     <p:spTree>
@@ -8646,7 +8894,7 @@
 </p:sld>
 </file>
 
-<file path=ppt/slides/slide23.xml><?xml version="1.0" encoding="utf-8"?>
+<file path=ppt/slides/slide24.xml><?xml version="1.0" encoding="utf-8"?>
 <p:sld xmlns:a="http://schemas.openxmlformats.org/drawingml/2006/main" xmlns:r="http://schemas.openxmlformats.org/officeDocument/2006/relationships" xmlns:p="http://schemas.openxmlformats.org/presentationml/2006/main">
   <p:cSld>
     <p:spTree>
@@ -9337,7 +9585,7 @@
 </p:sld>
 </file>
 
-<file path=ppt/slides/slide24.xml><?xml version="1.0" encoding="utf-8"?>
+<file path=ppt/slides/slide25.xml><?xml version="1.0" encoding="utf-8"?>
 <p:sld xmlns:a="http://schemas.openxmlformats.org/drawingml/2006/main" xmlns:r="http://schemas.openxmlformats.org/officeDocument/2006/relationships" xmlns:p="http://schemas.openxmlformats.org/presentationml/2006/main">
   <p:cSld>
     <p:spTree>
@@ -9488,7 +9736,7 @@
 </p:sld>
 </file>
 
-<file path=ppt/slides/slide25.xml><?xml version="1.0" encoding="utf-8"?>
+<file path=ppt/slides/slide26.xml><?xml version="1.0" encoding="utf-8"?>
 <p:sld xmlns:a="http://schemas.openxmlformats.org/drawingml/2006/main" xmlns:r="http://schemas.openxmlformats.org/officeDocument/2006/relationships" xmlns:p="http://schemas.openxmlformats.org/presentationml/2006/main">
   <p:cSld>
     <p:spTree>
@@ -9873,7 +10121,7 @@
 </p:sld>
 </file>
 
-<file path=ppt/slides/slide26.xml><?xml version="1.0" encoding="utf-8"?>
+<file path=ppt/slides/slide27.xml><?xml version="1.0" encoding="utf-8"?>
 <p:sld xmlns:a="http://schemas.openxmlformats.org/drawingml/2006/main" xmlns:r="http://schemas.openxmlformats.org/officeDocument/2006/relationships" xmlns:p="http://schemas.openxmlformats.org/presentationml/2006/main">
   <p:cSld>
     <p:spTree>
@@ -10397,146 +10645,6 @@
 </p:sld>
 </file>
 
-<file path=ppt/slides/slide27.xml><?xml version="1.0" encoding="utf-8"?>
-<p:sld xmlns:a="http://schemas.openxmlformats.org/drawingml/2006/main" xmlns:r="http://schemas.openxmlformats.org/officeDocument/2006/relationships" xmlns:p="http://schemas.openxmlformats.org/presentationml/2006/main">
-  <p:cSld>
-    <p:spTree>
-      <p:nvGrpSpPr>
-        <p:cNvPr id="1" name=""/>
-        <p:cNvGrpSpPr/>
-        <p:nvPr/>
-      </p:nvGrpSpPr>
-      <p:grpSpPr>
-        <a:xfrm>
-          <a:off x="0" y="0"/>
-          <a:ext cx="0" cy="0"/>
-          <a:chOff x="0" y="0"/>
-          <a:chExt cx="0" cy="0"/>
-        </a:xfrm>
-      </p:grpSpPr>
-      <p:sp>
-        <p:nvSpPr>
-          <p:cNvPr id="2" name="Title 1">
-            <a:extLst>
-              <a:ext uri="{FF2B5EF4-FFF2-40B4-BE49-F238E27FC236}">
-                <a16:creationId xmlns:a16="http://schemas.microsoft.com/office/drawing/2014/main" id="{0B8C635E-B1AD-4A3B-A512-BE5F2592DC87}"/>
-              </a:ext>
-            </a:extLst>
-          </p:cNvPr>
-          <p:cNvSpPr>
-            <a:spLocks noGrp="1"/>
-          </p:cNvSpPr>
-          <p:nvPr>
-            <p:ph type="title"/>
-          </p:nvPr>
-        </p:nvSpPr>
-        <p:spPr/>
-        <p:txBody>
-          <a:bodyPr/>
-          <a:lstStyle/>
-          <a:p>
-            <a:r>
-              <a:rPr lang="en-US" dirty="0"/>
-              <a:t>Confounding</a:t>
-            </a:r>
-          </a:p>
-        </p:txBody>
-      </p:sp>
-      <p:sp>
-        <p:nvSpPr>
-          <p:cNvPr id="3" name="Content Placeholder 2">
-            <a:extLst>
-              <a:ext uri="{FF2B5EF4-FFF2-40B4-BE49-F238E27FC236}">
-                <a16:creationId xmlns:a16="http://schemas.microsoft.com/office/drawing/2014/main" id="{769E0954-E43E-4C21-99A6-EC2ADD213995}"/>
-              </a:ext>
-            </a:extLst>
-          </p:cNvPr>
-          <p:cNvSpPr>
-            <a:spLocks noGrp="1"/>
-          </p:cNvSpPr>
-          <p:nvPr>
-            <p:ph idx="1"/>
-          </p:nvPr>
-        </p:nvSpPr>
-        <p:spPr>
-          <a:xfrm>
-            <a:off x="838200" y="1466850"/>
-            <a:ext cx="11093450" cy="5226050"/>
-          </a:xfrm>
-        </p:spPr>
-        <p:txBody>
-          <a:bodyPr>
-            <a:normAutofit/>
-          </a:bodyPr>
-          <a:lstStyle/>
-          <a:p>
-            <a:pPr>
-              <a:lnSpc>
-                <a:spcPct val="120000"/>
-              </a:lnSpc>
-            </a:pPr>
-            <a:r>
-              <a:rPr lang="en-US" dirty="0"/>
-              <a:t>The slope coefficient for triglycerides went from 0.38 in the unadjusted model to 0.31 in the adjusted model</a:t>
-            </a:r>
-          </a:p>
-          <a:p>
-            <a:pPr>
-              <a:lnSpc>
-                <a:spcPct val="120000"/>
-              </a:lnSpc>
-            </a:pPr>
-            <a:r>
-              <a:rPr lang="en-US" dirty="0"/>
-              <a:t>This is a percent change of (0.38-0.31)/0.38 = 0.18 = 18%</a:t>
-            </a:r>
-          </a:p>
-          <a:p>
-            <a:pPr>
-              <a:lnSpc>
-                <a:spcPct val="120000"/>
-              </a:lnSpc>
-            </a:pPr>
-            <a:r>
-              <a:rPr lang="en-US" dirty="0"/>
-              <a:t>We can conclude age is a confounder of this relationship and, to get a better sense of the relationship between triglycerides and cholesterol, we should include age in the model</a:t>
-            </a:r>
-          </a:p>
-          <a:p>
-            <a:pPr>
-              <a:lnSpc>
-                <a:spcPct val="120000"/>
-              </a:lnSpc>
-            </a:pPr>
-            <a:r>
-              <a:rPr lang="en-US" dirty="0"/>
-              <a:t>Note: we include age as a confounder regardless of its significance</a:t>
-            </a:r>
-          </a:p>
-          <a:p>
-            <a:pPr marL="0" indent="0">
-              <a:lnSpc>
-                <a:spcPct val="120000"/>
-              </a:lnSpc>
-              <a:buNone/>
-            </a:pPr>
-            <a:endParaRPr lang="en-US" dirty="0"/>
-          </a:p>
-        </p:txBody>
-      </p:sp>
-    </p:spTree>
-    <p:extLst>
-      <p:ext uri="{BB962C8B-B14F-4D97-AF65-F5344CB8AC3E}">
-        <p14:creationId xmlns:p14="http://schemas.microsoft.com/office/powerpoint/2010/main" val="4241569082"/>
-      </p:ext>
-    </p:extLst>
-  </p:cSld>
-  <p:clrMapOvr>
-    <a:masterClrMapping/>
-  </p:clrMapOvr>
-</p:sld>
-</file>
-
 <file path=ppt/slides/slide28.xml><?xml version="1.0" encoding="utf-8"?>
 <p:sld xmlns:a="http://schemas.openxmlformats.org/drawingml/2006/main" xmlns:r="http://schemas.openxmlformats.org/officeDocument/2006/relationships" xmlns:p="http://schemas.openxmlformats.org/presentationml/2006/main">
   <p:cSld>
@@ -10577,7 +10685,7 @@
           <a:p>
             <a:r>
               <a:rPr lang="en-US" dirty="0"/>
-              <a:t>Interactions / Effect Modification</a:t>
+              <a:t>Confounding</a:t>
             </a:r>
           </a:p>
         </p:txBody>
@@ -10601,7 +10709,7 @@
         <p:spPr>
           <a:xfrm>
             <a:off x="838200" y="1466850"/>
-            <a:ext cx="10661650" cy="5226050"/>
+            <a:ext cx="11093450" cy="5226050"/>
           </a:xfrm>
         </p:spPr>
         <p:txBody>
@@ -10617,7 +10725,7 @@
             </a:pPr>
             <a:r>
               <a:rPr lang="en-US" dirty="0"/>
-              <a:t>We have so far assumed that the effect of our variables is constant for everybody in the data set</a:t>
+              <a:t>The slope coefficient for triglycerides went from 0.38 in the unadjusted model to 0.31 in the adjusted model</a:t>
             </a:r>
           </a:p>
           <a:p>
@@ -10628,7 +10736,7 @@
             </a:pPr>
             <a:r>
               <a:rPr lang="en-US" dirty="0"/>
-              <a:t>What if we wanted to allow these relationships to be different for certain subgroups (e.g., males vs. females)?</a:t>
+              <a:t>This is a percent change of (0.38-0.31)/0.38 = 0.18 = 18%</a:t>
             </a:r>
           </a:p>
           <a:p>
@@ -10639,7 +10747,7 @@
             </a:pPr>
             <a:r>
               <a:rPr lang="en-US" dirty="0"/>
-              <a:t>Interactions occur when the association between an outcome (Y) and an independent variable of interest (X) depends on a third variable</a:t>
+              <a:t>We can conclude age is a confounder of this relationship and, to get a better sense of the relationship between triglycerides and cholesterol, we should include age in the model</a:t>
             </a:r>
           </a:p>
           <a:p>
@@ -10650,7 +10758,7 @@
             </a:pPr>
             <a:r>
               <a:rPr lang="en-US" dirty="0"/>
-              <a:t>Example: is HDL cholesterol associated with BMI?</a:t>
+              <a:t>Note: we include age as a confounder regardless of its significance</a:t>
             </a:r>
           </a:p>
           <a:p>
@@ -10667,7 +10775,7 @@
     </p:spTree>
     <p:extLst>
       <p:ext uri="{BB962C8B-B14F-4D97-AF65-F5344CB8AC3E}">
-        <p14:creationId xmlns:p14="http://schemas.microsoft.com/office/powerpoint/2010/main" val="1419493647"/>
+        <p14:creationId xmlns:p14="http://schemas.microsoft.com/office/powerpoint/2010/main" val="4241569082"/>
       </p:ext>
     </p:extLst>
   </p:cSld>
@@ -10717,7 +10825,7 @@
           <a:p>
             <a:r>
               <a:rPr lang="en-US" dirty="0"/>
-              <a:t>Approach 1: Separate Regressions</a:t>
+              <a:t>Interactions / Effect Modification</a:t>
             </a:r>
           </a:p>
         </p:txBody>
@@ -10746,7 +10854,7 @@
         </p:spPr>
         <p:txBody>
           <a:bodyPr>
-            <a:normAutofit fontScale="70000" lnSpcReduction="20000"/>
+            <a:normAutofit/>
           </a:bodyPr>
           <a:lstStyle/>
           <a:p>
@@ -10756,8 +10864,8 @@
               </a:lnSpc>
             </a:pPr>
             <a:r>
-              <a:rPr lang="en-US" sz="4000" dirty="0"/>
-              <a:t>We could run separate regressions for this association</a:t>
+              <a:rPr lang="en-US" dirty="0"/>
+              <a:t>We have so far assumed that the effect of our variables is constant for everybody in the data set</a:t>
             </a:r>
           </a:p>
           <a:p>
@@ -10767,87 +10875,30 @@
               </a:lnSpc>
             </a:pPr>
             <a:r>
-              <a:rPr lang="en-US" sz="4000" dirty="0"/>
-              <a:t>Here we see that BMI is associated with HDL for men but not women (take note of these equations!)</a:t>
-            </a:r>
-          </a:p>
-          <a:p>
-            <a:pPr marL="0" indent="0">
+              <a:rPr lang="en-US" dirty="0"/>
+              <a:t>What if we wanted to allow these relationships to be different for certain subgroups (e.g., males vs. females)?</a:t>
+            </a:r>
+          </a:p>
+          <a:p>
+            <a:pPr>
               <a:lnSpc>
                 <a:spcPct val="120000"/>
               </a:lnSpc>
-              <a:spcBef>
-                <a:spcPts val="0"/>
-              </a:spcBef>
-              <a:buNone/>
-            </a:pPr>
-            <a:endParaRPr lang="en-US" sz="2200" dirty="0">
-              <a:latin typeface="Consolas" panose="020B0609020204030204" pitchFamily="49" charset="0"/>
-            </a:endParaRPr>
-          </a:p>
-          <a:p>
-            <a:pPr marL="0" indent="0">
+            </a:pPr>
+            <a:r>
+              <a:rPr lang="en-US" dirty="0"/>
+              <a:t>Interactions occur when the association between an outcome (Y) and an independent variable of interest (X) depends on a third variable</a:t>
+            </a:r>
+          </a:p>
+          <a:p>
+            <a:pPr>
               <a:lnSpc>
                 <a:spcPct val="120000"/>
               </a:lnSpc>
-              <a:spcBef>
-                <a:spcPts val="0"/>
-              </a:spcBef>
-              <a:buNone/>
-            </a:pPr>
-            <a:r>
-              <a:rPr lang="en-US" sz="1600" dirty="0">
-                <a:latin typeface="Consolas" panose="020B0609020204030204" pitchFamily="49" charset="0"/>
-              </a:rPr>
-              <a:t>&gt; </a:t>
-            </a:r>
-            <a:r>
-              <a:rPr lang="en-US" sz="1600" dirty="0" err="1">
-                <a:latin typeface="Consolas" panose="020B0609020204030204" pitchFamily="49" charset="0"/>
-              </a:rPr>
-              <a:t>lm</a:t>
-            </a:r>
-            <a:r>
-              <a:rPr lang="en-US" sz="1600" dirty="0">
-                <a:latin typeface="Consolas" panose="020B0609020204030204" pitchFamily="49" charset="0"/>
-              </a:rPr>
-              <a:t>(</a:t>
-            </a:r>
-            <a:r>
-              <a:rPr lang="en-US" sz="1600" dirty="0" err="1">
-                <a:latin typeface="Consolas" panose="020B0609020204030204" pitchFamily="49" charset="0"/>
-              </a:rPr>
-              <a:t>hdl</a:t>
-            </a:r>
-            <a:r>
-              <a:rPr lang="en-US" sz="1600" dirty="0">
-                <a:latin typeface="Consolas" panose="020B0609020204030204" pitchFamily="49" charset="0"/>
-              </a:rPr>
-              <a:t> ~ </a:t>
-            </a:r>
-            <a:r>
-              <a:rPr lang="en-US" sz="1600" dirty="0" err="1">
-                <a:latin typeface="Consolas" panose="020B0609020204030204" pitchFamily="49" charset="0"/>
-              </a:rPr>
-              <a:t>bmi_new</a:t>
-            </a:r>
-            <a:r>
-              <a:rPr lang="en-US" sz="1600" dirty="0">
-                <a:latin typeface="Consolas" panose="020B0609020204030204" pitchFamily="49" charset="0"/>
-              </a:rPr>
-              <a:t>, data=</a:t>
-            </a:r>
-            <a:r>
-              <a:rPr lang="en-US" sz="1600" dirty="0" err="1">
-                <a:latin typeface="Consolas" panose="020B0609020204030204" pitchFamily="49" charset="0"/>
-              </a:rPr>
-              <a:t>chol</a:t>
-            </a:r>
-            <a:r>
-              <a:rPr lang="en-US" sz="1600" dirty="0">
-                <a:latin typeface="Consolas" panose="020B0609020204030204" pitchFamily="49" charset="0"/>
-              </a:rPr>
-              <a:t> %&gt;% filter(gender=="Male")) %&gt;% summary()</a:t>
+            </a:pPr>
+            <a:r>
+              <a:rPr lang="en-US" dirty="0"/>
+              <a:t>Example: is HDL cholesterol associated with BMI?</a:t>
             </a:r>
           </a:p>
           <a:p>
@@ -10855,703 +10906,16 @@
               <a:lnSpc>
                 <a:spcPct val="120000"/>
               </a:lnSpc>
-              <a:spcBef>
-                <a:spcPts val="0"/>
-              </a:spcBef>
-              <a:buNone/>
-            </a:pPr>
-            <a:endParaRPr lang="en-US" sz="1600" dirty="0">
-              <a:latin typeface="Consolas" panose="020B0609020204030204" pitchFamily="49" charset="0"/>
-            </a:endParaRPr>
-          </a:p>
-          <a:p>
-            <a:pPr marL="0" indent="0">
-              <a:lnSpc>
-                <a:spcPct val="120000"/>
-              </a:lnSpc>
-              <a:spcBef>
-                <a:spcPts val="0"/>
-              </a:spcBef>
-              <a:buNone/>
-            </a:pPr>
-            <a:r>
-              <a:rPr lang="en-US" sz="1600" dirty="0">
-                <a:latin typeface="Consolas" panose="020B0609020204030204" pitchFamily="49" charset="0"/>
-              </a:rPr>
-              <a:t>Call:</a:t>
-            </a:r>
-          </a:p>
-          <a:p>
-            <a:pPr marL="0" indent="0">
-              <a:lnSpc>
-                <a:spcPct val="120000"/>
-              </a:lnSpc>
-              <a:spcBef>
-                <a:spcPts val="0"/>
-              </a:spcBef>
-              <a:buNone/>
-            </a:pPr>
-            <a:r>
-              <a:rPr lang="en-US" sz="1600" dirty="0" err="1">
-                <a:latin typeface="Consolas" panose="020B0609020204030204" pitchFamily="49" charset="0"/>
-              </a:rPr>
-              <a:t>lm</a:t>
-            </a:r>
-            <a:r>
-              <a:rPr lang="en-US" sz="1600" dirty="0">
-                <a:latin typeface="Consolas" panose="020B0609020204030204" pitchFamily="49" charset="0"/>
-              </a:rPr>
-              <a:t>(formula = </a:t>
-            </a:r>
-            <a:r>
-              <a:rPr lang="en-US" sz="1600" dirty="0" err="1">
-                <a:latin typeface="Consolas" panose="020B0609020204030204" pitchFamily="49" charset="0"/>
-              </a:rPr>
-              <a:t>hdl</a:t>
-            </a:r>
-            <a:r>
-              <a:rPr lang="en-US" sz="1600" dirty="0">
-                <a:latin typeface="Consolas" panose="020B0609020204030204" pitchFamily="49" charset="0"/>
-              </a:rPr>
-              <a:t> ~ </a:t>
-            </a:r>
-            <a:r>
-              <a:rPr lang="en-US" sz="1600" dirty="0" err="1">
-                <a:latin typeface="Consolas" panose="020B0609020204030204" pitchFamily="49" charset="0"/>
-              </a:rPr>
-              <a:t>bmi_new</a:t>
-            </a:r>
-            <a:r>
-              <a:rPr lang="en-US" sz="1600" dirty="0">
-                <a:latin typeface="Consolas" panose="020B0609020204030204" pitchFamily="49" charset="0"/>
-              </a:rPr>
-              <a:t>, data = </a:t>
-            </a:r>
-            <a:r>
-              <a:rPr lang="en-US" sz="1600" dirty="0" err="1">
-                <a:latin typeface="Consolas" panose="020B0609020204030204" pitchFamily="49" charset="0"/>
-              </a:rPr>
-              <a:t>chol</a:t>
-            </a:r>
-            <a:r>
-              <a:rPr lang="en-US" sz="1600" dirty="0">
-                <a:latin typeface="Consolas" panose="020B0609020204030204" pitchFamily="49" charset="0"/>
-              </a:rPr>
-              <a:t> %&gt;% filter(gender == </a:t>
-            </a:r>
-          </a:p>
-          <a:p>
-            <a:pPr marL="0" indent="0">
-              <a:lnSpc>
-                <a:spcPct val="120000"/>
-              </a:lnSpc>
-              <a:spcBef>
-                <a:spcPts val="0"/>
-              </a:spcBef>
-              <a:buNone/>
-            </a:pPr>
-            <a:r>
-              <a:rPr lang="en-US" sz="1600" dirty="0">
-                <a:latin typeface="Consolas" panose="020B0609020204030204" pitchFamily="49" charset="0"/>
-              </a:rPr>
-              <a:t>    "Male"))</a:t>
-            </a:r>
-          </a:p>
-          <a:p>
-            <a:pPr marL="0" indent="0">
-              <a:lnSpc>
-                <a:spcPct val="120000"/>
-              </a:lnSpc>
-              <a:spcBef>
-                <a:spcPts val="0"/>
-              </a:spcBef>
-              <a:buNone/>
-            </a:pPr>
-            <a:endParaRPr lang="en-US" sz="1600" dirty="0">
-              <a:latin typeface="Consolas" panose="020B0609020204030204" pitchFamily="49" charset="0"/>
-            </a:endParaRPr>
-          </a:p>
-          <a:p>
-            <a:pPr marL="0" indent="0">
-              <a:lnSpc>
-                <a:spcPct val="120000"/>
-              </a:lnSpc>
-              <a:spcBef>
-                <a:spcPts val="0"/>
-              </a:spcBef>
-              <a:buNone/>
-            </a:pPr>
-            <a:r>
-              <a:rPr lang="en-US" sz="1600" dirty="0">
-                <a:latin typeface="Consolas" panose="020B0609020204030204" pitchFamily="49" charset="0"/>
-              </a:rPr>
-              <a:t>Residuals:</a:t>
-            </a:r>
-          </a:p>
-          <a:p>
-            <a:pPr marL="0" indent="0">
-              <a:lnSpc>
-                <a:spcPct val="120000"/>
-              </a:lnSpc>
-              <a:spcBef>
-                <a:spcPts val="0"/>
-              </a:spcBef>
-              <a:buNone/>
-            </a:pPr>
-            <a:r>
-              <a:rPr lang="en-US" sz="1600" dirty="0">
-                <a:latin typeface="Consolas" panose="020B0609020204030204" pitchFamily="49" charset="0"/>
-              </a:rPr>
-              <a:t>     Min       1Q   Median       3Q      Max </a:t>
-            </a:r>
-          </a:p>
-          <a:p>
-            <a:pPr marL="0" indent="0">
-              <a:lnSpc>
-                <a:spcPct val="120000"/>
-              </a:lnSpc>
-              <a:spcBef>
-                <a:spcPts val="0"/>
-              </a:spcBef>
-              <a:buNone/>
-            </a:pPr>
-            <a:r>
-              <a:rPr lang="en-US" sz="1600" dirty="0">
-                <a:latin typeface="Consolas" panose="020B0609020204030204" pitchFamily="49" charset="0"/>
-              </a:rPr>
-              <a:t>-19.0015  -8.9759  -0.6354   7.7349  22.4085 </a:t>
-            </a:r>
-          </a:p>
-          <a:p>
-            <a:pPr marL="0" indent="0">
-              <a:lnSpc>
-                <a:spcPct val="120000"/>
-              </a:lnSpc>
-              <a:spcBef>
-                <a:spcPts val="0"/>
-              </a:spcBef>
-              <a:buNone/>
-            </a:pPr>
-            <a:endParaRPr lang="en-US" sz="1600" dirty="0">
-              <a:latin typeface="Consolas" panose="020B0609020204030204" pitchFamily="49" charset="0"/>
-            </a:endParaRPr>
-          </a:p>
-          <a:p>
-            <a:pPr marL="0" indent="0">
-              <a:lnSpc>
-                <a:spcPct val="120000"/>
-              </a:lnSpc>
-              <a:spcBef>
-                <a:spcPts val="0"/>
-              </a:spcBef>
-              <a:buNone/>
-            </a:pPr>
-            <a:r>
-              <a:rPr lang="en-US" sz="1600" dirty="0">
-                <a:latin typeface="Consolas" panose="020B0609020204030204" pitchFamily="49" charset="0"/>
-              </a:rPr>
-              <a:t>Coefficients:</a:t>
-            </a:r>
-          </a:p>
-          <a:p>
-            <a:pPr marL="0" indent="0">
-              <a:lnSpc>
-                <a:spcPct val="120000"/>
-              </a:lnSpc>
-              <a:spcBef>
-                <a:spcPts val="0"/>
-              </a:spcBef>
-              <a:buNone/>
-            </a:pPr>
-            <a:r>
-              <a:rPr lang="en-US" sz="1600" dirty="0">
-                <a:latin typeface="Consolas" panose="020B0609020204030204" pitchFamily="49" charset="0"/>
-              </a:rPr>
-              <a:t>            Estimate Std. Error t value </a:t>
-            </a:r>
-            <a:r>
-              <a:rPr lang="en-US" sz="1600" dirty="0" err="1">
-                <a:latin typeface="Consolas" panose="020B0609020204030204" pitchFamily="49" charset="0"/>
-              </a:rPr>
-              <a:t>Pr</a:t>
-            </a:r>
-            <a:r>
-              <a:rPr lang="en-US" sz="1600" dirty="0">
-                <a:latin typeface="Consolas" panose="020B0609020204030204" pitchFamily="49" charset="0"/>
-              </a:rPr>
-              <a:t>(&gt;|t|)    </a:t>
-            </a:r>
-          </a:p>
-          <a:p>
-            <a:pPr marL="0" indent="0">
-              <a:lnSpc>
-                <a:spcPct val="120000"/>
-              </a:lnSpc>
-              <a:spcBef>
-                <a:spcPts val="0"/>
-              </a:spcBef>
-              <a:buNone/>
-            </a:pPr>
-            <a:r>
-              <a:rPr lang="en-US" sz="1600" dirty="0">
-                <a:latin typeface="Consolas" panose="020B0609020204030204" pitchFamily="49" charset="0"/>
-              </a:rPr>
-              <a:t>(Intercept)  59.4159     5.1341   11.57   &lt;2e-16 ***</a:t>
-            </a:r>
-          </a:p>
-          <a:p>
-            <a:pPr marL="0" indent="0">
-              <a:lnSpc>
-                <a:spcPct val="120000"/>
-              </a:lnSpc>
-              <a:spcBef>
-                <a:spcPts val="0"/>
-              </a:spcBef>
-              <a:buNone/>
-            </a:pPr>
-            <a:r>
-              <a:rPr lang="en-US" sz="1600" dirty="0" err="1">
-                <a:latin typeface="Consolas" panose="020B0609020204030204" pitchFamily="49" charset="0"/>
-              </a:rPr>
-              <a:t>bmi_new</a:t>
-            </a:r>
-            <a:r>
-              <a:rPr lang="en-US" sz="1600" dirty="0">
-                <a:latin typeface="Consolas" panose="020B0609020204030204" pitchFamily="49" charset="0"/>
-              </a:rPr>
-              <a:t>      -0.5815     0.2211   -2.63     0.01 *  </a:t>
-            </a:r>
-          </a:p>
-          <a:p>
-            <a:pPr marL="0" indent="0">
-              <a:lnSpc>
-                <a:spcPct val="120000"/>
-              </a:lnSpc>
-              <a:spcBef>
-                <a:spcPts val="0"/>
-              </a:spcBef>
-              <a:buNone/>
-            </a:pPr>
-            <a:r>
-              <a:rPr lang="en-US" sz="1600" dirty="0">
-                <a:latin typeface="Consolas" panose="020B0609020204030204" pitchFamily="49" charset="0"/>
-              </a:rPr>
-              <a:t>---</a:t>
-            </a:r>
-          </a:p>
-          <a:p>
-            <a:pPr marL="0" indent="0">
-              <a:lnSpc>
-                <a:spcPct val="120000"/>
-              </a:lnSpc>
-              <a:spcBef>
-                <a:spcPts val="0"/>
-              </a:spcBef>
-              <a:buNone/>
-            </a:pPr>
-            <a:r>
-              <a:rPr lang="en-US" sz="1600" dirty="0" err="1">
-                <a:latin typeface="Consolas" panose="020B0609020204030204" pitchFamily="49" charset="0"/>
-              </a:rPr>
-              <a:t>Signif</a:t>
-            </a:r>
-            <a:r>
-              <a:rPr lang="en-US" sz="1600" dirty="0">
-                <a:latin typeface="Consolas" panose="020B0609020204030204" pitchFamily="49" charset="0"/>
-              </a:rPr>
-              <a:t>. codes:  0 ‘***’ 0.001 ‘**’ 0.01 ‘*’ 0.05 ‘.’ 0.1 ‘ ’ 1</a:t>
-            </a:r>
-          </a:p>
-          <a:p>
-            <a:pPr marL="0" indent="0">
-              <a:lnSpc>
-                <a:spcPct val="120000"/>
-              </a:lnSpc>
-              <a:spcBef>
-                <a:spcPts val="0"/>
-              </a:spcBef>
-              <a:buNone/>
-            </a:pPr>
-            <a:endParaRPr lang="en-US" sz="1600" dirty="0">
-              <a:latin typeface="Consolas" panose="020B0609020204030204" pitchFamily="49" charset="0"/>
-            </a:endParaRPr>
-          </a:p>
-          <a:p>
-            <a:pPr marL="0" indent="0">
-              <a:lnSpc>
-                <a:spcPct val="120000"/>
-              </a:lnSpc>
-              <a:spcBef>
-                <a:spcPts val="0"/>
-              </a:spcBef>
-              <a:buNone/>
-            </a:pPr>
-            <a:r>
-              <a:rPr lang="en-US" sz="1600" dirty="0">
-                <a:latin typeface="Consolas" panose="020B0609020204030204" pitchFamily="49" charset="0"/>
-              </a:rPr>
-              <a:t>Residual standard error: 10.44 on 92 degrees of freedom</a:t>
-            </a:r>
-          </a:p>
-          <a:p>
-            <a:pPr marL="0" indent="0">
-              <a:lnSpc>
-                <a:spcPct val="120000"/>
-              </a:lnSpc>
-              <a:spcBef>
-                <a:spcPts val="0"/>
-              </a:spcBef>
-              <a:buNone/>
-            </a:pPr>
-            <a:r>
-              <a:rPr lang="en-US" sz="1600" dirty="0">
-                <a:latin typeface="Consolas" panose="020B0609020204030204" pitchFamily="49" charset="0"/>
-              </a:rPr>
-              <a:t>Multiple R-squared:  0.06993,	Adjusted R-squared:  0.05983 </a:t>
-            </a:r>
-          </a:p>
-          <a:p>
-            <a:pPr marL="0" indent="0">
-              <a:lnSpc>
-                <a:spcPct val="120000"/>
-              </a:lnSpc>
-              <a:spcBef>
-                <a:spcPts val="0"/>
-              </a:spcBef>
-              <a:buNone/>
-            </a:pPr>
-            <a:r>
-              <a:rPr lang="en-US" sz="1600" dirty="0">
-                <a:latin typeface="Consolas" panose="020B0609020204030204" pitchFamily="49" charset="0"/>
-              </a:rPr>
-              <a:t>F-statistic: 6.918 on 1 and 92 DF,  p-value: 0.01</a:t>
-            </a:r>
-          </a:p>
-          <a:p>
-            <a:pPr marL="0" indent="0">
-              <a:lnSpc>
-                <a:spcPct val="120000"/>
-              </a:lnSpc>
-              <a:spcBef>
-                <a:spcPts val="0"/>
-              </a:spcBef>
-              <a:buNone/>
-            </a:pPr>
-            <a:endParaRPr lang="en-US" sz="3400" dirty="0">
-              <a:latin typeface="Consolas" panose="020B0609020204030204" pitchFamily="49" charset="0"/>
-            </a:endParaRPr>
-          </a:p>
-          <a:p>
-            <a:pPr marL="0" indent="0">
-              <a:lnSpc>
-                <a:spcPct val="120000"/>
-              </a:lnSpc>
-              <a:spcBef>
-                <a:spcPts val="0"/>
-              </a:spcBef>
-              <a:buNone/>
-            </a:pPr>
-            <a:endParaRPr lang="en-US" sz="4400" dirty="0">
-              <a:latin typeface="Consolas" panose="020B0609020204030204" pitchFamily="49" charset="0"/>
-            </a:endParaRPr>
-          </a:p>
-        </p:txBody>
-      </p:sp>
-      <p:sp>
-        <p:nvSpPr>
-          <p:cNvPr id="5" name="TextBox 4">
-            <a:extLst>
-              <a:ext uri="{FF2B5EF4-FFF2-40B4-BE49-F238E27FC236}">
-                <a16:creationId xmlns:a16="http://schemas.microsoft.com/office/drawing/2014/main" id="{58C05642-C4B4-4997-8307-6981C8ECF2B4}"/>
-              </a:ext>
-            </a:extLst>
-          </p:cNvPr>
-          <p:cNvSpPr txBox="1"/>
-          <p:nvPr/>
-        </p:nvSpPr>
-        <p:spPr>
-          <a:xfrm>
-            <a:off x="6388100" y="3095591"/>
-            <a:ext cx="6096000" cy="3477875"/>
-          </a:xfrm>
-          <a:prstGeom prst="rect">
-            <a:avLst/>
-          </a:prstGeom>
-          <a:noFill/>
-        </p:spPr>
-        <p:txBody>
-          <a:bodyPr wrap="square">
-            <a:spAutoFit/>
-          </a:bodyPr>
-          <a:lstStyle/>
-          <a:p>
-            <a:r>
-              <a:rPr lang="en-US" sz="1100" dirty="0">
-                <a:latin typeface="Consolas" panose="020B0609020204030204" pitchFamily="49" charset="0"/>
-              </a:rPr>
-              <a:t>&gt; </a:t>
-            </a:r>
-            <a:r>
-              <a:rPr lang="en-US" sz="1100" dirty="0" err="1">
-                <a:latin typeface="Consolas" panose="020B0609020204030204" pitchFamily="49" charset="0"/>
-              </a:rPr>
-              <a:t>lm</a:t>
-            </a:r>
-            <a:r>
-              <a:rPr lang="en-US" sz="1100" dirty="0">
-                <a:latin typeface="Consolas" panose="020B0609020204030204" pitchFamily="49" charset="0"/>
-              </a:rPr>
-              <a:t>(</a:t>
-            </a:r>
-            <a:r>
-              <a:rPr lang="en-US" sz="1100" dirty="0" err="1">
-                <a:latin typeface="Consolas" panose="020B0609020204030204" pitchFamily="49" charset="0"/>
-              </a:rPr>
-              <a:t>hdl</a:t>
-            </a:r>
-            <a:r>
-              <a:rPr lang="en-US" sz="1100" dirty="0">
-                <a:latin typeface="Consolas" panose="020B0609020204030204" pitchFamily="49" charset="0"/>
-              </a:rPr>
-              <a:t> ~ </a:t>
-            </a:r>
-            <a:r>
-              <a:rPr lang="en-US" sz="1100" dirty="0" err="1">
-                <a:latin typeface="Consolas" panose="020B0609020204030204" pitchFamily="49" charset="0"/>
-              </a:rPr>
-              <a:t>bmi_new</a:t>
-            </a:r>
-            <a:r>
-              <a:rPr lang="en-US" sz="1100" dirty="0">
-                <a:latin typeface="Consolas" panose="020B0609020204030204" pitchFamily="49" charset="0"/>
-              </a:rPr>
-              <a:t>, data=</a:t>
-            </a:r>
-            <a:r>
-              <a:rPr lang="en-US" sz="1100" dirty="0" err="1">
-                <a:latin typeface="Consolas" panose="020B0609020204030204" pitchFamily="49" charset="0"/>
-              </a:rPr>
-              <a:t>chol</a:t>
-            </a:r>
-            <a:r>
-              <a:rPr lang="en-US" sz="1100" dirty="0">
-                <a:latin typeface="Consolas" panose="020B0609020204030204" pitchFamily="49" charset="0"/>
-              </a:rPr>
-              <a:t> %&gt;% filter(gender=="Female")) %&gt;% summary()</a:t>
-            </a:r>
-          </a:p>
-          <a:p>
-            <a:endParaRPr lang="en-US" sz="1100" dirty="0">
-              <a:latin typeface="Consolas" panose="020B0609020204030204" pitchFamily="49" charset="0"/>
-            </a:endParaRPr>
-          </a:p>
-          <a:p>
-            <a:r>
-              <a:rPr lang="en-US" sz="1100" dirty="0">
-                <a:latin typeface="Consolas" panose="020B0609020204030204" pitchFamily="49" charset="0"/>
-              </a:rPr>
-              <a:t>Call:</a:t>
-            </a:r>
-          </a:p>
-          <a:p>
-            <a:r>
-              <a:rPr lang="en-US" sz="1100" dirty="0" err="1">
-                <a:latin typeface="Consolas" panose="020B0609020204030204" pitchFamily="49" charset="0"/>
-              </a:rPr>
-              <a:t>lm</a:t>
-            </a:r>
-            <a:r>
-              <a:rPr lang="en-US" sz="1100" dirty="0">
-                <a:latin typeface="Consolas" panose="020B0609020204030204" pitchFamily="49" charset="0"/>
-              </a:rPr>
-              <a:t>(formula = </a:t>
-            </a:r>
-            <a:r>
-              <a:rPr lang="en-US" sz="1100" dirty="0" err="1">
-                <a:latin typeface="Consolas" panose="020B0609020204030204" pitchFamily="49" charset="0"/>
-              </a:rPr>
-              <a:t>hdl</a:t>
-            </a:r>
-            <a:r>
-              <a:rPr lang="en-US" sz="1100" dirty="0">
-                <a:latin typeface="Consolas" panose="020B0609020204030204" pitchFamily="49" charset="0"/>
-              </a:rPr>
-              <a:t> ~ </a:t>
-            </a:r>
-            <a:r>
-              <a:rPr lang="en-US" sz="1100" dirty="0" err="1">
-                <a:latin typeface="Consolas" panose="020B0609020204030204" pitchFamily="49" charset="0"/>
-              </a:rPr>
-              <a:t>bmi_new</a:t>
-            </a:r>
-            <a:r>
-              <a:rPr lang="en-US" sz="1100" dirty="0">
-                <a:latin typeface="Consolas" panose="020B0609020204030204" pitchFamily="49" charset="0"/>
-              </a:rPr>
-              <a:t>, data = </a:t>
-            </a:r>
-            <a:r>
-              <a:rPr lang="en-US" sz="1100" dirty="0" err="1">
-                <a:latin typeface="Consolas" panose="020B0609020204030204" pitchFamily="49" charset="0"/>
-              </a:rPr>
-              <a:t>chol</a:t>
-            </a:r>
-            <a:r>
-              <a:rPr lang="en-US" sz="1100" dirty="0">
-                <a:latin typeface="Consolas" panose="020B0609020204030204" pitchFamily="49" charset="0"/>
-              </a:rPr>
-              <a:t> %&gt;% filter(gender == </a:t>
-            </a:r>
-          </a:p>
-          <a:p>
-            <a:r>
-              <a:rPr lang="en-US" sz="1100" dirty="0">
-                <a:latin typeface="Consolas" panose="020B0609020204030204" pitchFamily="49" charset="0"/>
-              </a:rPr>
-              <a:t>    "Female"))</a:t>
-            </a:r>
-          </a:p>
-          <a:p>
-            <a:endParaRPr lang="en-US" sz="1100" dirty="0">
-              <a:latin typeface="Consolas" panose="020B0609020204030204" pitchFamily="49" charset="0"/>
-            </a:endParaRPr>
-          </a:p>
-          <a:p>
-            <a:r>
-              <a:rPr lang="en-US" sz="1100" dirty="0">
-                <a:latin typeface="Consolas" panose="020B0609020204030204" pitchFamily="49" charset="0"/>
-              </a:rPr>
-              <a:t>Residuals:</a:t>
-            </a:r>
-          </a:p>
-          <a:p>
-            <a:r>
-              <a:rPr lang="en-US" sz="1100" dirty="0">
-                <a:latin typeface="Consolas" panose="020B0609020204030204" pitchFamily="49" charset="0"/>
-              </a:rPr>
-              <a:t>    Min      1Q  Median      3Q     Max </a:t>
-            </a:r>
-          </a:p>
-          <a:p>
-            <a:r>
-              <a:rPr lang="en-US" sz="1100" dirty="0">
-                <a:latin typeface="Consolas" panose="020B0609020204030204" pitchFamily="49" charset="0"/>
-              </a:rPr>
-              <a:t>-18.727  -7.958  -1.205   5.522  26.684 </a:t>
-            </a:r>
-          </a:p>
-          <a:p>
-            <a:endParaRPr lang="en-US" sz="1100" dirty="0">
-              <a:latin typeface="Consolas" panose="020B0609020204030204" pitchFamily="49" charset="0"/>
-            </a:endParaRPr>
-          </a:p>
-          <a:p>
-            <a:r>
-              <a:rPr lang="en-US" sz="1100" dirty="0">
-                <a:latin typeface="Consolas" panose="020B0609020204030204" pitchFamily="49" charset="0"/>
-              </a:rPr>
-              <a:t>Coefficients:</a:t>
-            </a:r>
-          </a:p>
-          <a:p>
-            <a:r>
-              <a:rPr lang="en-US" sz="1100" dirty="0">
-                <a:latin typeface="Consolas" panose="020B0609020204030204" pitchFamily="49" charset="0"/>
-              </a:rPr>
-              <a:t>            Estimate Std. Error t value </a:t>
-            </a:r>
-            <a:r>
-              <a:rPr lang="en-US" sz="1100" dirty="0" err="1">
-                <a:latin typeface="Consolas" panose="020B0609020204030204" pitchFamily="49" charset="0"/>
-              </a:rPr>
-              <a:t>Pr</a:t>
-            </a:r>
-            <a:r>
-              <a:rPr lang="en-US" sz="1100" dirty="0">
-                <a:latin typeface="Consolas" panose="020B0609020204030204" pitchFamily="49" charset="0"/>
-              </a:rPr>
-              <a:t>(&gt;|t|)    </a:t>
-            </a:r>
-          </a:p>
-          <a:p>
-            <a:r>
-              <a:rPr lang="en-US" sz="1100" dirty="0">
-                <a:latin typeface="Consolas" panose="020B0609020204030204" pitchFamily="49" charset="0"/>
-              </a:rPr>
-              <a:t>(Intercept) 49.45668    4.87364  10.148   &lt;2e-16 ***</a:t>
-            </a:r>
-          </a:p>
-          <a:p>
-            <a:r>
-              <a:rPr lang="en-US" sz="1100" dirty="0" err="1">
-                <a:latin typeface="Consolas" panose="020B0609020204030204" pitchFamily="49" charset="0"/>
-              </a:rPr>
-              <a:t>bmi_new</a:t>
-            </a:r>
-            <a:r>
-              <a:rPr lang="en-US" sz="1100" dirty="0">
-                <a:latin typeface="Consolas" panose="020B0609020204030204" pitchFamily="49" charset="0"/>
-              </a:rPr>
-              <a:t>      0.08473    0.22706   0.373     0.71    </a:t>
-            </a:r>
-          </a:p>
-          <a:p>
-            <a:r>
-              <a:rPr lang="en-US" sz="1100" dirty="0">
-                <a:latin typeface="Consolas" panose="020B0609020204030204" pitchFamily="49" charset="0"/>
-              </a:rPr>
-              <a:t>---</a:t>
-            </a:r>
-          </a:p>
-          <a:p>
-            <a:r>
-              <a:rPr lang="en-US" sz="1100" dirty="0" err="1">
-                <a:latin typeface="Consolas" panose="020B0609020204030204" pitchFamily="49" charset="0"/>
-              </a:rPr>
-              <a:t>Signif</a:t>
-            </a:r>
-            <a:r>
-              <a:rPr lang="en-US" sz="1100" dirty="0">
-                <a:latin typeface="Consolas" panose="020B0609020204030204" pitchFamily="49" charset="0"/>
-              </a:rPr>
-              <a:t>. codes:  0 ‘***’ 0.001 ‘**’ 0.01 ‘*’ 0.05 ‘.’ 0.1 ‘ ’ 1</a:t>
-            </a:r>
-          </a:p>
-          <a:p>
-            <a:endParaRPr lang="en-US" sz="1100" dirty="0">
-              <a:latin typeface="Consolas" panose="020B0609020204030204" pitchFamily="49" charset="0"/>
-            </a:endParaRPr>
-          </a:p>
-          <a:p>
-            <a:r>
-              <a:rPr lang="en-US" sz="1100" dirty="0">
-                <a:latin typeface="Consolas" panose="020B0609020204030204" pitchFamily="49" charset="0"/>
-              </a:rPr>
-              <a:t>Residual standard error: 11.21 on 92 degrees of freedom</a:t>
-            </a:r>
-          </a:p>
-          <a:p>
-            <a:r>
-              <a:rPr lang="en-US" sz="1100" dirty="0">
-                <a:latin typeface="Consolas" panose="020B0609020204030204" pitchFamily="49" charset="0"/>
-              </a:rPr>
-              <a:t>Multiple R-squared:  0.001511,	Adjusted R-squared:  -0.009342 </a:t>
-            </a:r>
-          </a:p>
-          <a:p>
-            <a:r>
-              <a:rPr lang="en-US" sz="1100" dirty="0">
-                <a:latin typeface="Consolas" panose="020B0609020204030204" pitchFamily="49" charset="0"/>
-              </a:rPr>
-              <a:t>F-statistic: 0.1392 on 1 and 92 DF,  p-value: 0.7099</a:t>
-            </a:r>
+              <a:buNone/>
+            </a:pPr>
+            <a:endParaRPr lang="en-US" dirty="0"/>
           </a:p>
         </p:txBody>
       </p:sp>
     </p:spTree>
     <p:extLst>
       <p:ext uri="{BB962C8B-B14F-4D97-AF65-F5344CB8AC3E}">
-        <p14:creationId xmlns:p14="http://schemas.microsoft.com/office/powerpoint/2010/main" val="1927774907"/>
+        <p14:creationId xmlns:p14="http://schemas.microsoft.com/office/powerpoint/2010/main" val="1419493647"/>
       </p:ext>
     </p:extLst>
   </p:cSld>
@@ -11630,21 +10994,9 @@
         </p:spPr>
         <p:txBody>
           <a:bodyPr>
-            <a:normAutofit lnSpcReduction="10000"/>
+            <a:normAutofit/>
           </a:bodyPr>
           <a:lstStyle/>
-          <a:p>
-            <a:r>
-              <a:rPr lang="en-US" dirty="0"/>
-              <a:t>It appears that city MPG varies by manufacturer</a:t>
-            </a:r>
-          </a:p>
-          <a:p>
-            <a:r>
-              <a:rPr lang="en-US" dirty="0"/>
-              <a:t>Note: only a couple cars had 5 cylinders so let’s exclude them from further analysis</a:t>
-            </a:r>
-          </a:p>
           <a:p>
             <a:pPr marL="0" indent="0">
               <a:buNone/>
@@ -11761,6 +11113,31 @@
                 <a:latin typeface="Consolas" panose="020B0609020204030204" pitchFamily="49" charset="0"/>
               </a:rPr>
             </a:br>
+            <a:endParaRPr lang="en-US" sz="1600" dirty="0">
+              <a:latin typeface="Consolas" panose="020B0609020204030204" pitchFamily="49" charset="0"/>
+            </a:endParaRPr>
+          </a:p>
+          <a:p>
+            <a:pPr marL="0" indent="0">
+              <a:buNone/>
+            </a:pPr>
+            <a:endParaRPr lang="en-US" sz="1600" dirty="0">
+              <a:latin typeface="Consolas" panose="020B0609020204030204" pitchFamily="49" charset="0"/>
+            </a:endParaRPr>
+          </a:p>
+          <a:p>
+            <a:pPr marL="0" indent="0">
+              <a:buNone/>
+            </a:pPr>
+            <a:r>
+              <a:rPr lang="en-US" dirty="0"/>
+              <a:t>It appears that city MPG varies by manufacturer</a:t>
+            </a:r>
+          </a:p>
+          <a:p>
+            <a:pPr marL="0" indent="0">
+              <a:buNone/>
+            </a:pPr>
             <a:endParaRPr lang="en-US" sz="1600" dirty="0">
               <a:latin typeface="Consolas" panose="020B0609020204030204" pitchFamily="49" charset="0"/>
             </a:endParaRPr>
@@ -11850,6 +11227,890 @@
           <a:p>
             <a:r>
               <a:rPr lang="en-US" dirty="0"/>
+              <a:t>Approach 1: Separate Regressions</a:t>
+            </a:r>
+          </a:p>
+        </p:txBody>
+      </p:sp>
+      <p:sp>
+        <p:nvSpPr>
+          <p:cNvPr id="3" name="Content Placeholder 2">
+            <a:extLst>
+              <a:ext uri="{FF2B5EF4-FFF2-40B4-BE49-F238E27FC236}">
+                <a16:creationId xmlns:a16="http://schemas.microsoft.com/office/drawing/2014/main" id="{769E0954-E43E-4C21-99A6-EC2ADD213995}"/>
+              </a:ext>
+            </a:extLst>
+          </p:cNvPr>
+          <p:cNvSpPr>
+            <a:spLocks noGrp="1"/>
+          </p:cNvSpPr>
+          <p:nvPr>
+            <p:ph idx="1"/>
+          </p:nvPr>
+        </p:nvSpPr>
+        <p:spPr>
+          <a:xfrm>
+            <a:off x="838200" y="1466850"/>
+            <a:ext cx="10661650" cy="5226050"/>
+          </a:xfrm>
+        </p:spPr>
+        <p:txBody>
+          <a:bodyPr>
+            <a:normAutofit fontScale="70000" lnSpcReduction="20000"/>
+          </a:bodyPr>
+          <a:lstStyle/>
+          <a:p>
+            <a:pPr>
+              <a:lnSpc>
+                <a:spcPct val="120000"/>
+              </a:lnSpc>
+            </a:pPr>
+            <a:r>
+              <a:rPr lang="en-US" sz="4000" dirty="0"/>
+              <a:t>We could run separate regressions for this association</a:t>
+            </a:r>
+          </a:p>
+          <a:p>
+            <a:pPr>
+              <a:lnSpc>
+                <a:spcPct val="120000"/>
+              </a:lnSpc>
+            </a:pPr>
+            <a:r>
+              <a:rPr lang="en-US" sz="4000" dirty="0"/>
+              <a:t>Here we see that BMI is associated with HDL for men but not women (take note of these equations!)</a:t>
+            </a:r>
+          </a:p>
+          <a:p>
+            <a:pPr marL="0" indent="0">
+              <a:lnSpc>
+                <a:spcPct val="120000"/>
+              </a:lnSpc>
+              <a:spcBef>
+                <a:spcPts val="0"/>
+              </a:spcBef>
+              <a:buNone/>
+            </a:pPr>
+            <a:endParaRPr lang="en-US" sz="2200" dirty="0">
+              <a:latin typeface="Consolas" panose="020B0609020204030204" pitchFamily="49" charset="0"/>
+            </a:endParaRPr>
+          </a:p>
+          <a:p>
+            <a:pPr marL="0" indent="0">
+              <a:lnSpc>
+                <a:spcPct val="120000"/>
+              </a:lnSpc>
+              <a:spcBef>
+                <a:spcPts val="0"/>
+              </a:spcBef>
+              <a:buNone/>
+            </a:pPr>
+            <a:r>
+              <a:rPr lang="en-US" sz="1600" dirty="0">
+                <a:latin typeface="Consolas" panose="020B0609020204030204" pitchFamily="49" charset="0"/>
+              </a:rPr>
+              <a:t>&gt; </a:t>
+            </a:r>
+            <a:r>
+              <a:rPr lang="en-US" sz="1600" dirty="0" err="1">
+                <a:latin typeface="Consolas" panose="020B0609020204030204" pitchFamily="49" charset="0"/>
+              </a:rPr>
+              <a:t>lm</a:t>
+            </a:r>
+            <a:r>
+              <a:rPr lang="en-US" sz="1600" dirty="0">
+                <a:latin typeface="Consolas" panose="020B0609020204030204" pitchFamily="49" charset="0"/>
+              </a:rPr>
+              <a:t>(</a:t>
+            </a:r>
+            <a:r>
+              <a:rPr lang="en-US" sz="1600" dirty="0" err="1">
+                <a:latin typeface="Consolas" panose="020B0609020204030204" pitchFamily="49" charset="0"/>
+              </a:rPr>
+              <a:t>hdl</a:t>
+            </a:r>
+            <a:r>
+              <a:rPr lang="en-US" sz="1600" dirty="0">
+                <a:latin typeface="Consolas" panose="020B0609020204030204" pitchFamily="49" charset="0"/>
+              </a:rPr>
+              <a:t> ~ </a:t>
+            </a:r>
+            <a:r>
+              <a:rPr lang="en-US" sz="1600" dirty="0" err="1">
+                <a:latin typeface="Consolas" panose="020B0609020204030204" pitchFamily="49" charset="0"/>
+              </a:rPr>
+              <a:t>bmi_new</a:t>
+            </a:r>
+            <a:r>
+              <a:rPr lang="en-US" sz="1600" dirty="0">
+                <a:latin typeface="Consolas" panose="020B0609020204030204" pitchFamily="49" charset="0"/>
+              </a:rPr>
+              <a:t>, data=</a:t>
+            </a:r>
+            <a:r>
+              <a:rPr lang="en-US" sz="1600" dirty="0" err="1">
+                <a:latin typeface="Consolas" panose="020B0609020204030204" pitchFamily="49" charset="0"/>
+              </a:rPr>
+              <a:t>chol</a:t>
+            </a:r>
+            <a:r>
+              <a:rPr lang="en-US" sz="1600" dirty="0">
+                <a:latin typeface="Consolas" panose="020B0609020204030204" pitchFamily="49" charset="0"/>
+              </a:rPr>
+              <a:t> %&gt;% filter(gender=="Male")) %&gt;% summary()</a:t>
+            </a:r>
+          </a:p>
+          <a:p>
+            <a:pPr marL="0" indent="0">
+              <a:lnSpc>
+                <a:spcPct val="120000"/>
+              </a:lnSpc>
+              <a:spcBef>
+                <a:spcPts val="0"/>
+              </a:spcBef>
+              <a:buNone/>
+            </a:pPr>
+            <a:endParaRPr lang="en-US" sz="1600" dirty="0">
+              <a:latin typeface="Consolas" panose="020B0609020204030204" pitchFamily="49" charset="0"/>
+            </a:endParaRPr>
+          </a:p>
+          <a:p>
+            <a:pPr marL="0" indent="0">
+              <a:lnSpc>
+                <a:spcPct val="120000"/>
+              </a:lnSpc>
+              <a:spcBef>
+                <a:spcPts val="0"/>
+              </a:spcBef>
+              <a:buNone/>
+            </a:pPr>
+            <a:r>
+              <a:rPr lang="en-US" sz="1600" dirty="0">
+                <a:latin typeface="Consolas" panose="020B0609020204030204" pitchFamily="49" charset="0"/>
+              </a:rPr>
+              <a:t>Call:</a:t>
+            </a:r>
+          </a:p>
+          <a:p>
+            <a:pPr marL="0" indent="0">
+              <a:lnSpc>
+                <a:spcPct val="120000"/>
+              </a:lnSpc>
+              <a:spcBef>
+                <a:spcPts val="0"/>
+              </a:spcBef>
+              <a:buNone/>
+            </a:pPr>
+            <a:r>
+              <a:rPr lang="en-US" sz="1600" dirty="0" err="1">
+                <a:latin typeface="Consolas" panose="020B0609020204030204" pitchFamily="49" charset="0"/>
+              </a:rPr>
+              <a:t>lm</a:t>
+            </a:r>
+            <a:r>
+              <a:rPr lang="en-US" sz="1600" dirty="0">
+                <a:latin typeface="Consolas" panose="020B0609020204030204" pitchFamily="49" charset="0"/>
+              </a:rPr>
+              <a:t>(formula = </a:t>
+            </a:r>
+            <a:r>
+              <a:rPr lang="en-US" sz="1600" dirty="0" err="1">
+                <a:latin typeface="Consolas" panose="020B0609020204030204" pitchFamily="49" charset="0"/>
+              </a:rPr>
+              <a:t>hdl</a:t>
+            </a:r>
+            <a:r>
+              <a:rPr lang="en-US" sz="1600" dirty="0">
+                <a:latin typeface="Consolas" panose="020B0609020204030204" pitchFamily="49" charset="0"/>
+              </a:rPr>
+              <a:t> ~ </a:t>
+            </a:r>
+            <a:r>
+              <a:rPr lang="en-US" sz="1600" dirty="0" err="1">
+                <a:latin typeface="Consolas" panose="020B0609020204030204" pitchFamily="49" charset="0"/>
+              </a:rPr>
+              <a:t>bmi_new</a:t>
+            </a:r>
+            <a:r>
+              <a:rPr lang="en-US" sz="1600" dirty="0">
+                <a:latin typeface="Consolas" panose="020B0609020204030204" pitchFamily="49" charset="0"/>
+              </a:rPr>
+              <a:t>, data = </a:t>
+            </a:r>
+            <a:r>
+              <a:rPr lang="en-US" sz="1600" dirty="0" err="1">
+                <a:latin typeface="Consolas" panose="020B0609020204030204" pitchFamily="49" charset="0"/>
+              </a:rPr>
+              <a:t>chol</a:t>
+            </a:r>
+            <a:r>
+              <a:rPr lang="en-US" sz="1600" dirty="0">
+                <a:latin typeface="Consolas" panose="020B0609020204030204" pitchFamily="49" charset="0"/>
+              </a:rPr>
+              <a:t> %&gt;% filter(gender == </a:t>
+            </a:r>
+          </a:p>
+          <a:p>
+            <a:pPr marL="0" indent="0">
+              <a:lnSpc>
+                <a:spcPct val="120000"/>
+              </a:lnSpc>
+              <a:spcBef>
+                <a:spcPts val="0"/>
+              </a:spcBef>
+              <a:buNone/>
+            </a:pPr>
+            <a:r>
+              <a:rPr lang="en-US" sz="1600" dirty="0">
+                <a:latin typeface="Consolas" panose="020B0609020204030204" pitchFamily="49" charset="0"/>
+              </a:rPr>
+              <a:t>    "Male"))</a:t>
+            </a:r>
+          </a:p>
+          <a:p>
+            <a:pPr marL="0" indent="0">
+              <a:lnSpc>
+                <a:spcPct val="120000"/>
+              </a:lnSpc>
+              <a:spcBef>
+                <a:spcPts val="0"/>
+              </a:spcBef>
+              <a:buNone/>
+            </a:pPr>
+            <a:endParaRPr lang="en-US" sz="1600" dirty="0">
+              <a:latin typeface="Consolas" panose="020B0609020204030204" pitchFamily="49" charset="0"/>
+            </a:endParaRPr>
+          </a:p>
+          <a:p>
+            <a:pPr marL="0" indent="0">
+              <a:lnSpc>
+                <a:spcPct val="120000"/>
+              </a:lnSpc>
+              <a:spcBef>
+                <a:spcPts val="0"/>
+              </a:spcBef>
+              <a:buNone/>
+            </a:pPr>
+            <a:r>
+              <a:rPr lang="en-US" sz="1600" dirty="0">
+                <a:latin typeface="Consolas" panose="020B0609020204030204" pitchFamily="49" charset="0"/>
+              </a:rPr>
+              <a:t>Residuals:</a:t>
+            </a:r>
+          </a:p>
+          <a:p>
+            <a:pPr marL="0" indent="0">
+              <a:lnSpc>
+                <a:spcPct val="120000"/>
+              </a:lnSpc>
+              <a:spcBef>
+                <a:spcPts val="0"/>
+              </a:spcBef>
+              <a:buNone/>
+            </a:pPr>
+            <a:r>
+              <a:rPr lang="en-US" sz="1600" dirty="0">
+                <a:latin typeface="Consolas" panose="020B0609020204030204" pitchFamily="49" charset="0"/>
+              </a:rPr>
+              <a:t>     Min       1Q   Median       3Q      Max </a:t>
+            </a:r>
+          </a:p>
+          <a:p>
+            <a:pPr marL="0" indent="0">
+              <a:lnSpc>
+                <a:spcPct val="120000"/>
+              </a:lnSpc>
+              <a:spcBef>
+                <a:spcPts val="0"/>
+              </a:spcBef>
+              <a:buNone/>
+            </a:pPr>
+            <a:r>
+              <a:rPr lang="en-US" sz="1600" dirty="0">
+                <a:latin typeface="Consolas" panose="020B0609020204030204" pitchFamily="49" charset="0"/>
+              </a:rPr>
+              <a:t>-19.0015  -8.9759  -0.6354   7.7349  22.4085 </a:t>
+            </a:r>
+          </a:p>
+          <a:p>
+            <a:pPr marL="0" indent="0">
+              <a:lnSpc>
+                <a:spcPct val="120000"/>
+              </a:lnSpc>
+              <a:spcBef>
+                <a:spcPts val="0"/>
+              </a:spcBef>
+              <a:buNone/>
+            </a:pPr>
+            <a:endParaRPr lang="en-US" sz="1600" dirty="0">
+              <a:latin typeface="Consolas" panose="020B0609020204030204" pitchFamily="49" charset="0"/>
+            </a:endParaRPr>
+          </a:p>
+          <a:p>
+            <a:pPr marL="0" indent="0">
+              <a:lnSpc>
+                <a:spcPct val="120000"/>
+              </a:lnSpc>
+              <a:spcBef>
+                <a:spcPts val="0"/>
+              </a:spcBef>
+              <a:buNone/>
+            </a:pPr>
+            <a:r>
+              <a:rPr lang="en-US" sz="1600" dirty="0">
+                <a:latin typeface="Consolas" panose="020B0609020204030204" pitchFamily="49" charset="0"/>
+              </a:rPr>
+              <a:t>Coefficients:</a:t>
+            </a:r>
+          </a:p>
+          <a:p>
+            <a:pPr marL="0" indent="0">
+              <a:lnSpc>
+                <a:spcPct val="120000"/>
+              </a:lnSpc>
+              <a:spcBef>
+                <a:spcPts val="0"/>
+              </a:spcBef>
+              <a:buNone/>
+            </a:pPr>
+            <a:r>
+              <a:rPr lang="en-US" sz="1600" dirty="0">
+                <a:latin typeface="Consolas" panose="020B0609020204030204" pitchFamily="49" charset="0"/>
+              </a:rPr>
+              <a:t>            Estimate Std. Error t value </a:t>
+            </a:r>
+            <a:r>
+              <a:rPr lang="en-US" sz="1600" dirty="0" err="1">
+                <a:latin typeface="Consolas" panose="020B0609020204030204" pitchFamily="49" charset="0"/>
+              </a:rPr>
+              <a:t>Pr</a:t>
+            </a:r>
+            <a:r>
+              <a:rPr lang="en-US" sz="1600" dirty="0">
+                <a:latin typeface="Consolas" panose="020B0609020204030204" pitchFamily="49" charset="0"/>
+              </a:rPr>
+              <a:t>(&gt;|t|)    </a:t>
+            </a:r>
+          </a:p>
+          <a:p>
+            <a:pPr marL="0" indent="0">
+              <a:lnSpc>
+                <a:spcPct val="120000"/>
+              </a:lnSpc>
+              <a:spcBef>
+                <a:spcPts val="0"/>
+              </a:spcBef>
+              <a:buNone/>
+            </a:pPr>
+            <a:r>
+              <a:rPr lang="en-US" sz="1600" dirty="0">
+                <a:latin typeface="Consolas" panose="020B0609020204030204" pitchFamily="49" charset="0"/>
+              </a:rPr>
+              <a:t>(Intercept)  59.4159     5.1341   11.57   &lt;2e-16 ***</a:t>
+            </a:r>
+          </a:p>
+          <a:p>
+            <a:pPr marL="0" indent="0">
+              <a:lnSpc>
+                <a:spcPct val="120000"/>
+              </a:lnSpc>
+              <a:spcBef>
+                <a:spcPts val="0"/>
+              </a:spcBef>
+              <a:buNone/>
+            </a:pPr>
+            <a:r>
+              <a:rPr lang="en-US" sz="1600" dirty="0" err="1">
+                <a:latin typeface="Consolas" panose="020B0609020204030204" pitchFamily="49" charset="0"/>
+              </a:rPr>
+              <a:t>bmi_new</a:t>
+            </a:r>
+            <a:r>
+              <a:rPr lang="en-US" sz="1600" dirty="0">
+                <a:latin typeface="Consolas" panose="020B0609020204030204" pitchFamily="49" charset="0"/>
+              </a:rPr>
+              <a:t>      -0.5815     0.2211   -2.63     0.01 *  </a:t>
+            </a:r>
+          </a:p>
+          <a:p>
+            <a:pPr marL="0" indent="0">
+              <a:lnSpc>
+                <a:spcPct val="120000"/>
+              </a:lnSpc>
+              <a:spcBef>
+                <a:spcPts val="0"/>
+              </a:spcBef>
+              <a:buNone/>
+            </a:pPr>
+            <a:r>
+              <a:rPr lang="en-US" sz="1600" dirty="0">
+                <a:latin typeface="Consolas" panose="020B0609020204030204" pitchFamily="49" charset="0"/>
+              </a:rPr>
+              <a:t>---</a:t>
+            </a:r>
+          </a:p>
+          <a:p>
+            <a:pPr marL="0" indent="0">
+              <a:lnSpc>
+                <a:spcPct val="120000"/>
+              </a:lnSpc>
+              <a:spcBef>
+                <a:spcPts val="0"/>
+              </a:spcBef>
+              <a:buNone/>
+            </a:pPr>
+            <a:r>
+              <a:rPr lang="en-US" sz="1600" dirty="0" err="1">
+                <a:latin typeface="Consolas" panose="020B0609020204030204" pitchFamily="49" charset="0"/>
+              </a:rPr>
+              <a:t>Signif</a:t>
+            </a:r>
+            <a:r>
+              <a:rPr lang="en-US" sz="1600" dirty="0">
+                <a:latin typeface="Consolas" panose="020B0609020204030204" pitchFamily="49" charset="0"/>
+              </a:rPr>
+              <a:t>. codes:  0 ‘***’ 0.001 ‘**’ 0.01 ‘*’ 0.05 ‘.’ 0.1 ‘ ’ 1</a:t>
+            </a:r>
+          </a:p>
+          <a:p>
+            <a:pPr marL="0" indent="0">
+              <a:lnSpc>
+                <a:spcPct val="120000"/>
+              </a:lnSpc>
+              <a:spcBef>
+                <a:spcPts val="0"/>
+              </a:spcBef>
+              <a:buNone/>
+            </a:pPr>
+            <a:endParaRPr lang="en-US" sz="1600" dirty="0">
+              <a:latin typeface="Consolas" panose="020B0609020204030204" pitchFamily="49" charset="0"/>
+            </a:endParaRPr>
+          </a:p>
+          <a:p>
+            <a:pPr marL="0" indent="0">
+              <a:lnSpc>
+                <a:spcPct val="120000"/>
+              </a:lnSpc>
+              <a:spcBef>
+                <a:spcPts val="0"/>
+              </a:spcBef>
+              <a:buNone/>
+            </a:pPr>
+            <a:r>
+              <a:rPr lang="en-US" sz="1600" dirty="0">
+                <a:latin typeface="Consolas" panose="020B0609020204030204" pitchFamily="49" charset="0"/>
+              </a:rPr>
+              <a:t>Residual standard error: 10.44 on 92 degrees of freedom</a:t>
+            </a:r>
+          </a:p>
+          <a:p>
+            <a:pPr marL="0" indent="0">
+              <a:lnSpc>
+                <a:spcPct val="120000"/>
+              </a:lnSpc>
+              <a:spcBef>
+                <a:spcPts val="0"/>
+              </a:spcBef>
+              <a:buNone/>
+            </a:pPr>
+            <a:r>
+              <a:rPr lang="en-US" sz="1600" dirty="0">
+                <a:latin typeface="Consolas" panose="020B0609020204030204" pitchFamily="49" charset="0"/>
+              </a:rPr>
+              <a:t>Multiple R-squared:  0.06993,	Adjusted R-squared:  0.05983 </a:t>
+            </a:r>
+          </a:p>
+          <a:p>
+            <a:pPr marL="0" indent="0">
+              <a:lnSpc>
+                <a:spcPct val="120000"/>
+              </a:lnSpc>
+              <a:spcBef>
+                <a:spcPts val="0"/>
+              </a:spcBef>
+              <a:buNone/>
+            </a:pPr>
+            <a:r>
+              <a:rPr lang="en-US" sz="1600" dirty="0">
+                <a:latin typeface="Consolas" panose="020B0609020204030204" pitchFamily="49" charset="0"/>
+              </a:rPr>
+              <a:t>F-statistic: 6.918 on 1 and 92 DF,  p-value: 0.01</a:t>
+            </a:r>
+          </a:p>
+          <a:p>
+            <a:pPr marL="0" indent="0">
+              <a:lnSpc>
+                <a:spcPct val="120000"/>
+              </a:lnSpc>
+              <a:spcBef>
+                <a:spcPts val="0"/>
+              </a:spcBef>
+              <a:buNone/>
+            </a:pPr>
+            <a:endParaRPr lang="en-US" sz="3400" dirty="0">
+              <a:latin typeface="Consolas" panose="020B0609020204030204" pitchFamily="49" charset="0"/>
+            </a:endParaRPr>
+          </a:p>
+          <a:p>
+            <a:pPr marL="0" indent="0">
+              <a:lnSpc>
+                <a:spcPct val="120000"/>
+              </a:lnSpc>
+              <a:spcBef>
+                <a:spcPts val="0"/>
+              </a:spcBef>
+              <a:buNone/>
+            </a:pPr>
+            <a:endParaRPr lang="en-US" sz="4400" dirty="0">
+              <a:latin typeface="Consolas" panose="020B0609020204030204" pitchFamily="49" charset="0"/>
+            </a:endParaRPr>
+          </a:p>
+        </p:txBody>
+      </p:sp>
+      <p:sp>
+        <p:nvSpPr>
+          <p:cNvPr id="5" name="TextBox 4">
+            <a:extLst>
+              <a:ext uri="{FF2B5EF4-FFF2-40B4-BE49-F238E27FC236}">
+                <a16:creationId xmlns:a16="http://schemas.microsoft.com/office/drawing/2014/main" id="{58C05642-C4B4-4997-8307-6981C8ECF2B4}"/>
+              </a:ext>
+            </a:extLst>
+          </p:cNvPr>
+          <p:cNvSpPr txBox="1"/>
+          <p:nvPr/>
+        </p:nvSpPr>
+        <p:spPr>
+          <a:xfrm>
+            <a:off x="6388100" y="3095591"/>
+            <a:ext cx="6096000" cy="3477875"/>
+          </a:xfrm>
+          <a:prstGeom prst="rect">
+            <a:avLst/>
+          </a:prstGeom>
+          <a:noFill/>
+        </p:spPr>
+        <p:txBody>
+          <a:bodyPr wrap="square">
+            <a:spAutoFit/>
+          </a:bodyPr>
+          <a:lstStyle/>
+          <a:p>
+            <a:r>
+              <a:rPr lang="en-US" sz="1100" dirty="0">
+                <a:latin typeface="Consolas" panose="020B0609020204030204" pitchFamily="49" charset="0"/>
+              </a:rPr>
+              <a:t>&gt; </a:t>
+            </a:r>
+            <a:r>
+              <a:rPr lang="en-US" sz="1100" dirty="0" err="1">
+                <a:latin typeface="Consolas" panose="020B0609020204030204" pitchFamily="49" charset="0"/>
+              </a:rPr>
+              <a:t>lm</a:t>
+            </a:r>
+            <a:r>
+              <a:rPr lang="en-US" sz="1100" dirty="0">
+                <a:latin typeface="Consolas" panose="020B0609020204030204" pitchFamily="49" charset="0"/>
+              </a:rPr>
+              <a:t>(</a:t>
+            </a:r>
+            <a:r>
+              <a:rPr lang="en-US" sz="1100" dirty="0" err="1">
+                <a:latin typeface="Consolas" panose="020B0609020204030204" pitchFamily="49" charset="0"/>
+              </a:rPr>
+              <a:t>hdl</a:t>
+            </a:r>
+            <a:r>
+              <a:rPr lang="en-US" sz="1100" dirty="0">
+                <a:latin typeface="Consolas" panose="020B0609020204030204" pitchFamily="49" charset="0"/>
+              </a:rPr>
+              <a:t> ~ </a:t>
+            </a:r>
+            <a:r>
+              <a:rPr lang="en-US" sz="1100" dirty="0" err="1">
+                <a:latin typeface="Consolas" panose="020B0609020204030204" pitchFamily="49" charset="0"/>
+              </a:rPr>
+              <a:t>bmi_new</a:t>
+            </a:r>
+            <a:r>
+              <a:rPr lang="en-US" sz="1100" dirty="0">
+                <a:latin typeface="Consolas" panose="020B0609020204030204" pitchFamily="49" charset="0"/>
+              </a:rPr>
+              <a:t>, data=</a:t>
+            </a:r>
+            <a:r>
+              <a:rPr lang="en-US" sz="1100" dirty="0" err="1">
+                <a:latin typeface="Consolas" panose="020B0609020204030204" pitchFamily="49" charset="0"/>
+              </a:rPr>
+              <a:t>chol</a:t>
+            </a:r>
+            <a:r>
+              <a:rPr lang="en-US" sz="1100" dirty="0">
+                <a:latin typeface="Consolas" panose="020B0609020204030204" pitchFamily="49" charset="0"/>
+              </a:rPr>
+              <a:t> %&gt;% filter(gender=="Female")) %&gt;% summary()</a:t>
+            </a:r>
+          </a:p>
+          <a:p>
+            <a:endParaRPr lang="en-US" sz="1100" dirty="0">
+              <a:latin typeface="Consolas" panose="020B0609020204030204" pitchFamily="49" charset="0"/>
+            </a:endParaRPr>
+          </a:p>
+          <a:p>
+            <a:r>
+              <a:rPr lang="en-US" sz="1100" dirty="0">
+                <a:latin typeface="Consolas" panose="020B0609020204030204" pitchFamily="49" charset="0"/>
+              </a:rPr>
+              <a:t>Call:</a:t>
+            </a:r>
+          </a:p>
+          <a:p>
+            <a:r>
+              <a:rPr lang="en-US" sz="1100" dirty="0" err="1">
+                <a:latin typeface="Consolas" panose="020B0609020204030204" pitchFamily="49" charset="0"/>
+              </a:rPr>
+              <a:t>lm</a:t>
+            </a:r>
+            <a:r>
+              <a:rPr lang="en-US" sz="1100" dirty="0">
+                <a:latin typeface="Consolas" panose="020B0609020204030204" pitchFamily="49" charset="0"/>
+              </a:rPr>
+              <a:t>(formula = </a:t>
+            </a:r>
+            <a:r>
+              <a:rPr lang="en-US" sz="1100" dirty="0" err="1">
+                <a:latin typeface="Consolas" panose="020B0609020204030204" pitchFamily="49" charset="0"/>
+              </a:rPr>
+              <a:t>hdl</a:t>
+            </a:r>
+            <a:r>
+              <a:rPr lang="en-US" sz="1100" dirty="0">
+                <a:latin typeface="Consolas" panose="020B0609020204030204" pitchFamily="49" charset="0"/>
+              </a:rPr>
+              <a:t> ~ </a:t>
+            </a:r>
+            <a:r>
+              <a:rPr lang="en-US" sz="1100" dirty="0" err="1">
+                <a:latin typeface="Consolas" panose="020B0609020204030204" pitchFamily="49" charset="0"/>
+              </a:rPr>
+              <a:t>bmi_new</a:t>
+            </a:r>
+            <a:r>
+              <a:rPr lang="en-US" sz="1100" dirty="0">
+                <a:latin typeface="Consolas" panose="020B0609020204030204" pitchFamily="49" charset="0"/>
+              </a:rPr>
+              <a:t>, data = </a:t>
+            </a:r>
+            <a:r>
+              <a:rPr lang="en-US" sz="1100" dirty="0" err="1">
+                <a:latin typeface="Consolas" panose="020B0609020204030204" pitchFamily="49" charset="0"/>
+              </a:rPr>
+              <a:t>chol</a:t>
+            </a:r>
+            <a:r>
+              <a:rPr lang="en-US" sz="1100" dirty="0">
+                <a:latin typeface="Consolas" panose="020B0609020204030204" pitchFamily="49" charset="0"/>
+              </a:rPr>
+              <a:t> %&gt;% filter(gender == </a:t>
+            </a:r>
+          </a:p>
+          <a:p>
+            <a:r>
+              <a:rPr lang="en-US" sz="1100" dirty="0">
+                <a:latin typeface="Consolas" panose="020B0609020204030204" pitchFamily="49" charset="0"/>
+              </a:rPr>
+              <a:t>    "Female"))</a:t>
+            </a:r>
+          </a:p>
+          <a:p>
+            <a:endParaRPr lang="en-US" sz="1100" dirty="0">
+              <a:latin typeface="Consolas" panose="020B0609020204030204" pitchFamily="49" charset="0"/>
+            </a:endParaRPr>
+          </a:p>
+          <a:p>
+            <a:r>
+              <a:rPr lang="en-US" sz="1100" dirty="0">
+                <a:latin typeface="Consolas" panose="020B0609020204030204" pitchFamily="49" charset="0"/>
+              </a:rPr>
+              <a:t>Residuals:</a:t>
+            </a:r>
+          </a:p>
+          <a:p>
+            <a:r>
+              <a:rPr lang="en-US" sz="1100" dirty="0">
+                <a:latin typeface="Consolas" panose="020B0609020204030204" pitchFamily="49" charset="0"/>
+              </a:rPr>
+              <a:t>    Min      1Q  Median      3Q     Max </a:t>
+            </a:r>
+          </a:p>
+          <a:p>
+            <a:r>
+              <a:rPr lang="en-US" sz="1100" dirty="0">
+                <a:latin typeface="Consolas" panose="020B0609020204030204" pitchFamily="49" charset="0"/>
+              </a:rPr>
+              <a:t>-18.727  -7.958  -1.205   5.522  26.684 </a:t>
+            </a:r>
+          </a:p>
+          <a:p>
+            <a:endParaRPr lang="en-US" sz="1100" dirty="0">
+              <a:latin typeface="Consolas" panose="020B0609020204030204" pitchFamily="49" charset="0"/>
+            </a:endParaRPr>
+          </a:p>
+          <a:p>
+            <a:r>
+              <a:rPr lang="en-US" sz="1100" dirty="0">
+                <a:latin typeface="Consolas" panose="020B0609020204030204" pitchFamily="49" charset="0"/>
+              </a:rPr>
+              <a:t>Coefficients:</a:t>
+            </a:r>
+          </a:p>
+          <a:p>
+            <a:r>
+              <a:rPr lang="en-US" sz="1100" dirty="0">
+                <a:latin typeface="Consolas" panose="020B0609020204030204" pitchFamily="49" charset="0"/>
+              </a:rPr>
+              <a:t>            Estimate Std. Error t value </a:t>
+            </a:r>
+            <a:r>
+              <a:rPr lang="en-US" sz="1100" dirty="0" err="1">
+                <a:latin typeface="Consolas" panose="020B0609020204030204" pitchFamily="49" charset="0"/>
+              </a:rPr>
+              <a:t>Pr</a:t>
+            </a:r>
+            <a:r>
+              <a:rPr lang="en-US" sz="1100" dirty="0">
+                <a:latin typeface="Consolas" panose="020B0609020204030204" pitchFamily="49" charset="0"/>
+              </a:rPr>
+              <a:t>(&gt;|t|)    </a:t>
+            </a:r>
+          </a:p>
+          <a:p>
+            <a:r>
+              <a:rPr lang="en-US" sz="1100" dirty="0">
+                <a:latin typeface="Consolas" panose="020B0609020204030204" pitchFamily="49" charset="0"/>
+              </a:rPr>
+              <a:t>(Intercept) 49.45668    4.87364  10.148   &lt;2e-16 ***</a:t>
+            </a:r>
+          </a:p>
+          <a:p>
+            <a:r>
+              <a:rPr lang="en-US" sz="1100" dirty="0" err="1">
+                <a:latin typeface="Consolas" panose="020B0609020204030204" pitchFamily="49" charset="0"/>
+              </a:rPr>
+              <a:t>bmi_new</a:t>
+            </a:r>
+            <a:r>
+              <a:rPr lang="en-US" sz="1100" dirty="0">
+                <a:latin typeface="Consolas" panose="020B0609020204030204" pitchFamily="49" charset="0"/>
+              </a:rPr>
+              <a:t>      0.08473    0.22706   0.373     0.71    </a:t>
+            </a:r>
+          </a:p>
+          <a:p>
+            <a:r>
+              <a:rPr lang="en-US" sz="1100" dirty="0">
+                <a:latin typeface="Consolas" panose="020B0609020204030204" pitchFamily="49" charset="0"/>
+              </a:rPr>
+              <a:t>---</a:t>
+            </a:r>
+          </a:p>
+          <a:p>
+            <a:r>
+              <a:rPr lang="en-US" sz="1100" dirty="0" err="1">
+                <a:latin typeface="Consolas" panose="020B0609020204030204" pitchFamily="49" charset="0"/>
+              </a:rPr>
+              <a:t>Signif</a:t>
+            </a:r>
+            <a:r>
+              <a:rPr lang="en-US" sz="1100" dirty="0">
+                <a:latin typeface="Consolas" panose="020B0609020204030204" pitchFamily="49" charset="0"/>
+              </a:rPr>
+              <a:t>. codes:  0 ‘***’ 0.001 ‘**’ 0.01 ‘*’ 0.05 ‘.’ 0.1 ‘ ’ 1</a:t>
+            </a:r>
+          </a:p>
+          <a:p>
+            <a:endParaRPr lang="en-US" sz="1100" dirty="0">
+              <a:latin typeface="Consolas" panose="020B0609020204030204" pitchFamily="49" charset="0"/>
+            </a:endParaRPr>
+          </a:p>
+          <a:p>
+            <a:r>
+              <a:rPr lang="en-US" sz="1100" dirty="0">
+                <a:latin typeface="Consolas" panose="020B0609020204030204" pitchFamily="49" charset="0"/>
+              </a:rPr>
+              <a:t>Residual standard error: 11.21 on 92 degrees of freedom</a:t>
+            </a:r>
+          </a:p>
+          <a:p>
+            <a:r>
+              <a:rPr lang="en-US" sz="1100" dirty="0">
+                <a:latin typeface="Consolas" panose="020B0609020204030204" pitchFamily="49" charset="0"/>
+              </a:rPr>
+              <a:t>Multiple R-squared:  0.001511,	Adjusted R-squared:  -0.009342 </a:t>
+            </a:r>
+          </a:p>
+          <a:p>
+            <a:r>
+              <a:rPr lang="en-US" sz="1100" dirty="0">
+                <a:latin typeface="Consolas" panose="020B0609020204030204" pitchFamily="49" charset="0"/>
+              </a:rPr>
+              <a:t>F-statistic: 0.1392 on 1 and 92 DF,  p-value: 0.7099</a:t>
+            </a:r>
+          </a:p>
+        </p:txBody>
+      </p:sp>
+    </p:spTree>
+    <p:extLst>
+      <p:ext uri="{BB962C8B-B14F-4D97-AF65-F5344CB8AC3E}">
+        <p14:creationId xmlns:p14="http://schemas.microsoft.com/office/powerpoint/2010/main" val="1927774907"/>
+      </p:ext>
+    </p:extLst>
+  </p:cSld>
+  <p:clrMapOvr>
+    <a:masterClrMapping/>
+  </p:clrMapOvr>
+</p:sld>
+</file>
+
+<file path=ppt/slides/slide31.xml><?xml version="1.0" encoding="utf-8"?>
+<p:sld xmlns:a="http://schemas.openxmlformats.org/drawingml/2006/main" xmlns:r="http://schemas.openxmlformats.org/officeDocument/2006/relationships" xmlns:p="http://schemas.openxmlformats.org/presentationml/2006/main">
+  <p:cSld>
+    <p:spTree>
+      <p:nvGrpSpPr>
+        <p:cNvPr id="1" name=""/>
+        <p:cNvGrpSpPr/>
+        <p:nvPr/>
+      </p:nvGrpSpPr>
+      <p:grpSpPr>
+        <a:xfrm>
+          <a:off x="0" y="0"/>
+          <a:ext cx="0" cy="0"/>
+          <a:chOff x="0" y="0"/>
+          <a:chExt cx="0" cy="0"/>
+        </a:xfrm>
+      </p:grpSpPr>
+      <p:sp>
+        <p:nvSpPr>
+          <p:cNvPr id="2" name="Title 1">
+            <a:extLst>
+              <a:ext uri="{FF2B5EF4-FFF2-40B4-BE49-F238E27FC236}">
+                <a16:creationId xmlns:a16="http://schemas.microsoft.com/office/drawing/2014/main" id="{0B8C635E-B1AD-4A3B-A512-BE5F2592DC87}"/>
+              </a:ext>
+            </a:extLst>
+          </p:cNvPr>
+          <p:cNvSpPr>
+            <a:spLocks noGrp="1"/>
+          </p:cNvSpPr>
+          <p:nvPr>
+            <p:ph type="title"/>
+          </p:nvPr>
+        </p:nvSpPr>
+        <p:spPr/>
+        <p:txBody>
+          <a:bodyPr/>
+          <a:lstStyle/>
+          <a:p>
+            <a:r>
+              <a:rPr lang="en-US" dirty="0"/>
               <a:t>Approach 2: Interaction Term</a:t>
             </a:r>
           </a:p>
@@ -12002,7 +12263,7 @@
 </p:sld>
 </file>
 
-<file path=ppt/slides/slide31.xml><?xml version="1.0" encoding="utf-8"?>
+<file path=ppt/slides/slide32.xml><?xml version="1.0" encoding="utf-8"?>
 <p:sld xmlns:a="http://schemas.openxmlformats.org/drawingml/2006/main" xmlns:r="http://schemas.openxmlformats.org/officeDocument/2006/relationships" xmlns:p="http://schemas.openxmlformats.org/presentationml/2006/main">
   <p:cSld>
     <p:spTree>
@@ -13235,7 +13496,7 @@
 </p:sld>
 </file>
 
-<file path=ppt/slides/slide32.xml><?xml version="1.0" encoding="utf-8"?>
+<file path=ppt/slides/slide33.xml><?xml version="1.0" encoding="utf-8"?>
 <p:sld xmlns:a="http://schemas.openxmlformats.org/drawingml/2006/main" xmlns:r="http://schemas.openxmlformats.org/officeDocument/2006/relationships" xmlns:p="http://schemas.openxmlformats.org/presentationml/2006/main">
   <p:cSld>
     <p:spTree>
@@ -14121,7 +14382,7 @@
 </p:sld>
 </file>
 
-<file path=ppt/slides/slide33.xml><?xml version="1.0" encoding="utf-8"?>
+<file path=ppt/slides/slide34.xml><?xml version="1.0" encoding="utf-8"?>
 <p:sld xmlns:a="http://schemas.openxmlformats.org/drawingml/2006/main" xmlns:r="http://schemas.openxmlformats.org/officeDocument/2006/relationships" xmlns:p="http://schemas.openxmlformats.org/presentationml/2006/main">
   <p:cSld>
     <p:spTree>
@@ -14466,7 +14727,7 @@
 </p:sld>
 </file>
 
-<file path=ppt/slides/slide34.xml><?xml version="1.0" encoding="utf-8"?>
+<file path=ppt/slides/slide35.xml><?xml version="1.0" encoding="utf-8"?>
 <p:sld xmlns:a="http://schemas.openxmlformats.org/drawingml/2006/main" xmlns:r="http://schemas.openxmlformats.org/officeDocument/2006/relationships" xmlns:p="http://schemas.openxmlformats.org/presentationml/2006/main">
   <p:cSld>
     <p:spTree>
@@ -15955,8 +16216,8 @@
           </a:p>
         </p:txBody>
       </p:sp>
-      <mc:AlternateContent xmlns:mc="http://schemas.openxmlformats.org/markup-compatibility/2006" xmlns:a14="http://schemas.microsoft.com/office/drawing/2010/main">
-        <mc:Choice Requires="a14">
+      <mc:AlternateContent xmlns:mc="http://schemas.openxmlformats.org/markup-compatibility/2006">
+        <mc:Choice xmlns:a14="http://schemas.microsoft.com/office/drawing/2010/main" Requires="a14">
           <p:sp>
             <p:nvSpPr>
               <p:cNvPr id="3" name="Content Placeholder 2">
@@ -15975,8 +16236,8 @@
             </p:nvSpPr>
             <p:spPr>
               <a:xfrm>
-                <a:off x="838200" y="1466850"/>
-                <a:ext cx="11023600" cy="5226050"/>
+                <a:off x="1121979" y="1550932"/>
+                <a:ext cx="9314794" cy="5226050"/>
               </a:xfrm>
             </p:spPr>
             <p:txBody>
@@ -15998,6 +16259,10 @@
                   </a:rPr>
                   <a:t>In other words:</a:t>
                 </a:r>
+                <a:endParaRPr lang="en-US" b="0" dirty="0">
+                  <a:latin typeface="Segoe UI" panose="020B0502040204020203" pitchFamily="34" charset="0"/>
+                  <a:cs typeface="Segoe UI" panose="020B0502040204020203" pitchFamily="34" charset="0"/>
+                </a:endParaRPr>
               </a:p>
               <a:p>
                 <a:pPr marL="0" indent="0">
@@ -16006,80 +16271,103 @@
                   </a:spcAft>
                   <a:buNone/>
                 </a:pPr>
+                <a:r>
+                  <a:rPr lang="en-US" dirty="0">
+                    <a:latin typeface="Segoe UI" panose="020B0502040204020203" pitchFamily="34" charset="0"/>
+                    <a:cs typeface="Segoe UI" panose="020B0502040204020203" pitchFamily="34" charset="0"/>
+                  </a:rPr>
+                  <a:t>			</a:t>
+                </a:r>
+                <a:r>
+                  <a:rPr lang="en-US" b="0" dirty="0">
+                    <a:cs typeface="Segoe UI" panose="020B0502040204020203" pitchFamily="34" charset="0"/>
+                  </a:rPr>
+                  <a:t> </a:t>
+                </a:r>
                 <a14:m>
-                  <m:oMathPara xmlns:m="http://schemas.openxmlformats.org/officeDocument/2006/math">
-                    <m:oMathParaPr>
-                      <m:jc m:val="center"/>
-                    </m:oMathParaPr>
-                    <m:oMath xmlns:m="http://schemas.openxmlformats.org/officeDocument/2006/math">
-                      <m:sSub>
-                        <m:sSubPr>
-                          <m:ctrlPr>
-                            <a:rPr lang="en-US" b="0" i="1" smtClean="0">
-                              <a:latin typeface="Cambria Math" panose="02040503050406030204" pitchFamily="18" charset="0"/>
-                              <a:cs typeface="Segoe UI" panose="020B0502040204020203" pitchFamily="34" charset="0"/>
-                            </a:rPr>
-                          </m:ctrlPr>
-                        </m:sSubPr>
-                        <m:e>
-                          <m:r>
-                            <a:rPr lang="en-US" b="0" i="1" smtClean="0">
-                              <a:latin typeface="Cambria Math" panose="02040503050406030204" pitchFamily="18" charset="0"/>
-                              <a:cs typeface="Segoe UI" panose="020B0502040204020203" pitchFamily="34" charset="0"/>
-                            </a:rPr>
-                            <m:t>𝑋</m:t>
-                          </m:r>
-                        </m:e>
-                        <m:sub>
-                          <m:r>
-                            <a:rPr lang="en-US" b="0" i="1" smtClean="0">
-                              <a:latin typeface="Cambria Math" panose="02040503050406030204" pitchFamily="18" charset="0"/>
-                              <a:cs typeface="Segoe UI" panose="020B0502040204020203" pitchFamily="34" charset="0"/>
-                            </a:rPr>
-                            <m:t>𝐹</m:t>
-                          </m:r>
-                        </m:sub>
-                      </m:sSub>
-                      <m:r>
-                        <a:rPr lang="en-US" b="0" i="1" smtClean="0">
-                          <a:latin typeface="Cambria Math" panose="02040503050406030204" pitchFamily="18" charset="0"/>
-                          <a:cs typeface="Segoe UI" panose="020B0502040204020203" pitchFamily="34" charset="0"/>
-                        </a:rPr>
-                        <m:t>=</m:t>
-                      </m:r>
-                      <m:d>
-                        <m:dPr>
-                          <m:begChr m:val="{"/>
-                          <m:endChr m:val=""/>
-                          <m:ctrlPr>
-                            <a:rPr lang="en-US" b="0" i="1" smtClean="0">
-                              <a:latin typeface="Cambria Math" panose="02040503050406030204" pitchFamily="18" charset="0"/>
-                              <a:cs typeface="Segoe UI" panose="020B0502040204020203" pitchFamily="34" charset="0"/>
-                            </a:rPr>
-                          </m:ctrlPr>
-                        </m:dPr>
-                        <m:e>
-                          <m:eqArr>
-                            <m:eqArrPr>
-                              <m:ctrlPr>
+                  <m:oMath xmlns:m="http://schemas.openxmlformats.org/officeDocument/2006/math">
+                    <m:sSub>
+                      <m:sSubPr>
+                        <m:ctrlPr>
+                          <a:rPr lang="en-US" b="0" i="1" smtClean="0">
+                            <a:latin typeface="Cambria Math" panose="02040503050406030204" pitchFamily="18" charset="0"/>
+                            <a:cs typeface="Segoe UI" panose="020B0502040204020203" pitchFamily="34" charset="0"/>
+                          </a:rPr>
+                        </m:ctrlPr>
+                      </m:sSubPr>
+                      <m:e>
+                        <m:r>
+                          <a:rPr lang="en-US" b="0" i="1" smtClean="0">
+                            <a:latin typeface="Cambria Math" panose="02040503050406030204" pitchFamily="18" charset="0"/>
+                            <a:cs typeface="Segoe UI" panose="020B0502040204020203" pitchFamily="34" charset="0"/>
+                          </a:rPr>
+                          <m:t>𝑋</m:t>
+                        </m:r>
+                      </m:e>
+                      <m:sub>
+                        <m:r>
+                          <a:rPr lang="en-US" b="0" i="1" smtClean="0">
+                            <a:latin typeface="Cambria Math" panose="02040503050406030204" pitchFamily="18" charset="0"/>
+                            <a:cs typeface="Segoe UI" panose="020B0502040204020203" pitchFamily="34" charset="0"/>
+                          </a:rPr>
+                          <m:t>𝐹</m:t>
+                        </m:r>
+                      </m:sub>
+                    </m:sSub>
+                    <m:r>
+                      <a:rPr lang="en-US" b="0" i="1" smtClean="0">
+                        <a:latin typeface="Cambria Math" panose="02040503050406030204" pitchFamily="18" charset="0"/>
+                        <a:cs typeface="Segoe UI" panose="020B0502040204020203" pitchFamily="34" charset="0"/>
+                      </a:rPr>
+                      <m:t>=</m:t>
+                    </m:r>
+                    <m:d>
+                      <m:dPr>
+                        <m:begChr m:val="{"/>
+                        <m:endChr m:val=""/>
+                        <m:ctrlPr>
+                          <a:rPr lang="en-US" b="0" i="1" smtClean="0">
+                            <a:latin typeface="Cambria Math" panose="02040503050406030204" pitchFamily="18" charset="0"/>
+                            <a:cs typeface="Segoe UI" panose="020B0502040204020203" pitchFamily="34" charset="0"/>
+                          </a:rPr>
+                        </m:ctrlPr>
+                      </m:dPr>
+                      <m:e>
+                        <m:m>
+                          <m:mPr>
+                            <m:mcs>
+                              <m:mc>
+                                <m:mcPr>
+                                  <m:count m:val="2"/>
+                                  <m:mcJc m:val="center"/>
+                                </m:mcPr>
+                              </m:mc>
+                            </m:mcs>
+                            <m:ctrlPr>
+                              <a:rPr lang="en-US" b="0" i="1" smtClean="0">
+                                <a:latin typeface="Cambria Math" panose="02040503050406030204" pitchFamily="18" charset="0"/>
+                                <a:cs typeface="Segoe UI" panose="020B0502040204020203" pitchFamily="34" charset="0"/>
+                              </a:rPr>
+                            </m:ctrlPr>
+                          </m:mPr>
+                          <m:mr>
+                            <m:e>
+                              <m:r>
+                                <m:rPr>
+                                  <m:brk m:alnAt="7"/>
+                                </m:rPr>
                                 <a:rPr lang="en-US" b="0" i="1" smtClean="0">
                                   <a:latin typeface="Cambria Math" panose="02040503050406030204" pitchFamily="18" charset="0"/>
                                   <a:cs typeface="Segoe UI" panose="020B0502040204020203" pitchFamily="34" charset="0"/>
                                 </a:rPr>
-                              </m:ctrlPr>
-                            </m:eqArrPr>
+                                <m:t>1</m:t>
+                              </m:r>
+                            </m:e>
                             <m:e>
-                              <m:r>
-                                <a:rPr lang="en-US" b="0" i="1" smtClean="0">
-                                  <a:latin typeface="Cambria Math" panose="02040503050406030204" pitchFamily="18" charset="0"/>
-                                  <a:cs typeface="Segoe UI" panose="020B0502040204020203" pitchFamily="34" charset="0"/>
-                                </a:rPr>
-                                <m:t>1,</m:t>
-                              </m:r>
                               <m:sSub>
                                 <m:sSubPr>
                                   <m:ctrlPr>
-                                    <a:rPr lang="en-US" b="0" i="1" smtClean="0">
+                                    <a:rPr lang="en-US" i="1">
                                       <a:latin typeface="Cambria Math" panose="02040503050406030204" pitchFamily="18" charset="0"/>
                                       <a:cs typeface="Segoe UI" panose="020B0502040204020203" pitchFamily="34" charset="0"/>
                                     </a:rPr>
@@ -16087,7 +16375,7 @@
                                 </m:sSubPr>
                                 <m:e>
                                   <m:r>
-                                    <a:rPr lang="en-US" b="0" i="1" smtClean="0">
+                                    <a:rPr lang="en-US" i="1">
                                       <a:latin typeface="Cambria Math" panose="02040503050406030204" pitchFamily="18" charset="0"/>
                                       <a:cs typeface="Segoe UI" panose="020B0502040204020203" pitchFamily="34" charset="0"/>
                                     </a:rPr>
@@ -16096,7 +16384,421 @@
                                 </m:e>
                                 <m:sub>
                                   <m:r>
-                                    <a:rPr lang="en-US" b="0" i="1" smtClean="0">
+                                    <a:rPr lang="en-US" i="1">
+                                      <a:latin typeface="Cambria Math" panose="02040503050406030204" pitchFamily="18" charset="0"/>
+                                      <a:cs typeface="Segoe UI" panose="020B0502040204020203" pitchFamily="34" charset="0"/>
+                                    </a:rPr>
+                                    <m:t>𝑀𝐴𝑁𝑈𝐹𝐴𝐶𝑇𝑈𝑅𝐸𝑅</m:t>
+                                  </m:r>
+                                </m:sub>
+                              </m:sSub>
+                              <m:r>
+                                <a:rPr lang="en-US" i="1">
+                                  <a:latin typeface="Cambria Math" panose="02040503050406030204" pitchFamily="18" charset="0"/>
+                                  <a:cs typeface="Segoe UI" panose="020B0502040204020203" pitchFamily="34" charset="0"/>
+                                </a:rPr>
+                                <m:t>=</m:t>
+                              </m:r>
+                              <m:r>
+                                <a:rPr lang="en-US" i="1">
+                                  <a:latin typeface="Cambria Math" panose="02040503050406030204" pitchFamily="18" charset="0"/>
+                                  <a:cs typeface="Segoe UI" panose="020B0502040204020203" pitchFamily="34" charset="0"/>
+                                </a:rPr>
+                                <m:t>𝐹𝑜𝑟𝑑</m:t>
+                              </m:r>
+                            </m:e>
+                          </m:mr>
+                          <m:mr>
+                            <m:e>
+                              <m:r>
+                                <a:rPr lang="en-US" b="0" i="1" smtClean="0">
+                                  <a:latin typeface="Cambria Math" panose="02040503050406030204" pitchFamily="18" charset="0"/>
+                                  <a:cs typeface="Segoe UI" panose="020B0502040204020203" pitchFamily="34" charset="0"/>
+                                </a:rPr>
+                                <m:t>0</m:t>
+                              </m:r>
+                            </m:e>
+                            <m:e>
+                              <m:r>
+                                <a:rPr lang="en-US" i="1">
+                                  <a:latin typeface="Cambria Math" panose="02040503050406030204" pitchFamily="18" charset="0"/>
+                                  <a:cs typeface="Segoe UI" panose="020B0502040204020203" pitchFamily="34" charset="0"/>
+                                </a:rPr>
+                                <m:t>𝑂𝑡h𝑒𝑟𝑤𝑖𝑠𝑒</m:t>
+                              </m:r>
+                            </m:e>
+                          </m:mr>
+                        </m:m>
+                        <m:eqArr>
+                          <m:eqArrPr>
+                            <m:ctrlPr>
+                              <a:rPr lang="en-US" b="0" i="1" smtClean="0">
+                                <a:latin typeface="Cambria Math" panose="02040503050406030204" pitchFamily="18" charset="0"/>
+                                <a:cs typeface="Segoe UI" panose="020B0502040204020203" pitchFamily="34" charset="0"/>
+                              </a:rPr>
+                            </m:ctrlPr>
+                          </m:eqArrPr>
+                          <m:e>
+                            <m:r>
+                              <a:rPr lang="en-US" b="0" i="1" smtClean="0">
+                                <a:latin typeface="Cambria Math" panose="02040503050406030204" pitchFamily="18" charset="0"/>
+                                <a:cs typeface="Segoe UI" panose="020B0502040204020203" pitchFamily="34" charset="0"/>
+                              </a:rPr>
+                              <m:t> </m:t>
+                            </m:r>
+                          </m:e>
+                          <m:e>
+                            <m:r>
+                              <a:rPr lang="en-US" b="0" i="1" smtClean="0">
+                                <a:latin typeface="Cambria Math" panose="02040503050406030204" pitchFamily="18" charset="0"/>
+                                <a:cs typeface="Segoe UI" panose="020B0502040204020203" pitchFamily="34" charset="0"/>
+                              </a:rPr>
+                              <m:t> </m:t>
+                            </m:r>
+                          </m:e>
+                        </m:eqArr>
+                      </m:e>
+                    </m:d>
+                  </m:oMath>
+                </a14:m>
+                <a:endParaRPr lang="en-US" dirty="0">
+                  <a:latin typeface="Segoe UI" panose="020B0502040204020203" pitchFamily="34" charset="0"/>
+                  <a:cs typeface="Segoe UI" panose="020B0502040204020203" pitchFamily="34" charset="0"/>
+                </a:endParaRPr>
+              </a:p>
+              <a:p>
+                <a:pPr marL="0" indent="0">
+                  <a:spcAft>
+                    <a:spcPts val="1200"/>
+                  </a:spcAft>
+                  <a:buNone/>
+                </a:pPr>
+                <a:endParaRPr lang="en-US" sz="1900" dirty="0">
+                  <a:latin typeface="Segoe UI" panose="020B0502040204020203" pitchFamily="34" charset="0"/>
+                  <a:cs typeface="Segoe UI" panose="020B0502040204020203" pitchFamily="34" charset="0"/>
+                </a:endParaRPr>
+              </a:p>
+              <a:p>
+                <a:pPr marL="0" indent="0">
+                  <a:spcAft>
+                    <a:spcPts val="1200"/>
+                  </a:spcAft>
+                  <a:buNone/>
+                </a:pPr>
+                <a:r>
+                  <a:rPr lang="en-US" b="0" dirty="0">
+                    <a:cs typeface="Segoe UI" panose="020B0502040204020203" pitchFamily="34" charset="0"/>
+                  </a:rPr>
+                  <a:t>			</a:t>
+                </a:r>
+                <a14:m>
+                  <m:oMath xmlns:m="http://schemas.openxmlformats.org/officeDocument/2006/math">
+                    <m:sSub>
+                      <m:sSubPr>
+                        <m:ctrlPr>
+                          <a:rPr lang="en-US" b="0" i="1" smtClean="0">
+                            <a:latin typeface="Cambria Math" panose="02040503050406030204" pitchFamily="18" charset="0"/>
+                            <a:cs typeface="Segoe UI" panose="020B0502040204020203" pitchFamily="34" charset="0"/>
+                          </a:rPr>
+                        </m:ctrlPr>
+                      </m:sSubPr>
+                      <m:e>
+                        <m:r>
+                          <a:rPr lang="en-US" b="0" i="1" smtClean="0">
+                            <a:latin typeface="Cambria Math" panose="02040503050406030204" pitchFamily="18" charset="0"/>
+                            <a:cs typeface="Segoe UI" panose="020B0502040204020203" pitchFamily="34" charset="0"/>
+                          </a:rPr>
+                          <m:t>𝑋</m:t>
+                        </m:r>
+                      </m:e>
+                      <m:sub>
+                        <m:r>
+                          <a:rPr lang="en-US" b="0" i="1" smtClean="0">
+                            <a:latin typeface="Cambria Math" panose="02040503050406030204" pitchFamily="18" charset="0"/>
+                            <a:cs typeface="Segoe UI" panose="020B0502040204020203" pitchFamily="34" charset="0"/>
+                          </a:rPr>
+                          <m:t>𝑇</m:t>
+                        </m:r>
+                      </m:sub>
+                    </m:sSub>
+                    <m:r>
+                      <a:rPr lang="en-US" b="0" i="1" smtClean="0">
+                        <a:latin typeface="Cambria Math" panose="02040503050406030204" pitchFamily="18" charset="0"/>
+                        <a:cs typeface="Segoe UI" panose="020B0502040204020203" pitchFamily="34" charset="0"/>
+                      </a:rPr>
+                      <m:t>=</m:t>
+                    </m:r>
+                    <m:d>
+                      <m:dPr>
+                        <m:begChr m:val="{"/>
+                        <m:endChr m:val=""/>
+                        <m:ctrlPr>
+                          <a:rPr lang="en-US" b="0" i="1" smtClean="0">
+                            <a:latin typeface="Cambria Math" panose="02040503050406030204" pitchFamily="18" charset="0"/>
+                            <a:cs typeface="Segoe UI" panose="020B0502040204020203" pitchFamily="34" charset="0"/>
+                          </a:rPr>
+                        </m:ctrlPr>
+                      </m:dPr>
+                      <m:e>
+                        <m:m>
+                          <m:mPr>
+                            <m:mcs>
+                              <m:mc>
+                                <m:mcPr>
+                                  <m:count m:val="2"/>
+                                  <m:mcJc m:val="center"/>
+                                </m:mcPr>
+                              </m:mc>
+                            </m:mcs>
+                            <m:ctrlPr>
+                              <a:rPr lang="en-US" i="1">
+                                <a:latin typeface="Cambria Math" panose="02040503050406030204" pitchFamily="18" charset="0"/>
+                                <a:cs typeface="Segoe UI" panose="020B0502040204020203" pitchFamily="34" charset="0"/>
+                              </a:rPr>
+                            </m:ctrlPr>
+                          </m:mPr>
+                          <m:mr>
+                            <m:e>
+                              <m:r>
+                                <m:rPr>
+                                  <m:brk m:alnAt="7"/>
+                                </m:rPr>
+                                <a:rPr lang="en-US" i="1">
+                                  <a:latin typeface="Cambria Math" panose="02040503050406030204" pitchFamily="18" charset="0"/>
+                                  <a:cs typeface="Segoe UI" panose="020B0502040204020203" pitchFamily="34" charset="0"/>
+                                </a:rPr>
+                                <m:t>1</m:t>
+                              </m:r>
+                            </m:e>
+                            <m:e>
+                              <m:sSub>
+                                <m:sSubPr>
+                                  <m:ctrlPr>
+                                    <a:rPr lang="en-US" i="1">
+                                      <a:latin typeface="Cambria Math" panose="02040503050406030204" pitchFamily="18" charset="0"/>
+                                      <a:cs typeface="Segoe UI" panose="020B0502040204020203" pitchFamily="34" charset="0"/>
+                                    </a:rPr>
+                                  </m:ctrlPr>
+                                </m:sSubPr>
+                                <m:e>
+                                  <m:r>
+                                    <a:rPr lang="en-US" i="1">
+                                      <a:latin typeface="Cambria Math" panose="02040503050406030204" pitchFamily="18" charset="0"/>
+                                      <a:cs typeface="Segoe UI" panose="020B0502040204020203" pitchFamily="34" charset="0"/>
+                                    </a:rPr>
+                                    <m:t>𝑋</m:t>
+                                  </m:r>
+                                </m:e>
+                                <m:sub>
+                                  <m:r>
+                                    <a:rPr lang="en-US" i="1">
+                                      <a:latin typeface="Cambria Math" panose="02040503050406030204" pitchFamily="18" charset="0"/>
+                                      <a:cs typeface="Segoe UI" panose="020B0502040204020203" pitchFamily="34" charset="0"/>
+                                    </a:rPr>
+                                    <m:t>𝑀𝐴𝑁𝑈𝐹𝐴𝐶𝑇𝑈𝑅𝐸𝑅</m:t>
+                                  </m:r>
+                                </m:sub>
+                              </m:sSub>
+                              <m:r>
+                                <a:rPr lang="en-US" i="1">
+                                  <a:latin typeface="Cambria Math" panose="02040503050406030204" pitchFamily="18" charset="0"/>
+                                  <a:cs typeface="Segoe UI" panose="020B0502040204020203" pitchFamily="34" charset="0"/>
+                                </a:rPr>
+                                <m:t>=</m:t>
+                              </m:r>
+                              <m:r>
+                                <a:rPr lang="en-US" b="0" i="1" smtClean="0">
+                                  <a:latin typeface="Cambria Math" panose="02040503050406030204" pitchFamily="18" charset="0"/>
+                                  <a:cs typeface="Segoe UI" panose="020B0502040204020203" pitchFamily="34" charset="0"/>
+                                </a:rPr>
+                                <m:t>𝑇𝑜𝑦𝑜𝑡𝑎</m:t>
+                              </m:r>
+                            </m:e>
+                          </m:mr>
+                          <m:mr>
+                            <m:e>
+                              <m:r>
+                                <a:rPr lang="en-US" i="1">
+                                  <a:latin typeface="Cambria Math" panose="02040503050406030204" pitchFamily="18" charset="0"/>
+                                  <a:cs typeface="Segoe UI" panose="020B0502040204020203" pitchFamily="34" charset="0"/>
+                                </a:rPr>
+                                <m:t>0</m:t>
+                              </m:r>
+                            </m:e>
+                            <m:e>
+                              <m:r>
+                                <a:rPr lang="en-US" i="1">
+                                  <a:latin typeface="Cambria Math" panose="02040503050406030204" pitchFamily="18" charset="0"/>
+                                  <a:cs typeface="Segoe UI" panose="020B0502040204020203" pitchFamily="34" charset="0"/>
+                                </a:rPr>
+                                <m:t>𝑂𝑡h𝑒𝑟𝑤𝑖𝑠𝑒</m:t>
+                              </m:r>
+                            </m:e>
+                          </m:mr>
+                        </m:m>
+                        <m:eqArr>
+                          <m:eqArrPr>
+                            <m:ctrlPr>
+                              <a:rPr lang="en-US" i="1">
+                                <a:latin typeface="Cambria Math" panose="02040503050406030204" pitchFamily="18" charset="0"/>
+                                <a:cs typeface="Segoe UI" panose="020B0502040204020203" pitchFamily="34" charset="0"/>
+                              </a:rPr>
+                            </m:ctrlPr>
+                          </m:eqArrPr>
+                          <m:e>
+                            <m:r>
+                              <a:rPr lang="en-US" i="1">
+                                <a:latin typeface="Cambria Math" panose="02040503050406030204" pitchFamily="18" charset="0"/>
+                                <a:cs typeface="Segoe UI" panose="020B0502040204020203" pitchFamily="34" charset="0"/>
+                              </a:rPr>
+                              <m:t> </m:t>
+                            </m:r>
+                          </m:e>
+                          <m:e>
+                            <m:r>
+                              <a:rPr lang="en-US" i="1">
+                                <a:latin typeface="Cambria Math" panose="02040503050406030204" pitchFamily="18" charset="0"/>
+                                <a:cs typeface="Segoe UI" panose="020B0502040204020203" pitchFamily="34" charset="0"/>
+                              </a:rPr>
+                              <m:t> </m:t>
+                            </m:r>
+                          </m:e>
+                        </m:eqArr>
+                      </m:e>
+                    </m:d>
+                  </m:oMath>
+                </a14:m>
+                <a:endParaRPr lang="en-US" b="0" dirty="0">
+                  <a:latin typeface="Segoe UI" panose="020B0502040204020203" pitchFamily="34" charset="0"/>
+                  <a:cs typeface="Segoe UI" panose="020B0502040204020203" pitchFamily="34" charset="0"/>
+                </a:endParaRPr>
+              </a:p>
+              <a:p>
+                <a:pPr marL="0" indent="0">
+                  <a:spcAft>
+                    <a:spcPts val="1200"/>
+                  </a:spcAft>
+                  <a:buNone/>
+                </a:pPr>
+                <a:endParaRPr lang="en-US" sz="1900" dirty="0">
+                  <a:latin typeface="Segoe UI" panose="020B0502040204020203" pitchFamily="34" charset="0"/>
+                  <a:cs typeface="Segoe UI" panose="020B0502040204020203" pitchFamily="34" charset="0"/>
+                </a:endParaRPr>
+              </a:p>
+              <a:p>
+                <a:pPr marL="0" indent="0">
+                  <a:spcAft>
+                    <a:spcPts val="1200"/>
+                  </a:spcAft>
+                  <a:buNone/>
+                </a:pPr>
+                <a:r>
+                  <a:rPr lang="en-US" b="0" dirty="0">
+                    <a:cs typeface="Segoe UI" panose="020B0502040204020203" pitchFamily="34" charset="0"/>
+                  </a:rPr>
+                  <a:t>			</a:t>
+                </a:r>
+                <a14:m>
+                  <m:oMath xmlns:m="http://schemas.openxmlformats.org/officeDocument/2006/math">
+                    <m:sSub>
+                      <m:sSubPr>
+                        <m:ctrlPr>
+                          <a:rPr lang="en-US" b="0" i="1" smtClean="0">
+                            <a:latin typeface="Cambria Math" panose="02040503050406030204" pitchFamily="18" charset="0"/>
+                            <a:cs typeface="Segoe UI" panose="020B0502040204020203" pitchFamily="34" charset="0"/>
+                          </a:rPr>
+                        </m:ctrlPr>
+                      </m:sSubPr>
+                      <m:e>
+                        <m:r>
+                          <a:rPr lang="en-US" b="0" i="1" smtClean="0">
+                            <a:latin typeface="Cambria Math" panose="02040503050406030204" pitchFamily="18" charset="0"/>
+                            <a:cs typeface="Segoe UI" panose="020B0502040204020203" pitchFamily="34" charset="0"/>
+                          </a:rPr>
+                          <m:t>𝑋</m:t>
+                        </m:r>
+                      </m:e>
+                      <m:sub>
+                        <m:r>
+                          <a:rPr lang="en-US" b="0" i="1" smtClean="0">
+                            <a:latin typeface="Cambria Math" panose="02040503050406030204" pitchFamily="18" charset="0"/>
+                            <a:cs typeface="Segoe UI" panose="020B0502040204020203" pitchFamily="34" charset="0"/>
+                          </a:rPr>
+                          <m:t>𝑉</m:t>
+                        </m:r>
+                      </m:sub>
+                    </m:sSub>
+                    <m:r>
+                      <a:rPr lang="en-US" b="0" i="1" smtClean="0">
+                        <a:latin typeface="Cambria Math" panose="02040503050406030204" pitchFamily="18" charset="0"/>
+                        <a:cs typeface="Segoe UI" panose="020B0502040204020203" pitchFamily="34" charset="0"/>
+                      </a:rPr>
+                      <m:t>=</m:t>
+                    </m:r>
+                    <m:d>
+                      <m:dPr>
+                        <m:begChr m:val="{"/>
+                        <m:endChr m:val=""/>
+                        <m:ctrlPr>
+                          <a:rPr lang="en-US" b="0" i="1" smtClean="0">
+                            <a:latin typeface="Cambria Math" panose="02040503050406030204" pitchFamily="18" charset="0"/>
+                            <a:cs typeface="Segoe UI" panose="020B0502040204020203" pitchFamily="34" charset="0"/>
+                          </a:rPr>
+                        </m:ctrlPr>
+                      </m:dPr>
+                      <m:e>
+                        <m:m>
+                          <m:mPr>
+                            <m:mcs>
+                              <m:mc>
+                                <m:mcPr>
+                                  <m:count m:val="2"/>
+                                  <m:mcJc m:val="center"/>
+                                </m:mcPr>
+                              </m:mc>
+                            </m:mcs>
+                            <m:ctrlPr>
+                              <a:rPr lang="en-US" i="1">
+                                <a:latin typeface="Cambria Math" panose="02040503050406030204" pitchFamily="18" charset="0"/>
+                                <a:cs typeface="Segoe UI" panose="020B0502040204020203" pitchFamily="34" charset="0"/>
+                              </a:rPr>
+                            </m:ctrlPr>
+                          </m:mPr>
+                          <m:mr>
+                            <m:e>
+                              <m:r>
+                                <m:rPr>
+                                  <m:brk m:alnAt="7"/>
+                                </m:rPr>
+                                <a:rPr lang="en-US" i="1">
+                                  <a:latin typeface="Cambria Math" panose="02040503050406030204" pitchFamily="18" charset="0"/>
+                                  <a:cs typeface="Segoe UI" panose="020B0502040204020203" pitchFamily="34" charset="0"/>
+                                </a:rPr>
+                                <m:t>1</m:t>
+                              </m:r>
+                            </m:e>
+                            <m:e>
+                              <m:sSub>
+                                <m:sSubPr>
+                                  <m:ctrlPr>
+                                    <a:rPr lang="en-US" i="1">
+                                      <a:latin typeface="Cambria Math" panose="02040503050406030204" pitchFamily="18" charset="0"/>
+                                      <a:cs typeface="Segoe UI" panose="020B0502040204020203" pitchFamily="34" charset="0"/>
+                                    </a:rPr>
+                                  </m:ctrlPr>
+                                </m:sSubPr>
+                                <m:e>
+                                  <m:r>
+                                    <a:rPr lang="en-US" i="1">
+                                      <a:latin typeface="Cambria Math" panose="02040503050406030204" pitchFamily="18" charset="0"/>
+                                      <a:cs typeface="Segoe UI" panose="020B0502040204020203" pitchFamily="34" charset="0"/>
+                                    </a:rPr>
+                                    <m:t>𝑋</m:t>
+                                  </m:r>
+                                </m:e>
+                                <m:sub>
+                                  <m:r>
+                                    <a:rPr lang="en-US" i="1">
                                       <a:latin typeface="Cambria Math" panose="02040503050406030204" pitchFamily="18" charset="0"/>
                                       <a:cs typeface="Segoe UI" panose="020B0502040204020203" pitchFamily="34" charset="0"/>
                                     </a:rPr>
@@ -16116,369 +16818,34 @@
                                   <a:latin typeface="Cambria Math" panose="02040503050406030204" pitchFamily="18" charset="0"/>
                                   <a:cs typeface="Segoe UI" panose="020B0502040204020203" pitchFamily="34" charset="0"/>
                                 </a:rPr>
-                                <m:t>𝐹𝑜𝑟𝑑</m:t>
+                                <m:t>𝑉𝑜𝑙𝑘𝑠𝑤𝑎𝑔𝑒𝑛</m:t>
+                              </m:r>
+                            </m:e>
+                          </m:mr>
+                          <m:mr>
+                            <m:e>
+                              <m:r>
+                                <a:rPr lang="en-US" i="1">
+                                  <a:latin typeface="Cambria Math" panose="02040503050406030204" pitchFamily="18" charset="0"/>
+                                  <a:cs typeface="Segoe UI" panose="020B0502040204020203" pitchFamily="34" charset="0"/>
+                                </a:rPr>
+                                <m:t>0</m:t>
                               </m:r>
                             </m:e>
                             <m:e>
                               <m:r>
-                                <a:rPr lang="en-US" b="0" i="1" smtClean="0">
-                                  <a:latin typeface="Cambria Math" panose="02040503050406030204" pitchFamily="18" charset="0"/>
-                                  <a:cs typeface="Segoe UI" panose="020B0502040204020203" pitchFamily="34" charset="0"/>
-                                </a:rPr>
-                                <m:t>0, </m:t>
-                              </m:r>
-                              <m:r>
-                                <a:rPr lang="en-US" b="0" i="1" smtClean="0">
+                                <a:rPr lang="en-US" i="1">
                                   <a:latin typeface="Cambria Math" panose="02040503050406030204" pitchFamily="18" charset="0"/>
                                   <a:cs typeface="Segoe UI" panose="020B0502040204020203" pitchFamily="34" charset="0"/>
                                 </a:rPr>
                                 <m:t>𝑂𝑡h𝑒𝑟𝑤𝑖𝑠𝑒</m:t>
                               </m:r>
-                              <m:r>
-                                <a:rPr lang="en-US" b="0" i="1" smtClean="0">
-                                  <a:latin typeface="Cambria Math" panose="02040503050406030204" pitchFamily="18" charset="0"/>
-                                  <a:cs typeface="Segoe UI" panose="020B0502040204020203" pitchFamily="34" charset="0"/>
-                                </a:rPr>
-                                <m:t> </m:t>
-                              </m:r>
                             </m:e>
-                          </m:eqArr>
-                        </m:e>
-                      </m:d>
-                    </m:oMath>
-                  </m:oMathPara>
-                </a14:m>
-                <a:endParaRPr lang="en-US" b="0" dirty="0">
-                  <a:latin typeface="Segoe UI" panose="020B0502040204020203" pitchFamily="34" charset="0"/>
-                  <a:cs typeface="Segoe UI" panose="020B0502040204020203" pitchFamily="34" charset="0"/>
-                </a:endParaRPr>
-              </a:p>
-              <a:p>
-                <a:pPr marL="0" indent="0">
-                  <a:spcAft>
-                    <a:spcPts val="1200"/>
-                  </a:spcAft>
-                  <a:buNone/>
-                </a:pPr>
-                <a:endParaRPr lang="en-US" dirty="0">
-                  <a:latin typeface="Segoe UI" panose="020B0502040204020203" pitchFamily="34" charset="0"/>
-                  <a:cs typeface="Segoe UI" panose="020B0502040204020203" pitchFamily="34" charset="0"/>
-                </a:endParaRPr>
-              </a:p>
-              <a:p>
-                <a:pPr marL="0" indent="0">
-                  <a:spcAft>
-                    <a:spcPts val="1200"/>
-                  </a:spcAft>
-                  <a:buNone/>
-                </a:pPr>
-                <a14:m>
-                  <m:oMathPara xmlns:m="http://schemas.openxmlformats.org/officeDocument/2006/math">
-                    <m:oMathParaPr>
-                      <m:jc m:val="center"/>
-                    </m:oMathParaPr>
-                    <m:oMath xmlns:m="http://schemas.openxmlformats.org/officeDocument/2006/math">
-                      <m:sSub>
-                        <m:sSubPr>
-                          <m:ctrlPr>
-                            <a:rPr lang="en-US" b="0" i="1" smtClean="0">
-                              <a:latin typeface="Cambria Math" panose="02040503050406030204" pitchFamily="18" charset="0"/>
-                              <a:cs typeface="Segoe UI" panose="020B0502040204020203" pitchFamily="34" charset="0"/>
-                            </a:rPr>
-                          </m:ctrlPr>
-                        </m:sSubPr>
-                        <m:e>
-                          <m:r>
-                            <a:rPr lang="en-US" b="0" i="1" smtClean="0">
-                              <a:latin typeface="Cambria Math" panose="02040503050406030204" pitchFamily="18" charset="0"/>
-                              <a:cs typeface="Segoe UI" panose="020B0502040204020203" pitchFamily="34" charset="0"/>
-                            </a:rPr>
-                            <m:t>𝑋</m:t>
-                          </m:r>
-                        </m:e>
-                        <m:sub>
-                          <m:r>
-                            <a:rPr lang="en-US" b="0" i="1" smtClean="0">
-                              <a:latin typeface="Cambria Math" panose="02040503050406030204" pitchFamily="18" charset="0"/>
-                              <a:cs typeface="Segoe UI" panose="020B0502040204020203" pitchFamily="34" charset="0"/>
-                            </a:rPr>
-                            <m:t>𝑇</m:t>
-                          </m:r>
-                        </m:sub>
-                      </m:sSub>
-                      <m:r>
-                        <a:rPr lang="en-US" b="0" i="1" smtClean="0">
-                          <a:latin typeface="Cambria Math" panose="02040503050406030204" pitchFamily="18" charset="0"/>
-                          <a:cs typeface="Segoe UI" panose="020B0502040204020203" pitchFamily="34" charset="0"/>
-                        </a:rPr>
-                        <m:t>=</m:t>
-                      </m:r>
-                      <m:d>
-                        <m:dPr>
-                          <m:begChr m:val="{"/>
-                          <m:endChr m:val=""/>
-                          <m:ctrlPr>
-                            <a:rPr lang="en-US" b="0" i="1" smtClean="0">
-                              <a:latin typeface="Cambria Math" panose="02040503050406030204" pitchFamily="18" charset="0"/>
-                              <a:cs typeface="Segoe UI" panose="020B0502040204020203" pitchFamily="34" charset="0"/>
-                            </a:rPr>
-                          </m:ctrlPr>
-                        </m:dPr>
-                        <m:e>
-                          <m:eqArr>
-                            <m:eqArrPr>
-                              <m:ctrlPr>
-                                <a:rPr lang="en-US" b="0" i="1" smtClean="0">
-                                  <a:latin typeface="Cambria Math" panose="02040503050406030204" pitchFamily="18" charset="0"/>
-                                  <a:cs typeface="Segoe UI" panose="020B0502040204020203" pitchFamily="34" charset="0"/>
-                                </a:rPr>
-                              </m:ctrlPr>
-                            </m:eqArrPr>
-                            <m:e>
-                              <m:r>
-                                <a:rPr lang="en-US" b="0" i="1" smtClean="0">
-                                  <a:latin typeface="Cambria Math" panose="02040503050406030204" pitchFamily="18" charset="0"/>
-                                  <a:cs typeface="Segoe UI" panose="020B0502040204020203" pitchFamily="34" charset="0"/>
-                                </a:rPr>
-                                <m:t>1,</m:t>
-                              </m:r>
-                              <m:sSub>
-                                <m:sSubPr>
-                                  <m:ctrlPr>
-                                    <a:rPr lang="en-US" b="0" i="1" smtClean="0">
-                                      <a:latin typeface="Cambria Math" panose="02040503050406030204" pitchFamily="18" charset="0"/>
-                                      <a:cs typeface="Segoe UI" panose="020B0502040204020203" pitchFamily="34" charset="0"/>
-                                    </a:rPr>
-                                  </m:ctrlPr>
-                                </m:sSubPr>
-                                <m:e>
-                                  <m:r>
-                                    <a:rPr lang="en-US" b="0" i="1" smtClean="0">
-                                      <a:latin typeface="Cambria Math" panose="02040503050406030204" pitchFamily="18" charset="0"/>
-                                      <a:cs typeface="Segoe UI" panose="020B0502040204020203" pitchFamily="34" charset="0"/>
-                                    </a:rPr>
-                                    <m:t>𝑋</m:t>
-                                  </m:r>
-                                </m:e>
-                                <m:sub>
-                                  <m:r>
-                                    <a:rPr lang="en-US" b="0" i="1" smtClean="0">
-                                      <a:latin typeface="Cambria Math" panose="02040503050406030204" pitchFamily="18" charset="0"/>
-                                      <a:cs typeface="Segoe UI" panose="020B0502040204020203" pitchFamily="34" charset="0"/>
-                                    </a:rPr>
-                                    <m:t>𝑀𝐴𝑁𝑈𝐹𝐴𝐶𝑇𝑈𝑅𝐸𝑅</m:t>
-                                  </m:r>
-                                </m:sub>
-                              </m:sSub>
-                              <m:r>
-                                <a:rPr lang="en-US" b="0" i="1" smtClean="0">
-                                  <a:latin typeface="Cambria Math" panose="02040503050406030204" pitchFamily="18" charset="0"/>
-                                  <a:cs typeface="Segoe UI" panose="020B0502040204020203" pitchFamily="34" charset="0"/>
-                                </a:rPr>
-                                <m:t>=</m:t>
-                              </m:r>
-                              <m:r>
-                                <a:rPr lang="en-US" b="0" i="1" smtClean="0">
-                                  <a:latin typeface="Cambria Math" panose="02040503050406030204" pitchFamily="18" charset="0"/>
-                                  <a:cs typeface="Segoe UI" panose="020B0502040204020203" pitchFamily="34" charset="0"/>
-                                </a:rPr>
-                                <m:t>𝑇𝑜𝑦𝑜𝑡𝑎</m:t>
-                              </m:r>
-                            </m:e>
-                            <m:e>
-                              <m:r>
-                                <a:rPr lang="en-US" b="0" i="1" smtClean="0">
-                                  <a:latin typeface="Cambria Math" panose="02040503050406030204" pitchFamily="18" charset="0"/>
-                                  <a:cs typeface="Segoe UI" panose="020B0502040204020203" pitchFamily="34" charset="0"/>
-                                </a:rPr>
-                                <m:t>0, </m:t>
-                              </m:r>
-                              <m:r>
-                                <a:rPr lang="en-US" b="0" i="1" smtClean="0">
-                                  <a:latin typeface="Cambria Math" panose="02040503050406030204" pitchFamily="18" charset="0"/>
-                                  <a:cs typeface="Segoe UI" panose="020B0502040204020203" pitchFamily="34" charset="0"/>
-                                </a:rPr>
-                                <m:t>𝑂𝑡h𝑒𝑟𝑤𝑖𝑠𝑒</m:t>
-                              </m:r>
-                              <m:r>
-                                <a:rPr lang="en-US" b="0" i="1" smtClean="0">
-                                  <a:latin typeface="Cambria Math" panose="02040503050406030204" pitchFamily="18" charset="0"/>
-                                  <a:cs typeface="Segoe UI" panose="020B0502040204020203" pitchFamily="34" charset="0"/>
-                                </a:rPr>
-                                <m:t> </m:t>
-                              </m:r>
-                            </m:e>
-                          </m:eqArr>
-                        </m:e>
-                      </m:d>
-                    </m:oMath>
-                  </m:oMathPara>
-                </a14:m>
-                <a:endParaRPr lang="en-US" b="0" dirty="0">
-                  <a:latin typeface="Segoe UI" panose="020B0502040204020203" pitchFamily="34" charset="0"/>
-                  <a:cs typeface="Segoe UI" panose="020B0502040204020203" pitchFamily="34" charset="0"/>
-                </a:endParaRPr>
-              </a:p>
-              <a:p>
-                <a:pPr marL="0" indent="0">
-                  <a:spcAft>
-                    <a:spcPts val="1200"/>
-                  </a:spcAft>
-                  <a:buNone/>
-                </a:pPr>
-                <a:endParaRPr lang="en-US" dirty="0">
-                  <a:latin typeface="Segoe UI" panose="020B0502040204020203" pitchFamily="34" charset="0"/>
-                  <a:cs typeface="Segoe UI" panose="020B0502040204020203" pitchFamily="34" charset="0"/>
-                </a:endParaRPr>
-              </a:p>
-              <a:p>
-                <a:pPr marL="0" indent="0">
-                  <a:spcAft>
-                    <a:spcPts val="1200"/>
-                  </a:spcAft>
-                  <a:buNone/>
-                </a:pPr>
-                <a14:m>
-                  <m:oMathPara xmlns:m="http://schemas.openxmlformats.org/officeDocument/2006/math">
-                    <m:oMathParaPr>
-                      <m:jc m:val="center"/>
-                    </m:oMathParaPr>
-                    <m:oMath xmlns:m="http://schemas.openxmlformats.org/officeDocument/2006/math">
-                      <m:sSub>
-                        <m:sSubPr>
-                          <m:ctrlPr>
-                            <a:rPr lang="en-US" b="0" i="1" smtClean="0">
-                              <a:latin typeface="Cambria Math" panose="02040503050406030204" pitchFamily="18" charset="0"/>
-                              <a:cs typeface="Segoe UI" panose="020B0502040204020203" pitchFamily="34" charset="0"/>
-                            </a:rPr>
-                          </m:ctrlPr>
-                        </m:sSubPr>
-                        <m:e>
-                          <m:r>
-                            <a:rPr lang="en-US" b="0" i="1" smtClean="0">
-                              <a:latin typeface="Cambria Math" panose="02040503050406030204" pitchFamily="18" charset="0"/>
-                              <a:cs typeface="Segoe UI" panose="020B0502040204020203" pitchFamily="34" charset="0"/>
-                            </a:rPr>
-                            <m:t>𝑋</m:t>
-                          </m:r>
-                        </m:e>
-                        <m:sub>
-                          <m:r>
-                            <a:rPr lang="en-US" b="0" i="1" smtClean="0">
-                              <a:latin typeface="Cambria Math" panose="02040503050406030204" pitchFamily="18" charset="0"/>
-                              <a:cs typeface="Segoe UI" panose="020B0502040204020203" pitchFamily="34" charset="0"/>
-                            </a:rPr>
-                            <m:t>𝑉</m:t>
-                          </m:r>
-                        </m:sub>
-                      </m:sSub>
-                      <m:r>
-                        <a:rPr lang="en-US" b="0" i="1" smtClean="0">
-                          <a:latin typeface="Cambria Math" panose="02040503050406030204" pitchFamily="18" charset="0"/>
-                          <a:cs typeface="Segoe UI" panose="020B0502040204020203" pitchFamily="34" charset="0"/>
-                        </a:rPr>
-                        <m:t>=</m:t>
-                      </m:r>
-                      <m:d>
-                        <m:dPr>
-                          <m:begChr m:val="{"/>
-                          <m:endChr m:val=""/>
-                          <m:ctrlPr>
-                            <a:rPr lang="en-US" b="0" i="1" smtClean="0">
-                              <a:latin typeface="Cambria Math" panose="02040503050406030204" pitchFamily="18" charset="0"/>
-                              <a:cs typeface="Segoe UI" panose="020B0502040204020203" pitchFamily="34" charset="0"/>
-                            </a:rPr>
-                          </m:ctrlPr>
-                        </m:dPr>
-                        <m:e>
-                          <m:eqArr>
-                            <m:eqArrPr>
-                              <m:ctrlPr>
-                                <a:rPr lang="en-US" b="0" i="1" smtClean="0">
-                                  <a:latin typeface="Cambria Math" panose="02040503050406030204" pitchFamily="18" charset="0"/>
-                                  <a:cs typeface="Segoe UI" panose="020B0502040204020203" pitchFamily="34" charset="0"/>
-                                </a:rPr>
-                              </m:ctrlPr>
-                            </m:eqArrPr>
-                            <m:e>
-                              <m:r>
-                                <a:rPr lang="en-US" b="0" i="1" smtClean="0">
-                                  <a:latin typeface="Cambria Math" panose="02040503050406030204" pitchFamily="18" charset="0"/>
-                                  <a:cs typeface="Segoe UI" panose="020B0502040204020203" pitchFamily="34" charset="0"/>
-                                </a:rPr>
-                                <m:t>1,</m:t>
-                              </m:r>
-                              <m:sSub>
-                                <m:sSubPr>
-                                  <m:ctrlPr>
-                                    <a:rPr lang="en-US" b="0" i="1" smtClean="0">
-                                      <a:latin typeface="Cambria Math" panose="02040503050406030204" pitchFamily="18" charset="0"/>
-                                      <a:cs typeface="Segoe UI" panose="020B0502040204020203" pitchFamily="34" charset="0"/>
-                                    </a:rPr>
-                                  </m:ctrlPr>
-                                </m:sSubPr>
-                                <m:e>
-                                  <m:r>
-                                    <a:rPr lang="en-US" b="0" i="1" smtClean="0">
-                                      <a:latin typeface="Cambria Math" panose="02040503050406030204" pitchFamily="18" charset="0"/>
-                                      <a:cs typeface="Segoe UI" panose="020B0502040204020203" pitchFamily="34" charset="0"/>
-                                    </a:rPr>
-                                    <m:t>𝑋</m:t>
-                                  </m:r>
-                                </m:e>
-                                <m:sub>
-                                  <m:r>
-                                    <a:rPr lang="en-US" b="0" i="1" smtClean="0">
-                                      <a:latin typeface="Cambria Math" panose="02040503050406030204" pitchFamily="18" charset="0"/>
-                                      <a:cs typeface="Segoe UI" panose="020B0502040204020203" pitchFamily="34" charset="0"/>
-                                    </a:rPr>
-                                    <m:t>𝑀𝐴𝑁𝑈𝐹𝐴𝐶𝑇𝑈𝑅𝐸𝑅</m:t>
-                                  </m:r>
-                                </m:sub>
-                              </m:sSub>
-                              <m:r>
-                                <a:rPr lang="en-US" b="0" i="1" smtClean="0">
-                                  <a:latin typeface="Cambria Math" panose="02040503050406030204" pitchFamily="18" charset="0"/>
-                                  <a:cs typeface="Segoe UI" panose="020B0502040204020203" pitchFamily="34" charset="0"/>
-                                </a:rPr>
-                                <m:t>=</m:t>
-                              </m:r>
-                              <m:r>
-                                <a:rPr lang="en-US" b="0" i="1" smtClean="0">
-                                  <a:latin typeface="Cambria Math" panose="02040503050406030204" pitchFamily="18" charset="0"/>
-                                  <a:cs typeface="Segoe UI" panose="020B0502040204020203" pitchFamily="34" charset="0"/>
-                                </a:rPr>
-                                <m:t>𝑂𝑡h𝑒𝑟</m:t>
-                              </m:r>
-                            </m:e>
-                            <m:e>
-                              <m:r>
-                                <a:rPr lang="en-US" b="0" i="1" smtClean="0">
-                                  <a:latin typeface="Cambria Math" panose="02040503050406030204" pitchFamily="18" charset="0"/>
-                                  <a:cs typeface="Segoe UI" panose="020B0502040204020203" pitchFamily="34" charset="0"/>
-                                </a:rPr>
-                                <m:t>0, </m:t>
-                              </m:r>
-                              <m:r>
-                                <a:rPr lang="en-US" b="0" i="1" smtClean="0">
-                                  <a:latin typeface="Cambria Math" panose="02040503050406030204" pitchFamily="18" charset="0"/>
-                                  <a:cs typeface="Segoe UI" panose="020B0502040204020203" pitchFamily="34" charset="0"/>
-                                </a:rPr>
-                                <m:t>𝑂𝑡h𝑒𝑟𝑤𝑖𝑠𝑒</m:t>
-                              </m:r>
-                              <m:r>
-                                <a:rPr lang="en-US" b="0" i="1" smtClean="0">
-                                  <a:latin typeface="Cambria Math" panose="02040503050406030204" pitchFamily="18" charset="0"/>
-                                  <a:cs typeface="Segoe UI" panose="020B0502040204020203" pitchFamily="34" charset="0"/>
-                                </a:rPr>
-                                <m:t> </m:t>
-                              </m:r>
-                            </m:e>
-                          </m:eqArr>
-                        </m:e>
-                      </m:d>
-                    </m:oMath>
-                  </m:oMathPara>
+                          </m:mr>
+                        </m:m>
+                      </m:e>
+                    </m:d>
+                  </m:oMath>
                 </a14:m>
                 <a:endParaRPr lang="en-US" dirty="0">
                   <a:latin typeface="Segoe UI" panose="020B0502040204020203" pitchFamily="34" charset="0"/>
@@ -16515,7 +16882,7 @@
             </p:txBody>
           </p:sp>
         </mc:Choice>
-        <mc:Fallback xmlns="">
+        <mc:Fallback>
           <p:sp>
             <p:nvSpPr>
               <p:cNvPr id="3" name="Content Placeholder 2">
@@ -16534,13 +16901,13 @@
             </p:nvSpPr>
             <p:spPr>
               <a:xfrm>
-                <a:off x="838200" y="1466850"/>
-                <a:ext cx="11023600" cy="5226050"/>
+                <a:off x="1121979" y="1550932"/>
+                <a:ext cx="9314794" cy="5226050"/>
               </a:xfrm>
               <a:blipFill>
                 <a:blip r:embed="rId2"/>
                 <a:stretch>
-                  <a:fillRect l="-885" t="-2800" b="-1400"/>
+                  <a:fillRect l="-1090" t="-28329" b="-24939"/>
                 </a:stretch>
               </a:blipFill>
             </p:spPr>
@@ -16709,6 +17076,12 @@
               </a:rPr>
             </a:br>
             <a:r>
+              <a:rPr lang="en-US" sz="1400" dirty="0">
+                <a:latin typeface="Consolas" panose="020B0609020204030204" pitchFamily="49" charset="0"/>
+              </a:rPr>
+              <a:t>       </a:t>
+            </a:r>
+            <a:r>
               <a:rPr lang="en-US" sz="1400" dirty="0" err="1">
                 <a:latin typeface="Consolas" panose="020B0609020204030204" pitchFamily="49" charset="0"/>
               </a:rPr>
@@ -16749,6 +17122,12 @@
                 <a:latin typeface="Consolas" panose="020B0609020204030204" pitchFamily="49" charset="0"/>
               </a:rPr>
             </a:br>
+            <a:r>
+              <a:rPr lang="en-US" sz="1400" dirty="0">
+                <a:latin typeface="Consolas" panose="020B0609020204030204" pitchFamily="49" charset="0"/>
+              </a:rPr>
+              <a:t>       </a:t>
+            </a:r>
             <a:r>
               <a:rPr lang="en-US" sz="1400" dirty="0" err="1">
                 <a:latin typeface="Consolas" panose="020B0609020204030204" pitchFamily="49" charset="0"/>

--- a/google-drive/week02/4Thurs/1_Week2_MultipleRegression.pptx
+++ b/google-drive/week02/4Thurs/1_Week2_MultipleRegression.pptx
@@ -305,7 +305,7 @@
           <a:p>
             <a:fld id="{F3C7AE39-24BF-9046-BF66-BB2858E2304D}" type="datetimeFigureOut">
               <a:rPr lang="en-US" smtClean="0"/>
-              <a:t>6/29/23</a:t>
+              <a:t>6/26/2024</a:t>
             </a:fld>
             <a:endParaRPr lang="en-US"/>
           </a:p>
@@ -1953,34 +1953,6 @@
           </a:p>
         </p:txBody>
       </p:sp>
-      <p:sp>
-        <p:nvSpPr>
-          <p:cNvPr id="2" name="Title 1">
-            <a:extLst>
-              <a:ext uri="{FF2B5EF4-FFF2-40B4-BE49-F238E27FC236}">
-                <a16:creationId xmlns:a16="http://schemas.microsoft.com/office/drawing/2014/main" id="{0B8C635E-B1AD-4A3B-A512-BE5F2592DC87}"/>
-              </a:ext>
-            </a:extLst>
-          </p:cNvPr>
-          <p:cNvSpPr>
-            <a:spLocks noGrp="1"/>
-          </p:cNvSpPr>
-          <p:nvPr>
-            <p:ph type="title"/>
-          </p:nvPr>
-        </p:nvSpPr>
-        <p:spPr/>
-        <p:txBody>
-          <a:bodyPr/>
-          <a:lstStyle/>
-          <a:p>
-            <a:r>
-              <a:rPr lang="en-US" dirty="0"/>
-              <a:t>Overall F Test</a:t>
-            </a:r>
-          </a:p>
-        </p:txBody>
-      </p:sp>
       <mc:AlternateContent xmlns:mc="http://schemas.openxmlformats.org/markup-compatibility/2006">
         <mc:Choice xmlns:a14="http://schemas.microsoft.com/office/drawing/2010/main" Requires="a14">
           <p:sp>
@@ -2001,8 +1973,8 @@
             </p:nvSpPr>
             <p:spPr>
               <a:xfrm>
-                <a:off x="838200" y="1466850"/>
-                <a:ext cx="11023600" cy="5226050"/>
+                <a:off x="735724" y="1466850"/>
+                <a:ext cx="11126076" cy="5226050"/>
               </a:xfrm>
             </p:spPr>
             <p:txBody>
@@ -2018,7 +1990,22 @@
                 </a:pPr>
                 <a:r>
                   <a:rPr lang="en-US" dirty="0"/>
-                  <a:t>We saw that there were some specific associations. But, we can test the overall effect of manufacturer on MPG with the F-test</a:t>
+                  <a:t>We saw that there were 2 statistically significant differences vs Dodge. </a:t>
+                </a:r>
+                <a:br>
+                  <a:rPr lang="en-US" dirty="0"/>
+                </a:br>
+                <a:r>
+                  <a:rPr lang="en-US" dirty="0"/>
+                  <a:t>We can test the </a:t>
+                </a:r>
+                <a:r>
+                  <a:rPr lang="en-US" u="sng" dirty="0"/>
+                  <a:t>overall effect</a:t>
+                </a:r>
+                <a:r>
+                  <a:rPr lang="en-US" dirty="0"/>
+                  <a:t> of manufacturer on MPG with the F-test</a:t>
                 </a:r>
               </a:p>
               <a:p>
@@ -2327,13 +2314,13 @@
             </p:nvSpPr>
             <p:spPr>
               <a:xfrm>
-                <a:off x="838200" y="1466850"/>
-                <a:ext cx="11023600" cy="5226050"/>
+                <a:off x="735724" y="1466850"/>
+                <a:ext cx="11126076" cy="5226050"/>
               </a:xfrm>
               <a:blipFill>
                 <a:blip r:embed="rId2"/>
                 <a:stretch>
-                  <a:fillRect l="-1036" t="-242"/>
+                  <a:fillRect l="-986" t="-233"/>
                 </a:stretch>
               </a:blipFill>
             </p:spPr>
@@ -2352,6 +2339,59 @@
           </p:sp>
         </mc:Fallback>
       </mc:AlternateContent>
+      <p:sp>
+        <p:nvSpPr>
+          <p:cNvPr id="7" name="Title 1">
+            <a:extLst>
+              <a:ext uri="{FF2B5EF4-FFF2-40B4-BE49-F238E27FC236}">
+                <a16:creationId xmlns:a16="http://schemas.microsoft.com/office/drawing/2014/main" id="{A39DEE82-AF6D-01A0-CF85-95C7C3995C29}"/>
+              </a:ext>
+            </a:extLst>
+          </p:cNvPr>
+          <p:cNvSpPr>
+            <a:spLocks noGrp="1"/>
+          </p:cNvSpPr>
+          <p:nvPr>
+            <p:ph type="title"/>
+          </p:nvPr>
+        </p:nvSpPr>
+        <p:spPr>
+          <a:xfrm>
+            <a:off x="838200" y="170656"/>
+            <a:ext cx="10515600" cy="1325563"/>
+          </a:xfrm>
+        </p:spPr>
+        <p:txBody>
+          <a:bodyPr/>
+          <a:lstStyle/>
+          <a:p>
+            <a:r>
+              <a:rPr lang="en-US" dirty="0"/>
+              <a:t>Regression with the set of indicator variables</a:t>
+            </a:r>
+            <a:br>
+              <a:rPr lang="en-US" dirty="0"/>
+            </a:br>
+            <a:r>
+              <a:rPr lang="en-US" sz="2800" i="1" dirty="0">
+                <a:solidFill>
+                  <a:schemeClr val="bg1">
+                    <a:lumMod val="65000"/>
+                  </a:schemeClr>
+                </a:solidFill>
+              </a:rPr>
+              <a:t>Overall F-test</a:t>
+            </a:r>
+            <a:endParaRPr lang="en-US" i="1" dirty="0">
+              <a:solidFill>
+                <a:schemeClr val="bg1">
+                  <a:lumMod val="65000"/>
+                </a:schemeClr>
+              </a:solidFill>
+            </a:endParaRPr>
+          </a:p>
+        </p:txBody>
+      </p:sp>
     </p:spTree>
     <p:extLst>
       <p:ext uri="{BB962C8B-B14F-4D97-AF65-F5344CB8AC3E}">
@@ -2512,7 +2552,7 @@
         </p:spPr>
         <p:txBody>
           <a:bodyPr>
-            <a:normAutofit fontScale="77500" lnSpcReduction="20000"/>
+            <a:normAutofit fontScale="85000" lnSpcReduction="20000"/>
           </a:bodyPr>
           <a:lstStyle/>
           <a:p>
@@ -2523,7 +2563,7 @@
             </a:pPr>
             <a:r>
               <a:rPr lang="en-US" dirty="0"/>
-              <a:t>Using a factor variable in a linear regression model will automatically create the dummy variables for us</a:t>
+              <a:t>Using a factor variable in a linear regression model will automatically create the indicator variables for us</a:t>
             </a:r>
           </a:p>
           <a:p>
@@ -2594,58 +2634,6 @@
             <a:endParaRPr lang="en-US" sz="1600" dirty="0">
               <a:latin typeface="Consolas" panose="020B0609020204030204" pitchFamily="49" charset="0"/>
             </a:endParaRPr>
-          </a:p>
-          <a:p>
-            <a:pPr marL="0" indent="0">
-              <a:lnSpc>
-                <a:spcPct val="120000"/>
-              </a:lnSpc>
-              <a:spcBef>
-                <a:spcPts val="0"/>
-              </a:spcBef>
-              <a:buNone/>
-            </a:pPr>
-            <a:r>
-              <a:rPr lang="en-US" sz="1600" dirty="0">
-                <a:latin typeface="Consolas" panose="020B0609020204030204" pitchFamily="49" charset="0"/>
-              </a:rPr>
-              <a:t>Call:</a:t>
-            </a:r>
-          </a:p>
-          <a:p>
-            <a:pPr marL="0" indent="0">
-              <a:lnSpc>
-                <a:spcPct val="120000"/>
-              </a:lnSpc>
-              <a:spcBef>
-                <a:spcPts val="0"/>
-              </a:spcBef>
-              <a:buNone/>
-            </a:pPr>
-            <a:r>
-              <a:rPr lang="en-US" sz="1600" dirty="0" err="1">
-                <a:latin typeface="Consolas" panose="020B0609020204030204" pitchFamily="49" charset="0"/>
-              </a:rPr>
-              <a:t>lm</a:t>
-            </a:r>
-            <a:r>
-              <a:rPr lang="en-US" sz="1600" dirty="0">
-                <a:latin typeface="Consolas" panose="020B0609020204030204" pitchFamily="49" charset="0"/>
-              </a:rPr>
-              <a:t>(formula = </a:t>
-            </a:r>
-            <a:r>
-              <a:rPr lang="en-US" sz="1600" dirty="0" err="1">
-                <a:latin typeface="Consolas" panose="020B0609020204030204" pitchFamily="49" charset="0"/>
-              </a:rPr>
-              <a:t>cty</a:t>
-            </a:r>
-            <a:r>
-              <a:rPr lang="en-US" sz="1600" dirty="0">
-                <a:latin typeface="Consolas" panose="020B0609020204030204" pitchFamily="49" charset="0"/>
-              </a:rPr>
-              <a:t> ~ factor(manufacturer), data = mpg2)</a:t>
-            </a:r>
           </a:p>
           <a:p>
             <a:pPr marL="0" indent="0">
@@ -3064,7 +3052,7 @@
             </a:pPr>
             <a:r>
               <a:rPr lang="en-US" dirty="0"/>
-              <a:t>Each value of the manufacturer variable will be translated into a unique combination of dummy coded values</a:t>
+              <a:t>Each value of the manufacturer variable will be translated into a unique combination of indicator values</a:t>
             </a:r>
           </a:p>
           <a:p>
@@ -3075,7 +3063,7 @@
             </a:pPr>
             <a:r>
               <a:rPr lang="en-US" dirty="0"/>
-              <a:t>All dummy variable coefficients will be interpreted relative to the reference group</a:t>
+              <a:t>All indicator variable coefficients will be interpreted relative to the reference group</a:t>
             </a:r>
           </a:p>
           <a:p>
@@ -3097,7 +3085,7 @@
             </a:pPr>
             <a:r>
               <a:rPr lang="en-US" dirty="0"/>
-              <a:t>This method is analogous to a one-way ANOVA</a:t>
+              <a:t>Note: this method is analogous to a one-way ANOVA</a:t>
             </a:r>
           </a:p>
           <a:p>
@@ -3511,82 +3499,6 @@
               </a:spcBef>
               <a:buNone/>
             </a:pPr>
-            <a:r>
-              <a:rPr lang="en-US" sz="1800" dirty="0">
-                <a:latin typeface="Consolas" panose="020B0609020204030204" pitchFamily="49" charset="0"/>
-              </a:rPr>
-              <a:t>Call:</a:t>
-            </a:r>
-          </a:p>
-          <a:p>
-            <a:pPr marL="0" indent="0">
-              <a:lnSpc>
-                <a:spcPct val="120000"/>
-              </a:lnSpc>
-              <a:spcBef>
-                <a:spcPts val="0"/>
-              </a:spcBef>
-              <a:buNone/>
-            </a:pPr>
-            <a:r>
-              <a:rPr lang="en-US" sz="1800" dirty="0" err="1">
-                <a:latin typeface="Consolas" panose="020B0609020204030204" pitchFamily="49" charset="0"/>
-              </a:rPr>
-              <a:t>lm</a:t>
-            </a:r>
-            <a:r>
-              <a:rPr lang="en-US" sz="1800" dirty="0">
-                <a:latin typeface="Consolas" panose="020B0609020204030204" pitchFamily="49" charset="0"/>
-              </a:rPr>
-              <a:t>(formula = </a:t>
-            </a:r>
-            <a:r>
-              <a:rPr lang="en-US" sz="1800" dirty="0" err="1">
-                <a:latin typeface="Consolas" panose="020B0609020204030204" pitchFamily="49" charset="0"/>
-              </a:rPr>
-              <a:t>chol</a:t>
-            </a:r>
-            <a:r>
-              <a:rPr lang="en-US" sz="1800" dirty="0">
-                <a:latin typeface="Consolas" panose="020B0609020204030204" pitchFamily="49" charset="0"/>
-              </a:rPr>
-              <a:t> ~ </a:t>
-            </a:r>
-            <a:r>
-              <a:rPr lang="en-US" sz="1800" dirty="0" err="1">
-                <a:latin typeface="Consolas" panose="020B0609020204030204" pitchFamily="49" charset="0"/>
-              </a:rPr>
-              <a:t>sbp</a:t>
-            </a:r>
-            <a:r>
-              <a:rPr lang="en-US" sz="1800" dirty="0">
-                <a:latin typeface="Consolas" panose="020B0609020204030204" pitchFamily="49" charset="0"/>
-              </a:rPr>
-              <a:t>, data = </a:t>
-            </a:r>
-            <a:r>
-              <a:rPr lang="en-US" sz="1800" dirty="0" err="1">
-                <a:latin typeface="Consolas" panose="020B0609020204030204" pitchFamily="49" charset="0"/>
-              </a:rPr>
-              <a:t>chol</a:t>
-            </a:r>
-            <a:r>
-              <a:rPr lang="en-US" sz="1800" dirty="0">
-                <a:latin typeface="Consolas" panose="020B0609020204030204" pitchFamily="49" charset="0"/>
-              </a:rPr>
-              <a:t>)</a:t>
-            </a:r>
-          </a:p>
-          <a:p>
-            <a:pPr marL="0" indent="0">
-              <a:lnSpc>
-                <a:spcPct val="120000"/>
-              </a:lnSpc>
-              <a:spcBef>
-                <a:spcPts val="0"/>
-              </a:spcBef>
-              <a:buNone/>
-            </a:pPr>
             <a:endParaRPr lang="en-US" sz="1800" dirty="0">
               <a:latin typeface="Consolas" panose="020B0609020204030204" pitchFamily="49" charset="0"/>
             </a:endParaRPr>
@@ -3878,7 +3790,7 @@
         <p:spPr>
           <a:xfrm>
             <a:off x="6096000" y="2779353"/>
-            <a:ext cx="9340850" cy="3308598"/>
+            <a:ext cx="9340850" cy="2970044"/>
           </a:xfrm>
           <a:prstGeom prst="rect">
             <a:avLst/>
@@ -3962,76 +3874,6 @@
             <a:endParaRPr lang="en-US" sz="1100" dirty="0">
               <a:latin typeface="Consolas" panose="020B0609020204030204" pitchFamily="49" charset="0"/>
             </a:endParaRPr>
-          </a:p>
-          <a:p>
-            <a:pPr marL="0" indent="0">
-              <a:spcBef>
-                <a:spcPts val="0"/>
-              </a:spcBef>
-              <a:buNone/>
-            </a:pPr>
-            <a:r>
-              <a:rPr lang="en-US" sz="1100" dirty="0">
-                <a:latin typeface="Consolas" panose="020B0609020204030204" pitchFamily="49" charset="0"/>
-              </a:rPr>
-              <a:t>Call:</a:t>
-            </a:r>
-          </a:p>
-          <a:p>
-            <a:pPr marL="0" indent="0">
-              <a:spcBef>
-                <a:spcPts val="0"/>
-              </a:spcBef>
-              <a:buNone/>
-            </a:pPr>
-            <a:r>
-              <a:rPr lang="en-US" sz="1100" dirty="0" err="1">
-                <a:latin typeface="Consolas" panose="020B0609020204030204" pitchFamily="49" charset="0"/>
-              </a:rPr>
-              <a:t>lm</a:t>
-            </a:r>
-            <a:r>
-              <a:rPr lang="en-US" sz="1100" dirty="0">
-                <a:latin typeface="Consolas" panose="020B0609020204030204" pitchFamily="49" charset="0"/>
-              </a:rPr>
-              <a:t>(formula = </a:t>
-            </a:r>
-            <a:r>
-              <a:rPr lang="en-US" sz="1100" dirty="0" err="1">
-                <a:latin typeface="Consolas" panose="020B0609020204030204" pitchFamily="49" charset="0"/>
-              </a:rPr>
-              <a:t>chol</a:t>
-            </a:r>
-            <a:r>
-              <a:rPr lang="en-US" sz="1100" dirty="0">
-                <a:latin typeface="Consolas" panose="020B0609020204030204" pitchFamily="49" charset="0"/>
-              </a:rPr>
-              <a:t> ~ </a:t>
-            </a:r>
-            <a:r>
-              <a:rPr lang="en-US" sz="1100" dirty="0" err="1">
-                <a:latin typeface="Consolas" panose="020B0609020204030204" pitchFamily="49" charset="0"/>
-              </a:rPr>
-              <a:t>dbp</a:t>
-            </a:r>
-            <a:r>
-              <a:rPr lang="en-US" sz="1100" dirty="0">
-                <a:latin typeface="Consolas" panose="020B0609020204030204" pitchFamily="49" charset="0"/>
-              </a:rPr>
-              <a:t>, data = </a:t>
-            </a:r>
-            <a:r>
-              <a:rPr lang="en-US" sz="1100" dirty="0" err="1">
-                <a:latin typeface="Consolas" panose="020B0609020204030204" pitchFamily="49" charset="0"/>
-              </a:rPr>
-              <a:t>chol</a:t>
-            </a:r>
-            <a:r>
-              <a:rPr lang="en-US" sz="1100" dirty="0">
-                <a:latin typeface="Consolas" panose="020B0609020204030204" pitchFamily="49" charset="0"/>
-              </a:rPr>
-              <a:t>)</a:t>
-            </a:r>
           </a:p>
           <a:p>
             <a:pPr marL="0" indent="0">
@@ -4989,7 +4831,12 @@
             <p:ph type="title"/>
           </p:nvPr>
         </p:nvSpPr>
-        <p:spPr/>
+        <p:spPr>
+          <a:xfrm>
+            <a:off x="838200" y="34199"/>
+            <a:ext cx="10515600" cy="1325563"/>
+          </a:xfrm>
+        </p:spPr>
         <p:txBody>
           <a:bodyPr/>
           <a:lstStyle/>
@@ -5001,8 +4848,8 @@
           </a:p>
         </p:txBody>
       </p:sp>
-      <mc:AlternateContent xmlns:mc="http://schemas.openxmlformats.org/markup-compatibility/2006" xmlns:a14="http://schemas.microsoft.com/office/drawing/2010/main">
-        <mc:Choice Requires="a14">
+      <mc:AlternateContent xmlns:mc="http://schemas.openxmlformats.org/markup-compatibility/2006">
+        <mc:Choice xmlns:a14="http://schemas.microsoft.com/office/drawing/2010/main" Requires="a14">
           <p:sp>
             <p:nvSpPr>
               <p:cNvPr id="3" name="Content Placeholder 2">
@@ -5021,23 +4868,348 @@
             </p:nvSpPr>
             <p:spPr>
               <a:xfrm>
-                <a:off x="838200" y="1466850"/>
-                <a:ext cx="11023600" cy="5226050"/>
+                <a:off x="949234" y="999468"/>
+                <a:ext cx="10851606" cy="5226050"/>
               </a:xfrm>
             </p:spPr>
             <p:txBody>
               <a:bodyPr>
-                <a:normAutofit fontScale="62500" lnSpcReduction="20000"/>
+                <a:normAutofit fontScale="92500" lnSpcReduction="10000"/>
               </a:bodyPr>
               <a:lstStyle/>
               <a:p>
-                <a:pPr>
+                <a:pPr marL="0" indent="0">
                   <a:lnSpc>
                     <a:spcPct val="120000"/>
                   </a:lnSpc>
+                  <a:spcBef>
+                    <a:spcPts val="0"/>
+                  </a:spcBef>
+                  <a:buNone/>
                 </a:pPr>
                 <a:r>
-                  <a:rPr lang="en-US" sz="4000" dirty="0"/>
+                  <a:rPr lang="en-US" sz="1500" dirty="0">
+                    <a:latin typeface="Consolas" panose="020B0609020204030204" pitchFamily="49" charset="0"/>
+                  </a:rPr>
+                  <a:t>&gt; </a:t>
+                </a:r>
+                <a:r>
+                  <a:rPr lang="en-US" sz="1500" dirty="0" err="1">
+                    <a:latin typeface="Consolas" panose="020B0609020204030204" pitchFamily="49" charset="0"/>
+                  </a:rPr>
+                  <a:t>lm</a:t>
+                </a:r>
+                <a:r>
+                  <a:rPr lang="en-US" sz="1500" dirty="0">
+                    <a:latin typeface="Consolas" panose="020B0609020204030204" pitchFamily="49" charset="0"/>
+                  </a:rPr>
+                  <a:t>(</a:t>
+                </a:r>
+                <a:r>
+                  <a:rPr lang="en-US" sz="1500" dirty="0" err="1">
+                    <a:latin typeface="Consolas" panose="020B0609020204030204" pitchFamily="49" charset="0"/>
+                  </a:rPr>
+                  <a:t>chol</a:t>
+                </a:r>
+                <a:r>
+                  <a:rPr lang="en-US" sz="1500" dirty="0">
+                    <a:latin typeface="Consolas" panose="020B0609020204030204" pitchFamily="49" charset="0"/>
+                  </a:rPr>
+                  <a:t> ~ </a:t>
+                </a:r>
+                <a:r>
+                  <a:rPr lang="en-US" sz="1500" dirty="0" err="1">
+                    <a:latin typeface="Consolas" panose="020B0609020204030204" pitchFamily="49" charset="0"/>
+                  </a:rPr>
+                  <a:t>sbp</a:t>
+                </a:r>
+                <a:r>
+                  <a:rPr lang="en-US" sz="1500" dirty="0">
+                    <a:latin typeface="Consolas" panose="020B0609020204030204" pitchFamily="49" charset="0"/>
+                  </a:rPr>
+                  <a:t> + </a:t>
+                </a:r>
+                <a:r>
+                  <a:rPr lang="en-US" sz="1500" dirty="0" err="1">
+                    <a:latin typeface="Consolas" panose="020B0609020204030204" pitchFamily="49" charset="0"/>
+                  </a:rPr>
+                  <a:t>dbp</a:t>
+                </a:r>
+                <a:r>
+                  <a:rPr lang="en-US" sz="1500" dirty="0">
+                    <a:latin typeface="Consolas" panose="020B0609020204030204" pitchFamily="49" charset="0"/>
+                  </a:rPr>
+                  <a:t>, data=</a:t>
+                </a:r>
+                <a:r>
+                  <a:rPr lang="en-US" sz="1500" dirty="0" err="1">
+                    <a:latin typeface="Consolas" panose="020B0609020204030204" pitchFamily="49" charset="0"/>
+                  </a:rPr>
+                  <a:t>chol</a:t>
+                </a:r>
+                <a:r>
+                  <a:rPr lang="en-US" sz="1500" dirty="0">
+                    <a:latin typeface="Consolas" panose="020B0609020204030204" pitchFamily="49" charset="0"/>
+                  </a:rPr>
+                  <a:t>) %&gt;% summary()</a:t>
+                </a:r>
+              </a:p>
+              <a:p>
+                <a:pPr marL="0" indent="0">
+                  <a:lnSpc>
+                    <a:spcPct val="120000"/>
+                  </a:lnSpc>
+                  <a:spcBef>
+                    <a:spcPts val="0"/>
+                  </a:spcBef>
+                  <a:buNone/>
+                </a:pPr>
+                <a:endParaRPr lang="en-US" sz="1500" dirty="0">
+                  <a:latin typeface="Consolas" panose="020B0609020204030204" pitchFamily="49" charset="0"/>
+                </a:endParaRPr>
+              </a:p>
+              <a:p>
+                <a:pPr marL="0" indent="0">
+                  <a:lnSpc>
+                    <a:spcPct val="120000"/>
+                  </a:lnSpc>
+                  <a:spcBef>
+                    <a:spcPts val="0"/>
+                  </a:spcBef>
+                  <a:buNone/>
+                </a:pPr>
+                <a:r>
+                  <a:rPr lang="en-US" sz="1500" dirty="0">
+                    <a:latin typeface="Consolas" panose="020B0609020204030204" pitchFamily="49" charset="0"/>
+                  </a:rPr>
+                  <a:t>Coefficients:</a:t>
+                </a:r>
+              </a:p>
+              <a:p>
+                <a:pPr marL="0" indent="0">
+                  <a:lnSpc>
+                    <a:spcPct val="120000"/>
+                  </a:lnSpc>
+                  <a:spcBef>
+                    <a:spcPts val="0"/>
+                  </a:spcBef>
+                  <a:buNone/>
+                </a:pPr>
+                <a:r>
+                  <a:rPr lang="en-US" sz="1500" dirty="0">
+                    <a:latin typeface="Consolas" panose="020B0609020204030204" pitchFamily="49" charset="0"/>
+                  </a:rPr>
+                  <a:t>            Estimate Std. Error t value </a:t>
+                </a:r>
+                <a:r>
+                  <a:rPr lang="en-US" sz="1500" dirty="0" err="1">
+                    <a:latin typeface="Consolas" panose="020B0609020204030204" pitchFamily="49" charset="0"/>
+                  </a:rPr>
+                  <a:t>Pr</a:t>
+                </a:r>
+                <a:r>
+                  <a:rPr lang="en-US" sz="1500" dirty="0">
+                    <a:latin typeface="Consolas" panose="020B0609020204030204" pitchFamily="49" charset="0"/>
+                  </a:rPr>
+                  <a:t>(&gt;|t|)   </a:t>
+                </a:r>
+              </a:p>
+              <a:p>
+                <a:pPr marL="0" indent="0">
+                  <a:lnSpc>
+                    <a:spcPct val="120000"/>
+                  </a:lnSpc>
+                  <a:spcBef>
+                    <a:spcPts val="0"/>
+                  </a:spcBef>
+                  <a:buNone/>
+                </a:pPr>
+                <a:r>
+                  <a:rPr lang="en-US" sz="1500" dirty="0">
+                    <a:latin typeface="Consolas" panose="020B0609020204030204" pitchFamily="49" charset="0"/>
+                  </a:rPr>
+                  <a:t>(Intercept)  97.5134    32.2223   3.026  0.00283 **</a:t>
+                </a:r>
+              </a:p>
+              <a:p>
+                <a:pPr marL="0" indent="0">
+                  <a:lnSpc>
+                    <a:spcPct val="120000"/>
+                  </a:lnSpc>
+                  <a:spcBef>
+                    <a:spcPts val="0"/>
+                  </a:spcBef>
+                  <a:buNone/>
+                </a:pPr>
+                <a:r>
+                  <a:rPr lang="en-US" sz="1500" dirty="0" err="1">
+                    <a:latin typeface="Consolas" panose="020B0609020204030204" pitchFamily="49" charset="0"/>
+                  </a:rPr>
+                  <a:t>sbp</a:t>
+                </a:r>
+                <a:r>
+                  <a:rPr lang="en-US" sz="1500" dirty="0">
+                    <a:latin typeface="Consolas" panose="020B0609020204030204" pitchFamily="49" charset="0"/>
+                  </a:rPr>
+                  <a:t>           0.5336     0.3544   1.506  0.13388   </a:t>
+                </a:r>
+              </a:p>
+              <a:p>
+                <a:pPr marL="0" indent="0">
+                  <a:lnSpc>
+                    <a:spcPct val="120000"/>
+                  </a:lnSpc>
+                  <a:spcBef>
+                    <a:spcPts val="0"/>
+                  </a:spcBef>
+                  <a:buNone/>
+                </a:pPr>
+                <a:r>
+                  <a:rPr lang="en-US" sz="1500" dirty="0" err="1">
+                    <a:latin typeface="Consolas" panose="020B0609020204030204" pitchFamily="49" charset="0"/>
+                  </a:rPr>
+                  <a:t>dbp</a:t>
+                </a:r>
+                <a:r>
+                  <a:rPr lang="en-US" sz="1500" dirty="0">
+                    <a:latin typeface="Consolas" panose="020B0609020204030204" pitchFamily="49" charset="0"/>
+                  </a:rPr>
+                  <a:t>           0.5210     0.5115   1.019  0.30975   </a:t>
+                </a:r>
+              </a:p>
+              <a:p>
+                <a:pPr marL="0" indent="0">
+                  <a:lnSpc>
+                    <a:spcPct val="120000"/>
+                  </a:lnSpc>
+                  <a:spcBef>
+                    <a:spcPts val="0"/>
+                  </a:spcBef>
+                  <a:buNone/>
+                </a:pPr>
+                <a:r>
+                  <a:rPr lang="en-US" sz="1500" dirty="0">
+                    <a:latin typeface="Consolas" panose="020B0609020204030204" pitchFamily="49" charset="0"/>
+                  </a:rPr>
+                  <a:t>---</a:t>
+                </a:r>
+              </a:p>
+              <a:p>
+                <a:pPr marL="0" indent="0">
+                  <a:lnSpc>
+                    <a:spcPct val="120000"/>
+                  </a:lnSpc>
+                  <a:spcBef>
+                    <a:spcPts val="0"/>
+                  </a:spcBef>
+                  <a:buNone/>
+                </a:pPr>
+                <a:r>
+                  <a:rPr lang="en-US" sz="1500" dirty="0" err="1">
+                    <a:latin typeface="Consolas" panose="020B0609020204030204" pitchFamily="49" charset="0"/>
+                  </a:rPr>
+                  <a:t>Signif</a:t>
+                </a:r>
+                <a:r>
+                  <a:rPr lang="en-US" sz="1500" dirty="0">
+                    <a:latin typeface="Consolas" panose="020B0609020204030204" pitchFamily="49" charset="0"/>
+                  </a:rPr>
+                  <a:t>. codes:  0 ‘***’ 0.001 ‘**’ 0.01 ‘*’ 0.05 ‘.’ 0.1 ‘ ’ 1</a:t>
+                </a:r>
+              </a:p>
+              <a:p>
+                <a:pPr marL="0" indent="0">
+                  <a:lnSpc>
+                    <a:spcPct val="120000"/>
+                  </a:lnSpc>
+                  <a:spcBef>
+                    <a:spcPts val="0"/>
+                  </a:spcBef>
+                  <a:buNone/>
+                </a:pPr>
+                <a:endParaRPr lang="en-US" sz="1500" dirty="0">
+                  <a:latin typeface="Consolas" panose="020B0609020204030204" pitchFamily="49" charset="0"/>
+                </a:endParaRPr>
+              </a:p>
+              <a:p>
+                <a:pPr marL="0" indent="0">
+                  <a:lnSpc>
+                    <a:spcPct val="120000"/>
+                  </a:lnSpc>
+                  <a:spcBef>
+                    <a:spcPts val="0"/>
+                  </a:spcBef>
+                  <a:buNone/>
+                </a:pPr>
+                <a:r>
+                  <a:rPr lang="en-US" sz="1500" dirty="0">
+                    <a:latin typeface="Consolas" panose="020B0609020204030204" pitchFamily="49" charset="0"/>
+                  </a:rPr>
+                  <a:t>Residual standard error: 65.32 on 185 degrees of freedom</a:t>
+                </a:r>
+              </a:p>
+              <a:p>
+                <a:pPr marL="0" indent="0">
+                  <a:lnSpc>
+                    <a:spcPct val="120000"/>
+                  </a:lnSpc>
+                  <a:spcBef>
+                    <a:spcPts val="0"/>
+                  </a:spcBef>
+                  <a:buNone/>
+                </a:pPr>
+                <a:r>
+                  <a:rPr lang="en-US" sz="1500" dirty="0">
+                    <a:latin typeface="Consolas" panose="020B0609020204030204" pitchFamily="49" charset="0"/>
+                  </a:rPr>
+                  <a:t>Multiple R-squared:  0.05151,	Adjusted R-squared:  0.04125 </a:t>
+                </a:r>
+              </a:p>
+              <a:p>
+                <a:pPr marL="0" indent="0">
+                  <a:lnSpc>
+                    <a:spcPct val="120000"/>
+                  </a:lnSpc>
+                  <a:spcBef>
+                    <a:spcPts val="0"/>
+                  </a:spcBef>
+                  <a:buNone/>
+                </a:pPr>
+                <a:r>
+                  <a:rPr lang="en-US" sz="1500" dirty="0">
+                    <a:latin typeface="Consolas" panose="020B0609020204030204" pitchFamily="49" charset="0"/>
+                  </a:rPr>
+                  <a:t>F-statistic: 5.023 on 2 and 185 DF,  p-value: 0.007509</a:t>
+                </a:r>
+              </a:p>
+              <a:p>
+                <a:pPr marL="0" indent="0">
+                  <a:lnSpc>
+                    <a:spcPct val="110000"/>
+                  </a:lnSpc>
+                  <a:spcBef>
+                    <a:spcPts val="0"/>
+                  </a:spcBef>
+                  <a:buNone/>
+                </a:pPr>
+                <a:endParaRPr lang="en-US" sz="2400" dirty="0"/>
+              </a:p>
+              <a:p>
+                <a:pPr marL="0" indent="0">
+                  <a:lnSpc>
+                    <a:spcPct val="110000"/>
+                  </a:lnSpc>
+                  <a:spcBef>
+                    <a:spcPts val="0"/>
+                  </a:spcBef>
+                  <a:buNone/>
+                </a:pPr>
+                <a:r>
+                  <a:rPr lang="en-US" sz="2600" dirty="0">
+                    <a:solidFill>
+                      <a:schemeClr val="tx1"/>
+                    </a:solidFill>
+                  </a:rPr>
                   <a:t>Wait – what happened?! SBP and DBP now both don’t appear to predict cholesterol individually (p-values &gt; 0.05)… and the </a:t>
                 </a:r>
                 <a14:m>
@@ -5045,23 +5217,29 @@
                     <m:sSup>
                       <m:sSupPr>
                         <m:ctrlPr>
-                          <a:rPr lang="en-US" sz="4000" b="0" i="1" smtClean="0">
-                            <a:latin typeface="Cambria Math" panose="02040503050406030204" pitchFamily="18" charset="0"/>
+                          <a:rPr lang="en-US" sz="2600" b="0" i="1" smtClean="0">
+                            <a:solidFill>
+                              <a:schemeClr val="tx1"/>
+                            </a:solidFill>
                           </a:rPr>
                         </m:ctrlPr>
                       </m:sSupPr>
                       <m:e>
                         <m:r>
-                          <a:rPr lang="en-US" sz="4000" b="0" i="1" smtClean="0">
-                            <a:latin typeface="Cambria Math" panose="02040503050406030204" pitchFamily="18" charset="0"/>
+                          <a:rPr lang="en-US" sz="2600" b="0" i="1" smtClean="0">
+                            <a:solidFill>
+                              <a:schemeClr val="tx1"/>
+                            </a:solidFill>
                           </a:rPr>
                           <m:t>𝑅</m:t>
                         </m:r>
                       </m:e>
                       <m:sup>
                         <m:r>
-                          <a:rPr lang="en-US" sz="4000" b="0" i="1" smtClean="0">
-                            <a:latin typeface="Cambria Math" panose="02040503050406030204" pitchFamily="18" charset="0"/>
+                          <a:rPr lang="en-US" sz="2600" b="0" i="1" smtClean="0">
+                            <a:solidFill>
+                              <a:schemeClr val="tx1"/>
+                            </a:solidFill>
                           </a:rPr>
                           <m:t>2</m:t>
                         </m:r>
@@ -5070,14 +5248,59 @@
                   </m:oMath>
                 </a14:m>
                 <a:r>
-                  <a:rPr lang="en-US" sz="5100" dirty="0"/>
+                  <a:rPr lang="en-US" sz="4300" dirty="0">
+                    <a:solidFill>
+                      <a:schemeClr val="tx1"/>
+                    </a:solidFill>
+                  </a:rPr>
                   <a:t> </a:t>
                 </a:r>
                 <a:r>
-                  <a:rPr lang="en-US" sz="4000" dirty="0"/>
+                  <a:rPr lang="en-US" sz="2600" dirty="0">
+                    <a:solidFill>
+                      <a:schemeClr val="tx1"/>
+                    </a:solidFill>
+                  </a:rPr>
                   <a:t>value is only 5.1%.</a:t>
                 </a:r>
-                <a:endParaRPr lang="en-US" sz="4500" dirty="0"/>
+              </a:p>
+              <a:p>
+                <a:pPr marL="0" indent="0">
+                  <a:lnSpc>
+                    <a:spcPct val="120000"/>
+                  </a:lnSpc>
+                  <a:spcBef>
+                    <a:spcPts val="0"/>
+                  </a:spcBef>
+                  <a:buNone/>
+                </a:pPr>
+                <a:r>
+                  <a:rPr lang="en-US" sz="2600" dirty="0">
+                    <a:solidFill>
+                      <a:schemeClr val="tx1"/>
+                    </a:solidFill>
+                  </a:rPr>
+                  <a:t>                  Recall: </a:t>
+                </a:r>
+                <a:endParaRPr lang="en-US" sz="3900" dirty="0">
+                  <a:solidFill>
+                    <a:schemeClr val="tx1"/>
+                  </a:solidFill>
+                </a:endParaRPr>
+              </a:p>
+              <a:p>
+                <a:pPr marL="0" indent="0">
+                  <a:lnSpc>
+                    <a:spcPct val="120000"/>
+                  </a:lnSpc>
+                  <a:spcBef>
+                    <a:spcPts val="0"/>
+                  </a:spcBef>
+                  <a:buNone/>
+                </a:pPr>
+                <a:endParaRPr lang="en-US" sz="1000" dirty="0">
+                  <a:latin typeface="Consolas" panose="020B0609020204030204" pitchFamily="49" charset="0"/>
+                </a:endParaRPr>
               </a:p>
               <a:p>
                 <a:pPr marL="0" indent="0">
@@ -5103,478 +5326,6 @@
                   </a:spcBef>
                   <a:buNone/>
                 </a:pPr>
-                <a:r>
-                  <a:rPr lang="en-US" sz="1800" dirty="0">
-                    <a:latin typeface="Consolas" panose="020B0609020204030204" pitchFamily="49" charset="0"/>
-                  </a:rPr>
-                  <a:t>&gt; </a:t>
-                </a:r>
-                <a:r>
-                  <a:rPr lang="en-US" sz="1800" dirty="0" err="1">
-                    <a:latin typeface="Consolas" panose="020B0609020204030204" pitchFamily="49" charset="0"/>
-                  </a:rPr>
-                  <a:t>lm</a:t>
-                </a:r>
-                <a:r>
-                  <a:rPr lang="en-US" sz="1800" dirty="0">
-                    <a:latin typeface="Consolas" panose="020B0609020204030204" pitchFamily="49" charset="0"/>
-                  </a:rPr>
-                  <a:t>(</a:t>
-                </a:r>
-                <a:r>
-                  <a:rPr lang="en-US" sz="1800" dirty="0" err="1">
-                    <a:latin typeface="Consolas" panose="020B0609020204030204" pitchFamily="49" charset="0"/>
-                  </a:rPr>
-                  <a:t>chol</a:t>
-                </a:r>
-                <a:r>
-                  <a:rPr lang="en-US" sz="1800" dirty="0">
-                    <a:latin typeface="Consolas" panose="020B0609020204030204" pitchFamily="49" charset="0"/>
-                  </a:rPr>
-                  <a:t> ~ </a:t>
-                </a:r>
-                <a:r>
-                  <a:rPr lang="en-US" sz="1800" dirty="0" err="1">
-                    <a:latin typeface="Consolas" panose="020B0609020204030204" pitchFamily="49" charset="0"/>
-                  </a:rPr>
-                  <a:t>sbp</a:t>
-                </a:r>
-                <a:r>
-                  <a:rPr lang="en-US" sz="1800" dirty="0">
-                    <a:latin typeface="Consolas" panose="020B0609020204030204" pitchFamily="49" charset="0"/>
-                  </a:rPr>
-                  <a:t> + </a:t>
-                </a:r>
-                <a:r>
-                  <a:rPr lang="en-US" sz="1800" dirty="0" err="1">
-                    <a:latin typeface="Consolas" panose="020B0609020204030204" pitchFamily="49" charset="0"/>
-                  </a:rPr>
-                  <a:t>dbp</a:t>
-                </a:r>
-                <a:r>
-                  <a:rPr lang="en-US" sz="1800" dirty="0">
-                    <a:latin typeface="Consolas" panose="020B0609020204030204" pitchFamily="49" charset="0"/>
-                  </a:rPr>
-                  <a:t>, data=</a:t>
-                </a:r>
-                <a:r>
-                  <a:rPr lang="en-US" sz="1800" dirty="0" err="1">
-                    <a:latin typeface="Consolas" panose="020B0609020204030204" pitchFamily="49" charset="0"/>
-                  </a:rPr>
-                  <a:t>chol</a:t>
-                </a:r>
-                <a:r>
-                  <a:rPr lang="en-US" sz="1800" dirty="0">
-                    <a:latin typeface="Consolas" panose="020B0609020204030204" pitchFamily="49" charset="0"/>
-                  </a:rPr>
-                  <a:t>) %&gt;% summary()</a:t>
-                </a:r>
-              </a:p>
-              <a:p>
-                <a:pPr marL="0" indent="0">
-                  <a:lnSpc>
-                    <a:spcPct val="120000"/>
-                  </a:lnSpc>
-                  <a:spcBef>
-                    <a:spcPts val="0"/>
-                  </a:spcBef>
-                  <a:buNone/>
-                </a:pPr>
-                <a:endParaRPr lang="en-US" sz="1800" dirty="0">
-                  <a:latin typeface="Consolas" panose="020B0609020204030204" pitchFamily="49" charset="0"/>
-                </a:endParaRPr>
-              </a:p>
-              <a:p>
-                <a:pPr marL="0" indent="0">
-                  <a:lnSpc>
-                    <a:spcPct val="120000"/>
-                  </a:lnSpc>
-                  <a:spcBef>
-                    <a:spcPts val="0"/>
-                  </a:spcBef>
-                  <a:buNone/>
-                </a:pPr>
-                <a:r>
-                  <a:rPr lang="en-US" sz="1800" dirty="0">
-                    <a:latin typeface="Consolas" panose="020B0609020204030204" pitchFamily="49" charset="0"/>
-                  </a:rPr>
-                  <a:t>Call:</a:t>
-                </a:r>
-              </a:p>
-              <a:p>
-                <a:pPr marL="0" indent="0">
-                  <a:lnSpc>
-                    <a:spcPct val="120000"/>
-                  </a:lnSpc>
-                  <a:spcBef>
-                    <a:spcPts val="0"/>
-                  </a:spcBef>
-                  <a:buNone/>
-                </a:pPr>
-                <a:r>
-                  <a:rPr lang="en-US" sz="1800" dirty="0" err="1">
-                    <a:latin typeface="Consolas" panose="020B0609020204030204" pitchFamily="49" charset="0"/>
-                  </a:rPr>
-                  <a:t>lm</a:t>
-                </a:r>
-                <a:r>
-                  <a:rPr lang="en-US" sz="1800" dirty="0">
-                    <a:latin typeface="Consolas" panose="020B0609020204030204" pitchFamily="49" charset="0"/>
-                  </a:rPr>
-                  <a:t>(formula = </a:t>
-                </a:r>
-                <a:r>
-                  <a:rPr lang="en-US" sz="1800" dirty="0" err="1">
-                    <a:latin typeface="Consolas" panose="020B0609020204030204" pitchFamily="49" charset="0"/>
-                  </a:rPr>
-                  <a:t>chol</a:t>
-                </a:r>
-                <a:r>
-                  <a:rPr lang="en-US" sz="1800" dirty="0">
-                    <a:latin typeface="Consolas" panose="020B0609020204030204" pitchFamily="49" charset="0"/>
-                  </a:rPr>
-                  <a:t> ~ </a:t>
-                </a:r>
-                <a:r>
-                  <a:rPr lang="en-US" sz="1800" dirty="0" err="1">
-                    <a:latin typeface="Consolas" panose="020B0609020204030204" pitchFamily="49" charset="0"/>
-                  </a:rPr>
-                  <a:t>sbp</a:t>
-                </a:r>
-                <a:r>
-                  <a:rPr lang="en-US" sz="1800" dirty="0">
-                    <a:latin typeface="Consolas" panose="020B0609020204030204" pitchFamily="49" charset="0"/>
-                  </a:rPr>
-                  <a:t> + </a:t>
-                </a:r>
-                <a:r>
-                  <a:rPr lang="en-US" sz="1800" dirty="0" err="1">
-                    <a:latin typeface="Consolas" panose="020B0609020204030204" pitchFamily="49" charset="0"/>
-                  </a:rPr>
-                  <a:t>dbp</a:t>
-                </a:r>
-                <a:r>
-                  <a:rPr lang="en-US" sz="1800" dirty="0">
-                    <a:latin typeface="Consolas" panose="020B0609020204030204" pitchFamily="49" charset="0"/>
-                  </a:rPr>
-                  <a:t>, data = </a:t>
-                </a:r>
-                <a:r>
-                  <a:rPr lang="en-US" sz="1800" dirty="0" err="1">
-                    <a:latin typeface="Consolas" panose="020B0609020204030204" pitchFamily="49" charset="0"/>
-                  </a:rPr>
-                  <a:t>chol</a:t>
-                </a:r>
-                <a:r>
-                  <a:rPr lang="en-US" sz="1800" dirty="0">
-                    <a:latin typeface="Consolas" panose="020B0609020204030204" pitchFamily="49" charset="0"/>
-                  </a:rPr>
-                  <a:t>)</a:t>
-                </a:r>
-              </a:p>
-              <a:p>
-                <a:pPr marL="0" indent="0">
-                  <a:lnSpc>
-                    <a:spcPct val="120000"/>
-                  </a:lnSpc>
-                  <a:spcBef>
-                    <a:spcPts val="0"/>
-                  </a:spcBef>
-                  <a:buNone/>
-                </a:pPr>
-                <a:endParaRPr lang="en-US" sz="1800" dirty="0">
-                  <a:latin typeface="Consolas" panose="020B0609020204030204" pitchFamily="49" charset="0"/>
-                </a:endParaRPr>
-              </a:p>
-              <a:p>
-                <a:pPr marL="0" indent="0">
-                  <a:lnSpc>
-                    <a:spcPct val="120000"/>
-                  </a:lnSpc>
-                  <a:spcBef>
-                    <a:spcPts val="0"/>
-                  </a:spcBef>
-                  <a:buNone/>
-                </a:pPr>
-                <a:r>
-                  <a:rPr lang="en-US" sz="1800" dirty="0">
-                    <a:latin typeface="Consolas" panose="020B0609020204030204" pitchFamily="49" charset="0"/>
-                  </a:rPr>
-                  <a:t>Residuals:</a:t>
-                </a:r>
-              </a:p>
-              <a:p>
-                <a:pPr marL="0" indent="0">
-                  <a:lnSpc>
-                    <a:spcPct val="120000"/>
-                  </a:lnSpc>
-                  <a:spcBef>
-                    <a:spcPts val="0"/>
-                  </a:spcBef>
-                  <a:buNone/>
-                </a:pPr>
-                <a:r>
-                  <a:rPr lang="en-US" sz="1800" dirty="0">
-                    <a:latin typeface="Consolas" panose="020B0609020204030204" pitchFamily="49" charset="0"/>
-                  </a:rPr>
-                  <a:t>    Min      1Q  Median      3Q     Max </a:t>
-                </a:r>
-              </a:p>
-              <a:p>
-                <a:pPr marL="0" indent="0">
-                  <a:lnSpc>
-                    <a:spcPct val="120000"/>
-                  </a:lnSpc>
-                  <a:spcBef>
-                    <a:spcPts val="0"/>
-                  </a:spcBef>
-                  <a:buNone/>
-                </a:pPr>
-                <a:r>
-                  <a:rPr lang="en-US" sz="1800" dirty="0">
-                    <a:latin typeface="Consolas" panose="020B0609020204030204" pitchFamily="49" charset="0"/>
-                  </a:rPr>
-                  <a:t>-111.11  -41.81  -18.62   25.44  275.44 </a:t>
-                </a:r>
-              </a:p>
-              <a:p>
-                <a:pPr marL="0" indent="0">
-                  <a:lnSpc>
-                    <a:spcPct val="120000"/>
-                  </a:lnSpc>
-                  <a:spcBef>
-                    <a:spcPts val="0"/>
-                  </a:spcBef>
-                  <a:buNone/>
-                </a:pPr>
-                <a:endParaRPr lang="en-US" sz="1800" dirty="0">
-                  <a:latin typeface="Consolas" panose="020B0609020204030204" pitchFamily="49" charset="0"/>
-                </a:endParaRPr>
-              </a:p>
-              <a:p>
-                <a:pPr marL="0" indent="0">
-                  <a:lnSpc>
-                    <a:spcPct val="120000"/>
-                  </a:lnSpc>
-                  <a:spcBef>
-                    <a:spcPts val="0"/>
-                  </a:spcBef>
-                  <a:buNone/>
-                </a:pPr>
-                <a:r>
-                  <a:rPr lang="en-US" sz="1800" dirty="0">
-                    <a:latin typeface="Consolas" panose="020B0609020204030204" pitchFamily="49" charset="0"/>
-                  </a:rPr>
-                  <a:t>Coefficients:</a:t>
-                </a:r>
-              </a:p>
-              <a:p>
-                <a:pPr marL="0" indent="0">
-                  <a:lnSpc>
-                    <a:spcPct val="120000"/>
-                  </a:lnSpc>
-                  <a:spcBef>
-                    <a:spcPts val="0"/>
-                  </a:spcBef>
-                  <a:buNone/>
-                </a:pPr>
-                <a:r>
-                  <a:rPr lang="en-US" sz="1800" dirty="0">
-                    <a:latin typeface="Consolas" panose="020B0609020204030204" pitchFamily="49" charset="0"/>
-                  </a:rPr>
-                  <a:t>            Estimate Std. Error t value </a:t>
-                </a:r>
-                <a:r>
-                  <a:rPr lang="en-US" sz="1800" dirty="0" err="1">
-                    <a:latin typeface="Consolas" panose="020B0609020204030204" pitchFamily="49" charset="0"/>
-                  </a:rPr>
-                  <a:t>Pr</a:t>
-                </a:r>
-                <a:r>
-                  <a:rPr lang="en-US" sz="1800" dirty="0">
-                    <a:latin typeface="Consolas" panose="020B0609020204030204" pitchFamily="49" charset="0"/>
-                  </a:rPr>
-                  <a:t>(&gt;|t|)   </a:t>
-                </a:r>
-              </a:p>
-              <a:p>
-                <a:pPr marL="0" indent="0">
-                  <a:lnSpc>
-                    <a:spcPct val="120000"/>
-                  </a:lnSpc>
-                  <a:spcBef>
-                    <a:spcPts val="0"/>
-                  </a:spcBef>
-                  <a:buNone/>
-                </a:pPr>
-                <a:r>
-                  <a:rPr lang="en-US" sz="1800" dirty="0">
-                    <a:latin typeface="Consolas" panose="020B0609020204030204" pitchFamily="49" charset="0"/>
-                  </a:rPr>
-                  <a:t>(Intercept)  97.5134    32.2223   3.026  0.00283 **</a:t>
-                </a:r>
-              </a:p>
-              <a:p>
-                <a:pPr marL="0" indent="0">
-                  <a:lnSpc>
-                    <a:spcPct val="120000"/>
-                  </a:lnSpc>
-                  <a:spcBef>
-                    <a:spcPts val="0"/>
-                  </a:spcBef>
-                  <a:buNone/>
-                </a:pPr>
-                <a:r>
-                  <a:rPr lang="en-US" sz="1800" dirty="0" err="1">
-                    <a:latin typeface="Consolas" panose="020B0609020204030204" pitchFamily="49" charset="0"/>
-                  </a:rPr>
-                  <a:t>sbp</a:t>
-                </a:r>
-                <a:r>
-                  <a:rPr lang="en-US" sz="1800" dirty="0">
-                    <a:latin typeface="Consolas" panose="020B0609020204030204" pitchFamily="49" charset="0"/>
-                  </a:rPr>
-                  <a:t>           0.5336     0.3544   1.506  0.13388   </a:t>
-                </a:r>
-              </a:p>
-              <a:p>
-                <a:pPr marL="0" indent="0">
-                  <a:lnSpc>
-                    <a:spcPct val="120000"/>
-                  </a:lnSpc>
-                  <a:spcBef>
-                    <a:spcPts val="0"/>
-                  </a:spcBef>
-                  <a:buNone/>
-                </a:pPr>
-                <a:r>
-                  <a:rPr lang="en-US" sz="1800" dirty="0" err="1">
-                    <a:latin typeface="Consolas" panose="020B0609020204030204" pitchFamily="49" charset="0"/>
-                  </a:rPr>
-                  <a:t>dbp</a:t>
-                </a:r>
-                <a:r>
-                  <a:rPr lang="en-US" sz="1800" dirty="0">
-                    <a:latin typeface="Consolas" panose="020B0609020204030204" pitchFamily="49" charset="0"/>
-                  </a:rPr>
-                  <a:t>           0.5210     0.5115   1.019  0.30975   </a:t>
-                </a:r>
-              </a:p>
-              <a:p>
-                <a:pPr marL="0" indent="0">
-                  <a:lnSpc>
-                    <a:spcPct val="120000"/>
-                  </a:lnSpc>
-                  <a:spcBef>
-                    <a:spcPts val="0"/>
-                  </a:spcBef>
-                  <a:buNone/>
-                </a:pPr>
-                <a:r>
-                  <a:rPr lang="en-US" sz="1800" dirty="0">
-                    <a:latin typeface="Consolas" panose="020B0609020204030204" pitchFamily="49" charset="0"/>
-                  </a:rPr>
-                  <a:t>---</a:t>
-                </a:r>
-              </a:p>
-              <a:p>
-                <a:pPr marL="0" indent="0">
-                  <a:lnSpc>
-                    <a:spcPct val="120000"/>
-                  </a:lnSpc>
-                  <a:spcBef>
-                    <a:spcPts val="0"/>
-                  </a:spcBef>
-                  <a:buNone/>
-                </a:pPr>
-                <a:r>
-                  <a:rPr lang="en-US" sz="1800" dirty="0" err="1">
-                    <a:latin typeface="Consolas" panose="020B0609020204030204" pitchFamily="49" charset="0"/>
-                  </a:rPr>
-                  <a:t>Signif</a:t>
-                </a:r>
-                <a:r>
-                  <a:rPr lang="en-US" sz="1800" dirty="0">
-                    <a:latin typeface="Consolas" panose="020B0609020204030204" pitchFamily="49" charset="0"/>
-                  </a:rPr>
-                  <a:t>. codes:  0 ‘***’ 0.001 ‘**’ 0.01 ‘*’ 0.05 ‘.’ 0.1 ‘ ’ 1</a:t>
-                </a:r>
-              </a:p>
-              <a:p>
-                <a:pPr marL="0" indent="0">
-                  <a:lnSpc>
-                    <a:spcPct val="120000"/>
-                  </a:lnSpc>
-                  <a:spcBef>
-                    <a:spcPts val="0"/>
-                  </a:spcBef>
-                  <a:buNone/>
-                </a:pPr>
-                <a:endParaRPr lang="en-US" sz="1800" dirty="0">
-                  <a:latin typeface="Consolas" panose="020B0609020204030204" pitchFamily="49" charset="0"/>
-                </a:endParaRPr>
-              </a:p>
-              <a:p>
-                <a:pPr marL="0" indent="0">
-                  <a:lnSpc>
-                    <a:spcPct val="120000"/>
-                  </a:lnSpc>
-                  <a:spcBef>
-                    <a:spcPts val="0"/>
-                  </a:spcBef>
-                  <a:buNone/>
-                </a:pPr>
-                <a:r>
-                  <a:rPr lang="en-US" sz="1800" dirty="0">
-                    <a:latin typeface="Consolas" panose="020B0609020204030204" pitchFamily="49" charset="0"/>
-                  </a:rPr>
-                  <a:t>Residual standard error: 65.32 on 185 degrees of freedom</a:t>
-                </a:r>
-              </a:p>
-              <a:p>
-                <a:pPr marL="0" indent="0">
-                  <a:lnSpc>
-                    <a:spcPct val="120000"/>
-                  </a:lnSpc>
-                  <a:spcBef>
-                    <a:spcPts val="0"/>
-                  </a:spcBef>
-                  <a:buNone/>
-                </a:pPr>
-                <a:r>
-                  <a:rPr lang="en-US" sz="1800" dirty="0">
-                    <a:latin typeface="Consolas" panose="020B0609020204030204" pitchFamily="49" charset="0"/>
-                  </a:rPr>
-                  <a:t>Multiple R-squared:  0.05151,	Adjusted R-squared:  0.04125 </a:t>
-                </a:r>
-              </a:p>
-              <a:p>
-                <a:pPr marL="0" indent="0">
-                  <a:lnSpc>
-                    <a:spcPct val="120000"/>
-                  </a:lnSpc>
-                  <a:spcBef>
-                    <a:spcPts val="0"/>
-                  </a:spcBef>
-                  <a:buNone/>
-                </a:pPr>
-                <a:r>
-                  <a:rPr lang="en-US" sz="1800" dirty="0">
-                    <a:latin typeface="Consolas" panose="020B0609020204030204" pitchFamily="49" charset="0"/>
-                  </a:rPr>
-                  <a:t>F-statistic: 5.023 on 2 and 185 DF,  p-value: 0.007509</a:t>
-                </a:r>
-              </a:p>
-              <a:p>
-                <a:pPr marL="0" indent="0">
-                  <a:lnSpc>
-                    <a:spcPct val="120000"/>
-                  </a:lnSpc>
-                  <a:spcBef>
-                    <a:spcPts val="0"/>
-                  </a:spcBef>
-                  <a:buNone/>
-                </a:pPr>
                 <a:endParaRPr lang="en-US" sz="1800" dirty="0">
                   <a:latin typeface="Consolas" panose="020B0609020204030204" pitchFamily="49" charset="0"/>
                 </a:endParaRPr>
@@ -5582,7 +5333,7 @@
             </p:txBody>
           </p:sp>
         </mc:Choice>
-        <mc:Fallback xmlns="">
+        <mc:Fallback>
           <p:sp>
             <p:nvSpPr>
               <p:cNvPr id="3" name="Content Placeholder 2">
@@ -5601,13 +5352,13 @@
             </p:nvSpPr>
             <p:spPr>
               <a:xfrm>
-                <a:off x="838200" y="1466850"/>
-                <a:ext cx="11023600" cy="5226050"/>
+                <a:off x="949234" y="999468"/>
+                <a:ext cx="10851606" cy="5226050"/>
               </a:xfrm>
               <a:blipFill>
                 <a:blip r:embed="rId2"/>
                 <a:stretch>
-                  <a:fillRect l="-830" t="-933"/>
+                  <a:fillRect l="-899" t="-117"/>
                 </a:stretch>
               </a:blipFill>
             </p:spPr>
@@ -5626,6 +5377,264 @@
           </p:sp>
         </mc:Fallback>
       </mc:AlternateContent>
+      <p:graphicFrame>
+        <p:nvGraphicFramePr>
+          <p:cNvPr id="4" name="Table 3">
+            <a:extLst>
+              <a:ext uri="{FF2B5EF4-FFF2-40B4-BE49-F238E27FC236}">
+                <a16:creationId xmlns:a16="http://schemas.microsoft.com/office/drawing/2014/main" id="{391B07C6-B75A-ACFB-6E37-3C6C4982D43B}"/>
+              </a:ext>
+            </a:extLst>
+          </p:cNvPr>
+          <p:cNvGraphicFramePr>
+            <a:graphicFrameLocks noGrp="1"/>
+          </p:cNvGraphicFramePr>
+          <p:nvPr>
+            <p:extLst>
+              <p:ext uri="{D42A27DB-BD31-4B8C-83A1-F6EECF244321}">
+                <p14:modId xmlns:p14="http://schemas.microsoft.com/office/powerpoint/2010/main" val="3193552526"/>
+              </p:ext>
+            </p:extLst>
+          </p:nvPr>
+        </p:nvGraphicFramePr>
+        <p:xfrm>
+          <a:off x="3413758" y="5534297"/>
+          <a:ext cx="4780644" cy="914400"/>
+        </p:xfrm>
+        <a:graphic>
+          <a:graphicData uri="http://schemas.openxmlformats.org/drawingml/2006/table">
+            <a:tbl>
+              <a:tblPr firstRow="1" bandRow="1">
+                <a:tableStyleId>{9D7B26C5-4107-4FEC-AEDC-1716B250A1EF}</a:tableStyleId>
+              </a:tblPr>
+              <a:tblGrid>
+                <a:gridCol w="1195161">
+                  <a:extLst>
+                    <a:ext uri="{9D8B030D-6E8A-4147-A177-3AD203B41FA5}">
+                      <a16:colId xmlns:a16="http://schemas.microsoft.com/office/drawing/2014/main" val="3610539225"/>
+                    </a:ext>
+                  </a:extLst>
+                </a:gridCol>
+                <a:gridCol w="1195161">
+                  <a:extLst>
+                    <a:ext uri="{9D8B030D-6E8A-4147-A177-3AD203B41FA5}">
+                      <a16:colId xmlns:a16="http://schemas.microsoft.com/office/drawing/2014/main" val="592834550"/>
+                    </a:ext>
+                  </a:extLst>
+                </a:gridCol>
+                <a:gridCol w="1195161">
+                  <a:extLst>
+                    <a:ext uri="{9D8B030D-6E8A-4147-A177-3AD203B41FA5}">
+                      <a16:colId xmlns:a16="http://schemas.microsoft.com/office/drawing/2014/main" val="2756037168"/>
+                    </a:ext>
+                  </a:extLst>
+                </a:gridCol>
+                <a:gridCol w="1195161">
+                  <a:extLst>
+                    <a:ext uri="{9D8B030D-6E8A-4147-A177-3AD203B41FA5}">
+                      <a16:colId xmlns:a16="http://schemas.microsoft.com/office/drawing/2014/main" val="658975114"/>
+                    </a:ext>
+                  </a:extLst>
+                </a:gridCol>
+              </a:tblGrid>
+              <a:tr h="195141">
+                <a:tc>
+                  <a:txBody>
+                    <a:bodyPr/>
+                    <a:lstStyle/>
+                    <a:p>
+                      <a:pPr algn="ctr"/>
+                      <a:r>
+                        <a:rPr lang="en-US" sz="1400" dirty="0"/>
+                        <a:t>Model</a:t>
+                      </a:r>
+                    </a:p>
+                  </a:txBody>
+                  <a:tcPr/>
+                </a:tc>
+                <a:tc>
+                  <a:txBody>
+                    <a:bodyPr/>
+                    <a:lstStyle/>
+                    <a:p>
+                      <a:pPr algn="ctr"/>
+                      <a:r>
+                        <a:rPr lang="en-US" sz="1400" dirty="0"/>
+                        <a:t>Beta</a:t>
+                      </a:r>
+                    </a:p>
+                  </a:txBody>
+                  <a:tcPr/>
+                </a:tc>
+                <a:tc>
+                  <a:txBody>
+                    <a:bodyPr/>
+                    <a:lstStyle/>
+                    <a:p>
+                      <a:pPr algn="ctr"/>
+                      <a:r>
+                        <a:rPr lang="en-US" sz="1400" dirty="0"/>
+                        <a:t>P-Value</a:t>
+                      </a:r>
+                    </a:p>
+                  </a:txBody>
+                  <a:tcPr/>
+                </a:tc>
+                <a:tc>
+                  <a:txBody>
+                    <a:bodyPr/>
+                    <a:lstStyle/>
+                    <a:p>
+                      <a:pPr algn="ctr"/>
+                      <a:r>
+                        <a:rPr lang="en-US" sz="1400" dirty="0"/>
+                        <a:t>R</a:t>
+                      </a:r>
+                      <a:r>
+                        <a:rPr lang="en-US" sz="1400" baseline="30000" dirty="0"/>
+                        <a:t>2</a:t>
+                      </a:r>
+                      <a:endParaRPr lang="en-US" sz="1400" dirty="0"/>
+                    </a:p>
+                  </a:txBody>
+                  <a:tcPr/>
+                </a:tc>
+                <a:extLst>
+                  <a:ext uri="{0D108BD9-81ED-4DB2-BD59-A6C34878D82A}">
+                    <a16:rowId xmlns:a16="http://schemas.microsoft.com/office/drawing/2014/main" val="1997953719"/>
+                  </a:ext>
+                </a:extLst>
+              </a:tr>
+              <a:tr h="195141">
+                <a:tc>
+                  <a:txBody>
+                    <a:bodyPr/>
+                    <a:lstStyle/>
+                    <a:p>
+                      <a:pPr algn="ctr"/>
+                      <a:r>
+                        <a:rPr lang="en-US" sz="1400" dirty="0"/>
+                        <a:t>1: SBP</a:t>
+                      </a:r>
+                    </a:p>
+                  </a:txBody>
+                  <a:tcPr/>
+                </a:tc>
+                <a:tc>
+                  <a:txBody>
+                    <a:bodyPr/>
+                    <a:lstStyle/>
+                    <a:p>
+                      <a:pPr algn="ctr"/>
+                      <a:r>
+                        <a:rPr lang="en-US" sz="1400" dirty="0"/>
+                        <a:t>0.78</a:t>
+                      </a:r>
+                    </a:p>
+                  </a:txBody>
+                  <a:tcPr/>
+                </a:tc>
+                <a:tc>
+                  <a:txBody>
+                    <a:bodyPr/>
+                    <a:lstStyle/>
+                    <a:p>
+                      <a:pPr algn="ctr"/>
+                      <a:r>
+                        <a:rPr lang="en-US" sz="1400" dirty="0"/>
+                        <a:t>0.003</a:t>
+                      </a:r>
+                    </a:p>
+                  </a:txBody>
+                  <a:tcPr/>
+                </a:tc>
+                <a:tc>
+                  <a:txBody>
+                    <a:bodyPr/>
+                    <a:lstStyle/>
+                    <a:p>
+                      <a:pPr algn="ctr"/>
+                      <a:r>
+                        <a:rPr lang="en-US" sz="1400" dirty="0"/>
+                        <a:t>0.05</a:t>
+                      </a:r>
+                    </a:p>
+                  </a:txBody>
+                  <a:tcPr/>
+                </a:tc>
+                <a:extLst>
+                  <a:ext uri="{0D108BD9-81ED-4DB2-BD59-A6C34878D82A}">
+                    <a16:rowId xmlns:a16="http://schemas.microsoft.com/office/drawing/2014/main" val="2172243341"/>
+                  </a:ext>
+                </a:extLst>
+              </a:tr>
+              <a:tr h="195141">
+                <a:tc>
+                  <a:txBody>
+                    <a:bodyPr/>
+                    <a:lstStyle/>
+                    <a:p>
+                      <a:pPr algn="ctr"/>
+                      <a:r>
+                        <a:rPr lang="en-US" sz="1400" dirty="0"/>
+                        <a:t>2: DBP</a:t>
+                      </a:r>
+                    </a:p>
+                  </a:txBody>
+                  <a:tcPr/>
+                </a:tc>
+                <a:tc>
+                  <a:txBody>
+                    <a:bodyPr/>
+                    <a:lstStyle/>
+                    <a:p>
+                      <a:pPr algn="ctr"/>
+                      <a:r>
+                        <a:rPr lang="en-US" sz="1400" dirty="0"/>
+                        <a:t>1.05</a:t>
+                      </a:r>
+                    </a:p>
+                  </a:txBody>
+                  <a:tcPr/>
+                </a:tc>
+                <a:tc>
+                  <a:txBody>
+                    <a:bodyPr/>
+                    <a:lstStyle/>
+                    <a:p>
+                      <a:pPr algn="ctr"/>
+                      <a:r>
+                        <a:rPr lang="en-US" sz="1400" dirty="0"/>
+                        <a:t>0.006</a:t>
+                      </a:r>
+                    </a:p>
+                  </a:txBody>
+                  <a:tcPr/>
+                </a:tc>
+                <a:tc>
+                  <a:txBody>
+                    <a:bodyPr/>
+                    <a:lstStyle/>
+                    <a:p>
+                      <a:pPr algn="ctr"/>
+                      <a:r>
+                        <a:rPr lang="en-US" sz="1400" dirty="0"/>
+                        <a:t>0.04</a:t>
+                      </a:r>
+                    </a:p>
+                  </a:txBody>
+                  <a:tcPr/>
+                </a:tc>
+                <a:extLst>
+                  <a:ext uri="{0D108BD9-81ED-4DB2-BD59-A6C34878D82A}">
+                    <a16:rowId xmlns:a16="http://schemas.microsoft.com/office/drawing/2014/main" val="1864911991"/>
+                  </a:ext>
+                </a:extLst>
+              </a:tr>
+            </a:tbl>
+          </a:graphicData>
+        </a:graphic>
+      </p:graphicFrame>
     </p:spTree>
     <p:extLst>
       <p:ext uri="{BB962C8B-B14F-4D97-AF65-F5344CB8AC3E}">
@@ -5730,7 +5739,7 @@
             </a:pPr>
             <a:r>
               <a:rPr lang="en-US" sz="2400" dirty="0"/>
-              <a:t>I.e., part of the reason that SBP is associated with cholesterol is because DBP is associated with cholesterol, and SBP is associated with DBP</a:t>
+              <a:t>i.e., part of the reason that SBP is associated with cholesterol is because DBP is associated with cholesterol, and SBP is associated with DBP</a:t>
             </a:r>
           </a:p>
           <a:p>
@@ -6348,8 +6357,8 @@
         </p:nvSpPr>
         <p:spPr>
           <a:xfrm>
-            <a:off x="838200" y="1825625"/>
-            <a:ext cx="10623550" cy="4351338"/>
+            <a:off x="838199" y="1825625"/>
+            <a:ext cx="10996749" cy="4351338"/>
           </a:xfrm>
         </p:spPr>
         <p:txBody>
@@ -6358,19 +6367,40 @@
           <a:p>
             <a:r>
               <a:rPr lang="en-US" dirty="0"/>
-              <a:t>Last session we discussed how to use a dichotomous/binary predictor</a:t>
-            </a:r>
-          </a:p>
-          <a:p>
-            <a:r>
+              <a:t>Last session we discussed linear regression with a </a:t>
+            </a:r>
+            <a:br>
               <a:rPr lang="en-US" dirty="0"/>
-              <a:t>How could we use a regression approach with a multi-category predictor?</a:t>
-            </a:r>
-          </a:p>
-          <a:p>
+            </a:br>
             <a:r>
               <a:rPr lang="en-US" dirty="0"/>
-              <a:t>Example: is manufacturer associated with MPG? (We’ll only focus on 4 manufacturers for simplicity)</a:t>
+              <a:t>dichotomous/binary predictor</a:t>
+            </a:r>
+          </a:p>
+          <a:p>
+            <a:r>
+              <a:rPr lang="en-US" dirty="0"/>
+              <a:t>How could we use a regression approach with a </a:t>
+            </a:r>
+            <a:br>
+              <a:rPr lang="en-US" dirty="0"/>
+            </a:br>
+            <a:r>
+              <a:rPr lang="en-US" dirty="0"/>
+              <a:t>multi-category predictor?</a:t>
+            </a:r>
+          </a:p>
+          <a:p>
+            <a:r>
+              <a:rPr lang="en-US" dirty="0"/>
+              <a:t>Example: is city miles per gallon (Y) associated with car manufacturer (X)? </a:t>
+            </a:r>
+            <a:br>
+              <a:rPr lang="en-US" dirty="0"/>
+            </a:br>
+            <a:r>
+              <a:rPr lang="en-US" dirty="0"/>
+              <a:t>(We’ll focus on only 4 manufacturers for simplicity)</a:t>
             </a:r>
           </a:p>
         </p:txBody>
@@ -6433,8 +6463,8 @@
           </a:p>
         </p:txBody>
       </p:sp>
-      <mc:AlternateContent xmlns:mc="http://schemas.openxmlformats.org/markup-compatibility/2006" xmlns:a14="http://schemas.microsoft.com/office/drawing/2010/main">
-        <mc:Choice Requires="a14">
+      <mc:AlternateContent xmlns:mc="http://schemas.openxmlformats.org/markup-compatibility/2006">
+        <mc:Choice xmlns:a14="http://schemas.microsoft.com/office/drawing/2010/main" Requires="a14">
           <p:sp>
             <p:nvSpPr>
               <p:cNvPr id="3" name="Content Placeholder 2">
@@ -6572,7 +6602,15 @@
                 </a14:m>
                 <a:r>
                   <a:rPr lang="en-US" dirty="0"/>
-                  <a:t>, when all other X variables are held constant.</a:t>
+                  <a:t>, </a:t>
+                </a:r>
+                <a:r>
+                  <a:rPr lang="en-US" b="1" dirty="0"/>
+                  <a:t>when all other X variables are held constant</a:t>
+                </a:r>
+                <a:r>
+                  <a:rPr lang="en-US" dirty="0"/>
+                  <a:t>.</a:t>
                 </a:r>
               </a:p>
               <a:p>
@@ -6583,7 +6621,14 @@
                 </a:pPr>
                 <a:r>
                   <a:rPr lang="en-US" dirty="0"/>
-                  <a:t>The slope estimates represent partial regression coefficients. The following terminology is interchangeably used:</a:t>
+                  <a:t>The slope estimates represent “partial” regression coefficients. </a:t>
+                </a:r>
+                <a:br>
+                  <a:rPr lang="en-US" dirty="0"/>
+                </a:br>
+                <a:r>
+                  <a:rPr lang="en-US" dirty="0"/>
+                  <a:t>The following terminology is also interchangeably used:</a:t>
                 </a:r>
               </a:p>
               <a:p>
@@ -6636,7 +6681,7 @@
             </p:txBody>
           </p:sp>
         </mc:Choice>
-        <mc:Fallback xmlns="">
+        <mc:Fallback>
           <p:sp>
             <p:nvSpPr>
               <p:cNvPr id="3" name="Content Placeholder 2">
@@ -8939,8 +8984,8 @@
           </a:p>
         </p:txBody>
       </p:sp>
-      <mc:AlternateContent xmlns:mc="http://schemas.openxmlformats.org/markup-compatibility/2006" xmlns:a14="http://schemas.microsoft.com/office/drawing/2010/main">
-        <mc:Choice Requires="a14">
+      <mc:AlternateContent xmlns:mc="http://schemas.openxmlformats.org/markup-compatibility/2006">
+        <mc:Choice xmlns:a14="http://schemas.microsoft.com/office/drawing/2010/main" Requires="a14">
           <p:sp>
             <p:nvSpPr>
               <p:cNvPr id="3" name="Content Placeholder 2">
@@ -9101,7 +9146,7 @@
             </p:txBody>
           </p:sp>
         </mc:Choice>
-        <mc:Fallback xmlns="">
+        <mc:Fallback>
           <p:sp>
             <p:nvSpPr>
               <p:cNvPr id="3" name="Content Placeholder 2">
@@ -9665,7 +9710,7 @@
             </a:pPr>
             <a:r>
               <a:rPr lang="en-US" dirty="0"/>
-              <a:t>If we were interested in the relationship between triglycerides and cholesterol, we might want to develop a model that provides the best “picture” of this relationship</a:t>
+              <a:t>If we were interested in the association between triglycerides and cholesterol, we might want to develop a model that provides the best “picture” of this association</a:t>
             </a:r>
           </a:p>
           <a:p>
@@ -9816,7 +9861,14 @@
             </a:pPr>
             <a:r>
               <a:rPr lang="en-US" dirty="0"/>
-              <a:t>Our original research question might be: how is triglycerides related to cholesterol?</a:t>
+              <a:t>Our original research question might be: </a:t>
+            </a:r>
+            <a:br>
+              <a:rPr lang="en-US" dirty="0"/>
+            </a:br>
+            <a:r>
+              <a:rPr lang="en-US" dirty="0"/>
+              <a:t>how is triglycerides related to cholesterol?</a:t>
             </a:r>
           </a:p>
           <a:p>
@@ -10747,7 +10799,14 @@
             </a:pPr>
             <a:r>
               <a:rPr lang="en-US" dirty="0"/>
-              <a:t>We can conclude age is a confounder of this relationship and, to get a better sense of the relationship between triglycerides and cholesterol, we should include age in the model</a:t>
+              <a:t>We can conclude age is a confounder of this relationship and, to get a better sense of the relationship between triglycerides and cholesterol, </a:t>
+            </a:r>
+            <a:br>
+              <a:rPr lang="en-US" dirty="0"/>
+            </a:br>
+            <a:r>
+              <a:rPr lang="en-US" dirty="0"/>
+              <a:t>we should include age in the model</a:t>
             </a:r>
           </a:p>
           <a:p>
@@ -10758,7 +10817,7 @@
             </a:pPr>
             <a:r>
               <a:rPr lang="en-US" dirty="0"/>
-              <a:t>Note: we include age as a confounder regardless of its significance</a:t>
+              <a:t>Note: we include age as a confounder regardless of its statistical significance</a:t>
             </a:r>
           </a:p>
           <a:p>
@@ -10988,8 +11047,8 @@
         </p:nvSpPr>
         <p:spPr>
           <a:xfrm>
-            <a:off x="838200" y="1825625"/>
-            <a:ext cx="4660900" cy="4351338"/>
+            <a:off x="696687" y="1825625"/>
+            <a:ext cx="5111930" cy="4351338"/>
           </a:xfrm>
         </p:spPr>
         <p:txBody>
@@ -11001,14 +11060,6 @@
             <a:pPr marL="0" indent="0">
               <a:buNone/>
             </a:pPr>
-            <a:endParaRPr lang="en-US" sz="1600" dirty="0">
-              <a:latin typeface="Consolas" panose="020B0609020204030204" pitchFamily="49" charset="0"/>
-            </a:endParaRPr>
-          </a:p>
-          <a:p>
-            <a:pPr marL="0" indent="0">
-              <a:buNone/>
-            </a:pPr>
             <a:r>
               <a:rPr lang="en-US" sz="1600" dirty="0">
                 <a:latin typeface="Consolas" panose="020B0609020204030204" pitchFamily="49" charset="0"/>
@@ -11103,11 +11154,6 @@
               </a:rPr>
               <a:t>()</a:t>
             </a:r>
-            <a:br>
-              <a:rPr lang="en-US" sz="1600" dirty="0">
-                <a:latin typeface="Consolas" panose="020B0609020204030204" pitchFamily="49" charset="0"/>
-              </a:rPr>
-            </a:br>
             <a:br>
               <a:rPr lang="en-US" sz="1600" dirty="0">
                 <a:latin typeface="Consolas" panose="020B0609020204030204" pitchFamily="49" charset="0"/>
@@ -11121,6 +11167,120 @@
             <a:pPr marL="0" indent="0">
               <a:buNone/>
             </a:pPr>
+            <a:r>
+              <a:rPr lang="en-US" sz="1600" dirty="0">
+                <a:solidFill>
+                  <a:schemeClr val="bg1">
+                    <a:lumMod val="50000"/>
+                  </a:schemeClr>
+                </a:solidFill>
+                <a:latin typeface="Consolas" panose="020B0609020204030204" pitchFamily="49" charset="0"/>
+              </a:rPr>
+              <a:t>OR</a:t>
+            </a:r>
+          </a:p>
+          <a:p>
+            <a:pPr marL="0" indent="0">
+              <a:buNone/>
+            </a:pPr>
+            <a:r>
+              <a:rPr lang="en-US" sz="1600" dirty="0">
+                <a:solidFill>
+                  <a:schemeClr val="bg1">
+                    <a:lumMod val="50000"/>
+                  </a:schemeClr>
+                </a:solidFill>
+                <a:latin typeface="Consolas" panose="020B0609020204030204" pitchFamily="49" charset="0"/>
+              </a:rPr>
+              <a:t>mpg2 &lt;-  subset(mpg, manufacturer %in%   c("dodge", "ford", "</a:t>
+            </a:r>
+            <a:r>
+              <a:rPr lang="en-US" sz="1600" dirty="0" err="1">
+                <a:solidFill>
+                  <a:schemeClr val="bg1">
+                    <a:lumMod val="50000"/>
+                  </a:schemeClr>
+                </a:solidFill>
+                <a:latin typeface="Consolas" panose="020B0609020204030204" pitchFamily="49" charset="0"/>
+              </a:rPr>
+              <a:t>toyota</a:t>
+            </a:r>
+            <a:r>
+              <a:rPr lang="en-US" sz="1600" dirty="0">
+                <a:solidFill>
+                  <a:schemeClr val="bg1">
+                    <a:lumMod val="50000"/>
+                  </a:schemeClr>
+                </a:solidFill>
+                <a:latin typeface="Consolas" panose="020B0609020204030204" pitchFamily="49" charset="0"/>
+              </a:rPr>
+              <a:t>","</a:t>
+            </a:r>
+            <a:r>
+              <a:rPr lang="en-US" sz="1600" dirty="0" err="1">
+                <a:solidFill>
+                  <a:schemeClr val="bg1">
+                    <a:lumMod val="50000"/>
+                  </a:schemeClr>
+                </a:solidFill>
+                <a:latin typeface="Consolas" panose="020B0609020204030204" pitchFamily="49" charset="0"/>
+              </a:rPr>
+              <a:t>volkswagen</a:t>
+            </a:r>
+            <a:r>
+              <a:rPr lang="en-US" sz="1600" dirty="0">
+                <a:solidFill>
+                  <a:schemeClr val="bg1">
+                    <a:lumMod val="50000"/>
+                  </a:schemeClr>
+                </a:solidFill>
+                <a:latin typeface="Consolas" panose="020B0609020204030204" pitchFamily="49" charset="0"/>
+              </a:rPr>
+              <a:t>"))</a:t>
+            </a:r>
+          </a:p>
+          <a:p>
+            <a:pPr marL="0" indent="0">
+              <a:buNone/>
+            </a:pPr>
+            <a:r>
+              <a:rPr lang="en-US" sz="1600" dirty="0">
+                <a:solidFill>
+                  <a:schemeClr val="bg1">
+                    <a:lumMod val="50000"/>
+                  </a:schemeClr>
+                </a:solidFill>
+                <a:latin typeface="Consolas" panose="020B0609020204030204" pitchFamily="49" charset="0"/>
+              </a:rPr>
+              <a:t>boxplot(</a:t>
+            </a:r>
+            <a:r>
+              <a:rPr lang="en-US" sz="1600" dirty="0" err="1">
+                <a:solidFill>
+                  <a:schemeClr val="bg1">
+                    <a:lumMod val="50000"/>
+                  </a:schemeClr>
+                </a:solidFill>
+                <a:latin typeface="Consolas" panose="020B0609020204030204" pitchFamily="49" charset="0"/>
+              </a:rPr>
+              <a:t>cty</a:t>
+            </a:r>
+            <a:r>
+              <a:rPr lang="en-US" sz="1600" dirty="0">
+                <a:solidFill>
+                  <a:schemeClr val="bg1">
+                    <a:lumMod val="50000"/>
+                  </a:schemeClr>
+                </a:solidFill>
+                <a:latin typeface="Consolas" panose="020B0609020204030204" pitchFamily="49" charset="0"/>
+              </a:rPr>
+              <a:t> ~ manufacturer, mpg2)</a:t>
+            </a:r>
+          </a:p>
+          <a:p>
+            <a:pPr marL="0" indent="0">
+              <a:buNone/>
+            </a:pPr>
             <a:endParaRPr lang="en-US" sz="1600" dirty="0">
               <a:latin typeface="Consolas" panose="020B0609020204030204" pitchFamily="49" charset="0"/>
             </a:endParaRPr>
@@ -11131,7 +11291,15 @@
             </a:pPr>
             <a:r>
               <a:rPr lang="en-US" dirty="0"/>
-              <a:t>It appears that city MPG varies by manufacturer</a:t>
+              <a:t>It appears that </a:t>
+            </a:r>
+            <a:r>
+              <a:rPr lang="en-US" dirty="0" err="1"/>
+              <a:t>cty</a:t>
+            </a:r>
+            <a:r>
+              <a:rPr lang="en-US" dirty="0"/>
+              <a:t> (city MPG) varies by manufacturer</a:t>
             </a:r>
           </a:p>
           <a:p>
@@ -12135,7 +12303,7 @@
         <p:spPr>
           <a:xfrm>
             <a:off x="838200" y="1466850"/>
-            <a:ext cx="10661650" cy="5226050"/>
+            <a:ext cx="10953206" cy="5226050"/>
           </a:xfrm>
         </p:spPr>
         <p:txBody>
@@ -12151,7 +12319,14 @@
             </a:pPr>
             <a:r>
               <a:rPr lang="en-US" sz="3000" dirty="0"/>
-              <a:t>Another approach is to add an interaction term – a multiplicative term between the two variables of interest</a:t>
+              <a:t>Another approach is to add an interaction term:</a:t>
+            </a:r>
+            <a:br>
+              <a:rPr lang="en-US" sz="3000" dirty="0"/>
+            </a:br>
+            <a:r>
+              <a:rPr lang="en-US" sz="3000" dirty="0"/>
+              <a:t>a multiplicative term between X and X (literally: X times Z)</a:t>
             </a:r>
           </a:p>
           <a:p>
@@ -12162,7 +12337,7 @@
             </a:pPr>
             <a:r>
               <a:rPr lang="en-US" sz="3000" dirty="0"/>
-              <a:t>This allows the relationship between X and Y to vary based on the levels of Z</a:t>
+              <a:t>Allows the relation between X and Y to vary based on the level of Z</a:t>
             </a:r>
           </a:p>
           <a:p>
@@ -12173,7 +12348,7 @@
             </a:pPr>
             <a:r>
               <a:rPr lang="en-US" sz="3000" dirty="0"/>
-              <a:t>Why take this approach?</a:t>
+              <a:t>Why use an interaction instead of stratifying?</a:t>
             </a:r>
           </a:p>
           <a:p>
@@ -12184,7 +12359,7 @@
             </a:pPr>
             <a:r>
               <a:rPr lang="en-US" sz="2600" dirty="0"/>
-              <a:t>It is more elegant than stratifying the data</a:t>
+              <a:t>Fit one model instead of two, assumes similarities between group in error variance (and any other terms in model)</a:t>
             </a:r>
           </a:p>
           <a:p>
@@ -12195,7 +12370,14 @@
             </a:pPr>
             <a:r>
               <a:rPr lang="en-US" sz="2600" dirty="0"/>
-              <a:t>It allows us to test specific hypotheses (e.g., the p-value for the multiplicative term tells us if an interaction exists)</a:t>
+              <a:t>Allows for straightforward test of difference in slopes between groups</a:t>
+            </a:r>
+            <a:br>
+              <a:rPr lang="en-US" sz="2600" dirty="0"/>
+            </a:br>
+            <a:r>
+              <a:rPr lang="en-US" sz="2600" dirty="0"/>
+              <a:t>(e.g., p-value for the multiplicative term tells us if an interaction exists)</a:t>
             </a:r>
           </a:p>
           <a:p>
@@ -13541,8 +13723,8 @@
           </a:p>
         </p:txBody>
       </p:sp>
-      <mc:AlternateContent xmlns:mc="http://schemas.openxmlformats.org/markup-compatibility/2006" xmlns:a14="http://schemas.microsoft.com/office/drawing/2010/main">
-        <mc:Choice Requires="a14">
+      <mc:AlternateContent xmlns:mc="http://schemas.openxmlformats.org/markup-compatibility/2006">
+        <mc:Choice xmlns:a14="http://schemas.microsoft.com/office/drawing/2010/main" Requires="a14">
           <p:sp>
             <p:nvSpPr>
               <p:cNvPr id="3" name="Content Placeholder 2">
@@ -13578,7 +13760,7 @@
                 </a:pPr>
                 <a:r>
                   <a:rPr lang="en-US" sz="3800" dirty="0"/>
-                  <a:t>Upon fitting our model:</a:t>
+                  <a:t>Full interaction model:</a:t>
                 </a:r>
                 <a:br>
                   <a:rPr lang="en-US" sz="3800" dirty="0"/>
@@ -13747,7 +13929,7 @@
                 </a:pPr>
                 <a:r>
                   <a:rPr lang="en-US" sz="3800" dirty="0"/>
-                  <a:t>So, for males (sex=0):</a:t>
+                  <a:t>Interaction model just for males (sex=0):</a:t>
                 </a:r>
                 <a:br>
                   <a:rPr lang="en-US" sz="3800" dirty="0"/>
@@ -13961,7 +14143,7 @@
                 </a:pPr>
                 <a:r>
                   <a:rPr lang="en-US" sz="3800" dirty="0"/>
-                  <a:t>And for females (sex=1):</a:t>
+                  <a:t>Interaction model just for females (sex=1):</a:t>
                 </a:r>
                 <a:br>
                   <a:rPr lang="en-US" sz="3800" dirty="0"/>
@@ -14325,7 +14507,7 @@
             </p:txBody>
           </p:sp>
         </mc:Choice>
-        <mc:Fallback xmlns="">
+        <mc:Fallback>
           <p:sp>
             <p:nvSpPr>
               <p:cNvPr id="3" name="Content Placeholder 2">
@@ -14462,7 +14644,14 @@
             </a:pPr>
             <a:r>
               <a:rPr lang="en-US" dirty="0"/>
-              <a:t>Thus we can reproduce the sex-specific equations from before</a:t>
+              <a:t>Thus we can reproduce the </a:t>
+            </a:r>
+            <a:br>
+              <a:rPr lang="en-US" dirty="0"/>
+            </a:br>
+            <a:r>
+              <a:rPr lang="en-US" dirty="0"/>
+              <a:t>sex-specific equations from before</a:t>
             </a:r>
           </a:p>
           <a:p>
@@ -15578,7 +15767,7 @@
           <a:p>
             <a:r>
               <a:rPr lang="en-US" dirty="0"/>
-              <a:t>Creating a Reference Group</a:t>
+              <a:t>Identifying a Reference Group</a:t>
             </a:r>
           </a:p>
         </p:txBody>
@@ -15613,34 +15802,59 @@
           <a:p>
             <a:r>
               <a:rPr lang="en-US" dirty="0"/>
-              <a:t>We will code cylinders with a series of dummy variables (an extension to what we did with sex last session).</a:t>
-            </a:r>
-          </a:p>
-          <a:p>
-            <a:r>
+              <a:t>We will code “manufacturer” with a series of indicator variables </a:t>
+            </a:r>
+            <a:br>
               <a:rPr lang="en-US" dirty="0"/>
-              <a:t>To do this, we must pick a reference group. The reference group is somewhat arbitrary, but the following considerations that should guide the choice of reference group:</a:t>
+            </a:br>
+            <a:r>
+              <a:rPr lang="en-US" dirty="0"/>
+              <a:t>(extension of indicator for female last session)</a:t>
+            </a:r>
+          </a:p>
+          <a:p>
+            <a:r>
+              <a:rPr lang="en-US" dirty="0"/>
+              <a:t>To do this, we must pick a reference group. The reference group is somewhat arbitrary, but consider the following suggestions:</a:t>
             </a:r>
           </a:p>
           <a:p>
             <a:pPr lvl="1"/>
             <a:r>
               <a:rPr lang="en-US" dirty="0"/>
-              <a:t>The reference group should serve as a useful “baseline” comparison (e.g., a control group).</a:t>
+              <a:t>Reference group should serve as a useful “baseline” comparison </a:t>
+            </a:r>
+            <a:br>
+              <a:rPr lang="en-US" dirty="0"/>
+            </a:br>
+            <a:r>
+              <a:rPr lang="en-US" dirty="0"/>
+              <a:t>(e.g., a control group).</a:t>
             </a:r>
           </a:p>
           <a:p>
             <a:pPr lvl="1"/>
             <a:r>
               <a:rPr lang="en-US" dirty="0"/>
-              <a:t>For clarity of interpretation, the control group should be well-defined and not a “catch-all” group (e.g., “other”).</a:t>
+              <a:t>Reference group should be a well-defined group for clear interpretations; </a:t>
+            </a:r>
+            <a:br>
+              <a:rPr lang="en-US" dirty="0"/>
+            </a:br>
+            <a:r>
+              <a:rPr lang="en-US" u="sng" dirty="0"/>
+              <a:t>not</a:t>
+            </a:r>
+            <a:r>
+              <a:rPr lang="en-US" dirty="0"/>
+              <a:t> a “catch-all” group (e.g., “other”)</a:t>
             </a:r>
           </a:p>
           <a:p>
             <a:pPr lvl="1"/>
             <a:r>
               <a:rPr lang="en-US" dirty="0"/>
-              <a:t>The reference group should not have small sample size relative to other groups.</a:t>
+              <a:t>Avoid a reference group with very small sample size</a:t>
             </a:r>
           </a:p>
           <a:p>
@@ -15701,7 +15915,7 @@
           <a:p>
             <a:r>
               <a:rPr lang="en-US" dirty="0"/>
-              <a:t>Creating Dummy Categories</a:t>
+              <a:t>Creating indicator variables for categorical X</a:t>
             </a:r>
           </a:p>
         </p:txBody>
@@ -15734,13 +15948,13 @@
           <a:p>
             <a:r>
               <a:rPr lang="en-US" dirty="0"/>
-              <a:t>Let’s create a set of dummy variables using “Dodge” as the reference group</a:t>
+              <a:t>Let’s create a set of indicator variables using “Dodge” as the reference group</a:t>
             </a:r>
           </a:p>
           <a:p>
             <a:r>
               <a:rPr lang="en-US" dirty="0"/>
-              <a:t>For any variable with </a:t>
+              <a:t>For a variable with </a:t>
             </a:r>
             <a:r>
               <a:rPr lang="en-US" i="1" dirty="0"/>
@@ -15748,7 +15962,7 @@
             </a:r>
             <a:r>
               <a:rPr lang="en-US" dirty="0"/>
-              <a:t> categories, you will need to create </a:t>
+              <a:t> categories, we will create </a:t>
             </a:r>
             <a:r>
               <a:rPr lang="en-US" i="1" dirty="0"/>
@@ -16188,36 +16402,8 @@
           <a:chExt cx="0" cy="0"/>
         </a:xfrm>
       </p:grpSpPr>
-      <p:sp>
-        <p:nvSpPr>
-          <p:cNvPr id="2" name="Title 1">
-            <a:extLst>
-              <a:ext uri="{FF2B5EF4-FFF2-40B4-BE49-F238E27FC236}">
-                <a16:creationId xmlns:a16="http://schemas.microsoft.com/office/drawing/2014/main" id="{0B8C635E-B1AD-4A3B-A512-BE5F2592DC87}"/>
-              </a:ext>
-            </a:extLst>
-          </p:cNvPr>
-          <p:cNvSpPr>
-            <a:spLocks noGrp="1"/>
-          </p:cNvSpPr>
-          <p:nvPr>
-            <p:ph type="title"/>
-          </p:nvPr>
-        </p:nvSpPr>
-        <p:spPr/>
-        <p:txBody>
-          <a:bodyPr/>
-          <a:lstStyle/>
-          <a:p>
-            <a:r>
-              <a:rPr lang="en-US" dirty="0"/>
-              <a:t>Creating Dummy Categories</a:t>
-            </a:r>
-          </a:p>
-        </p:txBody>
-      </p:sp>
-      <mc:AlternateContent xmlns:mc="http://schemas.openxmlformats.org/markup-compatibility/2006">
-        <mc:Choice xmlns:a14="http://schemas.microsoft.com/office/drawing/2010/main" Requires="a14">
+      <mc:AlternateContent xmlns:mc="http://schemas.openxmlformats.org/markup-compatibility/2006" xmlns:a14="http://schemas.microsoft.com/office/drawing/2010/main">
+        <mc:Choice Requires="a14">
           <p:sp>
             <p:nvSpPr>
               <p:cNvPr id="3" name="Content Placeholder 2">
@@ -16882,7 +17068,7 @@
             </p:txBody>
           </p:sp>
         </mc:Choice>
-        <mc:Fallback>
+        <mc:Fallback xmlns="">
           <p:sp>
             <p:nvSpPr>
               <p:cNvPr id="3" name="Content Placeholder 2">
@@ -16926,6 +17112,60 @@
           </p:sp>
         </mc:Fallback>
       </mc:AlternateContent>
+      <p:sp>
+        <p:nvSpPr>
+          <p:cNvPr id="6" name="Title 1">
+            <a:extLst>
+              <a:ext uri="{FF2B5EF4-FFF2-40B4-BE49-F238E27FC236}">
+                <a16:creationId xmlns:a16="http://schemas.microsoft.com/office/drawing/2014/main" id="{AD2FBF47-5092-DD90-6362-33EC968002CF}"/>
+              </a:ext>
+            </a:extLst>
+          </p:cNvPr>
+          <p:cNvSpPr txBox="1">
+            <a:spLocks/>
+          </p:cNvSpPr>
+          <p:nvPr/>
+        </p:nvSpPr>
+        <p:spPr>
+          <a:xfrm>
+            <a:off x="838200" y="369479"/>
+            <a:ext cx="10515600" cy="1325563"/>
+          </a:xfrm>
+          <a:prstGeom prst="rect">
+            <a:avLst/>
+          </a:prstGeom>
+        </p:spPr>
+        <p:txBody>
+          <a:bodyPr vert="horz" lIns="91440" tIns="45720" rIns="91440" bIns="45720" rtlCol="0" anchor="ctr">
+            <a:normAutofit/>
+          </a:bodyPr>
+          <a:lstStyle>
+            <a:lvl1pPr algn="l" defTabSz="914400" rtl="0" eaLnBrk="1" latinLnBrk="0" hangingPunct="1">
+              <a:lnSpc>
+                <a:spcPct val="90000"/>
+              </a:lnSpc>
+              <a:spcBef>
+                <a:spcPct val="0"/>
+              </a:spcBef>
+              <a:buNone/>
+              <a:defRPr sz="4400" kern="1200">
+                <a:solidFill>
+                  <a:schemeClr val="tx1"/>
+                </a:solidFill>
+                <a:latin typeface="+mj-lt"/>
+                <a:ea typeface="+mj-ea"/>
+                <a:cs typeface="+mj-cs"/>
+              </a:defRPr>
+            </a:lvl1pPr>
+          </a:lstStyle>
+          <a:p>
+            <a:r>
+              <a:rPr lang="en-US" dirty="0"/>
+              <a:t>Creating indicator variables for categorical X</a:t>
+            </a:r>
+          </a:p>
+        </p:txBody>
+      </p:sp>
     </p:spTree>
     <p:extLst>
       <p:ext uri="{BB962C8B-B14F-4D97-AF65-F5344CB8AC3E}">
@@ -16979,7 +17219,7 @@
           <a:p>
             <a:r>
               <a:rPr lang="en-US" dirty="0"/>
-              <a:t>Creating Dummy Categories</a:t>
+              <a:t>Creating indicator variables for categorical X</a:t>
             </a:r>
           </a:p>
         </p:txBody>
@@ -17164,6 +17404,236 @@
               </a:rPr>
               <a:t>", 1, 0))</a:t>
             </a:r>
+          </a:p>
+          <a:p>
+            <a:pPr marL="0" indent="0">
+              <a:lnSpc>
+                <a:spcPct val="120000"/>
+              </a:lnSpc>
+              <a:buNone/>
+            </a:pPr>
+            <a:endParaRPr lang="en-US" sz="1400" dirty="0">
+              <a:latin typeface="Consolas" panose="020B0609020204030204" pitchFamily="49" charset="0"/>
+            </a:endParaRPr>
+          </a:p>
+          <a:p>
+            <a:pPr marL="0" indent="0">
+              <a:lnSpc>
+                <a:spcPct val="120000"/>
+              </a:lnSpc>
+              <a:spcBef>
+                <a:spcPts val="0"/>
+              </a:spcBef>
+              <a:buNone/>
+            </a:pPr>
+            <a:r>
+              <a:rPr lang="en-US" sz="1400" dirty="0">
+                <a:solidFill>
+                  <a:schemeClr val="bg1">
+                    <a:lumMod val="50000"/>
+                  </a:schemeClr>
+                </a:solidFill>
+                <a:latin typeface="Consolas" panose="020B0609020204030204" pitchFamily="49" charset="0"/>
+              </a:rPr>
+              <a:t>OR</a:t>
+            </a:r>
+          </a:p>
+          <a:p>
+            <a:pPr marL="0" indent="0">
+              <a:lnSpc>
+                <a:spcPct val="120000"/>
+              </a:lnSpc>
+              <a:spcBef>
+                <a:spcPts val="0"/>
+              </a:spcBef>
+              <a:buNone/>
+            </a:pPr>
+            <a:br>
+              <a:rPr lang="en-US" sz="1400" dirty="0">
+                <a:solidFill>
+                  <a:schemeClr val="bg1">
+                    <a:lumMod val="50000"/>
+                  </a:schemeClr>
+                </a:solidFill>
+                <a:latin typeface="Consolas" panose="020B0609020204030204" pitchFamily="49" charset="0"/>
+              </a:rPr>
+            </a:br>
+            <a:r>
+              <a:rPr lang="en-US" sz="1400" dirty="0">
+                <a:solidFill>
+                  <a:schemeClr val="bg1">
+                    <a:lumMod val="50000"/>
+                  </a:schemeClr>
+                </a:solidFill>
+                <a:latin typeface="Consolas" panose="020B0609020204030204" pitchFamily="49" charset="0"/>
+              </a:rPr>
+              <a:t>mpg2$mf_f &lt;- </a:t>
+            </a:r>
+            <a:r>
+              <a:rPr lang="en-US" sz="1400" dirty="0" err="1">
+                <a:solidFill>
+                  <a:schemeClr val="bg1">
+                    <a:lumMod val="50000"/>
+                  </a:schemeClr>
+                </a:solidFill>
+                <a:latin typeface="Consolas" panose="020B0609020204030204" pitchFamily="49" charset="0"/>
+              </a:rPr>
+              <a:t>ifelse</a:t>
+            </a:r>
+            <a:r>
+              <a:rPr lang="en-US" sz="1400" dirty="0">
+                <a:solidFill>
+                  <a:schemeClr val="bg1">
+                    <a:lumMod val="50000"/>
+                  </a:schemeClr>
+                </a:solidFill>
+                <a:latin typeface="Consolas" panose="020B0609020204030204" pitchFamily="49" charset="0"/>
+              </a:rPr>
+              <a:t>(mpg2$manufacturer=="ford", 1, 0)</a:t>
+            </a:r>
+          </a:p>
+          <a:p>
+            <a:pPr marL="0" indent="0">
+              <a:lnSpc>
+                <a:spcPct val="120000"/>
+              </a:lnSpc>
+              <a:spcBef>
+                <a:spcPts val="0"/>
+              </a:spcBef>
+              <a:buNone/>
+            </a:pPr>
+            <a:r>
+              <a:rPr lang="en-US" sz="1400" dirty="0">
+                <a:solidFill>
+                  <a:schemeClr val="bg1">
+                    <a:lumMod val="50000"/>
+                  </a:schemeClr>
+                </a:solidFill>
+                <a:latin typeface="Consolas" panose="020B0609020204030204" pitchFamily="49" charset="0"/>
+              </a:rPr>
+              <a:t>mpg2$mf_t &lt;- </a:t>
+            </a:r>
+            <a:r>
+              <a:rPr lang="en-US" sz="1400" dirty="0" err="1">
+                <a:solidFill>
+                  <a:schemeClr val="bg1">
+                    <a:lumMod val="50000"/>
+                  </a:schemeClr>
+                </a:solidFill>
+                <a:latin typeface="Consolas" panose="020B0609020204030204" pitchFamily="49" charset="0"/>
+              </a:rPr>
+              <a:t>ifelse</a:t>
+            </a:r>
+            <a:r>
+              <a:rPr lang="en-US" sz="1400" dirty="0">
+                <a:solidFill>
+                  <a:schemeClr val="bg1">
+                    <a:lumMod val="50000"/>
+                  </a:schemeClr>
+                </a:solidFill>
+                <a:latin typeface="Consolas" panose="020B0609020204030204" pitchFamily="49" charset="0"/>
+              </a:rPr>
+              <a:t>(mpg2$manufacturer=="</a:t>
+            </a:r>
+            <a:r>
+              <a:rPr lang="en-US" sz="1400" dirty="0" err="1">
+                <a:solidFill>
+                  <a:schemeClr val="bg1">
+                    <a:lumMod val="50000"/>
+                  </a:schemeClr>
+                </a:solidFill>
+                <a:latin typeface="Consolas" panose="020B0609020204030204" pitchFamily="49" charset="0"/>
+              </a:rPr>
+              <a:t>toyota</a:t>
+            </a:r>
+            <a:r>
+              <a:rPr lang="en-US" sz="1400" dirty="0">
+                <a:solidFill>
+                  <a:schemeClr val="bg1">
+                    <a:lumMod val="50000"/>
+                  </a:schemeClr>
+                </a:solidFill>
+                <a:latin typeface="Consolas" panose="020B0609020204030204" pitchFamily="49" charset="0"/>
+              </a:rPr>
+              <a:t>", 1, 0)</a:t>
+            </a:r>
+          </a:p>
+          <a:p>
+            <a:pPr marL="0" indent="0">
+              <a:lnSpc>
+                <a:spcPct val="120000"/>
+              </a:lnSpc>
+              <a:spcBef>
+                <a:spcPts val="0"/>
+              </a:spcBef>
+              <a:buNone/>
+            </a:pPr>
+            <a:r>
+              <a:rPr lang="en-US" sz="1400" dirty="0">
+                <a:solidFill>
+                  <a:schemeClr val="bg1">
+                    <a:lumMod val="50000"/>
+                  </a:schemeClr>
+                </a:solidFill>
+                <a:latin typeface="Consolas" panose="020B0609020204030204" pitchFamily="49" charset="0"/>
+              </a:rPr>
+              <a:t>mpg2$mf_v &lt;- </a:t>
+            </a:r>
+            <a:r>
+              <a:rPr lang="en-US" sz="1400" dirty="0" err="1">
+                <a:solidFill>
+                  <a:schemeClr val="bg1">
+                    <a:lumMod val="50000"/>
+                  </a:schemeClr>
+                </a:solidFill>
+                <a:latin typeface="Consolas" panose="020B0609020204030204" pitchFamily="49" charset="0"/>
+              </a:rPr>
+              <a:t>ifelse</a:t>
+            </a:r>
+            <a:r>
+              <a:rPr lang="en-US" sz="1400" dirty="0">
+                <a:solidFill>
+                  <a:schemeClr val="bg1">
+                    <a:lumMod val="50000"/>
+                  </a:schemeClr>
+                </a:solidFill>
+                <a:latin typeface="Consolas" panose="020B0609020204030204" pitchFamily="49" charset="0"/>
+              </a:rPr>
+              <a:t>(mpg2$manufacturer=="</a:t>
+            </a:r>
+            <a:r>
+              <a:rPr lang="en-US" sz="1400" dirty="0" err="1">
+                <a:solidFill>
+                  <a:schemeClr val="bg1">
+                    <a:lumMod val="50000"/>
+                  </a:schemeClr>
+                </a:solidFill>
+                <a:latin typeface="Consolas" panose="020B0609020204030204" pitchFamily="49" charset="0"/>
+              </a:rPr>
+              <a:t>volkswagen</a:t>
+            </a:r>
+            <a:r>
+              <a:rPr lang="en-US" sz="1400" dirty="0">
+                <a:solidFill>
+                  <a:schemeClr val="bg1">
+                    <a:lumMod val="50000"/>
+                  </a:schemeClr>
+                </a:solidFill>
+                <a:latin typeface="Consolas" panose="020B0609020204030204" pitchFamily="49" charset="0"/>
+              </a:rPr>
+              <a:t>", 1, 0)</a:t>
+            </a:r>
+          </a:p>
+          <a:p>
+            <a:pPr marL="0" indent="0">
+              <a:lnSpc>
+                <a:spcPct val="120000"/>
+              </a:lnSpc>
+              <a:buNone/>
+            </a:pPr>
+            <a:endParaRPr lang="en-US" sz="1400" dirty="0">
+              <a:latin typeface="Consolas" panose="020B0609020204030204" pitchFamily="49" charset="0"/>
+            </a:endParaRPr>
           </a:p>
           <a:p>
             <a:pPr marL="0" indent="0">
@@ -17222,15 +17692,40 @@
             <p:ph type="title"/>
           </p:nvPr>
         </p:nvSpPr>
-        <p:spPr/>
+        <p:spPr>
+          <a:xfrm>
+            <a:off x="838200" y="170656"/>
+            <a:ext cx="10515600" cy="1325563"/>
+          </a:xfrm>
+        </p:spPr>
         <p:txBody>
           <a:bodyPr/>
           <a:lstStyle/>
           <a:p>
             <a:r>
               <a:rPr lang="en-US" dirty="0"/>
-              <a:t>Dummy Categories in Regression</a:t>
-            </a:r>
+              <a:t>Regression with the set of indicator variables</a:t>
+            </a:r>
+            <a:br>
+              <a:rPr lang="en-US" dirty="0"/>
+            </a:br>
+            <a:r>
+              <a:rPr lang="en-US" sz="2800" i="1" dirty="0">
+                <a:solidFill>
+                  <a:schemeClr val="bg1">
+                    <a:lumMod val="65000"/>
+                  </a:schemeClr>
+                </a:solidFill>
+              </a:rPr>
+              <a:t>Code implementation</a:t>
+            </a:r>
+            <a:endParaRPr lang="en-US" i="1" dirty="0">
+              <a:solidFill>
+                <a:schemeClr val="bg1">
+                  <a:lumMod val="65000"/>
+                </a:schemeClr>
+              </a:solidFill>
+            </a:endParaRPr>
           </a:p>
         </p:txBody>
       </p:sp>
@@ -17258,7 +17753,7 @@
         </p:spPr>
         <p:txBody>
           <a:bodyPr>
-            <a:normAutofit lnSpcReduction="10000"/>
+            <a:normAutofit/>
           </a:bodyPr>
           <a:lstStyle/>
           <a:p>
@@ -17351,94 +17846,6 @@
             <a:endParaRPr lang="en-US" sz="1400" dirty="0">
               <a:latin typeface="Consolas" panose="020B0609020204030204" pitchFamily="49" charset="0"/>
             </a:endParaRPr>
-          </a:p>
-          <a:p>
-            <a:pPr marL="0" indent="0">
-              <a:lnSpc>
-                <a:spcPct val="120000"/>
-              </a:lnSpc>
-              <a:spcBef>
-                <a:spcPts val="0"/>
-              </a:spcBef>
-              <a:buNone/>
-            </a:pPr>
-            <a:r>
-              <a:rPr lang="en-US" sz="1400" dirty="0">
-                <a:latin typeface="Consolas" panose="020B0609020204030204" pitchFamily="49" charset="0"/>
-              </a:rPr>
-              <a:t>Call:</a:t>
-            </a:r>
-          </a:p>
-          <a:p>
-            <a:pPr marL="0" indent="0">
-              <a:lnSpc>
-                <a:spcPct val="120000"/>
-              </a:lnSpc>
-              <a:spcBef>
-                <a:spcPts val="0"/>
-              </a:spcBef>
-              <a:buNone/>
-            </a:pPr>
-            <a:r>
-              <a:rPr lang="en-US" sz="1400" dirty="0" err="1">
-                <a:latin typeface="Consolas" panose="020B0609020204030204" pitchFamily="49" charset="0"/>
-              </a:rPr>
-              <a:t>lm</a:t>
-            </a:r>
-            <a:r>
-              <a:rPr lang="en-US" sz="1400" dirty="0">
-                <a:latin typeface="Consolas" panose="020B0609020204030204" pitchFamily="49" charset="0"/>
-              </a:rPr>
-              <a:t>(formula = </a:t>
-            </a:r>
-            <a:r>
-              <a:rPr lang="en-US" sz="1400" dirty="0" err="1">
-                <a:latin typeface="Consolas" panose="020B0609020204030204" pitchFamily="49" charset="0"/>
-              </a:rPr>
-              <a:t>cty</a:t>
-            </a:r>
-            <a:r>
-              <a:rPr lang="en-US" sz="1400" dirty="0">
-                <a:latin typeface="Consolas" panose="020B0609020204030204" pitchFamily="49" charset="0"/>
-              </a:rPr>
-              <a:t> ~ </a:t>
-            </a:r>
-            <a:r>
-              <a:rPr lang="en-US" sz="1400" dirty="0" err="1">
-                <a:latin typeface="Consolas" panose="020B0609020204030204" pitchFamily="49" charset="0"/>
-              </a:rPr>
-              <a:t>mf_f</a:t>
-            </a:r>
-            <a:r>
-              <a:rPr lang="en-US" sz="1400" dirty="0">
-                <a:latin typeface="Consolas" panose="020B0609020204030204" pitchFamily="49" charset="0"/>
-              </a:rPr>
-              <a:t> + </a:t>
-            </a:r>
-            <a:r>
-              <a:rPr lang="en-US" sz="1400" dirty="0" err="1">
-                <a:latin typeface="Consolas" panose="020B0609020204030204" pitchFamily="49" charset="0"/>
-              </a:rPr>
-              <a:t>mf_t</a:t>
-            </a:r>
-            <a:r>
-              <a:rPr lang="en-US" sz="1400" dirty="0">
-                <a:latin typeface="Consolas" panose="020B0609020204030204" pitchFamily="49" charset="0"/>
-              </a:rPr>
-              <a:t> + </a:t>
-            </a:r>
-            <a:r>
-              <a:rPr lang="en-US" sz="1400" dirty="0" err="1">
-                <a:latin typeface="Consolas" panose="020B0609020204030204" pitchFamily="49" charset="0"/>
-              </a:rPr>
-              <a:t>mf_v</a:t>
-            </a:r>
-            <a:r>
-              <a:rPr lang="en-US" sz="1400" dirty="0">
-                <a:latin typeface="Consolas" panose="020B0609020204030204" pitchFamily="49" charset="0"/>
-              </a:rPr>
-              <a:t>, data = mpg2)</a:t>
-            </a:r>
           </a:p>
           <a:p>
             <a:pPr marL="0" indent="0">
@@ -18015,36 +18422,8 @@
           <a:chExt cx="0" cy="0"/>
         </a:xfrm>
       </p:grpSpPr>
-      <p:sp>
-        <p:nvSpPr>
-          <p:cNvPr id="2" name="Title 1">
-            <a:extLst>
-              <a:ext uri="{FF2B5EF4-FFF2-40B4-BE49-F238E27FC236}">
-                <a16:creationId xmlns:a16="http://schemas.microsoft.com/office/drawing/2014/main" id="{0B8C635E-B1AD-4A3B-A512-BE5F2592DC87}"/>
-              </a:ext>
-            </a:extLst>
-          </p:cNvPr>
-          <p:cNvSpPr>
-            <a:spLocks noGrp="1"/>
-          </p:cNvSpPr>
-          <p:nvPr>
-            <p:ph type="title"/>
-          </p:nvPr>
-        </p:nvSpPr>
-        <p:spPr/>
-        <p:txBody>
-          <a:bodyPr/>
-          <a:lstStyle/>
-          <a:p>
-            <a:r>
-              <a:rPr lang="en-US" dirty="0"/>
-              <a:t>Dummy Categories in Regression</a:t>
-            </a:r>
-          </a:p>
-        </p:txBody>
-      </p:sp>
-      <mc:AlternateContent xmlns:mc="http://schemas.openxmlformats.org/markup-compatibility/2006" xmlns:a14="http://schemas.microsoft.com/office/drawing/2010/main">
-        <mc:Choice Requires="a14">
+      <mc:AlternateContent xmlns:mc="http://schemas.openxmlformats.org/markup-compatibility/2006">
+        <mc:Choice xmlns:a14="http://schemas.microsoft.com/office/drawing/2010/main" Requires="a14">
           <p:sp>
             <p:nvSpPr>
               <p:cNvPr id="3" name="Content Placeholder 2">
@@ -18355,7 +18734,7 @@
                 </a14:m>
                 <a:r>
                   <a:rPr lang="en-US" dirty="0"/>
-                  <a:t> tests whether the mean MPG for Ford is different than Dodge</a:t>
+                  <a:t> quantifies difference in mean MPG for Ford vs Dodge</a:t>
                 </a:r>
               </a:p>
               <a:p>
@@ -18395,7 +18774,7 @@
                 </a14:m>
                 <a:r>
                   <a:rPr lang="en-US" dirty="0"/>
-                  <a:t> tests whether the mean MPG for Toyota is different than Dodge</a:t>
+                  <a:t> quantifies difference in mean MPG for Toyota vs Dodge</a:t>
                 </a:r>
               </a:p>
               <a:p>
@@ -18435,7 +18814,7 @@
                 </a14:m>
                 <a:r>
                   <a:rPr lang="en-US" dirty="0"/>
-                  <a:t> tests whether the mean MPG for Volkswagen is different than Dodge</a:t>
+                  <a:t> quantifies difference in mean MPG for Volkswagen vs Dodge</a:t>
                 </a:r>
               </a:p>
               <a:p>
@@ -18593,7 +18972,7 @@
             </p:txBody>
           </p:sp>
         </mc:Choice>
-        <mc:Fallback xmlns="">
+        <mc:Fallback>
           <p:sp>
             <p:nvSpPr>
               <p:cNvPr id="3" name="Content Placeholder 2">
@@ -18637,6 +19016,59 @@
           </p:sp>
         </mc:Fallback>
       </mc:AlternateContent>
+      <p:sp>
+        <p:nvSpPr>
+          <p:cNvPr id="6" name="Title 1">
+            <a:extLst>
+              <a:ext uri="{FF2B5EF4-FFF2-40B4-BE49-F238E27FC236}">
+                <a16:creationId xmlns:a16="http://schemas.microsoft.com/office/drawing/2014/main" id="{24F27DC7-55B7-C28D-A3D0-EA100EB924F6}"/>
+              </a:ext>
+            </a:extLst>
+          </p:cNvPr>
+          <p:cNvSpPr>
+            <a:spLocks noGrp="1"/>
+          </p:cNvSpPr>
+          <p:nvPr>
+            <p:ph type="title"/>
+          </p:nvPr>
+        </p:nvSpPr>
+        <p:spPr>
+          <a:xfrm>
+            <a:off x="838200" y="170656"/>
+            <a:ext cx="10515600" cy="1325563"/>
+          </a:xfrm>
+        </p:spPr>
+        <p:txBody>
+          <a:bodyPr/>
+          <a:lstStyle/>
+          <a:p>
+            <a:r>
+              <a:rPr lang="en-US" dirty="0"/>
+              <a:t>Regression with the set of indicator variables</a:t>
+            </a:r>
+            <a:br>
+              <a:rPr lang="en-US" dirty="0"/>
+            </a:br>
+            <a:r>
+              <a:rPr lang="en-US" sz="2800" i="1" dirty="0">
+                <a:solidFill>
+                  <a:schemeClr val="bg1">
+                    <a:lumMod val="65000"/>
+                  </a:schemeClr>
+                </a:solidFill>
+              </a:rPr>
+              <a:t>Model and interpretation</a:t>
+            </a:r>
+            <a:endParaRPr lang="en-US" i="1" dirty="0">
+              <a:solidFill>
+                <a:schemeClr val="bg1">
+                  <a:lumMod val="65000"/>
+                </a:schemeClr>
+              </a:solidFill>
+            </a:endParaRPr>
+          </a:p>
+        </p:txBody>
+      </p:sp>
     </p:spTree>
     <p:extLst>
       <p:ext uri="{BB962C8B-B14F-4D97-AF65-F5344CB8AC3E}">
